--- a/DDD & Event Sourcing.pptx
+++ b/DDD & Event Sourcing.pptx
@@ -5,33 +5,32 @@
     <p:sldMasterId id="2147483705" r:id="rId4"/>
   </p:sldMasterIdLst>
   <p:notesMasterIdLst>
-    <p:notesMasterId r:id="rId26"/>
+    <p:notesMasterId r:id="rId25"/>
   </p:notesMasterIdLst>
   <p:handoutMasterIdLst>
-    <p:handoutMasterId r:id="rId27"/>
+    <p:handoutMasterId r:id="rId26"/>
   </p:handoutMasterIdLst>
   <p:sldIdLst>
     <p:sldId id="278" r:id="rId5"/>
-    <p:sldId id="338" r:id="rId6"/>
-    <p:sldId id="310" r:id="rId7"/>
-    <p:sldId id="314" r:id="rId8"/>
-    <p:sldId id="311" r:id="rId9"/>
-    <p:sldId id="336" r:id="rId10"/>
-    <p:sldId id="337" r:id="rId11"/>
-    <p:sldId id="315" r:id="rId12"/>
-    <p:sldId id="284" r:id="rId13"/>
-    <p:sldId id="316" r:id="rId14"/>
-    <p:sldId id="335" r:id="rId15"/>
-    <p:sldId id="334" r:id="rId16"/>
-    <p:sldId id="333" r:id="rId17"/>
-    <p:sldId id="317" r:id="rId18"/>
-    <p:sldId id="324" r:id="rId19"/>
-    <p:sldId id="326" r:id="rId20"/>
-    <p:sldId id="328" r:id="rId21"/>
-    <p:sldId id="331" r:id="rId22"/>
-    <p:sldId id="325" r:id="rId23"/>
-    <p:sldId id="296" r:id="rId24"/>
-    <p:sldId id="292" r:id="rId25"/>
+    <p:sldId id="310" r:id="rId6"/>
+    <p:sldId id="314" r:id="rId7"/>
+    <p:sldId id="311" r:id="rId8"/>
+    <p:sldId id="336" r:id="rId9"/>
+    <p:sldId id="337" r:id="rId10"/>
+    <p:sldId id="315" r:id="rId11"/>
+    <p:sldId id="284" r:id="rId12"/>
+    <p:sldId id="316" r:id="rId13"/>
+    <p:sldId id="335" r:id="rId14"/>
+    <p:sldId id="334" r:id="rId15"/>
+    <p:sldId id="333" r:id="rId16"/>
+    <p:sldId id="317" r:id="rId17"/>
+    <p:sldId id="324" r:id="rId18"/>
+    <p:sldId id="326" r:id="rId19"/>
+    <p:sldId id="328" r:id="rId20"/>
+    <p:sldId id="331" r:id="rId21"/>
+    <p:sldId id="325" r:id="rId22"/>
+    <p:sldId id="296" r:id="rId23"/>
+    <p:sldId id="292" r:id="rId24"/>
   </p:sldIdLst>
   <p:sldSz cx="12192000" cy="6858000"/>
   <p:notesSz cx="6858000" cy="9144000"/>
@@ -734,6 +733,21 @@
           <a:bodyPr/>
           <a:lstStyle/>
           <a:p>
+            <a:r>
+              <a:rPr lang="en-US" dirty="0"/>
+              <a:t>Took the concept of pushing business logic down into the domain, rather than having what’s called an anemic domain model, we have a model rich in behavior. This allows for more explicit modeling of our domain, better unit testing, and better encapsulation of our business rules. Towards the end I made a quick note about Event Sourcing and how modeling our domain this way sets us up to do Event Sourcing. I know we’ve had a few conversations about it and I wanted to follow up on it and do a POC to see how practical it could be and see what you guys think.</a:t>
+            </a:r>
+          </a:p>
+          <a:p>
+            <a:endParaRPr lang="en-US" dirty="0"/>
+          </a:p>
+          <a:p>
+            <a:r>
+              <a:rPr lang="en-US" dirty="0"/>
+              <a:t>Before we can start talking about Event Sourcing, we need to take another tool from DDD and that is the concept of Domain Events</a:t>
+            </a:r>
+          </a:p>
+          <a:p>
             <a:endParaRPr lang="en-US" dirty="0"/>
           </a:p>
         </p:txBody>
@@ -775,6 +789,336 @@
 </file>
 
 <file path=ppt/notesSlides/notesSlide10.xml><?xml version="1.0" encoding="utf-8"?>
+<p:notes xmlns:a="http://schemas.openxmlformats.org/drawingml/2006/main" xmlns:r="http://schemas.openxmlformats.org/officeDocument/2006/relationships" xmlns:p="http://schemas.openxmlformats.org/presentationml/2006/main">
+  <p:cSld>
+    <p:spTree>
+      <p:nvGrpSpPr>
+        <p:cNvPr id="1" name="">
+          <a:extLst>
+            <a:ext uri="{FF2B5EF4-FFF2-40B4-BE49-F238E27FC236}">
+              <a16:creationId xmlns:a16="http://schemas.microsoft.com/office/drawing/2014/main" id="{906DB281-97BF-F47C-B2D5-C386E4379B11}"/>
+            </a:ext>
+          </a:extLst>
+        </p:cNvPr>
+        <p:cNvGrpSpPr/>
+        <p:nvPr/>
+      </p:nvGrpSpPr>
+      <p:grpSpPr>
+        <a:xfrm>
+          <a:off x="0" y="0"/>
+          <a:ext cx="0" cy="0"/>
+          <a:chOff x="0" y="0"/>
+          <a:chExt cx="0" cy="0"/>
+        </a:xfrm>
+      </p:grpSpPr>
+      <p:sp>
+        <p:nvSpPr>
+          <p:cNvPr id="2" name="Slide Image Placeholder 1">
+            <a:extLst>
+              <a:ext uri="{FF2B5EF4-FFF2-40B4-BE49-F238E27FC236}">
+                <a16:creationId xmlns:a16="http://schemas.microsoft.com/office/drawing/2014/main" id="{81BB01F8-81D7-10D0-F60A-783B37E5EB90}"/>
+              </a:ext>
+            </a:extLst>
+          </p:cNvPr>
+          <p:cNvSpPr>
+            <a:spLocks noGrp="1" noRot="1" noChangeAspect="1"/>
+          </p:cNvSpPr>
+          <p:nvPr>
+            <p:ph type="sldImg"/>
+          </p:nvPr>
+        </p:nvSpPr>
+        <p:spPr/>
+      </p:sp>
+      <p:sp>
+        <p:nvSpPr>
+          <p:cNvPr id="3" name="Notes Placeholder 2">
+            <a:extLst>
+              <a:ext uri="{FF2B5EF4-FFF2-40B4-BE49-F238E27FC236}">
+                <a16:creationId xmlns:a16="http://schemas.microsoft.com/office/drawing/2014/main" id="{E02CB186-2153-AC24-AA5C-BBF0795F7637}"/>
+              </a:ext>
+            </a:extLst>
+          </p:cNvPr>
+          <p:cNvSpPr>
+            <a:spLocks noGrp="1"/>
+          </p:cNvSpPr>
+          <p:nvPr>
+            <p:ph type="body" idx="1"/>
+          </p:nvPr>
+        </p:nvSpPr>
+        <p:spPr/>
+        <p:txBody>
+          <a:bodyPr/>
+          <a:lstStyle/>
+          <a:p>
+            <a:endParaRPr lang="en-US" dirty="0"/>
+          </a:p>
+        </p:txBody>
+      </p:sp>
+      <p:sp>
+        <p:nvSpPr>
+          <p:cNvPr id="4" name="Slide Number Placeholder 3">
+            <a:extLst>
+              <a:ext uri="{FF2B5EF4-FFF2-40B4-BE49-F238E27FC236}">
+                <a16:creationId xmlns:a16="http://schemas.microsoft.com/office/drawing/2014/main" id="{C94C5C2B-9400-2AFD-7417-115A00AD748B}"/>
+              </a:ext>
+            </a:extLst>
+          </p:cNvPr>
+          <p:cNvSpPr>
+            <a:spLocks noGrp="1"/>
+          </p:cNvSpPr>
+          <p:nvPr>
+            <p:ph type="sldNum" sz="quarter" idx="5"/>
+          </p:nvPr>
+        </p:nvSpPr>
+        <p:spPr/>
+        <p:txBody>
+          <a:bodyPr/>
+          <a:lstStyle/>
+          <a:p>
+            <a:fld id="{E7AF00E9-A49D-4007-B3B9-A3783809E505}" type="slidenum">
+              <a:rPr lang="en-US" smtClean="0"/>
+              <a:t>10</a:t>
+            </a:fld>
+            <a:endParaRPr lang="en-US" dirty="0"/>
+          </a:p>
+        </p:txBody>
+      </p:sp>
+    </p:spTree>
+    <p:extLst>
+      <p:ext uri="{BB962C8B-B14F-4D97-AF65-F5344CB8AC3E}">
+        <p14:creationId xmlns:p14="http://schemas.microsoft.com/office/powerpoint/2010/main" val="3060455216"/>
+      </p:ext>
+    </p:extLst>
+  </p:cSld>
+  <p:clrMapOvr>
+    <a:masterClrMapping/>
+  </p:clrMapOvr>
+</p:notes>
+</file>
+
+<file path=ppt/notesSlides/notesSlide11.xml><?xml version="1.0" encoding="utf-8"?>
+<p:notes xmlns:a="http://schemas.openxmlformats.org/drawingml/2006/main" xmlns:r="http://schemas.openxmlformats.org/officeDocument/2006/relationships" xmlns:p="http://schemas.openxmlformats.org/presentationml/2006/main">
+  <p:cSld>
+    <p:spTree>
+      <p:nvGrpSpPr>
+        <p:cNvPr id="1" name="">
+          <a:extLst>
+            <a:ext uri="{FF2B5EF4-FFF2-40B4-BE49-F238E27FC236}">
+              <a16:creationId xmlns:a16="http://schemas.microsoft.com/office/drawing/2014/main" id="{1D14FB53-581B-73A3-E4E3-BC4A466E2B6D}"/>
+            </a:ext>
+          </a:extLst>
+        </p:cNvPr>
+        <p:cNvGrpSpPr/>
+        <p:nvPr/>
+      </p:nvGrpSpPr>
+      <p:grpSpPr>
+        <a:xfrm>
+          <a:off x="0" y="0"/>
+          <a:ext cx="0" cy="0"/>
+          <a:chOff x="0" y="0"/>
+          <a:chExt cx="0" cy="0"/>
+        </a:xfrm>
+      </p:grpSpPr>
+      <p:sp>
+        <p:nvSpPr>
+          <p:cNvPr id="2" name="Slide Image Placeholder 1">
+            <a:extLst>
+              <a:ext uri="{FF2B5EF4-FFF2-40B4-BE49-F238E27FC236}">
+                <a16:creationId xmlns:a16="http://schemas.microsoft.com/office/drawing/2014/main" id="{B40B7AB4-2D40-3833-EFEA-51B739E0EA2F}"/>
+              </a:ext>
+            </a:extLst>
+          </p:cNvPr>
+          <p:cNvSpPr>
+            <a:spLocks noGrp="1" noRot="1" noChangeAspect="1"/>
+          </p:cNvSpPr>
+          <p:nvPr>
+            <p:ph type="sldImg"/>
+          </p:nvPr>
+        </p:nvSpPr>
+        <p:spPr/>
+      </p:sp>
+      <p:sp>
+        <p:nvSpPr>
+          <p:cNvPr id="3" name="Notes Placeholder 2">
+            <a:extLst>
+              <a:ext uri="{FF2B5EF4-FFF2-40B4-BE49-F238E27FC236}">
+                <a16:creationId xmlns:a16="http://schemas.microsoft.com/office/drawing/2014/main" id="{71C20E32-6846-2480-601E-B0D7ABCBBC6F}"/>
+              </a:ext>
+            </a:extLst>
+          </p:cNvPr>
+          <p:cNvSpPr>
+            <a:spLocks noGrp="1"/>
+          </p:cNvSpPr>
+          <p:nvPr>
+            <p:ph type="body" idx="1"/>
+          </p:nvPr>
+        </p:nvSpPr>
+        <p:spPr/>
+        <p:txBody>
+          <a:bodyPr/>
+          <a:lstStyle/>
+          <a:p>
+            <a:r>
+              <a:rPr lang="en-US" dirty="0"/>
+              <a:t>This is good for commands that are modifying a single aggregate instance, but not so good for queries who need to join several aggregates together</a:t>
+            </a:r>
+          </a:p>
+        </p:txBody>
+      </p:sp>
+      <p:sp>
+        <p:nvSpPr>
+          <p:cNvPr id="4" name="Slide Number Placeholder 3">
+            <a:extLst>
+              <a:ext uri="{FF2B5EF4-FFF2-40B4-BE49-F238E27FC236}">
+                <a16:creationId xmlns:a16="http://schemas.microsoft.com/office/drawing/2014/main" id="{5AB6C702-7C35-6253-EAF4-081C169BA105}"/>
+              </a:ext>
+            </a:extLst>
+          </p:cNvPr>
+          <p:cNvSpPr>
+            <a:spLocks noGrp="1"/>
+          </p:cNvSpPr>
+          <p:nvPr>
+            <p:ph type="sldNum" sz="quarter" idx="5"/>
+          </p:nvPr>
+        </p:nvSpPr>
+        <p:spPr/>
+        <p:txBody>
+          <a:bodyPr/>
+          <a:lstStyle/>
+          <a:p>
+            <a:fld id="{E7AF00E9-A49D-4007-B3B9-A3783809E505}" type="slidenum">
+              <a:rPr lang="en-US" smtClean="0"/>
+              <a:t>11</a:t>
+            </a:fld>
+            <a:endParaRPr lang="en-US" dirty="0"/>
+          </a:p>
+        </p:txBody>
+      </p:sp>
+    </p:spTree>
+    <p:extLst>
+      <p:ext uri="{BB962C8B-B14F-4D97-AF65-F5344CB8AC3E}">
+        <p14:creationId xmlns:p14="http://schemas.microsoft.com/office/powerpoint/2010/main" val="2323259484"/>
+      </p:ext>
+    </p:extLst>
+  </p:cSld>
+  <p:clrMapOvr>
+    <a:masterClrMapping/>
+  </p:clrMapOvr>
+</p:notes>
+</file>
+
+<file path=ppt/notesSlides/notesSlide12.xml><?xml version="1.0" encoding="utf-8"?>
+<p:notes xmlns:a="http://schemas.openxmlformats.org/drawingml/2006/main" xmlns:r="http://schemas.openxmlformats.org/officeDocument/2006/relationships" xmlns:p="http://schemas.openxmlformats.org/presentationml/2006/main">
+  <p:cSld>
+    <p:spTree>
+      <p:nvGrpSpPr>
+        <p:cNvPr id="1" name="">
+          <a:extLst>
+            <a:ext uri="{FF2B5EF4-FFF2-40B4-BE49-F238E27FC236}">
+              <a16:creationId xmlns:a16="http://schemas.microsoft.com/office/drawing/2014/main" id="{BC9F33CF-F7F0-5A69-05D1-969D3FB71783}"/>
+            </a:ext>
+          </a:extLst>
+        </p:cNvPr>
+        <p:cNvGrpSpPr/>
+        <p:nvPr/>
+      </p:nvGrpSpPr>
+      <p:grpSpPr>
+        <a:xfrm>
+          <a:off x="0" y="0"/>
+          <a:ext cx="0" cy="0"/>
+          <a:chOff x="0" y="0"/>
+          <a:chExt cx="0" cy="0"/>
+        </a:xfrm>
+      </p:grpSpPr>
+      <p:sp>
+        <p:nvSpPr>
+          <p:cNvPr id="2" name="Slide Image Placeholder 1">
+            <a:extLst>
+              <a:ext uri="{FF2B5EF4-FFF2-40B4-BE49-F238E27FC236}">
+                <a16:creationId xmlns:a16="http://schemas.microsoft.com/office/drawing/2014/main" id="{5D00C21D-FE6A-80D2-4974-9ED9F4C9F504}"/>
+              </a:ext>
+            </a:extLst>
+          </p:cNvPr>
+          <p:cNvSpPr>
+            <a:spLocks noGrp="1" noRot="1" noChangeAspect="1"/>
+          </p:cNvSpPr>
+          <p:nvPr>
+            <p:ph type="sldImg"/>
+          </p:nvPr>
+        </p:nvSpPr>
+        <p:spPr/>
+      </p:sp>
+      <p:sp>
+        <p:nvSpPr>
+          <p:cNvPr id="3" name="Notes Placeholder 2">
+            <a:extLst>
+              <a:ext uri="{FF2B5EF4-FFF2-40B4-BE49-F238E27FC236}">
+                <a16:creationId xmlns:a16="http://schemas.microsoft.com/office/drawing/2014/main" id="{0C80A928-3719-A72B-D005-0EAADF53C89B}"/>
+              </a:ext>
+            </a:extLst>
+          </p:cNvPr>
+          <p:cNvSpPr>
+            <a:spLocks noGrp="1"/>
+          </p:cNvSpPr>
+          <p:nvPr>
+            <p:ph type="body" idx="1"/>
+          </p:nvPr>
+        </p:nvSpPr>
+        <p:spPr/>
+        <p:txBody>
+          <a:bodyPr/>
+          <a:lstStyle/>
+          <a:p>
+            <a:r>
+              <a:rPr lang="en-US" dirty="0"/>
+              <a:t>Create specific read model/materialized view for our use case</a:t>
+            </a:r>
+          </a:p>
+        </p:txBody>
+      </p:sp>
+      <p:sp>
+        <p:nvSpPr>
+          <p:cNvPr id="4" name="Slide Number Placeholder 3">
+            <a:extLst>
+              <a:ext uri="{FF2B5EF4-FFF2-40B4-BE49-F238E27FC236}">
+                <a16:creationId xmlns:a16="http://schemas.microsoft.com/office/drawing/2014/main" id="{98028C5F-2CE1-35E4-0832-ECE775575758}"/>
+              </a:ext>
+            </a:extLst>
+          </p:cNvPr>
+          <p:cNvSpPr>
+            <a:spLocks noGrp="1"/>
+          </p:cNvSpPr>
+          <p:nvPr>
+            <p:ph type="sldNum" sz="quarter" idx="5"/>
+          </p:nvPr>
+        </p:nvSpPr>
+        <p:spPr/>
+        <p:txBody>
+          <a:bodyPr/>
+          <a:lstStyle/>
+          <a:p>
+            <a:fld id="{E7AF00E9-A49D-4007-B3B9-A3783809E505}" type="slidenum">
+              <a:rPr lang="en-US" smtClean="0"/>
+              <a:t>12</a:t>
+            </a:fld>
+            <a:endParaRPr lang="en-US" dirty="0"/>
+          </a:p>
+        </p:txBody>
+      </p:sp>
+    </p:spTree>
+    <p:extLst>
+      <p:ext uri="{BB962C8B-B14F-4D97-AF65-F5344CB8AC3E}">
+        <p14:creationId xmlns:p14="http://schemas.microsoft.com/office/powerpoint/2010/main" val="22813371"/>
+      </p:ext>
+    </p:extLst>
+  </p:cSld>
+  <p:clrMapOvr>
+    <a:masterClrMapping/>
+  </p:clrMapOvr>
+</p:notes>
+</file>
+
+<file path=ppt/notesSlides/notesSlide13.xml><?xml version="1.0" encoding="utf-8"?>
 <p:notes xmlns:a="http://schemas.openxmlformats.org/drawingml/2006/main" xmlns:r="http://schemas.openxmlformats.org/officeDocument/2006/relationships" xmlns:p="http://schemas.openxmlformats.org/presentationml/2006/main">
   <p:cSld>
     <p:spTree>
@@ -818,7 +1162,49 @@
           <a:bodyPr/>
           <a:lstStyle/>
           <a:p>
-            <a:endParaRPr lang="en-US" dirty="0"/>
+            <a:pPr marL="0" indent="0">
+              <a:buNone/>
+            </a:pPr>
+            <a:r>
+              <a:rPr lang="en-US" dirty="0"/>
+              <a:t>1. Complete historical data, reporting</a:t>
+            </a:r>
+          </a:p>
+          <a:p>
+            <a:pPr marL="0" indent="0">
+              <a:buNone/>
+            </a:pPr>
+            <a:r>
+              <a:rPr lang="en-US" dirty="0"/>
+              <a:t>2. Tells us where it’s been, where it’s at, and how it got there – purpose behind current state</a:t>
+            </a:r>
+          </a:p>
+          <a:p>
+            <a:pPr marL="0" indent="0">
+              <a:buNone/>
+            </a:pPr>
+            <a:r>
+              <a:rPr lang="en-US" dirty="0"/>
+              <a:t>3. Open/Closed Principle by adding new events/read models</a:t>
+            </a:r>
+          </a:p>
+          <a:p>
+            <a:pPr marL="0" indent="0">
+              <a:buNone/>
+            </a:pPr>
+            <a:r>
+              <a:rPr lang="en-US" dirty="0"/>
+              <a:t>4. Event stream gives us what changes have been made</a:t>
+            </a:r>
+          </a:p>
+          <a:p>
+            <a:pPr marL="0" indent="0">
+              <a:buNone/>
+            </a:pPr>
+            <a:r>
+              <a:rPr lang="en-US" dirty="0"/>
+              <a:t>5. More of a CQRS thing, but you can’t achieve the full power and benefits of Event Sourcing w/o CQRS</a:t>
+            </a:r>
           </a:p>
         </p:txBody>
       </p:sp>
@@ -839,7 +1225,7 @@
           <a:p>
             <a:fld id="{E7AF00E9-A49D-4007-B3B9-A3783809E505}" type="slidenum">
               <a:rPr lang="en-US" smtClean="0"/>
-              <a:t>10</a:t>
+              <a:t>13</a:t>
             </a:fld>
             <a:endParaRPr lang="en-US" dirty="0"/>
           </a:p>
@@ -848,337 +1234,7 @@
     </p:spTree>
     <p:extLst>
       <p:ext uri="{BB962C8B-B14F-4D97-AF65-F5344CB8AC3E}">
-        <p14:creationId xmlns:p14="http://schemas.microsoft.com/office/powerpoint/2010/main" val="46972043"/>
-      </p:ext>
-    </p:extLst>
-  </p:cSld>
-  <p:clrMapOvr>
-    <a:masterClrMapping/>
-  </p:clrMapOvr>
-</p:notes>
-</file>
-
-<file path=ppt/notesSlides/notesSlide11.xml><?xml version="1.0" encoding="utf-8"?>
-<p:notes xmlns:a="http://schemas.openxmlformats.org/drawingml/2006/main" xmlns:r="http://schemas.openxmlformats.org/officeDocument/2006/relationships" xmlns:p="http://schemas.openxmlformats.org/presentationml/2006/main">
-  <p:cSld>
-    <p:spTree>
-      <p:nvGrpSpPr>
-        <p:cNvPr id="1" name="">
-          <a:extLst>
-            <a:ext uri="{FF2B5EF4-FFF2-40B4-BE49-F238E27FC236}">
-              <a16:creationId xmlns:a16="http://schemas.microsoft.com/office/drawing/2014/main" id="{906DB281-97BF-F47C-B2D5-C386E4379B11}"/>
-            </a:ext>
-          </a:extLst>
-        </p:cNvPr>
-        <p:cNvGrpSpPr/>
-        <p:nvPr/>
-      </p:nvGrpSpPr>
-      <p:grpSpPr>
-        <a:xfrm>
-          <a:off x="0" y="0"/>
-          <a:ext cx="0" cy="0"/>
-          <a:chOff x="0" y="0"/>
-          <a:chExt cx="0" cy="0"/>
-        </a:xfrm>
-      </p:grpSpPr>
-      <p:sp>
-        <p:nvSpPr>
-          <p:cNvPr id="2" name="Slide Image Placeholder 1">
-            <a:extLst>
-              <a:ext uri="{FF2B5EF4-FFF2-40B4-BE49-F238E27FC236}">
-                <a16:creationId xmlns:a16="http://schemas.microsoft.com/office/drawing/2014/main" id="{81BB01F8-81D7-10D0-F60A-783B37E5EB90}"/>
-              </a:ext>
-            </a:extLst>
-          </p:cNvPr>
-          <p:cNvSpPr>
-            <a:spLocks noGrp="1" noRot="1" noChangeAspect="1"/>
-          </p:cNvSpPr>
-          <p:nvPr>
-            <p:ph type="sldImg"/>
-          </p:nvPr>
-        </p:nvSpPr>
-        <p:spPr/>
-      </p:sp>
-      <p:sp>
-        <p:nvSpPr>
-          <p:cNvPr id="3" name="Notes Placeholder 2">
-            <a:extLst>
-              <a:ext uri="{FF2B5EF4-FFF2-40B4-BE49-F238E27FC236}">
-                <a16:creationId xmlns:a16="http://schemas.microsoft.com/office/drawing/2014/main" id="{E02CB186-2153-AC24-AA5C-BBF0795F7637}"/>
-              </a:ext>
-            </a:extLst>
-          </p:cNvPr>
-          <p:cNvSpPr>
-            <a:spLocks noGrp="1"/>
-          </p:cNvSpPr>
-          <p:nvPr>
-            <p:ph type="body" idx="1"/>
-          </p:nvPr>
-        </p:nvSpPr>
-        <p:spPr/>
-        <p:txBody>
-          <a:bodyPr/>
-          <a:lstStyle/>
-          <a:p>
-            <a:endParaRPr lang="en-US" dirty="0"/>
-          </a:p>
-        </p:txBody>
-      </p:sp>
-      <p:sp>
-        <p:nvSpPr>
-          <p:cNvPr id="4" name="Slide Number Placeholder 3">
-            <a:extLst>
-              <a:ext uri="{FF2B5EF4-FFF2-40B4-BE49-F238E27FC236}">
-                <a16:creationId xmlns:a16="http://schemas.microsoft.com/office/drawing/2014/main" id="{C94C5C2B-9400-2AFD-7417-115A00AD748B}"/>
-              </a:ext>
-            </a:extLst>
-          </p:cNvPr>
-          <p:cNvSpPr>
-            <a:spLocks noGrp="1"/>
-          </p:cNvSpPr>
-          <p:nvPr>
-            <p:ph type="sldNum" sz="quarter" idx="5"/>
-          </p:nvPr>
-        </p:nvSpPr>
-        <p:spPr/>
-        <p:txBody>
-          <a:bodyPr/>
-          <a:lstStyle/>
-          <a:p>
-            <a:fld id="{E7AF00E9-A49D-4007-B3B9-A3783809E505}" type="slidenum">
-              <a:rPr lang="en-US" smtClean="0"/>
-              <a:t>11</a:t>
-            </a:fld>
-            <a:endParaRPr lang="en-US" dirty="0"/>
-          </a:p>
-        </p:txBody>
-      </p:sp>
-    </p:spTree>
-    <p:extLst>
-      <p:ext uri="{BB962C8B-B14F-4D97-AF65-F5344CB8AC3E}">
-        <p14:creationId xmlns:p14="http://schemas.microsoft.com/office/powerpoint/2010/main" val="3060455216"/>
-      </p:ext>
-    </p:extLst>
-  </p:cSld>
-  <p:clrMapOvr>
-    <a:masterClrMapping/>
-  </p:clrMapOvr>
-</p:notes>
-</file>
-
-<file path=ppt/notesSlides/notesSlide12.xml><?xml version="1.0" encoding="utf-8"?>
-<p:notes xmlns:a="http://schemas.openxmlformats.org/drawingml/2006/main" xmlns:r="http://schemas.openxmlformats.org/officeDocument/2006/relationships" xmlns:p="http://schemas.openxmlformats.org/presentationml/2006/main">
-  <p:cSld>
-    <p:spTree>
-      <p:nvGrpSpPr>
-        <p:cNvPr id="1" name="">
-          <a:extLst>
-            <a:ext uri="{FF2B5EF4-FFF2-40B4-BE49-F238E27FC236}">
-              <a16:creationId xmlns:a16="http://schemas.microsoft.com/office/drawing/2014/main" id="{1D14FB53-581B-73A3-E4E3-BC4A466E2B6D}"/>
-            </a:ext>
-          </a:extLst>
-        </p:cNvPr>
-        <p:cNvGrpSpPr/>
-        <p:nvPr/>
-      </p:nvGrpSpPr>
-      <p:grpSpPr>
-        <a:xfrm>
-          <a:off x="0" y="0"/>
-          <a:ext cx="0" cy="0"/>
-          <a:chOff x="0" y="0"/>
-          <a:chExt cx="0" cy="0"/>
-        </a:xfrm>
-      </p:grpSpPr>
-      <p:sp>
-        <p:nvSpPr>
-          <p:cNvPr id="2" name="Slide Image Placeholder 1">
-            <a:extLst>
-              <a:ext uri="{FF2B5EF4-FFF2-40B4-BE49-F238E27FC236}">
-                <a16:creationId xmlns:a16="http://schemas.microsoft.com/office/drawing/2014/main" id="{B40B7AB4-2D40-3833-EFEA-51B739E0EA2F}"/>
-              </a:ext>
-            </a:extLst>
-          </p:cNvPr>
-          <p:cNvSpPr>
-            <a:spLocks noGrp="1" noRot="1" noChangeAspect="1"/>
-          </p:cNvSpPr>
-          <p:nvPr>
-            <p:ph type="sldImg"/>
-          </p:nvPr>
-        </p:nvSpPr>
-        <p:spPr/>
-      </p:sp>
-      <p:sp>
-        <p:nvSpPr>
-          <p:cNvPr id="3" name="Notes Placeholder 2">
-            <a:extLst>
-              <a:ext uri="{FF2B5EF4-FFF2-40B4-BE49-F238E27FC236}">
-                <a16:creationId xmlns:a16="http://schemas.microsoft.com/office/drawing/2014/main" id="{71C20E32-6846-2480-601E-B0D7ABCBBC6F}"/>
-              </a:ext>
-            </a:extLst>
-          </p:cNvPr>
-          <p:cNvSpPr>
-            <a:spLocks noGrp="1"/>
-          </p:cNvSpPr>
-          <p:nvPr>
-            <p:ph type="body" idx="1"/>
-          </p:nvPr>
-        </p:nvSpPr>
-        <p:spPr/>
-        <p:txBody>
-          <a:bodyPr/>
-          <a:lstStyle/>
-          <a:p>
-            <a:r>
-              <a:rPr lang="en-US" dirty="0"/>
-              <a:t>This is good for commands that are modifying a single aggregate instance, but not so good for queries who need to join several aggregates together</a:t>
-            </a:r>
-          </a:p>
-        </p:txBody>
-      </p:sp>
-      <p:sp>
-        <p:nvSpPr>
-          <p:cNvPr id="4" name="Slide Number Placeholder 3">
-            <a:extLst>
-              <a:ext uri="{FF2B5EF4-FFF2-40B4-BE49-F238E27FC236}">
-                <a16:creationId xmlns:a16="http://schemas.microsoft.com/office/drawing/2014/main" id="{5AB6C702-7C35-6253-EAF4-081C169BA105}"/>
-              </a:ext>
-            </a:extLst>
-          </p:cNvPr>
-          <p:cNvSpPr>
-            <a:spLocks noGrp="1"/>
-          </p:cNvSpPr>
-          <p:nvPr>
-            <p:ph type="sldNum" sz="quarter" idx="5"/>
-          </p:nvPr>
-        </p:nvSpPr>
-        <p:spPr/>
-        <p:txBody>
-          <a:bodyPr/>
-          <a:lstStyle/>
-          <a:p>
-            <a:fld id="{E7AF00E9-A49D-4007-B3B9-A3783809E505}" type="slidenum">
-              <a:rPr lang="en-US" smtClean="0"/>
-              <a:t>12</a:t>
-            </a:fld>
-            <a:endParaRPr lang="en-US" dirty="0"/>
-          </a:p>
-        </p:txBody>
-      </p:sp>
-    </p:spTree>
-    <p:extLst>
-      <p:ext uri="{BB962C8B-B14F-4D97-AF65-F5344CB8AC3E}">
-        <p14:creationId xmlns:p14="http://schemas.microsoft.com/office/powerpoint/2010/main" val="2323259484"/>
-      </p:ext>
-    </p:extLst>
-  </p:cSld>
-  <p:clrMapOvr>
-    <a:masterClrMapping/>
-  </p:clrMapOvr>
-</p:notes>
-</file>
-
-<file path=ppt/notesSlides/notesSlide13.xml><?xml version="1.0" encoding="utf-8"?>
-<p:notes xmlns:a="http://schemas.openxmlformats.org/drawingml/2006/main" xmlns:r="http://schemas.openxmlformats.org/officeDocument/2006/relationships" xmlns:p="http://schemas.openxmlformats.org/presentationml/2006/main">
-  <p:cSld>
-    <p:spTree>
-      <p:nvGrpSpPr>
-        <p:cNvPr id="1" name="">
-          <a:extLst>
-            <a:ext uri="{FF2B5EF4-FFF2-40B4-BE49-F238E27FC236}">
-              <a16:creationId xmlns:a16="http://schemas.microsoft.com/office/drawing/2014/main" id="{BC9F33CF-F7F0-5A69-05D1-969D3FB71783}"/>
-            </a:ext>
-          </a:extLst>
-        </p:cNvPr>
-        <p:cNvGrpSpPr/>
-        <p:nvPr/>
-      </p:nvGrpSpPr>
-      <p:grpSpPr>
-        <a:xfrm>
-          <a:off x="0" y="0"/>
-          <a:ext cx="0" cy="0"/>
-          <a:chOff x="0" y="0"/>
-          <a:chExt cx="0" cy="0"/>
-        </a:xfrm>
-      </p:grpSpPr>
-      <p:sp>
-        <p:nvSpPr>
-          <p:cNvPr id="2" name="Slide Image Placeholder 1">
-            <a:extLst>
-              <a:ext uri="{FF2B5EF4-FFF2-40B4-BE49-F238E27FC236}">
-                <a16:creationId xmlns:a16="http://schemas.microsoft.com/office/drawing/2014/main" id="{5D00C21D-FE6A-80D2-4974-9ED9F4C9F504}"/>
-              </a:ext>
-            </a:extLst>
-          </p:cNvPr>
-          <p:cNvSpPr>
-            <a:spLocks noGrp="1" noRot="1" noChangeAspect="1"/>
-          </p:cNvSpPr>
-          <p:nvPr>
-            <p:ph type="sldImg"/>
-          </p:nvPr>
-        </p:nvSpPr>
-        <p:spPr/>
-      </p:sp>
-      <p:sp>
-        <p:nvSpPr>
-          <p:cNvPr id="3" name="Notes Placeholder 2">
-            <a:extLst>
-              <a:ext uri="{FF2B5EF4-FFF2-40B4-BE49-F238E27FC236}">
-                <a16:creationId xmlns:a16="http://schemas.microsoft.com/office/drawing/2014/main" id="{0C80A928-3719-A72B-D005-0EAADF53C89B}"/>
-              </a:ext>
-            </a:extLst>
-          </p:cNvPr>
-          <p:cNvSpPr>
-            <a:spLocks noGrp="1"/>
-          </p:cNvSpPr>
-          <p:nvPr>
-            <p:ph type="body" idx="1"/>
-          </p:nvPr>
-        </p:nvSpPr>
-        <p:spPr/>
-        <p:txBody>
-          <a:bodyPr/>
-          <a:lstStyle/>
-          <a:p>
-            <a:r>
-              <a:rPr lang="en-US" dirty="0"/>
-              <a:t>Create specific read model/materialized view for our use case</a:t>
-            </a:r>
-          </a:p>
-        </p:txBody>
-      </p:sp>
-      <p:sp>
-        <p:nvSpPr>
-          <p:cNvPr id="4" name="Slide Number Placeholder 3">
-            <a:extLst>
-              <a:ext uri="{FF2B5EF4-FFF2-40B4-BE49-F238E27FC236}">
-                <a16:creationId xmlns:a16="http://schemas.microsoft.com/office/drawing/2014/main" id="{98028C5F-2CE1-35E4-0832-ECE775575758}"/>
-              </a:ext>
-            </a:extLst>
-          </p:cNvPr>
-          <p:cNvSpPr>
-            <a:spLocks noGrp="1"/>
-          </p:cNvSpPr>
-          <p:nvPr>
-            <p:ph type="sldNum" sz="quarter" idx="5"/>
-          </p:nvPr>
-        </p:nvSpPr>
-        <p:spPr/>
-        <p:txBody>
-          <a:bodyPr/>
-          <a:lstStyle/>
-          <a:p>
-            <a:fld id="{E7AF00E9-A49D-4007-B3B9-A3783809E505}" type="slidenum">
-              <a:rPr lang="en-US" smtClean="0"/>
-              <a:t>13</a:t>
-            </a:fld>
-            <a:endParaRPr lang="en-US" dirty="0"/>
-          </a:p>
-        </p:txBody>
-      </p:sp>
-    </p:spTree>
-    <p:extLst>
-      <p:ext uri="{BB962C8B-B14F-4D97-AF65-F5344CB8AC3E}">
-        <p14:creationId xmlns:p14="http://schemas.microsoft.com/office/powerpoint/2010/main" val="22813371"/>
+        <p14:creationId xmlns:p14="http://schemas.microsoft.com/office/powerpoint/2010/main" val="2069782124"/>
       </p:ext>
     </p:extLst>
   </p:cSld>
@@ -1232,49 +1288,7 @@
           <a:bodyPr/>
           <a:lstStyle/>
           <a:p>
-            <a:pPr marL="0" indent="0">
-              <a:buNone/>
-            </a:pPr>
-            <a:r>
-              <a:rPr lang="en-US" dirty="0"/>
-              <a:t>1. Complete historical data, reporting</a:t>
-            </a:r>
-          </a:p>
-          <a:p>
-            <a:pPr marL="0" indent="0">
-              <a:buNone/>
-            </a:pPr>
-            <a:r>
-              <a:rPr lang="en-US" dirty="0"/>
-              <a:t>2. Tells us where it’s been, where it’s at, and how it got there – purpose behind current state</a:t>
-            </a:r>
-          </a:p>
-          <a:p>
-            <a:pPr marL="0" indent="0">
-              <a:buNone/>
-            </a:pPr>
-            <a:r>
-              <a:rPr lang="en-US" dirty="0"/>
-              <a:t>3. Open/Closed Principle by adding new events/read models</a:t>
-            </a:r>
-          </a:p>
-          <a:p>
-            <a:pPr marL="0" indent="0">
-              <a:buNone/>
-            </a:pPr>
-            <a:r>
-              <a:rPr lang="en-US" dirty="0"/>
-              <a:t>4. Event stream gives us what changes have been made</a:t>
-            </a:r>
-          </a:p>
-          <a:p>
-            <a:pPr marL="0" indent="0">
-              <a:buNone/>
-            </a:pPr>
-            <a:r>
-              <a:rPr lang="en-US" dirty="0"/>
-              <a:t>5. More of a CQRS thing, but you can’t achieve the full power and benefits of Event Sourcing w/o CQRS</a:t>
-            </a:r>
+            <a:endParaRPr lang="en-US" dirty="0"/>
           </a:p>
         </p:txBody>
       </p:sp>
@@ -1304,7 +1318,7 @@
     </p:spTree>
     <p:extLst>
       <p:ext uri="{BB962C8B-B14F-4D97-AF65-F5344CB8AC3E}">
-        <p14:creationId xmlns:p14="http://schemas.microsoft.com/office/powerpoint/2010/main" val="2069782124"/>
+        <p14:creationId xmlns:p14="http://schemas.microsoft.com/office/powerpoint/2010/main" val="3075749406"/>
       </p:ext>
     </p:extLst>
   </p:cSld>
@@ -1315,6 +1329,336 @@
 </file>
 
 <file path=ppt/notesSlides/notesSlide15.xml><?xml version="1.0" encoding="utf-8"?>
+<p:notes xmlns:a="http://schemas.openxmlformats.org/drawingml/2006/main" xmlns:r="http://schemas.openxmlformats.org/officeDocument/2006/relationships" xmlns:p="http://schemas.openxmlformats.org/presentationml/2006/main">
+  <p:cSld>
+    <p:spTree>
+      <p:nvGrpSpPr>
+        <p:cNvPr id="1" name="">
+          <a:extLst>
+            <a:ext uri="{FF2B5EF4-FFF2-40B4-BE49-F238E27FC236}">
+              <a16:creationId xmlns:a16="http://schemas.microsoft.com/office/drawing/2014/main" id="{289EC7D7-A405-3D19-E172-EF57A9C9721D}"/>
+            </a:ext>
+          </a:extLst>
+        </p:cNvPr>
+        <p:cNvGrpSpPr/>
+        <p:nvPr/>
+      </p:nvGrpSpPr>
+      <p:grpSpPr>
+        <a:xfrm>
+          <a:off x="0" y="0"/>
+          <a:ext cx="0" cy="0"/>
+          <a:chOff x="0" y="0"/>
+          <a:chExt cx="0" cy="0"/>
+        </a:xfrm>
+      </p:grpSpPr>
+      <p:sp>
+        <p:nvSpPr>
+          <p:cNvPr id="2" name="Slide Image Placeholder 1">
+            <a:extLst>
+              <a:ext uri="{FF2B5EF4-FFF2-40B4-BE49-F238E27FC236}">
+                <a16:creationId xmlns:a16="http://schemas.microsoft.com/office/drawing/2014/main" id="{E14A55F4-D9AF-CA8C-DBDB-DE8F1EFF0996}"/>
+              </a:ext>
+            </a:extLst>
+          </p:cNvPr>
+          <p:cNvSpPr>
+            <a:spLocks noGrp="1" noRot="1" noChangeAspect="1"/>
+          </p:cNvSpPr>
+          <p:nvPr>
+            <p:ph type="sldImg"/>
+          </p:nvPr>
+        </p:nvSpPr>
+        <p:spPr/>
+      </p:sp>
+      <p:sp>
+        <p:nvSpPr>
+          <p:cNvPr id="3" name="Notes Placeholder 2">
+            <a:extLst>
+              <a:ext uri="{FF2B5EF4-FFF2-40B4-BE49-F238E27FC236}">
+                <a16:creationId xmlns:a16="http://schemas.microsoft.com/office/drawing/2014/main" id="{1819D9BA-61B5-8B79-E827-7ECCB848DEAC}"/>
+              </a:ext>
+            </a:extLst>
+          </p:cNvPr>
+          <p:cNvSpPr>
+            <a:spLocks noGrp="1"/>
+          </p:cNvSpPr>
+          <p:nvPr>
+            <p:ph type="body" idx="1"/>
+          </p:nvPr>
+        </p:nvSpPr>
+        <p:spPr/>
+        <p:txBody>
+          <a:bodyPr/>
+          <a:lstStyle/>
+          <a:p>
+            <a:endParaRPr lang="en-US" dirty="0"/>
+          </a:p>
+        </p:txBody>
+      </p:sp>
+      <p:sp>
+        <p:nvSpPr>
+          <p:cNvPr id="4" name="Slide Number Placeholder 3">
+            <a:extLst>
+              <a:ext uri="{FF2B5EF4-FFF2-40B4-BE49-F238E27FC236}">
+                <a16:creationId xmlns:a16="http://schemas.microsoft.com/office/drawing/2014/main" id="{34D85ABE-D542-2D40-4392-AD57EF33BD39}"/>
+              </a:ext>
+            </a:extLst>
+          </p:cNvPr>
+          <p:cNvSpPr>
+            <a:spLocks noGrp="1"/>
+          </p:cNvSpPr>
+          <p:nvPr>
+            <p:ph type="sldNum" sz="quarter" idx="5"/>
+          </p:nvPr>
+        </p:nvSpPr>
+        <p:spPr/>
+        <p:txBody>
+          <a:bodyPr/>
+          <a:lstStyle/>
+          <a:p>
+            <a:fld id="{E7AF00E9-A49D-4007-B3B9-A3783809E505}" type="slidenum">
+              <a:rPr lang="en-US" smtClean="0"/>
+              <a:t>15</a:t>
+            </a:fld>
+            <a:endParaRPr lang="en-US" dirty="0"/>
+          </a:p>
+        </p:txBody>
+      </p:sp>
+    </p:spTree>
+    <p:extLst>
+      <p:ext uri="{BB962C8B-B14F-4D97-AF65-F5344CB8AC3E}">
+        <p14:creationId xmlns:p14="http://schemas.microsoft.com/office/powerpoint/2010/main" val="1050381729"/>
+      </p:ext>
+    </p:extLst>
+  </p:cSld>
+  <p:clrMapOvr>
+    <a:masterClrMapping/>
+  </p:clrMapOvr>
+</p:notes>
+</file>
+
+<file path=ppt/notesSlides/notesSlide16.xml><?xml version="1.0" encoding="utf-8"?>
+<p:notes xmlns:a="http://schemas.openxmlformats.org/drawingml/2006/main" xmlns:r="http://schemas.openxmlformats.org/officeDocument/2006/relationships" xmlns:p="http://schemas.openxmlformats.org/presentationml/2006/main">
+  <p:cSld>
+    <p:spTree>
+      <p:nvGrpSpPr>
+        <p:cNvPr id="1" name="">
+          <a:extLst>
+            <a:ext uri="{FF2B5EF4-FFF2-40B4-BE49-F238E27FC236}">
+              <a16:creationId xmlns:a16="http://schemas.microsoft.com/office/drawing/2014/main" id="{AEB1C999-130A-D083-F24F-46622E7806CF}"/>
+            </a:ext>
+          </a:extLst>
+        </p:cNvPr>
+        <p:cNvGrpSpPr/>
+        <p:nvPr/>
+      </p:nvGrpSpPr>
+      <p:grpSpPr>
+        <a:xfrm>
+          <a:off x="0" y="0"/>
+          <a:ext cx="0" cy="0"/>
+          <a:chOff x="0" y="0"/>
+          <a:chExt cx="0" cy="0"/>
+        </a:xfrm>
+      </p:grpSpPr>
+      <p:sp>
+        <p:nvSpPr>
+          <p:cNvPr id="2" name="Slide Image Placeholder 1">
+            <a:extLst>
+              <a:ext uri="{FF2B5EF4-FFF2-40B4-BE49-F238E27FC236}">
+                <a16:creationId xmlns:a16="http://schemas.microsoft.com/office/drawing/2014/main" id="{4E277497-9943-F307-2400-BDE08F2684F9}"/>
+              </a:ext>
+            </a:extLst>
+          </p:cNvPr>
+          <p:cNvSpPr>
+            <a:spLocks noGrp="1" noRot="1" noChangeAspect="1"/>
+          </p:cNvSpPr>
+          <p:nvPr>
+            <p:ph type="sldImg"/>
+          </p:nvPr>
+        </p:nvSpPr>
+        <p:spPr/>
+      </p:sp>
+      <p:sp>
+        <p:nvSpPr>
+          <p:cNvPr id="3" name="Notes Placeholder 2">
+            <a:extLst>
+              <a:ext uri="{FF2B5EF4-FFF2-40B4-BE49-F238E27FC236}">
+                <a16:creationId xmlns:a16="http://schemas.microsoft.com/office/drawing/2014/main" id="{83A7162D-5CE1-7255-D072-A83D31250BE6}"/>
+              </a:ext>
+            </a:extLst>
+          </p:cNvPr>
+          <p:cNvSpPr>
+            <a:spLocks noGrp="1"/>
+          </p:cNvSpPr>
+          <p:nvPr>
+            <p:ph type="body" idx="1"/>
+          </p:nvPr>
+        </p:nvSpPr>
+        <p:spPr/>
+        <p:txBody>
+          <a:bodyPr/>
+          <a:lstStyle/>
+          <a:p>
+            <a:r>
+              <a:rPr lang="en-US" dirty="0"/>
+              <a:t>*** Doing a point-read or querying a single partition will always be faster than a cross-partition query or querying multiple documents</a:t>
+            </a:r>
+          </a:p>
+        </p:txBody>
+      </p:sp>
+      <p:sp>
+        <p:nvSpPr>
+          <p:cNvPr id="4" name="Slide Number Placeholder 3">
+            <a:extLst>
+              <a:ext uri="{FF2B5EF4-FFF2-40B4-BE49-F238E27FC236}">
+                <a16:creationId xmlns:a16="http://schemas.microsoft.com/office/drawing/2014/main" id="{2A0C7232-BD17-DC57-E074-F2419796E0DE}"/>
+              </a:ext>
+            </a:extLst>
+          </p:cNvPr>
+          <p:cNvSpPr>
+            <a:spLocks noGrp="1"/>
+          </p:cNvSpPr>
+          <p:nvPr>
+            <p:ph type="sldNum" sz="quarter" idx="5"/>
+          </p:nvPr>
+        </p:nvSpPr>
+        <p:spPr/>
+        <p:txBody>
+          <a:bodyPr/>
+          <a:lstStyle/>
+          <a:p>
+            <a:fld id="{E7AF00E9-A49D-4007-B3B9-A3783809E505}" type="slidenum">
+              <a:rPr lang="en-US" smtClean="0"/>
+              <a:t>16</a:t>
+            </a:fld>
+            <a:endParaRPr lang="en-US" dirty="0"/>
+          </a:p>
+        </p:txBody>
+      </p:sp>
+    </p:spTree>
+    <p:extLst>
+      <p:ext uri="{BB962C8B-B14F-4D97-AF65-F5344CB8AC3E}">
+        <p14:creationId xmlns:p14="http://schemas.microsoft.com/office/powerpoint/2010/main" val="1251552691"/>
+      </p:ext>
+    </p:extLst>
+  </p:cSld>
+  <p:clrMapOvr>
+    <a:masterClrMapping/>
+  </p:clrMapOvr>
+</p:notes>
+</file>
+
+<file path=ppt/notesSlides/notesSlide17.xml><?xml version="1.0" encoding="utf-8"?>
+<p:notes xmlns:a="http://schemas.openxmlformats.org/drawingml/2006/main" xmlns:r="http://schemas.openxmlformats.org/officeDocument/2006/relationships" xmlns:p="http://schemas.openxmlformats.org/presentationml/2006/main">
+  <p:cSld>
+    <p:spTree>
+      <p:nvGrpSpPr>
+        <p:cNvPr id="1" name="">
+          <a:extLst>
+            <a:ext uri="{FF2B5EF4-FFF2-40B4-BE49-F238E27FC236}">
+              <a16:creationId xmlns:a16="http://schemas.microsoft.com/office/drawing/2014/main" id="{80491565-6E9D-BFA7-4D08-23A440223B48}"/>
+            </a:ext>
+          </a:extLst>
+        </p:cNvPr>
+        <p:cNvGrpSpPr/>
+        <p:nvPr/>
+      </p:nvGrpSpPr>
+      <p:grpSpPr>
+        <a:xfrm>
+          <a:off x="0" y="0"/>
+          <a:ext cx="0" cy="0"/>
+          <a:chOff x="0" y="0"/>
+          <a:chExt cx="0" cy="0"/>
+        </a:xfrm>
+      </p:grpSpPr>
+      <p:sp>
+        <p:nvSpPr>
+          <p:cNvPr id="2" name="Slide Image Placeholder 1">
+            <a:extLst>
+              <a:ext uri="{FF2B5EF4-FFF2-40B4-BE49-F238E27FC236}">
+                <a16:creationId xmlns:a16="http://schemas.microsoft.com/office/drawing/2014/main" id="{5287A2A4-D667-06A0-E01A-4179C4E621A0}"/>
+              </a:ext>
+            </a:extLst>
+          </p:cNvPr>
+          <p:cNvSpPr>
+            <a:spLocks noGrp="1" noRot="1" noChangeAspect="1"/>
+          </p:cNvSpPr>
+          <p:nvPr>
+            <p:ph type="sldImg"/>
+          </p:nvPr>
+        </p:nvSpPr>
+        <p:spPr/>
+      </p:sp>
+      <p:sp>
+        <p:nvSpPr>
+          <p:cNvPr id="3" name="Notes Placeholder 2">
+            <a:extLst>
+              <a:ext uri="{FF2B5EF4-FFF2-40B4-BE49-F238E27FC236}">
+                <a16:creationId xmlns:a16="http://schemas.microsoft.com/office/drawing/2014/main" id="{40225CC5-9E80-A133-4C1A-F2DF2EA195FA}"/>
+              </a:ext>
+            </a:extLst>
+          </p:cNvPr>
+          <p:cNvSpPr>
+            <a:spLocks noGrp="1"/>
+          </p:cNvSpPr>
+          <p:nvPr>
+            <p:ph type="body" idx="1"/>
+          </p:nvPr>
+        </p:nvSpPr>
+        <p:spPr/>
+        <p:txBody>
+          <a:bodyPr/>
+          <a:lstStyle/>
+          <a:p>
+            <a:r>
+              <a:rPr lang="en-US" dirty="0"/>
+              <a:t>MFG Has to be fast! What’s faster than a materialize view/read model specifically tailored for that feature</a:t>
+            </a:r>
+          </a:p>
+        </p:txBody>
+      </p:sp>
+      <p:sp>
+        <p:nvSpPr>
+          <p:cNvPr id="4" name="Slide Number Placeholder 3">
+            <a:extLst>
+              <a:ext uri="{FF2B5EF4-FFF2-40B4-BE49-F238E27FC236}">
+                <a16:creationId xmlns:a16="http://schemas.microsoft.com/office/drawing/2014/main" id="{4FCB0339-3252-44FC-3D7A-2772B80E77F1}"/>
+              </a:ext>
+            </a:extLst>
+          </p:cNvPr>
+          <p:cNvSpPr>
+            <a:spLocks noGrp="1"/>
+          </p:cNvSpPr>
+          <p:nvPr>
+            <p:ph type="sldNum" sz="quarter" idx="5"/>
+          </p:nvPr>
+        </p:nvSpPr>
+        <p:spPr/>
+        <p:txBody>
+          <a:bodyPr/>
+          <a:lstStyle/>
+          <a:p>
+            <a:fld id="{E7AF00E9-A49D-4007-B3B9-A3783809E505}" type="slidenum">
+              <a:rPr lang="en-US" smtClean="0"/>
+              <a:t>17</a:t>
+            </a:fld>
+            <a:endParaRPr lang="en-US" dirty="0"/>
+          </a:p>
+        </p:txBody>
+      </p:sp>
+    </p:spTree>
+    <p:extLst>
+      <p:ext uri="{BB962C8B-B14F-4D97-AF65-F5344CB8AC3E}">
+        <p14:creationId xmlns:p14="http://schemas.microsoft.com/office/powerpoint/2010/main" val="3660801682"/>
+      </p:ext>
+    </p:extLst>
+  </p:cSld>
+  <p:clrMapOvr>
+    <a:masterClrMapping/>
+  </p:clrMapOvr>
+</p:notes>
+</file>
+
+<file path=ppt/notesSlides/notesSlide18.xml><?xml version="1.0" encoding="utf-8"?>
 <p:notes xmlns:a="http://schemas.openxmlformats.org/drawingml/2006/main" xmlns:r="http://schemas.openxmlformats.org/officeDocument/2006/relationships" xmlns:p="http://schemas.openxmlformats.org/presentationml/2006/main">
   <p:cSld>
     <p:spTree>
@@ -1358,7 +1702,43 @@
           <a:bodyPr/>
           <a:lstStyle/>
           <a:p>
+            <a:pPr marL="228600" indent="-228600">
+              <a:buAutoNum type="arabicPeriod"/>
+            </a:pPr>
+            <a:r>
+              <a:rPr lang="en-US" dirty="0"/>
+              <a:t>Complexity – Lot’s of additional moving parts</a:t>
+            </a:r>
+          </a:p>
+          <a:p>
+            <a:pPr marL="228600" indent="-228600">
+              <a:buAutoNum type="arabicPeriod"/>
+            </a:pPr>
             <a:endParaRPr lang="en-US" dirty="0"/>
+          </a:p>
+          <a:p>
+            <a:pPr marL="228600" indent="-228600">
+              <a:buAutoNum type="arabicPeriod"/>
+            </a:pPr>
+            <a:r>
+              <a:rPr lang="en-US" dirty="0"/>
+              <a:t>Eventual Consistency – Not really a new problem since we’re following EDA anyway</a:t>
+            </a:r>
+          </a:p>
+          <a:p>
+            <a:pPr marL="228600" indent="-228600">
+              <a:buAutoNum type="arabicPeriod"/>
+            </a:pPr>
+            <a:endParaRPr lang="en-US" dirty="0"/>
+          </a:p>
+          <a:p>
+            <a:pPr marL="228600" indent="-228600">
+              <a:buAutoNum type="arabicPeriod"/>
+            </a:pPr>
+            <a:r>
+              <a:rPr lang="en-US" dirty="0"/>
+              <a:t>Does require a shift in how model and develop applications. Will be more difficult/slower for new developers coming on the team.</a:t>
+            </a:r>
           </a:p>
         </p:txBody>
       </p:sp>
@@ -1379,7 +1759,7 @@
           <a:p>
             <a:fld id="{E7AF00E9-A49D-4007-B3B9-A3783809E505}" type="slidenum">
               <a:rPr lang="en-US" smtClean="0"/>
-              <a:t>15</a:t>
+              <a:t>18</a:t>
             </a:fld>
             <a:endParaRPr lang="en-US" dirty="0"/>
           </a:p>
@@ -1388,337 +1768,7 @@
     </p:spTree>
     <p:extLst>
       <p:ext uri="{BB962C8B-B14F-4D97-AF65-F5344CB8AC3E}">
-        <p14:creationId xmlns:p14="http://schemas.microsoft.com/office/powerpoint/2010/main" val="3075749406"/>
-      </p:ext>
-    </p:extLst>
-  </p:cSld>
-  <p:clrMapOvr>
-    <a:masterClrMapping/>
-  </p:clrMapOvr>
-</p:notes>
-</file>
-
-<file path=ppt/notesSlides/notesSlide16.xml><?xml version="1.0" encoding="utf-8"?>
-<p:notes xmlns:a="http://schemas.openxmlformats.org/drawingml/2006/main" xmlns:r="http://schemas.openxmlformats.org/officeDocument/2006/relationships" xmlns:p="http://schemas.openxmlformats.org/presentationml/2006/main">
-  <p:cSld>
-    <p:spTree>
-      <p:nvGrpSpPr>
-        <p:cNvPr id="1" name="">
-          <a:extLst>
-            <a:ext uri="{FF2B5EF4-FFF2-40B4-BE49-F238E27FC236}">
-              <a16:creationId xmlns:a16="http://schemas.microsoft.com/office/drawing/2014/main" id="{289EC7D7-A405-3D19-E172-EF57A9C9721D}"/>
-            </a:ext>
-          </a:extLst>
-        </p:cNvPr>
-        <p:cNvGrpSpPr/>
-        <p:nvPr/>
-      </p:nvGrpSpPr>
-      <p:grpSpPr>
-        <a:xfrm>
-          <a:off x="0" y="0"/>
-          <a:ext cx="0" cy="0"/>
-          <a:chOff x="0" y="0"/>
-          <a:chExt cx="0" cy="0"/>
-        </a:xfrm>
-      </p:grpSpPr>
-      <p:sp>
-        <p:nvSpPr>
-          <p:cNvPr id="2" name="Slide Image Placeholder 1">
-            <a:extLst>
-              <a:ext uri="{FF2B5EF4-FFF2-40B4-BE49-F238E27FC236}">
-                <a16:creationId xmlns:a16="http://schemas.microsoft.com/office/drawing/2014/main" id="{E14A55F4-D9AF-CA8C-DBDB-DE8F1EFF0996}"/>
-              </a:ext>
-            </a:extLst>
-          </p:cNvPr>
-          <p:cNvSpPr>
-            <a:spLocks noGrp="1" noRot="1" noChangeAspect="1"/>
-          </p:cNvSpPr>
-          <p:nvPr>
-            <p:ph type="sldImg"/>
-          </p:nvPr>
-        </p:nvSpPr>
-        <p:spPr/>
-      </p:sp>
-      <p:sp>
-        <p:nvSpPr>
-          <p:cNvPr id="3" name="Notes Placeholder 2">
-            <a:extLst>
-              <a:ext uri="{FF2B5EF4-FFF2-40B4-BE49-F238E27FC236}">
-                <a16:creationId xmlns:a16="http://schemas.microsoft.com/office/drawing/2014/main" id="{1819D9BA-61B5-8B79-E827-7ECCB848DEAC}"/>
-              </a:ext>
-            </a:extLst>
-          </p:cNvPr>
-          <p:cNvSpPr>
-            <a:spLocks noGrp="1"/>
-          </p:cNvSpPr>
-          <p:nvPr>
-            <p:ph type="body" idx="1"/>
-          </p:nvPr>
-        </p:nvSpPr>
-        <p:spPr/>
-        <p:txBody>
-          <a:bodyPr/>
-          <a:lstStyle/>
-          <a:p>
-            <a:endParaRPr lang="en-US" dirty="0"/>
-          </a:p>
-        </p:txBody>
-      </p:sp>
-      <p:sp>
-        <p:nvSpPr>
-          <p:cNvPr id="4" name="Slide Number Placeholder 3">
-            <a:extLst>
-              <a:ext uri="{FF2B5EF4-FFF2-40B4-BE49-F238E27FC236}">
-                <a16:creationId xmlns:a16="http://schemas.microsoft.com/office/drawing/2014/main" id="{34D85ABE-D542-2D40-4392-AD57EF33BD39}"/>
-              </a:ext>
-            </a:extLst>
-          </p:cNvPr>
-          <p:cNvSpPr>
-            <a:spLocks noGrp="1"/>
-          </p:cNvSpPr>
-          <p:nvPr>
-            <p:ph type="sldNum" sz="quarter" idx="5"/>
-          </p:nvPr>
-        </p:nvSpPr>
-        <p:spPr/>
-        <p:txBody>
-          <a:bodyPr/>
-          <a:lstStyle/>
-          <a:p>
-            <a:fld id="{E7AF00E9-A49D-4007-B3B9-A3783809E505}" type="slidenum">
-              <a:rPr lang="en-US" smtClean="0"/>
-              <a:t>16</a:t>
-            </a:fld>
-            <a:endParaRPr lang="en-US" dirty="0"/>
-          </a:p>
-        </p:txBody>
-      </p:sp>
-    </p:spTree>
-    <p:extLst>
-      <p:ext uri="{BB962C8B-B14F-4D97-AF65-F5344CB8AC3E}">
-        <p14:creationId xmlns:p14="http://schemas.microsoft.com/office/powerpoint/2010/main" val="1050381729"/>
-      </p:ext>
-    </p:extLst>
-  </p:cSld>
-  <p:clrMapOvr>
-    <a:masterClrMapping/>
-  </p:clrMapOvr>
-</p:notes>
-</file>
-
-<file path=ppt/notesSlides/notesSlide17.xml><?xml version="1.0" encoding="utf-8"?>
-<p:notes xmlns:a="http://schemas.openxmlformats.org/drawingml/2006/main" xmlns:r="http://schemas.openxmlformats.org/officeDocument/2006/relationships" xmlns:p="http://schemas.openxmlformats.org/presentationml/2006/main">
-  <p:cSld>
-    <p:spTree>
-      <p:nvGrpSpPr>
-        <p:cNvPr id="1" name="">
-          <a:extLst>
-            <a:ext uri="{FF2B5EF4-FFF2-40B4-BE49-F238E27FC236}">
-              <a16:creationId xmlns:a16="http://schemas.microsoft.com/office/drawing/2014/main" id="{AEB1C999-130A-D083-F24F-46622E7806CF}"/>
-            </a:ext>
-          </a:extLst>
-        </p:cNvPr>
-        <p:cNvGrpSpPr/>
-        <p:nvPr/>
-      </p:nvGrpSpPr>
-      <p:grpSpPr>
-        <a:xfrm>
-          <a:off x="0" y="0"/>
-          <a:ext cx="0" cy="0"/>
-          <a:chOff x="0" y="0"/>
-          <a:chExt cx="0" cy="0"/>
-        </a:xfrm>
-      </p:grpSpPr>
-      <p:sp>
-        <p:nvSpPr>
-          <p:cNvPr id="2" name="Slide Image Placeholder 1">
-            <a:extLst>
-              <a:ext uri="{FF2B5EF4-FFF2-40B4-BE49-F238E27FC236}">
-                <a16:creationId xmlns:a16="http://schemas.microsoft.com/office/drawing/2014/main" id="{4E277497-9943-F307-2400-BDE08F2684F9}"/>
-              </a:ext>
-            </a:extLst>
-          </p:cNvPr>
-          <p:cNvSpPr>
-            <a:spLocks noGrp="1" noRot="1" noChangeAspect="1"/>
-          </p:cNvSpPr>
-          <p:nvPr>
-            <p:ph type="sldImg"/>
-          </p:nvPr>
-        </p:nvSpPr>
-        <p:spPr/>
-      </p:sp>
-      <p:sp>
-        <p:nvSpPr>
-          <p:cNvPr id="3" name="Notes Placeholder 2">
-            <a:extLst>
-              <a:ext uri="{FF2B5EF4-FFF2-40B4-BE49-F238E27FC236}">
-                <a16:creationId xmlns:a16="http://schemas.microsoft.com/office/drawing/2014/main" id="{83A7162D-5CE1-7255-D072-A83D31250BE6}"/>
-              </a:ext>
-            </a:extLst>
-          </p:cNvPr>
-          <p:cNvSpPr>
-            <a:spLocks noGrp="1"/>
-          </p:cNvSpPr>
-          <p:nvPr>
-            <p:ph type="body" idx="1"/>
-          </p:nvPr>
-        </p:nvSpPr>
-        <p:spPr/>
-        <p:txBody>
-          <a:bodyPr/>
-          <a:lstStyle/>
-          <a:p>
-            <a:r>
-              <a:rPr lang="en-US" dirty="0"/>
-              <a:t>*** Doing a point-read or querying a single partition will always be faster than a cross-partition query or querying multiple documents</a:t>
-            </a:r>
-          </a:p>
-        </p:txBody>
-      </p:sp>
-      <p:sp>
-        <p:nvSpPr>
-          <p:cNvPr id="4" name="Slide Number Placeholder 3">
-            <a:extLst>
-              <a:ext uri="{FF2B5EF4-FFF2-40B4-BE49-F238E27FC236}">
-                <a16:creationId xmlns:a16="http://schemas.microsoft.com/office/drawing/2014/main" id="{2A0C7232-BD17-DC57-E074-F2419796E0DE}"/>
-              </a:ext>
-            </a:extLst>
-          </p:cNvPr>
-          <p:cNvSpPr>
-            <a:spLocks noGrp="1"/>
-          </p:cNvSpPr>
-          <p:nvPr>
-            <p:ph type="sldNum" sz="quarter" idx="5"/>
-          </p:nvPr>
-        </p:nvSpPr>
-        <p:spPr/>
-        <p:txBody>
-          <a:bodyPr/>
-          <a:lstStyle/>
-          <a:p>
-            <a:fld id="{E7AF00E9-A49D-4007-B3B9-A3783809E505}" type="slidenum">
-              <a:rPr lang="en-US" smtClean="0"/>
-              <a:t>17</a:t>
-            </a:fld>
-            <a:endParaRPr lang="en-US" dirty="0"/>
-          </a:p>
-        </p:txBody>
-      </p:sp>
-    </p:spTree>
-    <p:extLst>
-      <p:ext uri="{BB962C8B-B14F-4D97-AF65-F5344CB8AC3E}">
-        <p14:creationId xmlns:p14="http://schemas.microsoft.com/office/powerpoint/2010/main" val="1251552691"/>
-      </p:ext>
-    </p:extLst>
-  </p:cSld>
-  <p:clrMapOvr>
-    <a:masterClrMapping/>
-  </p:clrMapOvr>
-</p:notes>
-</file>
-
-<file path=ppt/notesSlides/notesSlide18.xml><?xml version="1.0" encoding="utf-8"?>
-<p:notes xmlns:a="http://schemas.openxmlformats.org/drawingml/2006/main" xmlns:r="http://schemas.openxmlformats.org/officeDocument/2006/relationships" xmlns:p="http://schemas.openxmlformats.org/presentationml/2006/main">
-  <p:cSld>
-    <p:spTree>
-      <p:nvGrpSpPr>
-        <p:cNvPr id="1" name="">
-          <a:extLst>
-            <a:ext uri="{FF2B5EF4-FFF2-40B4-BE49-F238E27FC236}">
-              <a16:creationId xmlns:a16="http://schemas.microsoft.com/office/drawing/2014/main" id="{80491565-6E9D-BFA7-4D08-23A440223B48}"/>
-            </a:ext>
-          </a:extLst>
-        </p:cNvPr>
-        <p:cNvGrpSpPr/>
-        <p:nvPr/>
-      </p:nvGrpSpPr>
-      <p:grpSpPr>
-        <a:xfrm>
-          <a:off x="0" y="0"/>
-          <a:ext cx="0" cy="0"/>
-          <a:chOff x="0" y="0"/>
-          <a:chExt cx="0" cy="0"/>
-        </a:xfrm>
-      </p:grpSpPr>
-      <p:sp>
-        <p:nvSpPr>
-          <p:cNvPr id="2" name="Slide Image Placeholder 1">
-            <a:extLst>
-              <a:ext uri="{FF2B5EF4-FFF2-40B4-BE49-F238E27FC236}">
-                <a16:creationId xmlns:a16="http://schemas.microsoft.com/office/drawing/2014/main" id="{5287A2A4-D667-06A0-E01A-4179C4E621A0}"/>
-              </a:ext>
-            </a:extLst>
-          </p:cNvPr>
-          <p:cNvSpPr>
-            <a:spLocks noGrp="1" noRot="1" noChangeAspect="1"/>
-          </p:cNvSpPr>
-          <p:nvPr>
-            <p:ph type="sldImg"/>
-          </p:nvPr>
-        </p:nvSpPr>
-        <p:spPr/>
-      </p:sp>
-      <p:sp>
-        <p:nvSpPr>
-          <p:cNvPr id="3" name="Notes Placeholder 2">
-            <a:extLst>
-              <a:ext uri="{FF2B5EF4-FFF2-40B4-BE49-F238E27FC236}">
-                <a16:creationId xmlns:a16="http://schemas.microsoft.com/office/drawing/2014/main" id="{40225CC5-9E80-A133-4C1A-F2DF2EA195FA}"/>
-              </a:ext>
-            </a:extLst>
-          </p:cNvPr>
-          <p:cNvSpPr>
-            <a:spLocks noGrp="1"/>
-          </p:cNvSpPr>
-          <p:nvPr>
-            <p:ph type="body" idx="1"/>
-          </p:nvPr>
-        </p:nvSpPr>
-        <p:spPr/>
-        <p:txBody>
-          <a:bodyPr/>
-          <a:lstStyle/>
-          <a:p>
-            <a:r>
-              <a:rPr lang="en-US" dirty="0"/>
-              <a:t>MFG Has to be fast! What’s faster than a materialize view/read model specifically tailored for that feature</a:t>
-            </a:r>
-          </a:p>
-        </p:txBody>
-      </p:sp>
-      <p:sp>
-        <p:nvSpPr>
-          <p:cNvPr id="4" name="Slide Number Placeholder 3">
-            <a:extLst>
-              <a:ext uri="{FF2B5EF4-FFF2-40B4-BE49-F238E27FC236}">
-                <a16:creationId xmlns:a16="http://schemas.microsoft.com/office/drawing/2014/main" id="{4FCB0339-3252-44FC-3D7A-2772B80E77F1}"/>
-              </a:ext>
-            </a:extLst>
-          </p:cNvPr>
-          <p:cNvSpPr>
-            <a:spLocks noGrp="1"/>
-          </p:cNvSpPr>
-          <p:nvPr>
-            <p:ph type="sldNum" sz="quarter" idx="5"/>
-          </p:nvPr>
-        </p:nvSpPr>
-        <p:spPr/>
-        <p:txBody>
-          <a:bodyPr/>
-          <a:lstStyle/>
-          <a:p>
-            <a:fld id="{E7AF00E9-A49D-4007-B3B9-A3783809E505}" type="slidenum">
-              <a:rPr lang="en-US" smtClean="0"/>
-              <a:t>18</a:t>
-            </a:fld>
-            <a:endParaRPr lang="en-US" dirty="0"/>
-          </a:p>
-        </p:txBody>
-      </p:sp>
-    </p:spTree>
-    <p:extLst>
-      <p:ext uri="{BB962C8B-B14F-4D97-AF65-F5344CB8AC3E}">
-        <p14:creationId xmlns:p14="http://schemas.microsoft.com/office/powerpoint/2010/main" val="3660801682"/>
+        <p14:creationId xmlns:p14="http://schemas.microsoft.com/office/powerpoint/2010/main" val="2297854853"/>
       </p:ext>
     </p:extLst>
   </p:cSld>
@@ -1772,43 +1822,7 @@
           <a:bodyPr/>
           <a:lstStyle/>
           <a:p>
-            <a:pPr marL="228600" indent="-228600">
-              <a:buAutoNum type="arabicPeriod"/>
-            </a:pPr>
-            <a:r>
-              <a:rPr lang="en-US" dirty="0"/>
-              <a:t>Complexity – Lot’s of additional moving parts</a:t>
-            </a:r>
-          </a:p>
-          <a:p>
-            <a:pPr marL="228600" indent="-228600">
-              <a:buAutoNum type="arabicPeriod"/>
-            </a:pPr>
             <a:endParaRPr lang="en-US" dirty="0"/>
-          </a:p>
-          <a:p>
-            <a:pPr marL="228600" indent="-228600">
-              <a:buAutoNum type="arabicPeriod"/>
-            </a:pPr>
-            <a:r>
-              <a:rPr lang="en-US" dirty="0"/>
-              <a:t>Eventual Consistency – Not really a new problem since we’re following EDA anyway</a:t>
-            </a:r>
-          </a:p>
-          <a:p>
-            <a:pPr marL="228600" indent="-228600">
-              <a:buAutoNum type="arabicPeriod"/>
-            </a:pPr>
-            <a:endParaRPr lang="en-US" dirty="0"/>
-          </a:p>
-          <a:p>
-            <a:pPr marL="228600" indent="-228600">
-              <a:buAutoNum type="arabicPeriod"/>
-            </a:pPr>
-            <a:r>
-              <a:rPr lang="en-US" dirty="0"/>
-              <a:t>Does require a shift in how model and develop applications. Will be more difficult/slower for new developers coming on the team.</a:t>
-            </a:r>
           </a:p>
         </p:txBody>
       </p:sp>
@@ -1838,7 +1852,7 @@
     </p:spTree>
     <p:extLst>
       <p:ext uri="{BB962C8B-B14F-4D97-AF65-F5344CB8AC3E}">
-        <p14:creationId xmlns:p14="http://schemas.microsoft.com/office/powerpoint/2010/main" val="2297854853"/>
+        <p14:creationId xmlns:p14="http://schemas.microsoft.com/office/powerpoint/2010/main" val="1413586329"/>
       </p:ext>
     </p:extLst>
   </p:cSld>
@@ -1853,13 +1867,7 @@
   <p:cSld>
     <p:spTree>
       <p:nvGrpSpPr>
-        <p:cNvPr id="1" name="">
-          <a:extLst>
-            <a:ext uri="{FF2B5EF4-FFF2-40B4-BE49-F238E27FC236}">
-              <a16:creationId xmlns:a16="http://schemas.microsoft.com/office/drawing/2014/main" id="{302C9BF1-8C2D-4CC3-8A09-9FD6D2C33944}"/>
-            </a:ext>
-          </a:extLst>
-        </p:cNvPr>
+        <p:cNvPr id="1" name=""/>
         <p:cNvGrpSpPr/>
         <p:nvPr/>
       </p:nvGrpSpPr>
@@ -1873,13 +1881,7 @@
       </p:grpSpPr>
       <p:sp>
         <p:nvSpPr>
-          <p:cNvPr id="2" name="Slide Image Placeholder 1">
-            <a:extLst>
-              <a:ext uri="{FF2B5EF4-FFF2-40B4-BE49-F238E27FC236}">
-                <a16:creationId xmlns:a16="http://schemas.microsoft.com/office/drawing/2014/main" id="{475C7A0D-17A2-C5AC-C22C-CD7328A64D48}"/>
-              </a:ext>
-            </a:extLst>
-          </p:cNvPr>
+          <p:cNvPr id="2" name="Slide Image Placeholder 1"/>
           <p:cNvSpPr>
             <a:spLocks noGrp="1" noRot="1" noChangeAspect="1"/>
           </p:cNvSpPr>
@@ -1891,13 +1893,7 @@
       </p:sp>
       <p:sp>
         <p:nvSpPr>
-          <p:cNvPr id="3" name="Notes Placeholder 2">
-            <a:extLst>
-              <a:ext uri="{FF2B5EF4-FFF2-40B4-BE49-F238E27FC236}">
-                <a16:creationId xmlns:a16="http://schemas.microsoft.com/office/drawing/2014/main" id="{927A7432-EBD0-D2F8-2DDD-DF311830B2C6}"/>
-              </a:ext>
-            </a:extLst>
-          </p:cNvPr>
+          <p:cNvPr id="3" name="Notes Placeholder 2"/>
           <p:cNvSpPr>
             <a:spLocks noGrp="1"/>
           </p:cNvSpPr>
@@ -1912,29 +1908,32 @@
           <a:p>
             <a:r>
               <a:rPr lang="en-US" dirty="0"/>
-              <a:t>Took the concept of pushing business logic down into the domain, rather than having what’s called an anemic domain model, we have a model rich in behavior. This allows for more explicit modeling of our domain, better unit testing, and better encapsulation of our business rules. Towards the end I made a quick note about Event Sourcing and how modeling our domain this way sets us up to do Event Sourcing. I know we’ve had a few conversations about it and I wanted to follow up on it and do a POC to see how practical it could be and see what you guys think.</a:t>
+              <a:t>Domain Events come from DDD</a:t>
             </a:r>
-          </a:p>
-          <a:p>
-            <a:endParaRPr lang="en-US" dirty="0"/>
           </a:p>
           <a:p>
             <a:r>
               <a:rPr lang="en-US" dirty="0"/>
-              <a:t>Before we can start talking about Event Sourcing, we need to take another tool from DDD and that is the concept of Domain Events</a:t>
+              <a:t>It’s how we bring EDA down to the solution level</a:t>
+            </a:r>
+          </a:p>
+          <a:p>
+            <a:r>
+              <a:rPr lang="en-US" dirty="0"/>
+              <a:t>They are what make Event Sourcing “Practical”</a:t>
+            </a:r>
+          </a:p>
+          <a:p>
+            <a:r>
+              <a:rPr lang="en-US" dirty="0"/>
+              <a:t>You can do Event Sourcing w/o DDD, but it’s a lot more “messy” and less explicit</a:t>
             </a:r>
           </a:p>
         </p:txBody>
       </p:sp>
       <p:sp>
         <p:nvSpPr>
-          <p:cNvPr id="4" name="Slide Number Placeholder 3">
-            <a:extLst>
-              <a:ext uri="{FF2B5EF4-FFF2-40B4-BE49-F238E27FC236}">
-                <a16:creationId xmlns:a16="http://schemas.microsoft.com/office/drawing/2014/main" id="{A608C98C-3540-1F95-C9C7-B2C179520EB7}"/>
-              </a:ext>
-            </a:extLst>
-          </p:cNvPr>
+          <p:cNvPr id="4" name="Slide Number Placeholder 3"/>
           <p:cNvSpPr>
             <a:spLocks noGrp="1"/>
           </p:cNvSpPr>
@@ -1958,7 +1957,7 @@
     </p:spTree>
     <p:extLst>
       <p:ext uri="{BB962C8B-B14F-4D97-AF65-F5344CB8AC3E}">
-        <p14:creationId xmlns:p14="http://schemas.microsoft.com/office/powerpoint/2010/main" val="1180372060"/>
+        <p14:creationId xmlns:p14="http://schemas.microsoft.com/office/powerpoint/2010/main" val="60863604"/>
       </p:ext>
     </p:extLst>
   </p:cSld>
@@ -2034,90 +2033,6 @@
             <a:fld id="{E7AF00E9-A49D-4007-B3B9-A3783809E505}" type="slidenum">
               <a:rPr lang="en-US" smtClean="0"/>
               <a:t>20</a:t>
-            </a:fld>
-            <a:endParaRPr lang="en-US" dirty="0"/>
-          </a:p>
-        </p:txBody>
-      </p:sp>
-    </p:spTree>
-    <p:extLst>
-      <p:ext uri="{BB962C8B-B14F-4D97-AF65-F5344CB8AC3E}">
-        <p14:creationId xmlns:p14="http://schemas.microsoft.com/office/powerpoint/2010/main" val="1413586329"/>
-      </p:ext>
-    </p:extLst>
-  </p:cSld>
-  <p:clrMapOvr>
-    <a:masterClrMapping/>
-  </p:clrMapOvr>
-</p:notes>
-</file>
-
-<file path=ppt/notesSlides/notesSlide21.xml><?xml version="1.0" encoding="utf-8"?>
-<p:notes xmlns:a="http://schemas.openxmlformats.org/drawingml/2006/main" xmlns:r="http://schemas.openxmlformats.org/officeDocument/2006/relationships" xmlns:p="http://schemas.openxmlformats.org/presentationml/2006/main">
-  <p:cSld>
-    <p:spTree>
-      <p:nvGrpSpPr>
-        <p:cNvPr id="1" name=""/>
-        <p:cNvGrpSpPr/>
-        <p:nvPr/>
-      </p:nvGrpSpPr>
-      <p:grpSpPr>
-        <a:xfrm>
-          <a:off x="0" y="0"/>
-          <a:ext cx="0" cy="0"/>
-          <a:chOff x="0" y="0"/>
-          <a:chExt cx="0" cy="0"/>
-        </a:xfrm>
-      </p:grpSpPr>
-      <p:sp>
-        <p:nvSpPr>
-          <p:cNvPr id="2" name="Slide Image Placeholder 1"/>
-          <p:cNvSpPr>
-            <a:spLocks noGrp="1" noRot="1" noChangeAspect="1"/>
-          </p:cNvSpPr>
-          <p:nvPr>
-            <p:ph type="sldImg"/>
-          </p:nvPr>
-        </p:nvSpPr>
-        <p:spPr/>
-      </p:sp>
-      <p:sp>
-        <p:nvSpPr>
-          <p:cNvPr id="3" name="Notes Placeholder 2"/>
-          <p:cNvSpPr>
-            <a:spLocks noGrp="1"/>
-          </p:cNvSpPr>
-          <p:nvPr>
-            <p:ph type="body" idx="1"/>
-          </p:nvPr>
-        </p:nvSpPr>
-        <p:spPr/>
-        <p:txBody>
-          <a:bodyPr/>
-          <a:lstStyle/>
-          <a:p>
-            <a:endParaRPr lang="en-US" dirty="0"/>
-          </a:p>
-        </p:txBody>
-      </p:sp>
-      <p:sp>
-        <p:nvSpPr>
-          <p:cNvPr id="4" name="Slide Number Placeholder 3"/>
-          <p:cNvSpPr>
-            <a:spLocks noGrp="1"/>
-          </p:cNvSpPr>
-          <p:nvPr>
-            <p:ph type="sldNum" sz="quarter" idx="5"/>
-          </p:nvPr>
-        </p:nvSpPr>
-        <p:spPr/>
-        <p:txBody>
-          <a:bodyPr/>
-          <a:lstStyle/>
-          <a:p>
-            <a:fld id="{E7AF00E9-A49D-4007-B3B9-A3783809E505}" type="slidenum">
-              <a:rPr lang="en-US" smtClean="0"/>
-              <a:t>21</a:t>
             </a:fld>
             <a:endParaRPr lang="en-US" dirty="0"/>
           </a:p>
@@ -2180,28 +2095,7 @@
           <a:bodyPr/>
           <a:lstStyle/>
           <a:p>
-            <a:r>
-              <a:rPr lang="en-US" dirty="0"/>
-              <a:t>Domain Events come from DDD</a:t>
-            </a:r>
-          </a:p>
-          <a:p>
-            <a:r>
-              <a:rPr lang="en-US" dirty="0"/>
-              <a:t>It’s how we bring EDA down to the solution level</a:t>
-            </a:r>
-          </a:p>
-          <a:p>
-            <a:r>
-              <a:rPr lang="en-US" dirty="0"/>
-              <a:t>They are what make Event Sourcing “Practical”</a:t>
-            </a:r>
-          </a:p>
-          <a:p>
-            <a:r>
-              <a:rPr lang="en-US" dirty="0"/>
-              <a:t>You can do Event Sourcing w/o DDD, but it’s a lot more “messy” and less explicit</a:t>
-            </a:r>
+            <a:endParaRPr lang="en-US" dirty="0"/>
           </a:p>
         </p:txBody>
       </p:sp>
@@ -2231,7 +2125,7 @@
     </p:spTree>
     <p:extLst>
       <p:ext uri="{BB962C8B-B14F-4D97-AF65-F5344CB8AC3E}">
-        <p14:creationId xmlns:p14="http://schemas.microsoft.com/office/powerpoint/2010/main" val="60863604"/>
+        <p14:creationId xmlns:p14="http://schemas.microsoft.com/office/powerpoint/2010/main" val="646050979"/>
       </p:ext>
     </p:extLst>
   </p:cSld>
@@ -2285,7 +2179,41 @@
           <a:bodyPr/>
           <a:lstStyle/>
           <a:p>
+            <a:r>
+              <a:rPr lang="en-US" dirty="0"/>
+              <a:t>User sends a request or command to “start” an order</a:t>
+            </a:r>
+          </a:p>
+          <a:p>
             <a:endParaRPr lang="en-US" dirty="0"/>
+          </a:p>
+          <a:p>
+            <a:r>
+              <a:rPr lang="en-US" dirty="0"/>
+              <a:t>That Order then creates and raises an “</a:t>
+            </a:r>
+            <a:r>
+              <a:rPr lang="en-US" dirty="0" err="1"/>
+              <a:t>OrderStarted</a:t>
+            </a:r>
+            <a:r>
+              <a:rPr lang="en-US" dirty="0"/>
+              <a:t>” event WITHIN the domain, typically using something like </a:t>
+            </a:r>
+            <a:r>
+              <a:rPr lang="en-US" dirty="0" err="1"/>
+              <a:t>MediatR</a:t>
+            </a:r>
+            <a:endParaRPr lang="en-US" dirty="0"/>
+          </a:p>
+          <a:p>
+            <a:endParaRPr lang="en-US" dirty="0"/>
+          </a:p>
+          <a:p>
+            <a:r>
+              <a:rPr lang="en-US" dirty="0"/>
+              <a:t>Any number handlers, responsible for a single “side-effect”</a:t>
+            </a:r>
           </a:p>
         </p:txBody>
       </p:sp>
@@ -2315,7 +2243,7 @@
     </p:spTree>
     <p:extLst>
       <p:ext uri="{BB962C8B-B14F-4D97-AF65-F5344CB8AC3E}">
-        <p14:creationId xmlns:p14="http://schemas.microsoft.com/office/powerpoint/2010/main" val="646050979"/>
+        <p14:creationId xmlns:p14="http://schemas.microsoft.com/office/powerpoint/2010/main" val="3667544797"/>
       </p:ext>
     </p:extLst>
   </p:cSld>
@@ -2326,6 +2254,222 @@
 </file>
 
 <file path=ppt/notesSlides/notesSlide5.xml><?xml version="1.0" encoding="utf-8"?>
+<p:notes xmlns:a="http://schemas.openxmlformats.org/drawingml/2006/main" xmlns:r="http://schemas.openxmlformats.org/officeDocument/2006/relationships" xmlns:p="http://schemas.openxmlformats.org/presentationml/2006/main">
+  <p:cSld>
+    <p:spTree>
+      <p:nvGrpSpPr>
+        <p:cNvPr id="1" name="">
+          <a:extLst>
+            <a:ext uri="{FF2B5EF4-FFF2-40B4-BE49-F238E27FC236}">
+              <a16:creationId xmlns:a16="http://schemas.microsoft.com/office/drawing/2014/main" id="{49054FEA-AB61-2C14-E65A-CBE00D999B8A}"/>
+            </a:ext>
+          </a:extLst>
+        </p:cNvPr>
+        <p:cNvGrpSpPr/>
+        <p:nvPr/>
+      </p:nvGrpSpPr>
+      <p:grpSpPr>
+        <a:xfrm>
+          <a:off x="0" y="0"/>
+          <a:ext cx="0" cy="0"/>
+          <a:chOff x="0" y="0"/>
+          <a:chExt cx="0" cy="0"/>
+        </a:xfrm>
+      </p:grpSpPr>
+      <p:sp>
+        <p:nvSpPr>
+          <p:cNvPr id="2" name="Slide Image Placeholder 1">
+            <a:extLst>
+              <a:ext uri="{FF2B5EF4-FFF2-40B4-BE49-F238E27FC236}">
+                <a16:creationId xmlns:a16="http://schemas.microsoft.com/office/drawing/2014/main" id="{45EABD7D-68EF-4369-1A08-C581A4AD14E6}"/>
+              </a:ext>
+            </a:extLst>
+          </p:cNvPr>
+          <p:cNvSpPr>
+            <a:spLocks noGrp="1" noRot="1" noChangeAspect="1"/>
+          </p:cNvSpPr>
+          <p:nvPr>
+            <p:ph type="sldImg"/>
+          </p:nvPr>
+        </p:nvSpPr>
+        <p:spPr/>
+      </p:sp>
+      <p:sp>
+        <p:nvSpPr>
+          <p:cNvPr id="3" name="Notes Placeholder 2">
+            <a:extLst>
+              <a:ext uri="{FF2B5EF4-FFF2-40B4-BE49-F238E27FC236}">
+                <a16:creationId xmlns:a16="http://schemas.microsoft.com/office/drawing/2014/main" id="{E839EFD3-A5E4-222B-83EE-EDDC95E7D77B}"/>
+              </a:ext>
+            </a:extLst>
+          </p:cNvPr>
+          <p:cNvSpPr>
+            <a:spLocks noGrp="1"/>
+          </p:cNvSpPr>
+          <p:nvPr>
+            <p:ph type="body" idx="1"/>
+          </p:nvPr>
+        </p:nvSpPr>
+        <p:spPr/>
+        <p:txBody>
+          <a:bodyPr/>
+          <a:lstStyle/>
+          <a:p>
+            <a:endParaRPr lang="en-US" dirty="0"/>
+          </a:p>
+        </p:txBody>
+      </p:sp>
+      <p:sp>
+        <p:nvSpPr>
+          <p:cNvPr id="4" name="Slide Number Placeholder 3">
+            <a:extLst>
+              <a:ext uri="{FF2B5EF4-FFF2-40B4-BE49-F238E27FC236}">
+                <a16:creationId xmlns:a16="http://schemas.microsoft.com/office/drawing/2014/main" id="{AAED4AE0-B9E9-3A7D-8517-1F6BFC1440CD}"/>
+              </a:ext>
+            </a:extLst>
+          </p:cNvPr>
+          <p:cNvSpPr>
+            <a:spLocks noGrp="1"/>
+          </p:cNvSpPr>
+          <p:nvPr>
+            <p:ph type="sldNum" sz="quarter" idx="5"/>
+          </p:nvPr>
+        </p:nvSpPr>
+        <p:spPr/>
+        <p:txBody>
+          <a:bodyPr/>
+          <a:lstStyle/>
+          <a:p>
+            <a:fld id="{E7AF00E9-A49D-4007-B3B9-A3783809E505}" type="slidenum">
+              <a:rPr lang="en-US" smtClean="0"/>
+              <a:t>5</a:t>
+            </a:fld>
+            <a:endParaRPr lang="en-US" dirty="0"/>
+          </a:p>
+        </p:txBody>
+      </p:sp>
+    </p:spTree>
+    <p:extLst>
+      <p:ext uri="{BB962C8B-B14F-4D97-AF65-F5344CB8AC3E}">
+        <p14:creationId xmlns:p14="http://schemas.microsoft.com/office/powerpoint/2010/main" val="2435993785"/>
+      </p:ext>
+    </p:extLst>
+  </p:cSld>
+  <p:clrMapOvr>
+    <a:masterClrMapping/>
+  </p:clrMapOvr>
+</p:notes>
+</file>
+
+<file path=ppt/notesSlides/notesSlide6.xml><?xml version="1.0" encoding="utf-8"?>
+<p:notes xmlns:a="http://schemas.openxmlformats.org/drawingml/2006/main" xmlns:r="http://schemas.openxmlformats.org/officeDocument/2006/relationships" xmlns:p="http://schemas.openxmlformats.org/presentationml/2006/main">
+  <p:cSld>
+    <p:spTree>
+      <p:nvGrpSpPr>
+        <p:cNvPr id="1" name="">
+          <a:extLst>
+            <a:ext uri="{FF2B5EF4-FFF2-40B4-BE49-F238E27FC236}">
+              <a16:creationId xmlns:a16="http://schemas.microsoft.com/office/drawing/2014/main" id="{FD3D3ECC-90EE-635C-286C-04A4030943CD}"/>
+            </a:ext>
+          </a:extLst>
+        </p:cNvPr>
+        <p:cNvGrpSpPr/>
+        <p:nvPr/>
+      </p:nvGrpSpPr>
+      <p:grpSpPr>
+        <a:xfrm>
+          <a:off x="0" y="0"/>
+          <a:ext cx="0" cy="0"/>
+          <a:chOff x="0" y="0"/>
+          <a:chExt cx="0" cy="0"/>
+        </a:xfrm>
+      </p:grpSpPr>
+      <p:sp>
+        <p:nvSpPr>
+          <p:cNvPr id="2" name="Slide Image Placeholder 1">
+            <a:extLst>
+              <a:ext uri="{FF2B5EF4-FFF2-40B4-BE49-F238E27FC236}">
+                <a16:creationId xmlns:a16="http://schemas.microsoft.com/office/drawing/2014/main" id="{C0F6309A-82BF-4A82-9FBF-40F2EE168494}"/>
+              </a:ext>
+            </a:extLst>
+          </p:cNvPr>
+          <p:cNvSpPr>
+            <a:spLocks noGrp="1" noRot="1" noChangeAspect="1"/>
+          </p:cNvSpPr>
+          <p:nvPr>
+            <p:ph type="sldImg"/>
+          </p:nvPr>
+        </p:nvSpPr>
+        <p:spPr/>
+      </p:sp>
+      <p:sp>
+        <p:nvSpPr>
+          <p:cNvPr id="3" name="Notes Placeholder 2">
+            <a:extLst>
+              <a:ext uri="{FF2B5EF4-FFF2-40B4-BE49-F238E27FC236}">
+                <a16:creationId xmlns:a16="http://schemas.microsoft.com/office/drawing/2014/main" id="{404ACD2F-8D7F-E999-99A5-7816E36E7253}"/>
+              </a:ext>
+            </a:extLst>
+          </p:cNvPr>
+          <p:cNvSpPr>
+            <a:spLocks noGrp="1"/>
+          </p:cNvSpPr>
+          <p:nvPr>
+            <p:ph type="body" idx="1"/>
+          </p:nvPr>
+        </p:nvSpPr>
+        <p:spPr/>
+        <p:txBody>
+          <a:bodyPr/>
+          <a:lstStyle/>
+          <a:p>
+            <a:endParaRPr lang="en-US" dirty="0"/>
+          </a:p>
+        </p:txBody>
+      </p:sp>
+      <p:sp>
+        <p:nvSpPr>
+          <p:cNvPr id="4" name="Slide Number Placeholder 3">
+            <a:extLst>
+              <a:ext uri="{FF2B5EF4-FFF2-40B4-BE49-F238E27FC236}">
+                <a16:creationId xmlns:a16="http://schemas.microsoft.com/office/drawing/2014/main" id="{61C7ED57-1FBF-1B34-5CE4-D9AC68787286}"/>
+              </a:ext>
+            </a:extLst>
+          </p:cNvPr>
+          <p:cNvSpPr>
+            <a:spLocks noGrp="1"/>
+          </p:cNvSpPr>
+          <p:nvPr>
+            <p:ph type="sldNum" sz="quarter" idx="5"/>
+          </p:nvPr>
+        </p:nvSpPr>
+        <p:spPr/>
+        <p:txBody>
+          <a:bodyPr/>
+          <a:lstStyle/>
+          <a:p>
+            <a:fld id="{E7AF00E9-A49D-4007-B3B9-A3783809E505}" type="slidenum">
+              <a:rPr lang="en-US" smtClean="0"/>
+              <a:t>6</a:t>
+            </a:fld>
+            <a:endParaRPr lang="en-US" dirty="0"/>
+          </a:p>
+        </p:txBody>
+      </p:sp>
+    </p:spTree>
+    <p:extLst>
+      <p:ext uri="{BB962C8B-B14F-4D97-AF65-F5344CB8AC3E}">
+        <p14:creationId xmlns:p14="http://schemas.microsoft.com/office/powerpoint/2010/main" val="2730935363"/>
+      </p:ext>
+    </p:extLst>
+  </p:cSld>
+  <p:clrMapOvr>
+    <a:masterClrMapping/>
+  </p:clrMapOvr>
+</p:notes>
+</file>
+
+<file path=ppt/notesSlides/notesSlide7.xml><?xml version="1.0" encoding="utf-8"?>
 <p:notes xmlns:a="http://schemas.openxmlformats.org/drawingml/2006/main" xmlns:r="http://schemas.openxmlformats.org/officeDocument/2006/relationships" xmlns:p="http://schemas.openxmlformats.org/presentationml/2006/main">
   <p:cSld>
     <p:spTree>
@@ -2369,40 +2513,27 @@
           <a:bodyPr/>
           <a:lstStyle/>
           <a:p>
+            <a:pPr marL="228600" indent="-228600">
+              <a:buAutoNum type="arabicPeriod"/>
+            </a:pPr>
             <a:r>
               <a:rPr lang="en-US" dirty="0"/>
-              <a:t>User sends a request or command to “start” an order</a:t>
+              <a:t>As additional business rules and side-effects grow, are code becomes tightly glued together and a single class becomes responsible for handling all these additional behaviors, violating SRP</a:t>
             </a:r>
           </a:p>
           <a:p>
+            <a:pPr marL="228600" indent="-228600">
+              <a:buAutoNum type="arabicPeriod"/>
+            </a:pPr>
             <a:endParaRPr lang="en-US" dirty="0"/>
           </a:p>
           <a:p>
+            <a:pPr marL="0" indent="0">
+              <a:buNone/>
+            </a:pPr>
             <a:r>
               <a:rPr lang="en-US" dirty="0"/>
-              <a:t>That Order then creates and raises an “</a:t>
-            </a:r>
-            <a:r>
-              <a:rPr lang="en-US" dirty="0" err="1"/>
-              <a:t>OrderStarted</a:t>
-            </a:r>
-            <a:r>
-              <a:rPr lang="en-US" dirty="0"/>
-              <a:t>” event WITHIN the domain, typically using something like </a:t>
-            </a:r>
-            <a:r>
-              <a:rPr lang="en-US" dirty="0" err="1"/>
-              <a:t>MediatR</a:t>
-            </a:r>
-            <a:endParaRPr lang="en-US" dirty="0"/>
-          </a:p>
-          <a:p>
-            <a:endParaRPr lang="en-US" dirty="0"/>
-          </a:p>
-          <a:p>
-            <a:r>
-              <a:rPr lang="en-US" dirty="0"/>
-              <a:t>Any number handlers, responsible for a single “side-effect”</a:t>
+              <a:t>2. Clearly understand the “consequences” of a command or request</a:t>
             </a:r>
           </a:p>
         </p:txBody>
@@ -2424,7 +2555,7 @@
           <a:p>
             <a:fld id="{E7AF00E9-A49D-4007-B3B9-A3783809E505}" type="slidenum">
               <a:rPr lang="en-US" smtClean="0"/>
-              <a:t>5</a:t>
+              <a:t>7</a:t>
             </a:fld>
             <a:endParaRPr lang="en-US" dirty="0"/>
           </a:p>
@@ -2433,223 +2564,7 @@
     </p:spTree>
     <p:extLst>
       <p:ext uri="{BB962C8B-B14F-4D97-AF65-F5344CB8AC3E}">
-        <p14:creationId xmlns:p14="http://schemas.microsoft.com/office/powerpoint/2010/main" val="3667544797"/>
-      </p:ext>
-    </p:extLst>
-  </p:cSld>
-  <p:clrMapOvr>
-    <a:masterClrMapping/>
-  </p:clrMapOvr>
-</p:notes>
-</file>
-
-<file path=ppt/notesSlides/notesSlide6.xml><?xml version="1.0" encoding="utf-8"?>
-<p:notes xmlns:a="http://schemas.openxmlformats.org/drawingml/2006/main" xmlns:r="http://schemas.openxmlformats.org/officeDocument/2006/relationships" xmlns:p="http://schemas.openxmlformats.org/presentationml/2006/main">
-  <p:cSld>
-    <p:spTree>
-      <p:nvGrpSpPr>
-        <p:cNvPr id="1" name="">
-          <a:extLst>
-            <a:ext uri="{FF2B5EF4-FFF2-40B4-BE49-F238E27FC236}">
-              <a16:creationId xmlns:a16="http://schemas.microsoft.com/office/drawing/2014/main" id="{49054FEA-AB61-2C14-E65A-CBE00D999B8A}"/>
-            </a:ext>
-          </a:extLst>
-        </p:cNvPr>
-        <p:cNvGrpSpPr/>
-        <p:nvPr/>
-      </p:nvGrpSpPr>
-      <p:grpSpPr>
-        <a:xfrm>
-          <a:off x="0" y="0"/>
-          <a:ext cx="0" cy="0"/>
-          <a:chOff x="0" y="0"/>
-          <a:chExt cx="0" cy="0"/>
-        </a:xfrm>
-      </p:grpSpPr>
-      <p:sp>
-        <p:nvSpPr>
-          <p:cNvPr id="2" name="Slide Image Placeholder 1">
-            <a:extLst>
-              <a:ext uri="{FF2B5EF4-FFF2-40B4-BE49-F238E27FC236}">
-                <a16:creationId xmlns:a16="http://schemas.microsoft.com/office/drawing/2014/main" id="{45EABD7D-68EF-4369-1A08-C581A4AD14E6}"/>
-              </a:ext>
-            </a:extLst>
-          </p:cNvPr>
-          <p:cNvSpPr>
-            <a:spLocks noGrp="1" noRot="1" noChangeAspect="1"/>
-          </p:cNvSpPr>
-          <p:nvPr>
-            <p:ph type="sldImg"/>
-          </p:nvPr>
-        </p:nvSpPr>
-        <p:spPr/>
-      </p:sp>
-      <p:sp>
-        <p:nvSpPr>
-          <p:cNvPr id="3" name="Notes Placeholder 2">
-            <a:extLst>
-              <a:ext uri="{FF2B5EF4-FFF2-40B4-BE49-F238E27FC236}">
-                <a16:creationId xmlns:a16="http://schemas.microsoft.com/office/drawing/2014/main" id="{E839EFD3-A5E4-222B-83EE-EDDC95E7D77B}"/>
-              </a:ext>
-            </a:extLst>
-          </p:cNvPr>
-          <p:cNvSpPr>
-            <a:spLocks noGrp="1"/>
-          </p:cNvSpPr>
-          <p:nvPr>
-            <p:ph type="body" idx="1"/>
-          </p:nvPr>
-        </p:nvSpPr>
-        <p:spPr/>
-        <p:txBody>
-          <a:bodyPr/>
-          <a:lstStyle/>
-          <a:p>
-            <a:endParaRPr lang="en-US" dirty="0"/>
-          </a:p>
-        </p:txBody>
-      </p:sp>
-      <p:sp>
-        <p:nvSpPr>
-          <p:cNvPr id="4" name="Slide Number Placeholder 3">
-            <a:extLst>
-              <a:ext uri="{FF2B5EF4-FFF2-40B4-BE49-F238E27FC236}">
-                <a16:creationId xmlns:a16="http://schemas.microsoft.com/office/drawing/2014/main" id="{AAED4AE0-B9E9-3A7D-8517-1F6BFC1440CD}"/>
-              </a:ext>
-            </a:extLst>
-          </p:cNvPr>
-          <p:cNvSpPr>
-            <a:spLocks noGrp="1"/>
-          </p:cNvSpPr>
-          <p:nvPr>
-            <p:ph type="sldNum" sz="quarter" idx="5"/>
-          </p:nvPr>
-        </p:nvSpPr>
-        <p:spPr/>
-        <p:txBody>
-          <a:bodyPr/>
-          <a:lstStyle/>
-          <a:p>
-            <a:fld id="{E7AF00E9-A49D-4007-B3B9-A3783809E505}" type="slidenum">
-              <a:rPr lang="en-US" smtClean="0"/>
-              <a:t>6</a:t>
-            </a:fld>
-            <a:endParaRPr lang="en-US" dirty="0"/>
-          </a:p>
-        </p:txBody>
-      </p:sp>
-    </p:spTree>
-    <p:extLst>
-      <p:ext uri="{BB962C8B-B14F-4D97-AF65-F5344CB8AC3E}">
-        <p14:creationId xmlns:p14="http://schemas.microsoft.com/office/powerpoint/2010/main" val="2435993785"/>
-      </p:ext>
-    </p:extLst>
-  </p:cSld>
-  <p:clrMapOvr>
-    <a:masterClrMapping/>
-  </p:clrMapOvr>
-</p:notes>
-</file>
-
-<file path=ppt/notesSlides/notesSlide7.xml><?xml version="1.0" encoding="utf-8"?>
-<p:notes xmlns:a="http://schemas.openxmlformats.org/drawingml/2006/main" xmlns:r="http://schemas.openxmlformats.org/officeDocument/2006/relationships" xmlns:p="http://schemas.openxmlformats.org/presentationml/2006/main">
-  <p:cSld>
-    <p:spTree>
-      <p:nvGrpSpPr>
-        <p:cNvPr id="1" name="">
-          <a:extLst>
-            <a:ext uri="{FF2B5EF4-FFF2-40B4-BE49-F238E27FC236}">
-              <a16:creationId xmlns:a16="http://schemas.microsoft.com/office/drawing/2014/main" id="{FD3D3ECC-90EE-635C-286C-04A4030943CD}"/>
-            </a:ext>
-          </a:extLst>
-        </p:cNvPr>
-        <p:cNvGrpSpPr/>
-        <p:nvPr/>
-      </p:nvGrpSpPr>
-      <p:grpSpPr>
-        <a:xfrm>
-          <a:off x="0" y="0"/>
-          <a:ext cx="0" cy="0"/>
-          <a:chOff x="0" y="0"/>
-          <a:chExt cx="0" cy="0"/>
-        </a:xfrm>
-      </p:grpSpPr>
-      <p:sp>
-        <p:nvSpPr>
-          <p:cNvPr id="2" name="Slide Image Placeholder 1">
-            <a:extLst>
-              <a:ext uri="{FF2B5EF4-FFF2-40B4-BE49-F238E27FC236}">
-                <a16:creationId xmlns:a16="http://schemas.microsoft.com/office/drawing/2014/main" id="{C0F6309A-82BF-4A82-9FBF-40F2EE168494}"/>
-              </a:ext>
-            </a:extLst>
-          </p:cNvPr>
-          <p:cNvSpPr>
-            <a:spLocks noGrp="1" noRot="1" noChangeAspect="1"/>
-          </p:cNvSpPr>
-          <p:nvPr>
-            <p:ph type="sldImg"/>
-          </p:nvPr>
-        </p:nvSpPr>
-        <p:spPr/>
-      </p:sp>
-      <p:sp>
-        <p:nvSpPr>
-          <p:cNvPr id="3" name="Notes Placeholder 2">
-            <a:extLst>
-              <a:ext uri="{FF2B5EF4-FFF2-40B4-BE49-F238E27FC236}">
-                <a16:creationId xmlns:a16="http://schemas.microsoft.com/office/drawing/2014/main" id="{404ACD2F-8D7F-E999-99A5-7816E36E7253}"/>
-              </a:ext>
-            </a:extLst>
-          </p:cNvPr>
-          <p:cNvSpPr>
-            <a:spLocks noGrp="1"/>
-          </p:cNvSpPr>
-          <p:nvPr>
-            <p:ph type="body" idx="1"/>
-          </p:nvPr>
-        </p:nvSpPr>
-        <p:spPr/>
-        <p:txBody>
-          <a:bodyPr/>
-          <a:lstStyle/>
-          <a:p>
-            <a:endParaRPr lang="en-US" dirty="0"/>
-          </a:p>
-        </p:txBody>
-      </p:sp>
-      <p:sp>
-        <p:nvSpPr>
-          <p:cNvPr id="4" name="Slide Number Placeholder 3">
-            <a:extLst>
-              <a:ext uri="{FF2B5EF4-FFF2-40B4-BE49-F238E27FC236}">
-                <a16:creationId xmlns:a16="http://schemas.microsoft.com/office/drawing/2014/main" id="{61C7ED57-1FBF-1B34-5CE4-D9AC68787286}"/>
-              </a:ext>
-            </a:extLst>
-          </p:cNvPr>
-          <p:cNvSpPr>
-            <a:spLocks noGrp="1"/>
-          </p:cNvSpPr>
-          <p:nvPr>
-            <p:ph type="sldNum" sz="quarter" idx="5"/>
-          </p:nvPr>
-        </p:nvSpPr>
-        <p:spPr/>
-        <p:txBody>
-          <a:bodyPr/>
-          <a:lstStyle/>
-          <a:p>
-            <a:fld id="{E7AF00E9-A49D-4007-B3B9-A3783809E505}" type="slidenum">
-              <a:rPr lang="en-US" smtClean="0"/>
-              <a:t>7</a:t>
-            </a:fld>
-            <a:endParaRPr lang="en-US" dirty="0"/>
-          </a:p>
-        </p:txBody>
-      </p:sp>
-    </p:spTree>
-    <p:extLst>
-      <p:ext uri="{BB962C8B-B14F-4D97-AF65-F5344CB8AC3E}">
-        <p14:creationId xmlns:p14="http://schemas.microsoft.com/office/powerpoint/2010/main" val="2730935363"/>
+        <p14:creationId xmlns:p14="http://schemas.microsoft.com/office/powerpoint/2010/main" val="1498767745"/>
       </p:ext>
     </p:extLst>
   </p:cSld>
@@ -2754,7 +2669,7 @@
     </p:spTree>
     <p:extLst>
       <p:ext uri="{BB962C8B-B14F-4D97-AF65-F5344CB8AC3E}">
-        <p14:creationId xmlns:p14="http://schemas.microsoft.com/office/powerpoint/2010/main" val="1498767745"/>
+        <p14:creationId xmlns:p14="http://schemas.microsoft.com/office/powerpoint/2010/main" val="386789978"/>
       </p:ext>
     </p:extLst>
   </p:cSld>
@@ -2808,28 +2723,7 @@
           <a:bodyPr/>
           <a:lstStyle/>
           <a:p>
-            <a:pPr marL="228600" indent="-228600">
-              <a:buAutoNum type="arabicPeriod"/>
-            </a:pPr>
-            <a:r>
-              <a:rPr lang="en-US" dirty="0"/>
-              <a:t>As additional business rules and side-effects grow, are code becomes tightly glued together and a single class becomes responsible for handling all these additional behaviors, violating SRP</a:t>
-            </a:r>
-          </a:p>
-          <a:p>
-            <a:pPr marL="228600" indent="-228600">
-              <a:buAutoNum type="arabicPeriod"/>
-            </a:pPr>
             <a:endParaRPr lang="en-US" dirty="0"/>
-          </a:p>
-          <a:p>
-            <a:pPr marL="0" indent="0">
-              <a:buNone/>
-            </a:pPr>
-            <a:r>
-              <a:rPr lang="en-US" dirty="0"/>
-              <a:t>2. Clearly understand the “consequences” of a command or request</a:t>
-            </a:r>
           </a:p>
         </p:txBody>
       </p:sp>
@@ -2859,7 +2753,7 @@
     </p:spTree>
     <p:extLst>
       <p:ext uri="{BB962C8B-B14F-4D97-AF65-F5344CB8AC3E}">
-        <p14:creationId xmlns:p14="http://schemas.microsoft.com/office/powerpoint/2010/main" val="386789978"/>
+        <p14:creationId xmlns:p14="http://schemas.microsoft.com/office/powerpoint/2010/main" val="46972043"/>
       </p:ext>
     </p:extLst>
   </p:cSld>
@@ -15787,1186 +15681,6 @@
 <file path=ppt/slides/slide10.xml><?xml version="1.0" encoding="utf-8"?>
 <p:sld xmlns:a="http://schemas.openxmlformats.org/drawingml/2006/main" xmlns:r="http://schemas.openxmlformats.org/officeDocument/2006/relationships" xmlns:p="http://schemas.openxmlformats.org/presentationml/2006/main">
   <p:cSld>
-    <p:bg>
-      <p:bgPr>
-        <a:solidFill>
-          <a:schemeClr val="bg2"/>
-        </a:solidFill>
-        <a:effectLst/>
-      </p:bgPr>
-    </p:bg>
-    <p:spTree>
-      <p:nvGrpSpPr>
-        <p:cNvPr id="1" name=""/>
-        <p:cNvGrpSpPr/>
-        <p:nvPr/>
-      </p:nvGrpSpPr>
-      <p:grpSpPr>
-        <a:xfrm>
-          <a:off x="0" y="0"/>
-          <a:ext cx="0" cy="0"/>
-          <a:chOff x="0" y="0"/>
-          <a:chExt cx="0" cy="0"/>
-        </a:xfrm>
-      </p:grpSpPr>
-      <p:sp>
-        <p:nvSpPr>
-          <p:cNvPr id="67" name="Freeform: Shape 66">
-            <a:extLst>
-              <a:ext uri="{FF2B5EF4-FFF2-40B4-BE49-F238E27FC236}">
-                <a16:creationId xmlns:a16="http://schemas.microsoft.com/office/drawing/2014/main" id="{82184FF4-7029-4ED7-813A-192E60608764}"/>
-              </a:ext>
-              <a:ext uri="{C183D7F6-B498-43B3-948B-1728B52AA6E4}">
-                <adec:decorative xmlns:adec="http://schemas.microsoft.com/office/drawing/2017/decorative" val="1"/>
-              </a:ext>
-            </a:extLst>
-          </p:cNvPr>
-          <p:cNvSpPr>
-            <a:spLocks noGrp="1" noRot="1" noChangeAspect="1" noMove="1" noResize="1" noEditPoints="1" noAdjustHandles="1" noChangeArrowheads="1" noChangeShapeType="1" noTextEdit="1"/>
-          </p:cNvSpPr>
-          <p:nvPr>
-            <p:extLst>
-              <p:ext uri="{386F3935-93C4-4BCD-93E2-E3B085C9AB24}">
-                <p16:designElem xmlns:p16="http://schemas.microsoft.com/office/powerpoint/2015/main" val="1"/>
-              </p:ext>
-            </p:extLst>
-          </p:nvPr>
-        </p:nvSpPr>
-        <p:spPr>
-          <a:xfrm rot="2700000">
-            <a:off x="612445" y="481888"/>
-            <a:ext cx="1080000" cy="1262947"/>
-          </a:xfrm>
-          <a:custGeom>
-            <a:avLst/>
-            <a:gdLst/>
-            <a:ahLst/>
-            <a:cxnLst/>
-            <a:rect l="l" t="t" r="r" b="b"/>
-            <a:pathLst>
-              <a:path w="1080000" h="1262947">
-                <a:moveTo>
-                  <a:pt x="540000" y="0"/>
-                </a:moveTo>
-                <a:lnTo>
-                  <a:pt x="1064374" y="931034"/>
-                </a:lnTo>
-                <a:lnTo>
-                  <a:pt x="1069029" y="938533"/>
-                </a:lnTo>
-                <a:cubicBezTo>
-                  <a:pt x="1076223" y="956109"/>
-                  <a:pt x="1080000" y="974307"/>
-                  <a:pt x="1080000" y="992947"/>
-                </a:cubicBezTo>
-                <a:cubicBezTo>
-                  <a:pt x="1080000" y="1142064"/>
-                  <a:pt x="838234" y="1262947"/>
-                  <a:pt x="540000" y="1262947"/>
-                </a:cubicBezTo>
-                <a:cubicBezTo>
-                  <a:pt x="241766" y="1262947"/>
-                  <a:pt x="0" y="1142064"/>
-                  <a:pt x="0" y="992947"/>
-                </a:cubicBezTo>
-                <a:cubicBezTo>
-                  <a:pt x="0" y="974307"/>
-                  <a:pt x="3778" y="956109"/>
-                  <a:pt x="10971" y="938533"/>
-                </a:cubicBezTo>
-                <a:lnTo>
-                  <a:pt x="15626" y="931034"/>
-                </a:lnTo>
-                <a:lnTo>
-                  <a:pt x="540000" y="0"/>
-                </a:lnTo>
-                <a:close/>
-              </a:path>
-            </a:pathLst>
-          </a:custGeom>
-          <a:gradFill>
-            <a:gsLst>
-              <a:gs pos="60000">
-                <a:schemeClr val="bg2">
-                  <a:lumMod val="90000"/>
-                  <a:lumOff val="10000"/>
-                </a:schemeClr>
-              </a:gs>
-              <a:gs pos="30000">
-                <a:schemeClr val="bg2">
-                  <a:lumMod val="90000"/>
-                  <a:lumOff val="10000"/>
-                </a:schemeClr>
-              </a:gs>
-              <a:gs pos="40000">
-                <a:schemeClr val="bg2">
-                  <a:lumMod val="75000"/>
-                  <a:lumOff val="25000"/>
-                </a:schemeClr>
-              </a:gs>
-              <a:gs pos="100000">
-                <a:schemeClr val="bg2"/>
-              </a:gs>
-            </a:gsLst>
-            <a:lin ang="600000" scaled="0"/>
-          </a:gradFill>
-          <a:ln>
-            <a:noFill/>
-          </a:ln>
-          <a:effectLst>
-            <a:innerShdw blurRad="254000" dist="101600" dir="2700000">
-              <a:schemeClr val="accent1">
-                <a:lumMod val="60000"/>
-                <a:lumOff val="40000"/>
-                <a:alpha val="40000"/>
-              </a:schemeClr>
-            </a:innerShdw>
-          </a:effectLst>
-        </p:spPr>
-        <p:style>
-          <a:lnRef idx="2">
-            <a:schemeClr val="accent1">
-              <a:shade val="50000"/>
-            </a:schemeClr>
-          </a:lnRef>
-          <a:fillRef idx="1">
-            <a:schemeClr val="accent1"/>
-          </a:fillRef>
-          <a:effectRef idx="0">
-            <a:schemeClr val="accent1"/>
-          </a:effectRef>
-          <a:fontRef idx="minor">
-            <a:schemeClr val="lt1"/>
-          </a:fontRef>
-        </p:style>
-        <p:txBody>
-          <a:bodyPr rot="0" spcFirstLastPara="0" vertOverflow="overflow" horzOverflow="overflow" vert="horz" wrap="square" lIns="91440" tIns="45720" rIns="91440" bIns="45720" numCol="1" spcCol="0" rtlCol="0" fromWordArt="0" anchor="ctr" anchorCtr="0" forceAA="0" compatLnSpc="1">
-            <a:prstTxWarp prst="textNoShape">
-              <a:avLst/>
-            </a:prstTxWarp>
-            <a:noAutofit/>
-          </a:bodyPr>
-          <a:lstStyle/>
-          <a:p>
-            <a:pPr algn="ctr"/>
-            <a:endParaRPr lang="en-US"/>
-          </a:p>
-        </p:txBody>
-      </p:sp>
-      <p:sp>
-        <p:nvSpPr>
-          <p:cNvPr id="69" name="Oval 68">
-            <a:extLst>
-              <a:ext uri="{FF2B5EF4-FFF2-40B4-BE49-F238E27FC236}">
-                <a16:creationId xmlns:a16="http://schemas.microsoft.com/office/drawing/2014/main" id="{AAA7AB09-557C-41AD-9113-FF9F68FA1035}"/>
-              </a:ext>
-              <a:ext uri="{C183D7F6-B498-43B3-948B-1728B52AA6E4}">
-                <adec:decorative xmlns:adec="http://schemas.microsoft.com/office/drawing/2017/decorative" val="1"/>
-              </a:ext>
-            </a:extLst>
-          </p:cNvPr>
-          <p:cNvSpPr>
-            <a:spLocks noGrp="1" noRot="1" noChangeAspect="1" noMove="1" noResize="1" noEditPoints="1" noAdjustHandles="1" noChangeArrowheads="1" noChangeShapeType="1" noTextEdit="1"/>
-          </p:cNvSpPr>
-          <p:nvPr>
-            <p:extLst>
-              <p:ext uri="{386F3935-93C4-4BCD-93E2-E3B085C9AB24}">
-                <p16:designElem xmlns:p16="http://schemas.microsoft.com/office/powerpoint/2015/main" val="1"/>
-              </p:ext>
-            </p:extLst>
-          </p:nvPr>
-        </p:nvSpPr>
-        <p:spPr>
-          <a:xfrm rot="8100000">
-            <a:off x="626845" y="828962"/>
-            <a:ext cx="540000" cy="1080000"/>
-          </a:xfrm>
-          <a:prstGeom prst="ellipse">
-            <a:avLst/>
-          </a:prstGeom>
-          <a:gradFill>
-            <a:gsLst>
-              <a:gs pos="100000">
-                <a:schemeClr val="bg2">
-                  <a:lumMod val="90000"/>
-                  <a:lumOff val="10000"/>
-                </a:schemeClr>
-              </a:gs>
-              <a:gs pos="50000">
-                <a:schemeClr val="bg2">
-                  <a:lumMod val="95000"/>
-                  <a:lumOff val="5000"/>
-                </a:schemeClr>
-              </a:gs>
-            </a:gsLst>
-            <a:lin ang="5400000" scaled="0"/>
-          </a:gradFill>
-          <a:ln>
-            <a:noFill/>
-          </a:ln>
-          <a:effectLst>
-            <a:innerShdw blurRad="1270000" dist="2540000">
-              <a:schemeClr val="accent1">
-                <a:lumMod val="60000"/>
-                <a:lumOff val="40000"/>
-                <a:alpha val="0"/>
-              </a:schemeClr>
-            </a:innerShdw>
-          </a:effectLst>
-        </p:spPr>
-        <p:style>
-          <a:lnRef idx="2">
-            <a:schemeClr val="accent1">
-              <a:shade val="50000"/>
-            </a:schemeClr>
-          </a:lnRef>
-          <a:fillRef idx="1">
-            <a:schemeClr val="accent1"/>
-          </a:fillRef>
-          <a:effectRef idx="0">
-            <a:schemeClr val="accent1"/>
-          </a:effectRef>
-          <a:fontRef idx="minor">
-            <a:schemeClr val="lt1"/>
-          </a:fontRef>
-        </p:style>
-        <p:txBody>
-          <a:bodyPr rot="0" spcFirstLastPara="0" vertOverflow="overflow" horzOverflow="overflow" vert="horz" wrap="square" lIns="91440" tIns="45720" rIns="91440" bIns="45720" numCol="1" spcCol="0" rtlCol="0" fromWordArt="0" anchor="ctr" anchorCtr="0" forceAA="0" compatLnSpc="1">
-            <a:prstTxWarp prst="textNoShape">
-              <a:avLst/>
-            </a:prstTxWarp>
-            <a:noAutofit/>
-          </a:bodyPr>
-          <a:lstStyle/>
-          <a:p>
-            <a:pPr algn="ctr"/>
-            <a:endParaRPr lang="en-US"/>
-          </a:p>
-        </p:txBody>
-      </p:sp>
-      <p:sp>
-        <p:nvSpPr>
-          <p:cNvPr id="71" name="Oval 70">
-            <a:extLst>
-              <a:ext uri="{FF2B5EF4-FFF2-40B4-BE49-F238E27FC236}">
-                <a16:creationId xmlns:a16="http://schemas.microsoft.com/office/drawing/2014/main" id="{EF99ECAA-1F11-4937-BBA6-51935AB44C9D}"/>
-              </a:ext>
-              <a:ext uri="{C183D7F6-B498-43B3-948B-1728B52AA6E4}">
-                <adec:decorative xmlns:adec="http://schemas.microsoft.com/office/drawing/2017/decorative" val="1"/>
-              </a:ext>
-            </a:extLst>
-          </p:cNvPr>
-          <p:cNvSpPr>
-            <a:spLocks noGrp="1" noRot="1" noChangeAspect="1" noMove="1" noResize="1" noEditPoints="1" noAdjustHandles="1" noChangeArrowheads="1" noChangeShapeType="1" noTextEdit="1"/>
-          </p:cNvSpPr>
-          <p:nvPr>
-            <p:extLst>
-              <p:ext uri="{386F3935-93C4-4BCD-93E2-E3B085C9AB24}">
-                <p16:designElem xmlns:p16="http://schemas.microsoft.com/office/powerpoint/2015/main" val="1"/>
-              </p:ext>
-            </p:extLst>
-          </p:nvPr>
-        </p:nvSpPr>
-        <p:spPr>
-          <a:xfrm>
-            <a:off x="1800802" y="2472855"/>
-            <a:ext cx="360000" cy="360000"/>
-          </a:xfrm>
-          <a:prstGeom prst="ellipse">
-            <a:avLst/>
-          </a:prstGeom>
-          <a:gradFill flip="none" rotWithShape="1">
-            <a:gsLst>
-              <a:gs pos="100000">
-                <a:schemeClr val="bg2">
-                  <a:lumMod val="50000"/>
-                  <a:lumOff val="50000"/>
-                </a:schemeClr>
-              </a:gs>
-              <a:gs pos="60000">
-                <a:schemeClr val="bg2"/>
-              </a:gs>
-            </a:gsLst>
-            <a:path path="circle">
-              <a:fillToRect l="100000" b="100000"/>
-            </a:path>
-            <a:tileRect t="-100000" r="-100000"/>
-          </a:gradFill>
-          <a:ln>
-            <a:noFill/>
-          </a:ln>
-          <a:effectLst>
-            <a:innerShdw blurRad="127000" dist="63500" dir="2700000">
-              <a:schemeClr val="accent1">
-                <a:lumMod val="60000"/>
-                <a:lumOff val="40000"/>
-                <a:alpha val="20000"/>
-              </a:schemeClr>
-            </a:innerShdw>
-            <a:softEdge rad="0"/>
-          </a:effectLst>
-        </p:spPr>
-        <p:style>
-          <a:lnRef idx="2">
-            <a:schemeClr val="accent1">
-              <a:shade val="50000"/>
-            </a:schemeClr>
-          </a:lnRef>
-          <a:fillRef idx="1">
-            <a:schemeClr val="accent1"/>
-          </a:fillRef>
-          <a:effectRef idx="0">
-            <a:schemeClr val="accent1"/>
-          </a:effectRef>
-          <a:fontRef idx="minor">
-            <a:schemeClr val="lt1"/>
-          </a:fontRef>
-        </p:style>
-        <p:txBody>
-          <a:bodyPr rot="0" spcFirstLastPara="0" vertOverflow="overflow" horzOverflow="overflow" vert="horz" wrap="square" lIns="91440" tIns="45720" rIns="91440" bIns="45720" numCol="1" spcCol="0" rtlCol="0" fromWordArt="0" anchor="ctr" anchorCtr="0" forceAA="0" compatLnSpc="1">
-            <a:prstTxWarp prst="textNoShape">
-              <a:avLst/>
-            </a:prstTxWarp>
-            <a:noAutofit/>
-          </a:bodyPr>
-          <a:lstStyle/>
-          <a:p>
-            <a:pPr algn="ctr"/>
-            <a:endParaRPr lang="en-US"/>
-          </a:p>
-        </p:txBody>
-      </p:sp>
-      <p:grpSp>
-        <p:nvGrpSpPr>
-          <p:cNvPr id="73" name="Group 72">
-            <a:extLst>
-              <a:ext uri="{FF2B5EF4-FFF2-40B4-BE49-F238E27FC236}">
-                <a16:creationId xmlns:a16="http://schemas.microsoft.com/office/drawing/2014/main" id="{79DE9FAB-6BBA-4CFE-B67D-77B47F01ECA4}"/>
-              </a:ext>
-              <a:ext uri="{C183D7F6-B498-43B3-948B-1728B52AA6E4}">
-                <adec:decorative xmlns:adec="http://schemas.microsoft.com/office/drawing/2017/decorative" val="1"/>
-              </a:ext>
-            </a:extLst>
-          </p:cNvPr>
-          <p:cNvGrpSpPr>
-            <a:grpSpLocks noGrp="1" noUngrp="1" noRot="1" noChangeAspect="1" noMove="1" noResize="1"/>
-          </p:cNvGrpSpPr>
-          <p:nvPr>
-            <p:extLst>
-              <p:ext uri="{386F3935-93C4-4BCD-93E2-E3B085C9AB24}">
-                <p16:designElem xmlns:p16="http://schemas.microsoft.com/office/powerpoint/2015/main" val="1"/>
-              </p:ext>
-            </p:extLst>
-          </p:nvPr>
-        </p:nvGrpSpPr>
-        <p:grpSpPr>
-          <a:xfrm>
-            <a:off x="1329952" y="4524379"/>
-            <a:ext cx="1980001" cy="1363916"/>
-            <a:chOff x="4879602" y="3781429"/>
-            <a:chExt cx="1980001" cy="1363916"/>
-          </a:xfrm>
-        </p:grpSpPr>
-        <p:sp>
-          <p:nvSpPr>
-            <p:cNvPr id="74" name="Freeform: Shape 73">
-              <a:extLst>
-                <a:ext uri="{FF2B5EF4-FFF2-40B4-BE49-F238E27FC236}">
-                  <a16:creationId xmlns:a16="http://schemas.microsoft.com/office/drawing/2014/main" id="{79FAC916-D9BB-4794-81B4-7C47C67E850D}"/>
-                </a:ext>
-                <a:ext uri="{C183D7F6-B498-43B3-948B-1728B52AA6E4}">
-                  <adec:decorative xmlns:adec="http://schemas.microsoft.com/office/drawing/2017/decorative" val="1"/>
-                </a:ext>
-              </a:extLst>
-            </p:cNvPr>
-            <p:cNvSpPr>
-              <a:spLocks noChangeAspect="1"/>
-            </p:cNvSpPr>
-            <p:nvPr>
-              <p:extLst>
-                <p:ext uri="{386F3935-93C4-4BCD-93E2-E3B085C9AB24}">
-                  <p16:designElem xmlns:p16="http://schemas.microsoft.com/office/powerpoint/2015/main" val="1"/>
-                </p:ext>
-              </p:extLst>
-            </p:nvPr>
-          </p:nvSpPr>
-          <p:spPr>
-            <a:xfrm rot="18900000" flipV="1">
-              <a:off x="5005634" y="4191206"/>
-              <a:ext cx="1853969" cy="926985"/>
-            </a:xfrm>
-            <a:custGeom>
-              <a:avLst/>
-              <a:gdLst>
-                <a:gd name="connsiteX0" fmla="*/ 1329373 w 2658746"/>
-                <a:gd name="connsiteY0" fmla="*/ 0 h 1329373"/>
-                <a:gd name="connsiteX1" fmla="*/ 2658746 w 2658746"/>
-                <a:gd name="connsiteY1" fmla="*/ 1329373 h 1329373"/>
-                <a:gd name="connsiteX2" fmla="*/ 1994059 w 2658746"/>
-                <a:gd name="connsiteY2" fmla="*/ 1329373 h 1329373"/>
-                <a:gd name="connsiteX3" fmla="*/ 1329373 w 2658746"/>
-                <a:gd name="connsiteY3" fmla="*/ 664687 h 1329373"/>
-                <a:gd name="connsiteX4" fmla="*/ 664687 w 2658746"/>
-                <a:gd name="connsiteY4" fmla="*/ 1329373 h 1329373"/>
-                <a:gd name="connsiteX5" fmla="*/ 0 w 2658746"/>
-                <a:gd name="connsiteY5" fmla="*/ 1329373 h 1329373"/>
-                <a:gd name="connsiteX6" fmla="*/ 1329373 w 2658746"/>
-                <a:gd name="connsiteY6" fmla="*/ 0 h 1329373"/>
-              </a:gdLst>
-              <a:ahLst/>
-              <a:cxnLst>
-                <a:cxn ang="0">
-                  <a:pos x="connsiteX0" y="connsiteY0"/>
-                </a:cxn>
-                <a:cxn ang="0">
-                  <a:pos x="connsiteX1" y="connsiteY1"/>
-                </a:cxn>
-                <a:cxn ang="0">
-                  <a:pos x="connsiteX2" y="connsiteY2"/>
-                </a:cxn>
-                <a:cxn ang="0">
-                  <a:pos x="connsiteX3" y="connsiteY3"/>
-                </a:cxn>
-                <a:cxn ang="0">
-                  <a:pos x="connsiteX4" y="connsiteY4"/>
-                </a:cxn>
-                <a:cxn ang="0">
-                  <a:pos x="connsiteX5" y="connsiteY5"/>
-                </a:cxn>
-                <a:cxn ang="0">
-                  <a:pos x="connsiteX6" y="connsiteY6"/>
-                </a:cxn>
-              </a:cxnLst>
-              <a:rect l="l" t="t" r="r" b="b"/>
-              <a:pathLst>
-                <a:path w="2658746" h="1329373">
-                  <a:moveTo>
-                    <a:pt x="1329373" y="0"/>
-                  </a:moveTo>
-                  <a:cubicBezTo>
-                    <a:pt x="2063565" y="0"/>
-                    <a:pt x="2658746" y="595181"/>
-                    <a:pt x="2658746" y="1329373"/>
-                  </a:cubicBezTo>
-                  <a:lnTo>
-                    <a:pt x="1994059" y="1329373"/>
-                  </a:lnTo>
-                  <a:cubicBezTo>
-                    <a:pt x="1994059" y="962277"/>
-                    <a:pt x="1696469" y="664687"/>
-                    <a:pt x="1329373" y="664687"/>
-                  </a:cubicBezTo>
-                  <a:cubicBezTo>
-                    <a:pt x="962277" y="664687"/>
-                    <a:pt x="664687" y="962277"/>
-                    <a:pt x="664687" y="1329373"/>
-                  </a:cubicBezTo>
-                  <a:lnTo>
-                    <a:pt x="0" y="1329373"/>
-                  </a:lnTo>
-                  <a:cubicBezTo>
-                    <a:pt x="0" y="595181"/>
-                    <a:pt x="595181" y="0"/>
-                    <a:pt x="1329373" y="0"/>
-                  </a:cubicBezTo>
-                  <a:close/>
-                </a:path>
-              </a:pathLst>
-            </a:custGeom>
-            <a:solidFill>
-              <a:schemeClr val="bg2"/>
-            </a:solidFill>
-            <a:ln>
-              <a:noFill/>
-            </a:ln>
-            <a:effectLst>
-              <a:innerShdw blurRad="254000" dist="50800" dir="16200000">
-                <a:schemeClr val="accent1">
-                  <a:lumMod val="40000"/>
-                  <a:lumOff val="60000"/>
-                  <a:alpha val="40000"/>
-                </a:schemeClr>
-              </a:innerShdw>
-            </a:effectLst>
-          </p:spPr>
-          <p:style>
-            <a:lnRef idx="2">
-              <a:schemeClr val="accent1">
-                <a:shade val="50000"/>
-              </a:schemeClr>
-            </a:lnRef>
-            <a:fillRef idx="1">
-              <a:schemeClr val="accent1"/>
-            </a:fillRef>
-            <a:effectRef idx="0">
-              <a:schemeClr val="accent1"/>
-            </a:effectRef>
-            <a:fontRef idx="minor">
-              <a:schemeClr val="lt1"/>
-            </a:fontRef>
-          </p:style>
-          <p:txBody>
-            <a:bodyPr rtlCol="0" anchor="ctr"/>
-            <a:lstStyle/>
-            <a:p>
-              <a:pPr algn="ctr"/>
-              <a:endParaRPr lang="en-US"/>
-            </a:p>
-          </p:txBody>
-        </p:sp>
-        <p:sp>
-          <p:nvSpPr>
-            <p:cNvPr id="75" name="Freeform: Shape 74">
-              <a:extLst>
-                <a:ext uri="{FF2B5EF4-FFF2-40B4-BE49-F238E27FC236}">
-                  <a16:creationId xmlns:a16="http://schemas.microsoft.com/office/drawing/2014/main" id="{B5CA2231-7A65-4D16-8400-A210CC41DB73}"/>
-                </a:ext>
-                <a:ext uri="{C183D7F6-B498-43B3-948B-1728B52AA6E4}">
-                  <adec:decorative xmlns:adec="http://schemas.microsoft.com/office/drawing/2017/decorative" val="1"/>
-                </a:ext>
-              </a:extLst>
-            </p:cNvPr>
-            <p:cNvSpPr>
-              <a:spLocks noChangeAspect="1"/>
-            </p:cNvSpPr>
-            <p:nvPr>
-              <p:extLst>
-                <p:ext uri="{386F3935-93C4-4BCD-93E2-E3B085C9AB24}">
-                  <p16:designElem xmlns:p16="http://schemas.microsoft.com/office/powerpoint/2015/main" val="1"/>
-                </p:ext>
-              </p:extLst>
-            </p:nvPr>
-          </p:nvSpPr>
-          <p:spPr>
-            <a:xfrm rot="18900000" flipV="1">
-              <a:off x="4957101" y="4052255"/>
-              <a:ext cx="1853969" cy="1093090"/>
-            </a:xfrm>
-            <a:custGeom>
-              <a:avLst/>
-              <a:gdLst>
-                <a:gd name="connsiteX0" fmla="*/ 1329373 w 2658746"/>
-                <a:gd name="connsiteY0" fmla="*/ 0 h 1329373"/>
-                <a:gd name="connsiteX1" fmla="*/ 2658746 w 2658746"/>
-                <a:gd name="connsiteY1" fmla="*/ 1329373 h 1329373"/>
-                <a:gd name="connsiteX2" fmla="*/ 1994059 w 2658746"/>
-                <a:gd name="connsiteY2" fmla="*/ 1329373 h 1329373"/>
-                <a:gd name="connsiteX3" fmla="*/ 1329373 w 2658746"/>
-                <a:gd name="connsiteY3" fmla="*/ 664687 h 1329373"/>
-                <a:gd name="connsiteX4" fmla="*/ 664687 w 2658746"/>
-                <a:gd name="connsiteY4" fmla="*/ 1329373 h 1329373"/>
-                <a:gd name="connsiteX5" fmla="*/ 0 w 2658746"/>
-                <a:gd name="connsiteY5" fmla="*/ 1329373 h 1329373"/>
-                <a:gd name="connsiteX6" fmla="*/ 1329373 w 2658746"/>
-                <a:gd name="connsiteY6" fmla="*/ 0 h 1329373"/>
-              </a:gdLst>
-              <a:ahLst/>
-              <a:cxnLst>
-                <a:cxn ang="0">
-                  <a:pos x="connsiteX0" y="connsiteY0"/>
-                </a:cxn>
-                <a:cxn ang="0">
-                  <a:pos x="connsiteX1" y="connsiteY1"/>
-                </a:cxn>
-                <a:cxn ang="0">
-                  <a:pos x="connsiteX2" y="connsiteY2"/>
-                </a:cxn>
-                <a:cxn ang="0">
-                  <a:pos x="connsiteX3" y="connsiteY3"/>
-                </a:cxn>
-                <a:cxn ang="0">
-                  <a:pos x="connsiteX4" y="connsiteY4"/>
-                </a:cxn>
-                <a:cxn ang="0">
-                  <a:pos x="connsiteX5" y="connsiteY5"/>
-                </a:cxn>
-                <a:cxn ang="0">
-                  <a:pos x="connsiteX6" y="connsiteY6"/>
-                </a:cxn>
-              </a:cxnLst>
-              <a:rect l="l" t="t" r="r" b="b"/>
-              <a:pathLst>
-                <a:path w="2658746" h="1329373">
-                  <a:moveTo>
-                    <a:pt x="1329373" y="0"/>
-                  </a:moveTo>
-                  <a:cubicBezTo>
-                    <a:pt x="2063565" y="0"/>
-                    <a:pt x="2658746" y="595181"/>
-                    <a:pt x="2658746" y="1329373"/>
-                  </a:cubicBezTo>
-                  <a:lnTo>
-                    <a:pt x="1994059" y="1329373"/>
-                  </a:lnTo>
-                  <a:cubicBezTo>
-                    <a:pt x="1994059" y="962277"/>
-                    <a:pt x="1696469" y="664687"/>
-                    <a:pt x="1329373" y="664687"/>
-                  </a:cubicBezTo>
-                  <a:cubicBezTo>
-                    <a:pt x="962277" y="664687"/>
-                    <a:pt x="664687" y="962277"/>
-                    <a:pt x="664687" y="1329373"/>
-                  </a:cubicBezTo>
-                  <a:lnTo>
-                    <a:pt x="0" y="1329373"/>
-                  </a:lnTo>
-                  <a:cubicBezTo>
-                    <a:pt x="0" y="595181"/>
-                    <a:pt x="595181" y="0"/>
-                    <a:pt x="1329373" y="0"/>
-                  </a:cubicBezTo>
-                  <a:close/>
-                </a:path>
-              </a:pathLst>
-            </a:custGeom>
-            <a:solidFill>
-              <a:schemeClr val="bg2">
-                <a:lumMod val="50000"/>
-                <a:lumOff val="50000"/>
-                <a:alpha val="40000"/>
-              </a:schemeClr>
-            </a:solidFill>
-            <a:ln>
-              <a:noFill/>
-            </a:ln>
-            <a:effectLst>
-              <a:softEdge rad="190500"/>
-            </a:effectLst>
-          </p:spPr>
-          <p:style>
-            <a:lnRef idx="2">
-              <a:schemeClr val="accent1">
-                <a:shade val="50000"/>
-              </a:schemeClr>
-            </a:lnRef>
-            <a:fillRef idx="1">
-              <a:schemeClr val="accent1"/>
-            </a:fillRef>
-            <a:effectRef idx="0">
-              <a:schemeClr val="accent1"/>
-            </a:effectRef>
-            <a:fontRef idx="minor">
-              <a:schemeClr val="lt1"/>
-            </a:fontRef>
-          </p:style>
-          <p:txBody>
-            <a:bodyPr rtlCol="0" anchor="ctr"/>
-            <a:lstStyle/>
-            <a:p>
-              <a:pPr algn="ctr"/>
-              <a:endParaRPr lang="en-US">
-                <a:solidFill>
-                  <a:schemeClr val="tx1"/>
-                </a:solidFill>
-              </a:endParaRPr>
-            </a:p>
-          </p:txBody>
-        </p:sp>
-        <p:sp>
-          <p:nvSpPr>
-            <p:cNvPr id="76" name="Oval 75">
-              <a:extLst>
-                <a:ext uri="{FF2B5EF4-FFF2-40B4-BE49-F238E27FC236}">
-                  <a16:creationId xmlns:a16="http://schemas.microsoft.com/office/drawing/2014/main" id="{4B089C8C-B82B-4704-88E2-E857A5E21529}"/>
-                </a:ext>
-                <a:ext uri="{C183D7F6-B498-43B3-948B-1728B52AA6E4}">
-                  <adec:decorative xmlns:adec="http://schemas.microsoft.com/office/drawing/2017/decorative" val="1"/>
-                </a:ext>
-              </a:extLst>
-            </p:cNvPr>
-            <p:cNvSpPr/>
-            <p:nvPr>
-              <p:extLst>
-                <p:ext uri="{386F3935-93C4-4BCD-93E2-E3B085C9AB24}">
-                  <p16:designElem xmlns:p16="http://schemas.microsoft.com/office/powerpoint/2015/main" val="1"/>
-                </p:ext>
-              </p:extLst>
-            </p:nvPr>
-          </p:nvSpPr>
-          <p:spPr>
-            <a:xfrm rot="13500000" flipV="1">
-              <a:off x="6040374" y="3601683"/>
-              <a:ext cx="107098" cy="466589"/>
-            </a:xfrm>
-            <a:prstGeom prst="ellipse">
-              <a:avLst/>
-            </a:prstGeom>
-            <a:solidFill>
-              <a:schemeClr val="bg2">
-                <a:lumMod val="90000"/>
-                <a:lumOff val="10000"/>
-              </a:schemeClr>
-            </a:solidFill>
-            <a:ln>
-              <a:noFill/>
-            </a:ln>
-            <a:effectLst>
-              <a:innerShdw blurRad="63500" dist="2540000">
-                <a:schemeClr val="accent1">
-                  <a:lumMod val="60000"/>
-                  <a:lumOff val="40000"/>
-                  <a:alpha val="0"/>
-                </a:schemeClr>
-              </a:innerShdw>
-            </a:effectLst>
-          </p:spPr>
-          <p:style>
-            <a:lnRef idx="2">
-              <a:schemeClr val="accent1">
-                <a:shade val="50000"/>
-              </a:schemeClr>
-            </a:lnRef>
-            <a:fillRef idx="1">
-              <a:schemeClr val="accent1"/>
-            </a:fillRef>
-            <a:effectRef idx="0">
-              <a:schemeClr val="accent1"/>
-            </a:effectRef>
-            <a:fontRef idx="minor">
-              <a:schemeClr val="lt1"/>
-            </a:fontRef>
-          </p:style>
-          <p:txBody>
-            <a:bodyPr rot="0" spcFirstLastPara="0" vertOverflow="overflow" horzOverflow="overflow" vert="horz" wrap="square" lIns="91440" tIns="45720" rIns="91440" bIns="45720" numCol="1" spcCol="0" rtlCol="0" fromWordArt="0" anchor="ctr" anchorCtr="0" forceAA="0" compatLnSpc="1">
-              <a:prstTxWarp prst="textNoShape">
-                <a:avLst/>
-              </a:prstTxWarp>
-              <a:noAutofit/>
-            </a:bodyPr>
-            <a:lstStyle/>
-            <a:p>
-              <a:pPr algn="ctr"/>
-              <a:endParaRPr lang="en-US"/>
-            </a:p>
-          </p:txBody>
-        </p:sp>
-        <p:sp>
-          <p:nvSpPr>
-            <p:cNvPr id="77" name="Oval 76">
-              <a:extLst>
-                <a:ext uri="{FF2B5EF4-FFF2-40B4-BE49-F238E27FC236}">
-                  <a16:creationId xmlns:a16="http://schemas.microsoft.com/office/drawing/2014/main" id="{434B90C8-5B4D-456E-AD99-80EF748FDD72}"/>
-                </a:ext>
-                <a:ext uri="{C183D7F6-B498-43B3-948B-1728B52AA6E4}">
-                  <adec:decorative xmlns:adec="http://schemas.microsoft.com/office/drawing/2017/decorative" val="1"/>
-                </a:ext>
-              </a:extLst>
-            </p:cNvPr>
-            <p:cNvSpPr/>
-            <p:nvPr>
-              <p:extLst>
-                <p:ext uri="{386F3935-93C4-4BCD-93E2-E3B085C9AB24}">
-                  <p16:designElem xmlns:p16="http://schemas.microsoft.com/office/powerpoint/2015/main" val="1"/>
-                </p:ext>
-              </p:extLst>
-            </p:nvPr>
-          </p:nvSpPr>
-          <p:spPr>
-            <a:xfrm rot="13500000" flipV="1">
-              <a:off x="5059348" y="4582709"/>
-              <a:ext cx="107098" cy="466589"/>
-            </a:xfrm>
-            <a:prstGeom prst="ellipse">
-              <a:avLst/>
-            </a:prstGeom>
-            <a:solidFill>
-              <a:schemeClr val="bg2">
-                <a:lumMod val="90000"/>
-                <a:lumOff val="10000"/>
-              </a:schemeClr>
-            </a:solidFill>
-            <a:ln>
-              <a:noFill/>
-            </a:ln>
-            <a:effectLst>
-              <a:innerShdw blurRad="63500" dist="2540000">
-                <a:schemeClr val="accent1">
-                  <a:lumMod val="60000"/>
-                  <a:lumOff val="40000"/>
-                  <a:alpha val="0"/>
-                </a:schemeClr>
-              </a:innerShdw>
-            </a:effectLst>
-          </p:spPr>
-          <p:style>
-            <a:lnRef idx="2">
-              <a:schemeClr val="accent1">
-                <a:shade val="50000"/>
-              </a:schemeClr>
-            </a:lnRef>
-            <a:fillRef idx="1">
-              <a:schemeClr val="accent1"/>
-            </a:fillRef>
-            <a:effectRef idx="0">
-              <a:schemeClr val="accent1"/>
-            </a:effectRef>
-            <a:fontRef idx="minor">
-              <a:schemeClr val="lt1"/>
-            </a:fontRef>
-          </p:style>
-          <p:txBody>
-            <a:bodyPr rot="0" spcFirstLastPara="0" vertOverflow="overflow" horzOverflow="overflow" vert="horz" wrap="square" lIns="91440" tIns="45720" rIns="91440" bIns="45720" numCol="1" spcCol="0" rtlCol="0" fromWordArt="0" anchor="ctr" anchorCtr="0" forceAA="0" compatLnSpc="1">
-              <a:prstTxWarp prst="textNoShape">
-                <a:avLst/>
-              </a:prstTxWarp>
-              <a:noAutofit/>
-            </a:bodyPr>
-            <a:lstStyle/>
-            <a:p>
-              <a:pPr algn="ctr"/>
-              <a:endParaRPr lang="en-US"/>
-            </a:p>
-          </p:txBody>
-        </p:sp>
-      </p:grpSp>
-      <p:sp useBgFill="1">
-        <p:nvSpPr>
-          <p:cNvPr id="79" name="Rectangle 78">
-            <a:extLst>
-              <a:ext uri="{FF2B5EF4-FFF2-40B4-BE49-F238E27FC236}">
-                <a16:creationId xmlns:a16="http://schemas.microsoft.com/office/drawing/2014/main" id="{1DB043B4-68C6-45B9-82AC-A5800EADB8DB}"/>
-              </a:ext>
-              <a:ext uri="{C183D7F6-B498-43B3-948B-1728B52AA6E4}">
-                <adec:decorative xmlns:adec="http://schemas.microsoft.com/office/drawing/2017/decorative" val="1"/>
-              </a:ext>
-            </a:extLst>
-          </p:cNvPr>
-          <p:cNvSpPr>
-            <a:spLocks noGrp="1" noRot="1" noChangeAspect="1" noMove="1" noResize="1" noEditPoints="1" noAdjustHandles="1" noChangeArrowheads="1" noChangeShapeType="1" noTextEdit="1"/>
-          </p:cNvSpPr>
-          <p:nvPr>
-            <p:extLst>
-              <p:ext uri="{386F3935-93C4-4BCD-93E2-E3B085C9AB24}">
-                <p16:designElem xmlns:p16="http://schemas.microsoft.com/office/powerpoint/2015/main" val="1"/>
-              </p:ext>
-            </p:extLst>
-          </p:nvPr>
-        </p:nvSpPr>
-        <p:spPr>
-          <a:xfrm>
-            <a:off x="0" y="0"/>
-            <a:ext cx="12192000" cy="6858000"/>
-          </a:xfrm>
-          <a:prstGeom prst="rect">
-            <a:avLst/>
-          </a:prstGeom>
-          <a:ln w="12700" cap="flat" cmpd="sng" algn="ctr">
-            <a:noFill/>
-            <a:prstDash val="solid"/>
-            <a:miter lim="800000"/>
-          </a:ln>
-          <a:effectLst/>
-          <a:extLst>
-            <a:ext uri="{91240B29-F687-4F45-9708-019B960494DF}">
-              <a14:hiddenLine xmlns:a14="http://schemas.microsoft.com/office/drawing/2010/main" w="12700" cap="flat" cmpd="sng" algn="ctr">
-                <a:solidFill>
-                  <a:schemeClr val="accent1">
-                    <a:shade val="50000"/>
-                  </a:schemeClr>
-                </a:solidFill>
-                <a:prstDash val="solid"/>
-                <a:miter lim="800000"/>
-              </a14:hiddenLine>
-            </a:ext>
-          </a:extLst>
-        </p:spPr>
-        <p:style>
-          <a:lnRef idx="2">
-            <a:schemeClr val="accent1">
-              <a:shade val="50000"/>
-            </a:schemeClr>
-          </a:lnRef>
-          <a:fillRef idx="1">
-            <a:schemeClr val="accent1"/>
-          </a:fillRef>
-          <a:effectRef idx="0">
-            <a:schemeClr val="accent1"/>
-          </a:effectRef>
-          <a:fontRef idx="minor">
-            <a:schemeClr val="lt1"/>
-          </a:fontRef>
-        </p:style>
-        <p:txBody>
-          <a:bodyPr rtlCol="0" anchor="ctr"/>
-          <a:lstStyle/>
-          <a:p>
-            <a:pPr algn="ctr"/>
-            <a:endParaRPr lang="en-US"/>
-          </a:p>
-        </p:txBody>
-      </p:sp>
-      <p:pic>
-        <p:nvPicPr>
-          <p:cNvPr id="3" name="Picture 2" descr="Digital abstract blue color wave particles flow">
-            <a:extLst>
-              <a:ext uri="{FF2B5EF4-FFF2-40B4-BE49-F238E27FC236}">
-                <a16:creationId xmlns:a16="http://schemas.microsoft.com/office/drawing/2014/main" id="{872E0E1A-E1FD-B3AA-EA4A-3BD5A227DDDE}"/>
-              </a:ext>
-            </a:extLst>
-          </p:cNvPr>
-          <p:cNvPicPr>
-            <a:picLocks noChangeAspect="1"/>
-          </p:cNvPicPr>
-          <p:nvPr/>
-        </p:nvPicPr>
-        <p:blipFill>
-          <a:blip r:embed="rId3">
-            <a:extLst>
-              <a:ext uri="{28A0092B-C50C-407E-A947-70E740481C1C}">
-                <a14:useLocalDpi xmlns:a14="http://schemas.microsoft.com/office/drawing/2010/main" val="0"/>
-              </a:ext>
-            </a:extLst>
-          </a:blip>
-          <a:srcRect/>
-          <a:stretch/>
-        </p:blipFill>
-        <p:spPr>
-          <a:xfrm>
-            <a:off x="20" y="1"/>
-            <a:ext cx="12191980" cy="6858000"/>
-          </a:xfrm>
-          <a:custGeom>
-            <a:avLst/>
-            <a:gdLst/>
-            <a:ahLst/>
-            <a:cxnLst/>
-            <a:rect l="l" t="t" r="r" b="b"/>
-            <a:pathLst>
-              <a:path w="12192000" h="6858000">
-                <a:moveTo>
-                  <a:pt x="0" y="0"/>
-                </a:moveTo>
-                <a:lnTo>
-                  <a:pt x="12192000" y="0"/>
-                </a:lnTo>
-                <a:lnTo>
-                  <a:pt x="12192000" y="6858000"/>
-                </a:lnTo>
-                <a:lnTo>
-                  <a:pt x="0" y="6858000"/>
-                </a:lnTo>
-                <a:close/>
-              </a:path>
-            </a:pathLst>
-          </a:custGeom>
-        </p:spPr>
-      </p:pic>
-      <p:sp>
-        <p:nvSpPr>
-          <p:cNvPr id="81" name="Rectangle 80">
-            <a:extLst>
-              <a:ext uri="{FF2B5EF4-FFF2-40B4-BE49-F238E27FC236}">
-                <a16:creationId xmlns:a16="http://schemas.microsoft.com/office/drawing/2014/main" id="{3C64A91D-E535-4C24-A0E3-96A3810E3FDC}"/>
-              </a:ext>
-              <a:ext uri="{C183D7F6-B498-43B3-948B-1728B52AA6E4}">
-                <adec:decorative xmlns:adec="http://schemas.microsoft.com/office/drawing/2017/decorative" val="1"/>
-              </a:ext>
-            </a:extLst>
-          </p:cNvPr>
-          <p:cNvSpPr>
-            <a:spLocks noGrp="1" noRot="1" noChangeAspect="1" noMove="1" noResize="1" noEditPoints="1" noAdjustHandles="1" noChangeArrowheads="1" noChangeShapeType="1" noTextEdit="1"/>
-          </p:cNvSpPr>
-          <p:nvPr>
-            <p:extLst>
-              <p:ext uri="{386F3935-93C4-4BCD-93E2-E3B085C9AB24}">
-                <p16:designElem xmlns:p16="http://schemas.microsoft.com/office/powerpoint/2015/main" val="1"/>
-              </p:ext>
-            </p:extLst>
-          </p:nvPr>
-        </p:nvSpPr>
-        <p:spPr>
-          <a:xfrm>
-            <a:off x="0" y="5773729"/>
-            <a:ext cx="12192000" cy="1084271"/>
-          </a:xfrm>
-          <a:prstGeom prst="rect">
-            <a:avLst/>
-          </a:prstGeom>
-          <a:gradFill flip="none" rotWithShape="1">
-            <a:gsLst>
-              <a:gs pos="90000">
-                <a:schemeClr val="bg2">
-                  <a:alpha val="60000"/>
-                </a:schemeClr>
-              </a:gs>
-              <a:gs pos="28000">
-                <a:schemeClr val="bg2">
-                  <a:alpha val="0"/>
-                </a:schemeClr>
-              </a:gs>
-            </a:gsLst>
-            <a:lin ang="5400000" scaled="0"/>
-            <a:tileRect/>
-          </a:gradFill>
-          <a:ln>
-            <a:noFill/>
-          </a:ln>
-        </p:spPr>
-        <p:style>
-          <a:lnRef idx="2">
-            <a:schemeClr val="accent1">
-              <a:shade val="50000"/>
-            </a:schemeClr>
-          </a:lnRef>
-          <a:fillRef idx="1">
-            <a:schemeClr val="accent1"/>
-          </a:fillRef>
-          <a:effectRef idx="0">
-            <a:schemeClr val="accent1"/>
-          </a:effectRef>
-          <a:fontRef idx="minor">
-            <a:schemeClr val="lt1"/>
-          </a:fontRef>
-        </p:style>
-        <p:txBody>
-          <a:bodyPr rtlCol="0" anchor="ctr"/>
-          <a:lstStyle/>
-          <a:p>
-            <a:pPr algn="ctr"/>
-            <a:endParaRPr lang="en-US"/>
-          </a:p>
-        </p:txBody>
-      </p:sp>
-      <p:sp>
-        <p:nvSpPr>
-          <p:cNvPr id="83" name="Rectangle 82">
-            <a:extLst>
-              <a:ext uri="{FF2B5EF4-FFF2-40B4-BE49-F238E27FC236}">
-                <a16:creationId xmlns:a16="http://schemas.microsoft.com/office/drawing/2014/main" id="{26FC4867-BA3E-4F8E-AB23-684F34DF3D31}"/>
-              </a:ext>
-              <a:ext uri="{C183D7F6-B498-43B3-948B-1728B52AA6E4}">
-                <adec:decorative xmlns:adec="http://schemas.microsoft.com/office/drawing/2017/decorative" val="1"/>
-              </a:ext>
-            </a:extLst>
-          </p:cNvPr>
-          <p:cNvSpPr>
-            <a:spLocks noGrp="1" noRot="1" noChangeAspect="1" noMove="1" noResize="1" noEditPoints="1" noAdjustHandles="1" noChangeArrowheads="1" noChangeShapeType="1" noTextEdit="1"/>
-          </p:cNvSpPr>
-          <p:nvPr>
-            <p:extLst>
-              <p:ext uri="{386F3935-93C4-4BCD-93E2-E3B085C9AB24}">
-                <p16:designElem xmlns:p16="http://schemas.microsoft.com/office/powerpoint/2015/main" val="1"/>
-              </p:ext>
-            </p:extLst>
-          </p:nvPr>
-        </p:nvSpPr>
-        <p:spPr>
-          <a:xfrm rot="10800000">
-            <a:off x="0" y="-3"/>
-            <a:ext cx="9000000" cy="6857998"/>
-          </a:xfrm>
-          <a:prstGeom prst="rect">
-            <a:avLst/>
-          </a:prstGeom>
-          <a:gradFill flip="none" rotWithShape="1">
-            <a:gsLst>
-              <a:gs pos="50000">
-                <a:schemeClr val="bg2">
-                  <a:alpha val="60000"/>
-                </a:schemeClr>
-              </a:gs>
-              <a:gs pos="0">
-                <a:schemeClr val="bg2">
-                  <a:alpha val="0"/>
-                </a:schemeClr>
-              </a:gs>
-            </a:gsLst>
-            <a:lin ang="0" scaled="0"/>
-            <a:tileRect/>
-          </a:gradFill>
-          <a:ln>
-            <a:noFill/>
-          </a:ln>
-        </p:spPr>
-        <p:style>
-          <a:lnRef idx="2">
-            <a:schemeClr val="accent1">
-              <a:shade val="50000"/>
-            </a:schemeClr>
-          </a:lnRef>
-          <a:fillRef idx="1">
-            <a:schemeClr val="accent1"/>
-          </a:fillRef>
-          <a:effectRef idx="0">
-            <a:schemeClr val="accent1"/>
-          </a:effectRef>
-          <a:fontRef idx="minor">
-            <a:schemeClr val="lt1"/>
-          </a:fontRef>
-        </p:style>
-        <p:txBody>
-          <a:bodyPr rtlCol="0" anchor="ctr"/>
-          <a:lstStyle/>
-          <a:p>
-            <a:pPr algn="ctr"/>
-            <a:endParaRPr lang="en-US"/>
-          </a:p>
-        </p:txBody>
-      </p:sp>
-      <p:sp>
-        <p:nvSpPr>
-          <p:cNvPr id="7" name="Title 6">
-            <a:extLst>
-              <a:ext uri="{FF2B5EF4-FFF2-40B4-BE49-F238E27FC236}">
-                <a16:creationId xmlns:a16="http://schemas.microsoft.com/office/drawing/2014/main" id="{8A84D4AF-8D29-5A55-F3F8-1E928E3B08FF}"/>
-              </a:ext>
-            </a:extLst>
-          </p:cNvPr>
-          <p:cNvSpPr>
-            <a:spLocks noGrp="1"/>
-          </p:cNvSpPr>
-          <p:nvPr>
-            <p:ph type="ctrTitle"/>
-          </p:nvPr>
-        </p:nvSpPr>
-        <p:spPr>
-          <a:xfrm>
-            <a:off x="550863" y="549275"/>
-            <a:ext cx="5437187" cy="2986234"/>
-          </a:xfrm>
-        </p:spPr>
-        <p:txBody>
-          <a:bodyPr vert="horz" wrap="square" lIns="0" tIns="0" rIns="0" bIns="0" rtlCol="0" anchor="b" anchorCtr="0">
-            <a:normAutofit/>
-          </a:bodyPr>
-          <a:lstStyle/>
-          <a:p>
-            <a:pPr algn="l">
-              <a:lnSpc>
-                <a:spcPct val="100000"/>
-              </a:lnSpc>
-            </a:pPr>
-            <a:r>
-              <a:rPr lang="en-US" sz="6400" kern="1200">
-                <a:solidFill>
-                  <a:schemeClr val="tx1"/>
-                </a:solidFill>
-                <a:latin typeface="+mj-lt"/>
-                <a:ea typeface="+mj-ea"/>
-                <a:cs typeface="+mj-cs"/>
-              </a:rPr>
-              <a:t>Event Sourcing</a:t>
-            </a:r>
-          </a:p>
-        </p:txBody>
-      </p:sp>
-    </p:spTree>
-    <p:extLst>
-      <p:ext uri="{BB962C8B-B14F-4D97-AF65-F5344CB8AC3E}">
-        <p14:creationId xmlns:p14="http://schemas.microsoft.com/office/powerpoint/2010/main" val="473794441"/>
-      </p:ext>
-    </p:extLst>
-  </p:cSld>
-  <p:clrMapOvr>
-    <a:masterClrMapping/>
-  </p:clrMapOvr>
-</p:sld>
-</file>
-
-<file path=ppt/slides/slide11.xml><?xml version="1.0" encoding="utf-8"?>
-<p:sld xmlns:a="http://schemas.openxmlformats.org/drawingml/2006/main" xmlns:r="http://schemas.openxmlformats.org/officeDocument/2006/relationships" xmlns:p="http://schemas.openxmlformats.org/presentationml/2006/main">
-  <p:cSld>
     <p:spTree>
       <p:nvGrpSpPr>
         <p:cNvPr id="1" name="">
@@ -17489,7 +16203,7 @@
 </p:sld>
 </file>
 
-<file path=ppt/slides/slide12.xml><?xml version="1.0" encoding="utf-8"?>
+<file path=ppt/slides/slide11.xml><?xml version="1.0" encoding="utf-8"?>
 <p:sld xmlns:a="http://schemas.openxmlformats.org/drawingml/2006/main" xmlns:r="http://schemas.openxmlformats.org/officeDocument/2006/relationships" xmlns:p="http://schemas.openxmlformats.org/presentationml/2006/main">
   <p:cSld>
     <p:spTree>
@@ -18551,7 +17265,7 @@
 </p:sld>
 </file>
 
-<file path=ppt/slides/slide13.xml><?xml version="1.0" encoding="utf-8"?>
+<file path=ppt/slides/slide12.xml><?xml version="1.0" encoding="utf-8"?>
 <p:sld xmlns:a="http://schemas.openxmlformats.org/drawingml/2006/main" xmlns:r="http://schemas.openxmlformats.org/officeDocument/2006/relationships" xmlns:p="http://schemas.openxmlformats.org/presentationml/2006/main">
   <p:cSld>
     <p:spTree>
@@ -19858,7 +18572,7 @@
 </p:sld>
 </file>
 
-<file path=ppt/slides/slide14.xml><?xml version="1.0" encoding="utf-8"?>
+<file path=ppt/slides/slide13.xml><?xml version="1.0" encoding="utf-8"?>
 <p:sld xmlns:a="http://schemas.openxmlformats.org/drawingml/2006/main" xmlns:r="http://schemas.openxmlformats.org/officeDocument/2006/relationships" xmlns:p="http://schemas.openxmlformats.org/presentationml/2006/main">
   <p:cSld>
     <p:bg>
@@ -21499,7 +20213,7 @@
 </p:sld>
 </file>
 
-<file path=ppt/slides/slide15.xml><?xml version="1.0" encoding="utf-8"?>
+<file path=ppt/slides/slide14.xml><?xml version="1.0" encoding="utf-8"?>
 <p:sld xmlns:a="http://schemas.openxmlformats.org/drawingml/2006/main" xmlns:r="http://schemas.openxmlformats.org/officeDocument/2006/relationships" xmlns:p="http://schemas.openxmlformats.org/presentationml/2006/main">
   <p:cSld>
     <p:spTree>
@@ -21587,7 +20301,7 @@
 </p:sld>
 </file>
 
-<file path=ppt/slides/slide16.xml><?xml version="1.0" encoding="utf-8"?>
+<file path=ppt/slides/slide15.xml><?xml version="1.0" encoding="utf-8"?>
 <p:sld xmlns:a="http://schemas.openxmlformats.org/drawingml/2006/main" xmlns:r="http://schemas.openxmlformats.org/officeDocument/2006/relationships" xmlns:p="http://schemas.openxmlformats.org/presentationml/2006/main">
   <p:cSld>
     <p:bg>
@@ -25297,7 +24011,7 @@
 </p:sld>
 </file>
 
-<file path=ppt/slides/slide17.xml><?xml version="1.0" encoding="utf-8"?>
+<file path=ppt/slides/slide16.xml><?xml version="1.0" encoding="utf-8"?>
 <p:sld xmlns:a="http://schemas.openxmlformats.org/drawingml/2006/main" xmlns:r="http://schemas.openxmlformats.org/officeDocument/2006/relationships" xmlns:p="http://schemas.openxmlformats.org/presentationml/2006/main">
   <p:cSld>
     <p:bg>
@@ -26014,10 +24728,521 @@
   <p:clrMapOvr>
     <a:masterClrMapping/>
   </p:clrMapOvr>
+  <p:timing>
+    <p:tnLst>
+      <p:par>
+        <p:cTn id="1" dur="indefinite" restart="never" nodeType="tmRoot">
+          <p:childTnLst>
+            <p:seq concurrent="1" nextAc="seek">
+              <p:cTn id="2" dur="indefinite" nodeType="mainSeq">
+                <p:childTnLst>
+                  <p:par>
+                    <p:cTn id="3" fill="hold">
+                      <p:stCondLst>
+                        <p:cond delay="indefinite"/>
+                      </p:stCondLst>
+                      <p:childTnLst>
+                        <p:par>
+                          <p:cTn id="4" fill="hold">
+                            <p:stCondLst>
+                              <p:cond delay="0"/>
+                            </p:stCondLst>
+                            <p:childTnLst>
+                              <p:par>
+                                <p:cTn id="5" presetID="10" presetClass="entr" presetSubtype="0" fill="hold" nodeType="clickEffect">
+                                  <p:stCondLst>
+                                    <p:cond delay="0"/>
+                                  </p:stCondLst>
+                                  <p:childTnLst>
+                                    <p:set>
+                                      <p:cBhvr>
+                                        <p:cTn id="6" dur="1" fill="hold">
+                                          <p:stCondLst>
+                                            <p:cond delay="0"/>
+                                          </p:stCondLst>
+                                        </p:cTn>
+                                        <p:tgtEl>
+                                          <p:spTgt spid="62"/>
+                                        </p:tgtEl>
+                                        <p:attrNameLst>
+                                          <p:attrName>style.visibility</p:attrName>
+                                        </p:attrNameLst>
+                                      </p:cBhvr>
+                                      <p:to>
+                                        <p:strVal val="visible"/>
+                                      </p:to>
+                                    </p:set>
+                                    <p:animEffect transition="in" filter="fade">
+                                      <p:cBhvr>
+                                        <p:cTn id="7" dur="500"/>
+                                        <p:tgtEl>
+                                          <p:spTgt spid="62"/>
+                                        </p:tgtEl>
+                                      </p:cBhvr>
+                                    </p:animEffect>
+                                  </p:childTnLst>
+                                </p:cTn>
+                              </p:par>
+                              <p:par>
+                                <p:cTn id="8" presetID="10" presetClass="entr" presetSubtype="0" fill="hold" nodeType="withEffect">
+                                  <p:stCondLst>
+                                    <p:cond delay="0"/>
+                                  </p:stCondLst>
+                                  <p:childTnLst>
+                                    <p:set>
+                                      <p:cBhvr>
+                                        <p:cTn id="9" dur="1" fill="hold">
+                                          <p:stCondLst>
+                                            <p:cond delay="0"/>
+                                          </p:stCondLst>
+                                        </p:cTn>
+                                        <p:tgtEl>
+                                          <p:spTgt spid="11"/>
+                                        </p:tgtEl>
+                                        <p:attrNameLst>
+                                          <p:attrName>style.visibility</p:attrName>
+                                        </p:attrNameLst>
+                                      </p:cBhvr>
+                                      <p:to>
+                                        <p:strVal val="visible"/>
+                                      </p:to>
+                                    </p:set>
+                                    <p:animEffect transition="in" filter="fade">
+                                      <p:cBhvr>
+                                        <p:cTn id="10" dur="500"/>
+                                        <p:tgtEl>
+                                          <p:spTgt spid="11"/>
+                                        </p:tgtEl>
+                                      </p:cBhvr>
+                                    </p:animEffect>
+                                  </p:childTnLst>
+                                </p:cTn>
+                              </p:par>
+                              <p:par>
+                                <p:cTn id="11" presetID="10" presetClass="entr" presetSubtype="0" fill="hold" grpId="0" nodeType="withEffect">
+                                  <p:stCondLst>
+                                    <p:cond delay="0"/>
+                                  </p:stCondLst>
+                                  <p:childTnLst>
+                                    <p:set>
+                                      <p:cBhvr>
+                                        <p:cTn id="12" dur="1" fill="hold">
+                                          <p:stCondLst>
+                                            <p:cond delay="0"/>
+                                          </p:stCondLst>
+                                        </p:cTn>
+                                        <p:tgtEl>
+                                          <p:spTgt spid="60"/>
+                                        </p:tgtEl>
+                                        <p:attrNameLst>
+                                          <p:attrName>style.visibility</p:attrName>
+                                        </p:attrNameLst>
+                                      </p:cBhvr>
+                                      <p:to>
+                                        <p:strVal val="visible"/>
+                                      </p:to>
+                                    </p:set>
+                                    <p:animEffect transition="in" filter="fade">
+                                      <p:cBhvr>
+                                        <p:cTn id="13" dur="500"/>
+                                        <p:tgtEl>
+                                          <p:spTgt spid="60"/>
+                                        </p:tgtEl>
+                                      </p:cBhvr>
+                                    </p:animEffect>
+                                  </p:childTnLst>
+                                </p:cTn>
+                              </p:par>
+                              <p:par>
+                                <p:cTn id="14" presetID="10" presetClass="entr" presetSubtype="0" fill="hold" grpId="0" nodeType="withEffect">
+                                  <p:stCondLst>
+                                    <p:cond delay="0"/>
+                                  </p:stCondLst>
+                                  <p:childTnLst>
+                                    <p:set>
+                                      <p:cBhvr>
+                                        <p:cTn id="15" dur="1" fill="hold">
+                                          <p:stCondLst>
+                                            <p:cond delay="0"/>
+                                          </p:stCondLst>
+                                        </p:cTn>
+                                        <p:tgtEl>
+                                          <p:spTgt spid="61"/>
+                                        </p:tgtEl>
+                                        <p:attrNameLst>
+                                          <p:attrName>style.visibility</p:attrName>
+                                        </p:attrNameLst>
+                                      </p:cBhvr>
+                                      <p:to>
+                                        <p:strVal val="visible"/>
+                                      </p:to>
+                                    </p:set>
+                                    <p:animEffect transition="in" filter="fade">
+                                      <p:cBhvr>
+                                        <p:cTn id="16" dur="500"/>
+                                        <p:tgtEl>
+                                          <p:spTgt spid="61"/>
+                                        </p:tgtEl>
+                                      </p:cBhvr>
+                                    </p:animEffect>
+                                  </p:childTnLst>
+                                </p:cTn>
+                              </p:par>
+                            </p:childTnLst>
+                          </p:cTn>
+                        </p:par>
+                      </p:childTnLst>
+                    </p:cTn>
+                  </p:par>
+                  <p:par>
+                    <p:cTn id="17" fill="hold">
+                      <p:stCondLst>
+                        <p:cond delay="indefinite"/>
+                      </p:stCondLst>
+                      <p:childTnLst>
+                        <p:par>
+                          <p:cTn id="18" fill="hold">
+                            <p:stCondLst>
+                              <p:cond delay="0"/>
+                            </p:stCondLst>
+                            <p:childTnLst>
+                              <p:par>
+                                <p:cTn id="19" presetID="10" presetClass="entr" presetSubtype="0" fill="hold" nodeType="clickEffect">
+                                  <p:stCondLst>
+                                    <p:cond delay="0"/>
+                                  </p:stCondLst>
+                                  <p:childTnLst>
+                                    <p:set>
+                                      <p:cBhvr>
+                                        <p:cTn id="20" dur="1" fill="hold">
+                                          <p:stCondLst>
+                                            <p:cond delay="0"/>
+                                          </p:stCondLst>
+                                        </p:cTn>
+                                        <p:tgtEl>
+                                          <p:spTgt spid="7"/>
+                                        </p:tgtEl>
+                                        <p:attrNameLst>
+                                          <p:attrName>style.visibility</p:attrName>
+                                        </p:attrNameLst>
+                                      </p:cBhvr>
+                                      <p:to>
+                                        <p:strVal val="visible"/>
+                                      </p:to>
+                                    </p:set>
+                                    <p:animEffect transition="in" filter="fade">
+                                      <p:cBhvr>
+                                        <p:cTn id="21" dur="500"/>
+                                        <p:tgtEl>
+                                          <p:spTgt spid="7"/>
+                                        </p:tgtEl>
+                                      </p:cBhvr>
+                                    </p:animEffect>
+                                  </p:childTnLst>
+                                </p:cTn>
+                              </p:par>
+                              <p:par>
+                                <p:cTn id="22" presetID="10" presetClass="entr" presetSubtype="0" fill="hold" nodeType="withEffect">
+                                  <p:stCondLst>
+                                    <p:cond delay="0"/>
+                                  </p:stCondLst>
+                                  <p:childTnLst>
+                                    <p:set>
+                                      <p:cBhvr>
+                                        <p:cTn id="23" dur="1" fill="hold">
+                                          <p:stCondLst>
+                                            <p:cond delay="0"/>
+                                          </p:stCondLst>
+                                        </p:cTn>
+                                        <p:tgtEl>
+                                          <p:spTgt spid="8"/>
+                                        </p:tgtEl>
+                                        <p:attrNameLst>
+                                          <p:attrName>style.visibility</p:attrName>
+                                        </p:attrNameLst>
+                                      </p:cBhvr>
+                                      <p:to>
+                                        <p:strVal val="visible"/>
+                                      </p:to>
+                                    </p:set>
+                                    <p:animEffect transition="in" filter="fade">
+                                      <p:cBhvr>
+                                        <p:cTn id="24" dur="500"/>
+                                        <p:tgtEl>
+                                          <p:spTgt spid="8"/>
+                                        </p:tgtEl>
+                                      </p:cBhvr>
+                                    </p:animEffect>
+                                  </p:childTnLst>
+                                </p:cTn>
+                              </p:par>
+                              <p:par>
+                                <p:cTn id="25" presetID="10" presetClass="entr" presetSubtype="0" fill="hold" grpId="0" nodeType="withEffect">
+                                  <p:stCondLst>
+                                    <p:cond delay="0"/>
+                                  </p:stCondLst>
+                                  <p:childTnLst>
+                                    <p:set>
+                                      <p:cBhvr>
+                                        <p:cTn id="26" dur="1" fill="hold">
+                                          <p:stCondLst>
+                                            <p:cond delay="0"/>
+                                          </p:stCondLst>
+                                        </p:cTn>
+                                        <p:tgtEl>
+                                          <p:spTgt spid="38"/>
+                                        </p:tgtEl>
+                                        <p:attrNameLst>
+                                          <p:attrName>style.visibility</p:attrName>
+                                        </p:attrNameLst>
+                                      </p:cBhvr>
+                                      <p:to>
+                                        <p:strVal val="visible"/>
+                                      </p:to>
+                                    </p:set>
+                                    <p:animEffect transition="in" filter="fade">
+                                      <p:cBhvr>
+                                        <p:cTn id="27" dur="500"/>
+                                        <p:tgtEl>
+                                          <p:spTgt spid="38"/>
+                                        </p:tgtEl>
+                                      </p:cBhvr>
+                                    </p:animEffect>
+                                  </p:childTnLst>
+                                </p:cTn>
+                              </p:par>
+                              <p:par>
+                                <p:cTn id="28" presetID="10" presetClass="entr" presetSubtype="0" fill="hold" grpId="0" nodeType="withEffect">
+                                  <p:stCondLst>
+                                    <p:cond delay="0"/>
+                                  </p:stCondLst>
+                                  <p:childTnLst>
+                                    <p:set>
+                                      <p:cBhvr>
+                                        <p:cTn id="29" dur="1" fill="hold">
+                                          <p:stCondLst>
+                                            <p:cond delay="0"/>
+                                          </p:stCondLst>
+                                        </p:cTn>
+                                        <p:tgtEl>
+                                          <p:spTgt spid="9"/>
+                                        </p:tgtEl>
+                                        <p:attrNameLst>
+                                          <p:attrName>style.visibility</p:attrName>
+                                        </p:attrNameLst>
+                                      </p:cBhvr>
+                                      <p:to>
+                                        <p:strVal val="visible"/>
+                                      </p:to>
+                                    </p:set>
+                                    <p:animEffect transition="in" filter="fade">
+                                      <p:cBhvr>
+                                        <p:cTn id="30" dur="500"/>
+                                        <p:tgtEl>
+                                          <p:spTgt spid="9"/>
+                                        </p:tgtEl>
+                                      </p:cBhvr>
+                                    </p:animEffect>
+                                  </p:childTnLst>
+                                </p:cTn>
+                              </p:par>
+                            </p:childTnLst>
+                          </p:cTn>
+                        </p:par>
+                      </p:childTnLst>
+                    </p:cTn>
+                  </p:par>
+                  <p:par>
+                    <p:cTn id="31" fill="hold">
+                      <p:stCondLst>
+                        <p:cond delay="indefinite"/>
+                      </p:stCondLst>
+                      <p:childTnLst>
+                        <p:par>
+                          <p:cTn id="32" fill="hold">
+                            <p:stCondLst>
+                              <p:cond delay="0"/>
+                            </p:stCondLst>
+                            <p:childTnLst>
+                              <p:par>
+                                <p:cTn id="33" presetID="10" presetClass="entr" presetSubtype="0" fill="hold" nodeType="clickEffect">
+                                  <p:stCondLst>
+                                    <p:cond delay="0"/>
+                                  </p:stCondLst>
+                                  <p:childTnLst>
+                                    <p:set>
+                                      <p:cBhvr>
+                                        <p:cTn id="34" dur="1" fill="hold">
+                                          <p:stCondLst>
+                                            <p:cond delay="0"/>
+                                          </p:stCondLst>
+                                        </p:cTn>
+                                        <p:tgtEl>
+                                          <p:spTgt spid="54"/>
+                                        </p:tgtEl>
+                                        <p:attrNameLst>
+                                          <p:attrName>style.visibility</p:attrName>
+                                        </p:attrNameLst>
+                                      </p:cBhvr>
+                                      <p:to>
+                                        <p:strVal val="visible"/>
+                                      </p:to>
+                                    </p:set>
+                                    <p:animEffect transition="in" filter="fade">
+                                      <p:cBhvr>
+                                        <p:cTn id="35" dur="500"/>
+                                        <p:tgtEl>
+                                          <p:spTgt spid="54"/>
+                                        </p:tgtEl>
+                                      </p:cBhvr>
+                                    </p:animEffect>
+                                  </p:childTnLst>
+                                </p:cTn>
+                              </p:par>
+                              <p:par>
+                                <p:cTn id="36" presetID="10" presetClass="entr" presetSubtype="0" fill="hold" nodeType="withEffect">
+                                  <p:stCondLst>
+                                    <p:cond delay="0"/>
+                                  </p:stCondLst>
+                                  <p:childTnLst>
+                                    <p:set>
+                                      <p:cBhvr>
+                                        <p:cTn id="37" dur="1" fill="hold">
+                                          <p:stCondLst>
+                                            <p:cond delay="0"/>
+                                          </p:stCondLst>
+                                        </p:cTn>
+                                        <p:tgtEl>
+                                          <p:spTgt spid="2"/>
+                                        </p:tgtEl>
+                                        <p:attrNameLst>
+                                          <p:attrName>style.visibility</p:attrName>
+                                        </p:attrNameLst>
+                                      </p:cBhvr>
+                                      <p:to>
+                                        <p:strVal val="visible"/>
+                                      </p:to>
+                                    </p:set>
+                                    <p:animEffect transition="in" filter="fade">
+                                      <p:cBhvr>
+                                        <p:cTn id="38" dur="500"/>
+                                        <p:tgtEl>
+                                          <p:spTgt spid="2"/>
+                                        </p:tgtEl>
+                                      </p:cBhvr>
+                                    </p:animEffect>
+                                  </p:childTnLst>
+                                </p:cTn>
+                              </p:par>
+                              <p:par>
+                                <p:cTn id="39" presetID="10" presetClass="entr" presetSubtype="0" fill="hold" nodeType="withEffect">
+                                  <p:stCondLst>
+                                    <p:cond delay="0"/>
+                                  </p:stCondLst>
+                                  <p:childTnLst>
+                                    <p:set>
+                                      <p:cBhvr>
+                                        <p:cTn id="40" dur="1" fill="hold">
+                                          <p:stCondLst>
+                                            <p:cond delay="0"/>
+                                          </p:stCondLst>
+                                        </p:cTn>
+                                        <p:tgtEl>
+                                          <p:spTgt spid="46"/>
+                                        </p:tgtEl>
+                                        <p:attrNameLst>
+                                          <p:attrName>style.visibility</p:attrName>
+                                        </p:attrNameLst>
+                                      </p:cBhvr>
+                                      <p:to>
+                                        <p:strVal val="visible"/>
+                                      </p:to>
+                                    </p:set>
+                                    <p:animEffect transition="in" filter="fade">
+                                      <p:cBhvr>
+                                        <p:cTn id="41" dur="500"/>
+                                        <p:tgtEl>
+                                          <p:spTgt spid="46"/>
+                                        </p:tgtEl>
+                                      </p:cBhvr>
+                                    </p:animEffect>
+                                  </p:childTnLst>
+                                </p:cTn>
+                              </p:par>
+                              <p:par>
+                                <p:cTn id="42" presetID="10" presetClass="entr" presetSubtype="0" fill="hold" grpId="0" nodeType="withEffect">
+                                  <p:stCondLst>
+                                    <p:cond delay="0"/>
+                                  </p:stCondLst>
+                                  <p:childTnLst>
+                                    <p:set>
+                                      <p:cBhvr>
+                                        <p:cTn id="43" dur="1" fill="hold">
+                                          <p:stCondLst>
+                                            <p:cond delay="0"/>
+                                          </p:stCondLst>
+                                        </p:cTn>
+                                        <p:tgtEl>
+                                          <p:spTgt spid="1067"/>
+                                        </p:tgtEl>
+                                        <p:attrNameLst>
+                                          <p:attrName>style.visibility</p:attrName>
+                                        </p:attrNameLst>
+                                      </p:cBhvr>
+                                      <p:to>
+                                        <p:strVal val="visible"/>
+                                      </p:to>
+                                    </p:set>
+                                    <p:animEffect transition="in" filter="fade">
+                                      <p:cBhvr>
+                                        <p:cTn id="44" dur="500"/>
+                                        <p:tgtEl>
+                                          <p:spTgt spid="1067"/>
+                                        </p:tgtEl>
+                                      </p:cBhvr>
+                                    </p:animEffect>
+                                  </p:childTnLst>
+                                </p:cTn>
+                              </p:par>
+                            </p:childTnLst>
+                          </p:cTn>
+                        </p:par>
+                      </p:childTnLst>
+                    </p:cTn>
+                  </p:par>
+                </p:childTnLst>
+              </p:cTn>
+              <p:prevCondLst>
+                <p:cond evt="onPrev" delay="0">
+                  <p:tgtEl>
+                    <p:sldTgt/>
+                  </p:tgtEl>
+                </p:cond>
+              </p:prevCondLst>
+              <p:nextCondLst>
+                <p:cond evt="onNext" delay="0">
+                  <p:tgtEl>
+                    <p:sldTgt/>
+                  </p:tgtEl>
+                </p:cond>
+              </p:nextCondLst>
+            </p:seq>
+          </p:childTnLst>
+        </p:cTn>
+      </p:par>
+    </p:tnLst>
+    <p:bldLst>
+      <p:bldP spid="9" grpId="0" animBg="1"/>
+      <p:bldP spid="38" grpId="0"/>
+      <p:bldP spid="61" grpId="0" animBg="1"/>
+      <p:bldP spid="60" grpId="0"/>
+      <p:bldP spid="1067" grpId="0"/>
+    </p:bldLst>
+  </p:timing>
 </p:sld>
 </file>
 
-<file path=ppt/slides/slide18.xml><?xml version="1.0" encoding="utf-8"?>
+<file path=ppt/slides/slide17.xml><?xml version="1.0" encoding="utf-8"?>
 <p:sld xmlns:a="http://schemas.openxmlformats.org/drawingml/2006/main" xmlns:r="http://schemas.openxmlformats.org/officeDocument/2006/relationships" xmlns:p="http://schemas.openxmlformats.org/presentationml/2006/main">
   <p:cSld>
     <p:bg>
@@ -27785,7 +27010,7 @@
 </p:sld>
 </file>
 
-<file path=ppt/slides/slide19.xml><?xml version="1.0" encoding="utf-8"?>
+<file path=ppt/slides/slide18.xml><?xml version="1.0" encoding="utf-8"?>
 <p:sld xmlns:a="http://schemas.openxmlformats.org/drawingml/2006/main" xmlns:r="http://schemas.openxmlformats.org/officeDocument/2006/relationships" xmlns:p="http://schemas.openxmlformats.org/presentationml/2006/main">
   <p:cSld>
     <p:bg>
@@ -28871,1517 +28096,7 @@
 </p:sld>
 </file>
 
-<file path=ppt/slides/slide2.xml><?xml version="1.0" encoding="utf-8"?>
-<p:sld xmlns:a="http://schemas.openxmlformats.org/drawingml/2006/main" xmlns:r="http://schemas.openxmlformats.org/officeDocument/2006/relationships" xmlns:p="http://schemas.openxmlformats.org/presentationml/2006/main">
-  <p:cSld>
-    <p:bg>
-      <p:bgPr>
-        <a:solidFill>
-          <a:schemeClr val="bg2"/>
-        </a:solidFill>
-        <a:effectLst/>
-      </p:bgPr>
-    </p:bg>
-    <p:spTree>
-      <p:nvGrpSpPr>
-        <p:cNvPr id="1" name="">
-          <a:extLst>
-            <a:ext uri="{FF2B5EF4-FFF2-40B4-BE49-F238E27FC236}">
-              <a16:creationId xmlns:a16="http://schemas.microsoft.com/office/drawing/2014/main" id="{E3EB0F20-F82A-9402-EC0A-E15B2D059438}"/>
-            </a:ext>
-          </a:extLst>
-        </p:cNvPr>
-        <p:cNvGrpSpPr/>
-        <p:nvPr/>
-      </p:nvGrpSpPr>
-      <p:grpSpPr>
-        <a:xfrm>
-          <a:off x="0" y="0"/>
-          <a:ext cx="0" cy="0"/>
-          <a:chOff x="0" y="0"/>
-          <a:chExt cx="0" cy="0"/>
-        </a:xfrm>
-      </p:grpSpPr>
-      <p:sp>
-        <p:nvSpPr>
-          <p:cNvPr id="12" name="Freeform: Shape 11">
-            <a:extLst>
-              <a:ext uri="{FF2B5EF4-FFF2-40B4-BE49-F238E27FC236}">
-                <a16:creationId xmlns:a16="http://schemas.microsoft.com/office/drawing/2014/main" id="{82184FF4-7029-4ED7-813A-192E60608764}"/>
-              </a:ext>
-              <a:ext uri="{C183D7F6-B498-43B3-948B-1728B52AA6E4}">
-                <adec:decorative xmlns:adec="http://schemas.microsoft.com/office/drawing/2017/decorative" val="1"/>
-              </a:ext>
-            </a:extLst>
-          </p:cNvPr>
-          <p:cNvSpPr>
-            <a:spLocks noGrp="1" noRot="1" noChangeAspect="1" noMove="1" noResize="1" noEditPoints="1" noAdjustHandles="1" noChangeArrowheads="1" noChangeShapeType="1" noTextEdit="1"/>
-          </p:cNvSpPr>
-          <p:nvPr>
-            <p:extLst>
-              <p:ext uri="{386F3935-93C4-4BCD-93E2-E3B085C9AB24}">
-                <p16:designElem xmlns:p16="http://schemas.microsoft.com/office/powerpoint/2015/main" val="1"/>
-              </p:ext>
-            </p:extLst>
-          </p:nvPr>
-        </p:nvSpPr>
-        <p:spPr>
-          <a:xfrm rot="2700000">
-            <a:off x="612445" y="481888"/>
-            <a:ext cx="1080000" cy="1262947"/>
-          </a:xfrm>
-          <a:custGeom>
-            <a:avLst/>
-            <a:gdLst/>
-            <a:ahLst/>
-            <a:cxnLst/>
-            <a:rect l="l" t="t" r="r" b="b"/>
-            <a:pathLst>
-              <a:path w="1080000" h="1262947">
-                <a:moveTo>
-                  <a:pt x="540000" y="0"/>
-                </a:moveTo>
-                <a:lnTo>
-                  <a:pt x="1064374" y="931034"/>
-                </a:lnTo>
-                <a:lnTo>
-                  <a:pt x="1069029" y="938533"/>
-                </a:lnTo>
-                <a:cubicBezTo>
-                  <a:pt x="1076223" y="956109"/>
-                  <a:pt x="1080000" y="974307"/>
-                  <a:pt x="1080000" y="992947"/>
-                </a:cubicBezTo>
-                <a:cubicBezTo>
-                  <a:pt x="1080000" y="1142064"/>
-                  <a:pt x="838234" y="1262947"/>
-                  <a:pt x="540000" y="1262947"/>
-                </a:cubicBezTo>
-                <a:cubicBezTo>
-                  <a:pt x="241766" y="1262947"/>
-                  <a:pt x="0" y="1142064"/>
-                  <a:pt x="0" y="992947"/>
-                </a:cubicBezTo>
-                <a:cubicBezTo>
-                  <a:pt x="0" y="974307"/>
-                  <a:pt x="3778" y="956109"/>
-                  <a:pt x="10971" y="938533"/>
-                </a:cubicBezTo>
-                <a:lnTo>
-                  <a:pt x="15626" y="931034"/>
-                </a:lnTo>
-                <a:lnTo>
-                  <a:pt x="540000" y="0"/>
-                </a:lnTo>
-                <a:close/>
-              </a:path>
-            </a:pathLst>
-          </a:custGeom>
-          <a:gradFill>
-            <a:gsLst>
-              <a:gs pos="60000">
-                <a:schemeClr val="bg2">
-                  <a:lumMod val="90000"/>
-                  <a:lumOff val="10000"/>
-                </a:schemeClr>
-              </a:gs>
-              <a:gs pos="30000">
-                <a:schemeClr val="bg2">
-                  <a:lumMod val="90000"/>
-                  <a:lumOff val="10000"/>
-                </a:schemeClr>
-              </a:gs>
-              <a:gs pos="40000">
-                <a:schemeClr val="bg2">
-                  <a:lumMod val="75000"/>
-                  <a:lumOff val="25000"/>
-                </a:schemeClr>
-              </a:gs>
-              <a:gs pos="100000">
-                <a:schemeClr val="bg2"/>
-              </a:gs>
-            </a:gsLst>
-            <a:lin ang="600000" scaled="0"/>
-          </a:gradFill>
-          <a:ln>
-            <a:noFill/>
-          </a:ln>
-          <a:effectLst>
-            <a:innerShdw blurRad="254000" dist="101600" dir="2700000">
-              <a:schemeClr val="accent1">
-                <a:lumMod val="60000"/>
-                <a:lumOff val="40000"/>
-                <a:alpha val="40000"/>
-              </a:schemeClr>
-            </a:innerShdw>
-          </a:effectLst>
-        </p:spPr>
-        <p:style>
-          <a:lnRef idx="2">
-            <a:schemeClr val="accent1">
-              <a:shade val="50000"/>
-            </a:schemeClr>
-          </a:lnRef>
-          <a:fillRef idx="1">
-            <a:schemeClr val="accent1"/>
-          </a:fillRef>
-          <a:effectRef idx="0">
-            <a:schemeClr val="accent1"/>
-          </a:effectRef>
-          <a:fontRef idx="minor">
-            <a:schemeClr val="lt1"/>
-          </a:fontRef>
-        </p:style>
-        <p:txBody>
-          <a:bodyPr rot="0" spcFirstLastPara="0" vertOverflow="overflow" horzOverflow="overflow" vert="horz" wrap="square" lIns="91440" tIns="45720" rIns="91440" bIns="45720" numCol="1" spcCol="0" rtlCol="0" fromWordArt="0" anchor="ctr" anchorCtr="0" forceAA="0" compatLnSpc="1">
-            <a:prstTxWarp prst="textNoShape">
-              <a:avLst/>
-            </a:prstTxWarp>
-            <a:noAutofit/>
-          </a:bodyPr>
-          <a:lstStyle/>
-          <a:p>
-            <a:pPr algn="ctr"/>
-            <a:endParaRPr lang="en-US"/>
-          </a:p>
-        </p:txBody>
-      </p:sp>
-      <p:sp>
-        <p:nvSpPr>
-          <p:cNvPr id="14" name="Oval 13">
-            <a:extLst>
-              <a:ext uri="{FF2B5EF4-FFF2-40B4-BE49-F238E27FC236}">
-                <a16:creationId xmlns:a16="http://schemas.microsoft.com/office/drawing/2014/main" id="{AAA7AB09-557C-41AD-9113-FF9F68FA1035}"/>
-              </a:ext>
-              <a:ext uri="{C183D7F6-B498-43B3-948B-1728B52AA6E4}">
-                <adec:decorative xmlns:adec="http://schemas.microsoft.com/office/drawing/2017/decorative" val="1"/>
-              </a:ext>
-            </a:extLst>
-          </p:cNvPr>
-          <p:cNvSpPr>
-            <a:spLocks noGrp="1" noRot="1" noChangeAspect="1" noMove="1" noResize="1" noEditPoints="1" noAdjustHandles="1" noChangeArrowheads="1" noChangeShapeType="1" noTextEdit="1"/>
-          </p:cNvSpPr>
-          <p:nvPr>
-            <p:extLst>
-              <p:ext uri="{386F3935-93C4-4BCD-93E2-E3B085C9AB24}">
-                <p16:designElem xmlns:p16="http://schemas.microsoft.com/office/powerpoint/2015/main" val="1"/>
-              </p:ext>
-            </p:extLst>
-          </p:nvPr>
-        </p:nvSpPr>
-        <p:spPr>
-          <a:xfrm rot="8100000">
-            <a:off x="626845" y="828962"/>
-            <a:ext cx="540000" cy="1080000"/>
-          </a:xfrm>
-          <a:prstGeom prst="ellipse">
-            <a:avLst/>
-          </a:prstGeom>
-          <a:gradFill>
-            <a:gsLst>
-              <a:gs pos="100000">
-                <a:schemeClr val="bg2">
-                  <a:lumMod val="90000"/>
-                  <a:lumOff val="10000"/>
-                </a:schemeClr>
-              </a:gs>
-              <a:gs pos="50000">
-                <a:schemeClr val="bg2">
-                  <a:lumMod val="95000"/>
-                  <a:lumOff val="5000"/>
-                </a:schemeClr>
-              </a:gs>
-            </a:gsLst>
-            <a:lin ang="5400000" scaled="0"/>
-          </a:gradFill>
-          <a:ln>
-            <a:noFill/>
-          </a:ln>
-          <a:effectLst>
-            <a:innerShdw blurRad="1270000" dist="2540000">
-              <a:schemeClr val="accent1">
-                <a:lumMod val="60000"/>
-                <a:lumOff val="40000"/>
-                <a:alpha val="0"/>
-              </a:schemeClr>
-            </a:innerShdw>
-          </a:effectLst>
-        </p:spPr>
-        <p:style>
-          <a:lnRef idx="2">
-            <a:schemeClr val="accent1">
-              <a:shade val="50000"/>
-            </a:schemeClr>
-          </a:lnRef>
-          <a:fillRef idx="1">
-            <a:schemeClr val="accent1"/>
-          </a:fillRef>
-          <a:effectRef idx="0">
-            <a:schemeClr val="accent1"/>
-          </a:effectRef>
-          <a:fontRef idx="minor">
-            <a:schemeClr val="lt1"/>
-          </a:fontRef>
-        </p:style>
-        <p:txBody>
-          <a:bodyPr rot="0" spcFirstLastPara="0" vertOverflow="overflow" horzOverflow="overflow" vert="horz" wrap="square" lIns="91440" tIns="45720" rIns="91440" bIns="45720" numCol="1" spcCol="0" rtlCol="0" fromWordArt="0" anchor="ctr" anchorCtr="0" forceAA="0" compatLnSpc="1">
-            <a:prstTxWarp prst="textNoShape">
-              <a:avLst/>
-            </a:prstTxWarp>
-            <a:noAutofit/>
-          </a:bodyPr>
-          <a:lstStyle/>
-          <a:p>
-            <a:pPr algn="ctr"/>
-            <a:endParaRPr lang="en-US"/>
-          </a:p>
-        </p:txBody>
-      </p:sp>
-      <p:sp>
-        <p:nvSpPr>
-          <p:cNvPr id="16" name="Oval 15">
-            <a:extLst>
-              <a:ext uri="{FF2B5EF4-FFF2-40B4-BE49-F238E27FC236}">
-                <a16:creationId xmlns:a16="http://schemas.microsoft.com/office/drawing/2014/main" id="{EF99ECAA-1F11-4937-BBA6-51935AB44C9D}"/>
-              </a:ext>
-              <a:ext uri="{C183D7F6-B498-43B3-948B-1728B52AA6E4}">
-                <adec:decorative xmlns:adec="http://schemas.microsoft.com/office/drawing/2017/decorative" val="1"/>
-              </a:ext>
-            </a:extLst>
-          </p:cNvPr>
-          <p:cNvSpPr>
-            <a:spLocks noGrp="1" noRot="1" noChangeAspect="1" noMove="1" noResize="1" noEditPoints="1" noAdjustHandles="1" noChangeArrowheads="1" noChangeShapeType="1" noTextEdit="1"/>
-          </p:cNvSpPr>
-          <p:nvPr>
-            <p:extLst>
-              <p:ext uri="{386F3935-93C4-4BCD-93E2-E3B085C9AB24}">
-                <p16:designElem xmlns:p16="http://schemas.microsoft.com/office/powerpoint/2015/main" val="1"/>
-              </p:ext>
-            </p:extLst>
-          </p:nvPr>
-        </p:nvSpPr>
-        <p:spPr>
-          <a:xfrm>
-            <a:off x="1800802" y="2472855"/>
-            <a:ext cx="360000" cy="360000"/>
-          </a:xfrm>
-          <a:prstGeom prst="ellipse">
-            <a:avLst/>
-          </a:prstGeom>
-          <a:gradFill flip="none" rotWithShape="1">
-            <a:gsLst>
-              <a:gs pos="100000">
-                <a:schemeClr val="bg2">
-                  <a:lumMod val="50000"/>
-                  <a:lumOff val="50000"/>
-                </a:schemeClr>
-              </a:gs>
-              <a:gs pos="60000">
-                <a:schemeClr val="bg2"/>
-              </a:gs>
-            </a:gsLst>
-            <a:path path="circle">
-              <a:fillToRect l="100000" b="100000"/>
-            </a:path>
-            <a:tileRect t="-100000" r="-100000"/>
-          </a:gradFill>
-          <a:ln>
-            <a:noFill/>
-          </a:ln>
-          <a:effectLst>
-            <a:innerShdw blurRad="127000" dist="63500" dir="2700000">
-              <a:schemeClr val="accent1">
-                <a:lumMod val="60000"/>
-                <a:lumOff val="40000"/>
-                <a:alpha val="20000"/>
-              </a:schemeClr>
-            </a:innerShdw>
-            <a:softEdge rad="0"/>
-          </a:effectLst>
-        </p:spPr>
-        <p:style>
-          <a:lnRef idx="2">
-            <a:schemeClr val="accent1">
-              <a:shade val="50000"/>
-            </a:schemeClr>
-          </a:lnRef>
-          <a:fillRef idx="1">
-            <a:schemeClr val="accent1"/>
-          </a:fillRef>
-          <a:effectRef idx="0">
-            <a:schemeClr val="accent1"/>
-          </a:effectRef>
-          <a:fontRef idx="minor">
-            <a:schemeClr val="lt1"/>
-          </a:fontRef>
-        </p:style>
-        <p:txBody>
-          <a:bodyPr rot="0" spcFirstLastPara="0" vertOverflow="overflow" horzOverflow="overflow" vert="horz" wrap="square" lIns="91440" tIns="45720" rIns="91440" bIns="45720" numCol="1" spcCol="0" rtlCol="0" fromWordArt="0" anchor="ctr" anchorCtr="0" forceAA="0" compatLnSpc="1">
-            <a:prstTxWarp prst="textNoShape">
-              <a:avLst/>
-            </a:prstTxWarp>
-            <a:noAutofit/>
-          </a:bodyPr>
-          <a:lstStyle/>
-          <a:p>
-            <a:pPr algn="ctr"/>
-            <a:endParaRPr lang="en-US"/>
-          </a:p>
-        </p:txBody>
-      </p:sp>
-      <p:grpSp>
-        <p:nvGrpSpPr>
-          <p:cNvPr id="18" name="Group 17">
-            <a:extLst>
-              <a:ext uri="{FF2B5EF4-FFF2-40B4-BE49-F238E27FC236}">
-                <a16:creationId xmlns:a16="http://schemas.microsoft.com/office/drawing/2014/main" id="{79DE9FAB-6BBA-4CFE-B67D-77B47F01ECA4}"/>
-              </a:ext>
-              <a:ext uri="{C183D7F6-B498-43B3-948B-1728B52AA6E4}">
-                <adec:decorative xmlns:adec="http://schemas.microsoft.com/office/drawing/2017/decorative" val="1"/>
-              </a:ext>
-            </a:extLst>
-          </p:cNvPr>
-          <p:cNvGrpSpPr>
-            <a:grpSpLocks noGrp="1" noUngrp="1" noRot="1" noChangeAspect="1" noMove="1" noResize="1"/>
-          </p:cNvGrpSpPr>
-          <p:nvPr>
-            <p:extLst>
-              <p:ext uri="{386F3935-93C4-4BCD-93E2-E3B085C9AB24}">
-                <p16:designElem xmlns:p16="http://schemas.microsoft.com/office/powerpoint/2015/main" val="1"/>
-              </p:ext>
-            </p:extLst>
-          </p:nvPr>
-        </p:nvGrpSpPr>
-        <p:grpSpPr>
-          <a:xfrm>
-            <a:off x="1329952" y="4524379"/>
-            <a:ext cx="1980001" cy="1363916"/>
-            <a:chOff x="4879602" y="3781429"/>
-            <a:chExt cx="1980001" cy="1363916"/>
-          </a:xfrm>
-        </p:grpSpPr>
-        <p:sp>
-          <p:nvSpPr>
-            <p:cNvPr id="19" name="Freeform: Shape 18">
-              <a:extLst>
-                <a:ext uri="{FF2B5EF4-FFF2-40B4-BE49-F238E27FC236}">
-                  <a16:creationId xmlns:a16="http://schemas.microsoft.com/office/drawing/2014/main" id="{79FAC916-D9BB-4794-81B4-7C47C67E850D}"/>
-                </a:ext>
-                <a:ext uri="{C183D7F6-B498-43B3-948B-1728B52AA6E4}">
-                  <adec:decorative xmlns:adec="http://schemas.microsoft.com/office/drawing/2017/decorative" val="1"/>
-                </a:ext>
-              </a:extLst>
-            </p:cNvPr>
-            <p:cNvSpPr>
-              <a:spLocks noChangeAspect="1"/>
-            </p:cNvSpPr>
-            <p:nvPr>
-              <p:extLst>
-                <p:ext uri="{386F3935-93C4-4BCD-93E2-E3B085C9AB24}">
-                  <p16:designElem xmlns:p16="http://schemas.microsoft.com/office/powerpoint/2015/main" val="1"/>
-                </p:ext>
-              </p:extLst>
-            </p:nvPr>
-          </p:nvSpPr>
-          <p:spPr>
-            <a:xfrm rot="18900000" flipV="1">
-              <a:off x="5005634" y="4191206"/>
-              <a:ext cx="1853969" cy="926985"/>
-            </a:xfrm>
-            <a:custGeom>
-              <a:avLst/>
-              <a:gdLst>
-                <a:gd name="connsiteX0" fmla="*/ 1329373 w 2658746"/>
-                <a:gd name="connsiteY0" fmla="*/ 0 h 1329373"/>
-                <a:gd name="connsiteX1" fmla="*/ 2658746 w 2658746"/>
-                <a:gd name="connsiteY1" fmla="*/ 1329373 h 1329373"/>
-                <a:gd name="connsiteX2" fmla="*/ 1994059 w 2658746"/>
-                <a:gd name="connsiteY2" fmla="*/ 1329373 h 1329373"/>
-                <a:gd name="connsiteX3" fmla="*/ 1329373 w 2658746"/>
-                <a:gd name="connsiteY3" fmla="*/ 664687 h 1329373"/>
-                <a:gd name="connsiteX4" fmla="*/ 664687 w 2658746"/>
-                <a:gd name="connsiteY4" fmla="*/ 1329373 h 1329373"/>
-                <a:gd name="connsiteX5" fmla="*/ 0 w 2658746"/>
-                <a:gd name="connsiteY5" fmla="*/ 1329373 h 1329373"/>
-                <a:gd name="connsiteX6" fmla="*/ 1329373 w 2658746"/>
-                <a:gd name="connsiteY6" fmla="*/ 0 h 1329373"/>
-              </a:gdLst>
-              <a:ahLst/>
-              <a:cxnLst>
-                <a:cxn ang="0">
-                  <a:pos x="connsiteX0" y="connsiteY0"/>
-                </a:cxn>
-                <a:cxn ang="0">
-                  <a:pos x="connsiteX1" y="connsiteY1"/>
-                </a:cxn>
-                <a:cxn ang="0">
-                  <a:pos x="connsiteX2" y="connsiteY2"/>
-                </a:cxn>
-                <a:cxn ang="0">
-                  <a:pos x="connsiteX3" y="connsiteY3"/>
-                </a:cxn>
-                <a:cxn ang="0">
-                  <a:pos x="connsiteX4" y="connsiteY4"/>
-                </a:cxn>
-                <a:cxn ang="0">
-                  <a:pos x="connsiteX5" y="connsiteY5"/>
-                </a:cxn>
-                <a:cxn ang="0">
-                  <a:pos x="connsiteX6" y="connsiteY6"/>
-                </a:cxn>
-              </a:cxnLst>
-              <a:rect l="l" t="t" r="r" b="b"/>
-              <a:pathLst>
-                <a:path w="2658746" h="1329373">
-                  <a:moveTo>
-                    <a:pt x="1329373" y="0"/>
-                  </a:moveTo>
-                  <a:cubicBezTo>
-                    <a:pt x="2063565" y="0"/>
-                    <a:pt x="2658746" y="595181"/>
-                    <a:pt x="2658746" y="1329373"/>
-                  </a:cubicBezTo>
-                  <a:lnTo>
-                    <a:pt x="1994059" y="1329373"/>
-                  </a:lnTo>
-                  <a:cubicBezTo>
-                    <a:pt x="1994059" y="962277"/>
-                    <a:pt x="1696469" y="664687"/>
-                    <a:pt x="1329373" y="664687"/>
-                  </a:cubicBezTo>
-                  <a:cubicBezTo>
-                    <a:pt x="962277" y="664687"/>
-                    <a:pt x="664687" y="962277"/>
-                    <a:pt x="664687" y="1329373"/>
-                  </a:cubicBezTo>
-                  <a:lnTo>
-                    <a:pt x="0" y="1329373"/>
-                  </a:lnTo>
-                  <a:cubicBezTo>
-                    <a:pt x="0" y="595181"/>
-                    <a:pt x="595181" y="0"/>
-                    <a:pt x="1329373" y="0"/>
-                  </a:cubicBezTo>
-                  <a:close/>
-                </a:path>
-              </a:pathLst>
-            </a:custGeom>
-            <a:solidFill>
-              <a:schemeClr val="bg2"/>
-            </a:solidFill>
-            <a:ln>
-              <a:noFill/>
-            </a:ln>
-            <a:effectLst>
-              <a:innerShdw blurRad="254000" dist="50800" dir="16200000">
-                <a:schemeClr val="accent1">
-                  <a:lumMod val="40000"/>
-                  <a:lumOff val="60000"/>
-                  <a:alpha val="40000"/>
-                </a:schemeClr>
-              </a:innerShdw>
-            </a:effectLst>
-          </p:spPr>
-          <p:style>
-            <a:lnRef idx="2">
-              <a:schemeClr val="accent1">
-                <a:shade val="50000"/>
-              </a:schemeClr>
-            </a:lnRef>
-            <a:fillRef idx="1">
-              <a:schemeClr val="accent1"/>
-            </a:fillRef>
-            <a:effectRef idx="0">
-              <a:schemeClr val="accent1"/>
-            </a:effectRef>
-            <a:fontRef idx="minor">
-              <a:schemeClr val="lt1"/>
-            </a:fontRef>
-          </p:style>
-          <p:txBody>
-            <a:bodyPr rtlCol="0" anchor="ctr"/>
-            <a:lstStyle/>
-            <a:p>
-              <a:pPr algn="ctr"/>
-              <a:endParaRPr lang="en-US" dirty="0"/>
-            </a:p>
-          </p:txBody>
-        </p:sp>
-        <p:sp>
-          <p:nvSpPr>
-            <p:cNvPr id="20" name="Freeform: Shape 19">
-              <a:extLst>
-                <a:ext uri="{FF2B5EF4-FFF2-40B4-BE49-F238E27FC236}">
-                  <a16:creationId xmlns:a16="http://schemas.microsoft.com/office/drawing/2014/main" id="{B5CA2231-7A65-4D16-8400-A210CC41DB73}"/>
-                </a:ext>
-                <a:ext uri="{C183D7F6-B498-43B3-948B-1728B52AA6E4}">
-                  <adec:decorative xmlns:adec="http://schemas.microsoft.com/office/drawing/2017/decorative" val="1"/>
-                </a:ext>
-              </a:extLst>
-            </p:cNvPr>
-            <p:cNvSpPr>
-              <a:spLocks noChangeAspect="1"/>
-            </p:cNvSpPr>
-            <p:nvPr>
-              <p:extLst>
-                <p:ext uri="{386F3935-93C4-4BCD-93E2-E3B085C9AB24}">
-                  <p16:designElem xmlns:p16="http://schemas.microsoft.com/office/powerpoint/2015/main" val="1"/>
-                </p:ext>
-              </p:extLst>
-            </p:nvPr>
-          </p:nvSpPr>
-          <p:spPr>
-            <a:xfrm rot="18900000" flipV="1">
-              <a:off x="4957101" y="4052255"/>
-              <a:ext cx="1853969" cy="1093090"/>
-            </a:xfrm>
-            <a:custGeom>
-              <a:avLst/>
-              <a:gdLst>
-                <a:gd name="connsiteX0" fmla="*/ 1329373 w 2658746"/>
-                <a:gd name="connsiteY0" fmla="*/ 0 h 1329373"/>
-                <a:gd name="connsiteX1" fmla="*/ 2658746 w 2658746"/>
-                <a:gd name="connsiteY1" fmla="*/ 1329373 h 1329373"/>
-                <a:gd name="connsiteX2" fmla="*/ 1994059 w 2658746"/>
-                <a:gd name="connsiteY2" fmla="*/ 1329373 h 1329373"/>
-                <a:gd name="connsiteX3" fmla="*/ 1329373 w 2658746"/>
-                <a:gd name="connsiteY3" fmla="*/ 664687 h 1329373"/>
-                <a:gd name="connsiteX4" fmla="*/ 664687 w 2658746"/>
-                <a:gd name="connsiteY4" fmla="*/ 1329373 h 1329373"/>
-                <a:gd name="connsiteX5" fmla="*/ 0 w 2658746"/>
-                <a:gd name="connsiteY5" fmla="*/ 1329373 h 1329373"/>
-                <a:gd name="connsiteX6" fmla="*/ 1329373 w 2658746"/>
-                <a:gd name="connsiteY6" fmla="*/ 0 h 1329373"/>
-              </a:gdLst>
-              <a:ahLst/>
-              <a:cxnLst>
-                <a:cxn ang="0">
-                  <a:pos x="connsiteX0" y="connsiteY0"/>
-                </a:cxn>
-                <a:cxn ang="0">
-                  <a:pos x="connsiteX1" y="connsiteY1"/>
-                </a:cxn>
-                <a:cxn ang="0">
-                  <a:pos x="connsiteX2" y="connsiteY2"/>
-                </a:cxn>
-                <a:cxn ang="0">
-                  <a:pos x="connsiteX3" y="connsiteY3"/>
-                </a:cxn>
-                <a:cxn ang="0">
-                  <a:pos x="connsiteX4" y="connsiteY4"/>
-                </a:cxn>
-                <a:cxn ang="0">
-                  <a:pos x="connsiteX5" y="connsiteY5"/>
-                </a:cxn>
-                <a:cxn ang="0">
-                  <a:pos x="connsiteX6" y="connsiteY6"/>
-                </a:cxn>
-              </a:cxnLst>
-              <a:rect l="l" t="t" r="r" b="b"/>
-              <a:pathLst>
-                <a:path w="2658746" h="1329373">
-                  <a:moveTo>
-                    <a:pt x="1329373" y="0"/>
-                  </a:moveTo>
-                  <a:cubicBezTo>
-                    <a:pt x="2063565" y="0"/>
-                    <a:pt x="2658746" y="595181"/>
-                    <a:pt x="2658746" y="1329373"/>
-                  </a:cubicBezTo>
-                  <a:lnTo>
-                    <a:pt x="1994059" y="1329373"/>
-                  </a:lnTo>
-                  <a:cubicBezTo>
-                    <a:pt x="1994059" y="962277"/>
-                    <a:pt x="1696469" y="664687"/>
-                    <a:pt x="1329373" y="664687"/>
-                  </a:cubicBezTo>
-                  <a:cubicBezTo>
-                    <a:pt x="962277" y="664687"/>
-                    <a:pt x="664687" y="962277"/>
-                    <a:pt x="664687" y="1329373"/>
-                  </a:cubicBezTo>
-                  <a:lnTo>
-                    <a:pt x="0" y="1329373"/>
-                  </a:lnTo>
-                  <a:cubicBezTo>
-                    <a:pt x="0" y="595181"/>
-                    <a:pt x="595181" y="0"/>
-                    <a:pt x="1329373" y="0"/>
-                  </a:cubicBezTo>
-                  <a:close/>
-                </a:path>
-              </a:pathLst>
-            </a:custGeom>
-            <a:solidFill>
-              <a:schemeClr val="bg2">
-                <a:lumMod val="50000"/>
-                <a:lumOff val="50000"/>
-                <a:alpha val="40000"/>
-              </a:schemeClr>
-            </a:solidFill>
-            <a:ln>
-              <a:noFill/>
-            </a:ln>
-            <a:effectLst>
-              <a:softEdge rad="190500"/>
-            </a:effectLst>
-          </p:spPr>
-          <p:style>
-            <a:lnRef idx="2">
-              <a:schemeClr val="accent1">
-                <a:shade val="50000"/>
-              </a:schemeClr>
-            </a:lnRef>
-            <a:fillRef idx="1">
-              <a:schemeClr val="accent1"/>
-            </a:fillRef>
-            <a:effectRef idx="0">
-              <a:schemeClr val="accent1"/>
-            </a:effectRef>
-            <a:fontRef idx="minor">
-              <a:schemeClr val="lt1"/>
-            </a:fontRef>
-          </p:style>
-          <p:txBody>
-            <a:bodyPr rtlCol="0" anchor="ctr"/>
-            <a:lstStyle/>
-            <a:p>
-              <a:pPr algn="ctr"/>
-              <a:endParaRPr lang="en-US" dirty="0">
-                <a:solidFill>
-                  <a:schemeClr val="tx1"/>
-                </a:solidFill>
-              </a:endParaRPr>
-            </a:p>
-          </p:txBody>
-        </p:sp>
-        <p:sp>
-          <p:nvSpPr>
-            <p:cNvPr id="21" name="Oval 20">
-              <a:extLst>
-                <a:ext uri="{FF2B5EF4-FFF2-40B4-BE49-F238E27FC236}">
-                  <a16:creationId xmlns:a16="http://schemas.microsoft.com/office/drawing/2014/main" id="{4B089C8C-B82B-4704-88E2-E857A5E21529}"/>
-                </a:ext>
-                <a:ext uri="{C183D7F6-B498-43B3-948B-1728B52AA6E4}">
-                  <adec:decorative xmlns:adec="http://schemas.microsoft.com/office/drawing/2017/decorative" val="1"/>
-                </a:ext>
-              </a:extLst>
-            </p:cNvPr>
-            <p:cNvSpPr/>
-            <p:nvPr>
-              <p:extLst>
-                <p:ext uri="{386F3935-93C4-4BCD-93E2-E3B085C9AB24}">
-                  <p16:designElem xmlns:p16="http://schemas.microsoft.com/office/powerpoint/2015/main" val="1"/>
-                </p:ext>
-              </p:extLst>
-            </p:nvPr>
-          </p:nvSpPr>
-          <p:spPr>
-            <a:xfrm rot="13500000" flipV="1">
-              <a:off x="6040374" y="3601683"/>
-              <a:ext cx="107098" cy="466589"/>
-            </a:xfrm>
-            <a:prstGeom prst="ellipse">
-              <a:avLst/>
-            </a:prstGeom>
-            <a:solidFill>
-              <a:schemeClr val="bg2">
-                <a:lumMod val="90000"/>
-                <a:lumOff val="10000"/>
-              </a:schemeClr>
-            </a:solidFill>
-            <a:ln>
-              <a:noFill/>
-            </a:ln>
-            <a:effectLst>
-              <a:innerShdw blurRad="63500" dist="2540000">
-                <a:schemeClr val="accent1">
-                  <a:lumMod val="60000"/>
-                  <a:lumOff val="40000"/>
-                  <a:alpha val="0"/>
-                </a:schemeClr>
-              </a:innerShdw>
-            </a:effectLst>
-          </p:spPr>
-          <p:style>
-            <a:lnRef idx="2">
-              <a:schemeClr val="accent1">
-                <a:shade val="50000"/>
-              </a:schemeClr>
-            </a:lnRef>
-            <a:fillRef idx="1">
-              <a:schemeClr val="accent1"/>
-            </a:fillRef>
-            <a:effectRef idx="0">
-              <a:schemeClr val="accent1"/>
-            </a:effectRef>
-            <a:fontRef idx="minor">
-              <a:schemeClr val="lt1"/>
-            </a:fontRef>
-          </p:style>
-          <p:txBody>
-            <a:bodyPr rot="0" spcFirstLastPara="0" vertOverflow="overflow" horzOverflow="overflow" vert="horz" wrap="square" lIns="91440" tIns="45720" rIns="91440" bIns="45720" numCol="1" spcCol="0" rtlCol="0" fromWordArt="0" anchor="ctr" anchorCtr="0" forceAA="0" compatLnSpc="1">
-              <a:prstTxWarp prst="textNoShape">
-                <a:avLst/>
-              </a:prstTxWarp>
-              <a:noAutofit/>
-            </a:bodyPr>
-            <a:lstStyle/>
-            <a:p>
-              <a:pPr algn="ctr"/>
-              <a:endParaRPr lang="en-US"/>
-            </a:p>
-          </p:txBody>
-        </p:sp>
-        <p:sp>
-          <p:nvSpPr>
-            <p:cNvPr id="22" name="Oval 21">
-              <a:extLst>
-                <a:ext uri="{FF2B5EF4-FFF2-40B4-BE49-F238E27FC236}">
-                  <a16:creationId xmlns:a16="http://schemas.microsoft.com/office/drawing/2014/main" id="{434B90C8-5B4D-456E-AD99-80EF748FDD72}"/>
-                </a:ext>
-                <a:ext uri="{C183D7F6-B498-43B3-948B-1728B52AA6E4}">
-                  <adec:decorative xmlns:adec="http://schemas.microsoft.com/office/drawing/2017/decorative" val="1"/>
-                </a:ext>
-              </a:extLst>
-            </p:cNvPr>
-            <p:cNvSpPr/>
-            <p:nvPr>
-              <p:extLst>
-                <p:ext uri="{386F3935-93C4-4BCD-93E2-E3B085C9AB24}">
-                  <p16:designElem xmlns:p16="http://schemas.microsoft.com/office/powerpoint/2015/main" val="1"/>
-                </p:ext>
-              </p:extLst>
-            </p:nvPr>
-          </p:nvSpPr>
-          <p:spPr>
-            <a:xfrm rot="13500000" flipV="1">
-              <a:off x="5059348" y="4582709"/>
-              <a:ext cx="107098" cy="466589"/>
-            </a:xfrm>
-            <a:prstGeom prst="ellipse">
-              <a:avLst/>
-            </a:prstGeom>
-            <a:solidFill>
-              <a:schemeClr val="bg2">
-                <a:lumMod val="90000"/>
-                <a:lumOff val="10000"/>
-              </a:schemeClr>
-            </a:solidFill>
-            <a:ln>
-              <a:noFill/>
-            </a:ln>
-            <a:effectLst>
-              <a:innerShdw blurRad="63500" dist="2540000">
-                <a:schemeClr val="accent1">
-                  <a:lumMod val="60000"/>
-                  <a:lumOff val="40000"/>
-                  <a:alpha val="0"/>
-                </a:schemeClr>
-              </a:innerShdw>
-            </a:effectLst>
-          </p:spPr>
-          <p:style>
-            <a:lnRef idx="2">
-              <a:schemeClr val="accent1">
-                <a:shade val="50000"/>
-              </a:schemeClr>
-            </a:lnRef>
-            <a:fillRef idx="1">
-              <a:schemeClr val="accent1"/>
-            </a:fillRef>
-            <a:effectRef idx="0">
-              <a:schemeClr val="accent1"/>
-            </a:effectRef>
-            <a:fontRef idx="minor">
-              <a:schemeClr val="lt1"/>
-            </a:fontRef>
-          </p:style>
-          <p:txBody>
-            <a:bodyPr rot="0" spcFirstLastPara="0" vertOverflow="overflow" horzOverflow="overflow" vert="horz" wrap="square" lIns="91440" tIns="45720" rIns="91440" bIns="45720" numCol="1" spcCol="0" rtlCol="0" fromWordArt="0" anchor="ctr" anchorCtr="0" forceAA="0" compatLnSpc="1">
-              <a:prstTxWarp prst="textNoShape">
-                <a:avLst/>
-              </a:prstTxWarp>
-              <a:noAutofit/>
-            </a:bodyPr>
-            <a:lstStyle/>
-            <a:p>
-              <a:pPr algn="ctr"/>
-              <a:endParaRPr lang="en-US"/>
-            </a:p>
-          </p:txBody>
-        </p:sp>
-      </p:grpSp>
-      <p:sp useBgFill="1">
-        <p:nvSpPr>
-          <p:cNvPr id="24" name="Rectangle 23">
-            <a:extLst>
-              <a:ext uri="{FF2B5EF4-FFF2-40B4-BE49-F238E27FC236}">
-                <a16:creationId xmlns:a16="http://schemas.microsoft.com/office/drawing/2014/main" id="{6DB9AC9A-C1ED-4713-9A6E-D5EBBB4011FE}"/>
-              </a:ext>
-              <a:ext uri="{C183D7F6-B498-43B3-948B-1728B52AA6E4}">
-                <adec:decorative xmlns:adec="http://schemas.microsoft.com/office/drawing/2017/decorative" val="1"/>
-              </a:ext>
-            </a:extLst>
-          </p:cNvPr>
-          <p:cNvSpPr>
-            <a:spLocks noGrp="1" noRot="1" noChangeAspect="1" noMove="1" noResize="1" noEditPoints="1" noAdjustHandles="1" noChangeArrowheads="1" noChangeShapeType="1" noTextEdit="1"/>
-          </p:cNvSpPr>
-          <p:nvPr>
-            <p:extLst>
-              <p:ext uri="{386F3935-93C4-4BCD-93E2-E3B085C9AB24}">
-                <p16:designElem xmlns:p16="http://schemas.microsoft.com/office/powerpoint/2015/main" val="1"/>
-              </p:ext>
-            </p:extLst>
-          </p:nvPr>
-        </p:nvSpPr>
-        <p:spPr>
-          <a:xfrm>
-            <a:off x="0" y="0"/>
-            <a:ext cx="12192000" cy="6858000"/>
-          </a:xfrm>
-          <a:prstGeom prst="rect">
-            <a:avLst/>
-          </a:prstGeom>
-          <a:ln w="12700" cap="flat" cmpd="sng" algn="ctr">
-            <a:noFill/>
-            <a:prstDash val="solid"/>
-            <a:miter lim="800000"/>
-          </a:ln>
-          <a:effectLst/>
-        </p:spPr>
-        <p:style>
-          <a:lnRef idx="2">
-            <a:schemeClr val="accent1">
-              <a:shade val="50000"/>
-            </a:schemeClr>
-          </a:lnRef>
-          <a:fillRef idx="1">
-            <a:schemeClr val="accent1"/>
-          </a:fillRef>
-          <a:effectRef idx="0">
-            <a:schemeClr val="accent1"/>
-          </a:effectRef>
-          <a:fontRef idx="minor">
-            <a:schemeClr val="lt1"/>
-          </a:fontRef>
-        </p:style>
-        <p:txBody>
-          <a:bodyPr rtlCol="0" anchor="ctr"/>
-          <a:lstStyle/>
-          <a:p>
-            <a:pPr algn="ctr"/>
-            <a:endParaRPr lang="en-US"/>
-          </a:p>
-        </p:txBody>
-      </p:sp>
-      <p:sp>
-        <p:nvSpPr>
-          <p:cNvPr id="7" name="Title 6">
-            <a:extLst>
-              <a:ext uri="{FF2B5EF4-FFF2-40B4-BE49-F238E27FC236}">
-                <a16:creationId xmlns:a16="http://schemas.microsoft.com/office/drawing/2014/main" id="{34DD4AA6-6E3D-3945-0F7B-D0548A543D39}"/>
-              </a:ext>
-            </a:extLst>
-          </p:cNvPr>
-          <p:cNvSpPr>
-            <a:spLocks noGrp="1"/>
-          </p:cNvSpPr>
-          <p:nvPr>
-            <p:ph type="ctrTitle"/>
-          </p:nvPr>
-        </p:nvSpPr>
-        <p:spPr>
-          <a:xfrm>
-            <a:off x="3360738" y="549275"/>
-            <a:ext cx="7343775" cy="3864534"/>
-          </a:xfrm>
-        </p:spPr>
-        <p:txBody>
-          <a:bodyPr vert="horz" wrap="square" lIns="0" tIns="0" rIns="0" bIns="0" rtlCol="0" anchor="b" anchorCtr="0">
-            <a:normAutofit/>
-          </a:bodyPr>
-          <a:lstStyle/>
-          <a:p>
-            <a:pPr algn="l">
-              <a:lnSpc>
-                <a:spcPct val="100000"/>
-              </a:lnSpc>
-            </a:pPr>
-            <a:r>
-              <a:rPr lang="en-US" sz="9600"/>
-              <a:t>Recap</a:t>
-            </a:r>
-          </a:p>
-        </p:txBody>
-      </p:sp>
-      <p:sp>
-        <p:nvSpPr>
-          <p:cNvPr id="26" name="Oval 25">
-            <a:extLst>
-              <a:ext uri="{FF2B5EF4-FFF2-40B4-BE49-F238E27FC236}">
-                <a16:creationId xmlns:a16="http://schemas.microsoft.com/office/drawing/2014/main" id="{2FCFAB40-DA7C-4B6C-AD10-4EC44B54B160}"/>
-              </a:ext>
-              <a:ext uri="{C183D7F6-B498-43B3-948B-1728B52AA6E4}">
-                <adec:decorative xmlns:adec="http://schemas.microsoft.com/office/drawing/2017/decorative" val="1"/>
-              </a:ext>
-            </a:extLst>
-          </p:cNvPr>
-          <p:cNvSpPr>
-            <a:spLocks noGrp="1" noRot="1" noChangeAspect="1" noMove="1" noResize="1" noEditPoints="1" noAdjustHandles="1" noChangeArrowheads="1" noChangeShapeType="1" noTextEdit="1"/>
-          </p:cNvSpPr>
-          <p:nvPr>
-            <p:extLst>
-              <p:ext uri="{386F3935-93C4-4BCD-93E2-E3B085C9AB24}">
-                <p16:designElem xmlns:p16="http://schemas.microsoft.com/office/powerpoint/2015/main" val="1"/>
-              </p:ext>
-            </p:extLst>
-          </p:nvPr>
-        </p:nvSpPr>
-        <p:spPr>
-          <a:xfrm>
-            <a:off x="1524796" y="465462"/>
-            <a:ext cx="1080000" cy="1080000"/>
-          </a:xfrm>
-          <a:prstGeom prst="ellipse">
-            <a:avLst/>
-          </a:prstGeom>
-          <a:gradFill flip="none" rotWithShape="1">
-            <a:gsLst>
-              <a:gs pos="100000">
-                <a:schemeClr val="bg2">
-                  <a:lumMod val="50000"/>
-                  <a:lumOff val="50000"/>
-                </a:schemeClr>
-              </a:gs>
-              <a:gs pos="60000">
-                <a:schemeClr val="bg2">
-                  <a:lumMod val="100000"/>
-                </a:schemeClr>
-              </a:gs>
-            </a:gsLst>
-            <a:path path="circle">
-              <a:fillToRect l="100000" b="100000"/>
-            </a:path>
-            <a:tileRect t="-100000" r="-100000"/>
-          </a:gradFill>
-          <a:ln>
-            <a:noFill/>
-          </a:ln>
-          <a:effectLst>
-            <a:innerShdw blurRad="254000" dist="127000" dir="2700000">
-              <a:schemeClr val="accent1">
-                <a:lumMod val="60000"/>
-                <a:lumOff val="40000"/>
-                <a:alpha val="40000"/>
-              </a:schemeClr>
-            </a:innerShdw>
-            <a:softEdge rad="0"/>
-          </a:effectLst>
-        </p:spPr>
-        <p:style>
-          <a:lnRef idx="2">
-            <a:schemeClr val="accent1">
-              <a:shade val="50000"/>
-            </a:schemeClr>
-          </a:lnRef>
-          <a:fillRef idx="1">
-            <a:schemeClr val="accent1"/>
-          </a:fillRef>
-          <a:effectRef idx="0">
-            <a:schemeClr val="accent1"/>
-          </a:effectRef>
-          <a:fontRef idx="minor">
-            <a:schemeClr val="lt1"/>
-          </a:fontRef>
-        </p:style>
-        <p:txBody>
-          <a:bodyPr rot="0" spcFirstLastPara="0" vertOverflow="overflow" horzOverflow="overflow" vert="horz" wrap="square" lIns="91440" tIns="45720" rIns="91440" bIns="45720" numCol="1" spcCol="0" rtlCol="0" fromWordArt="0" anchor="ctr" anchorCtr="0" forceAA="0" compatLnSpc="1">
-            <a:prstTxWarp prst="textNoShape">
-              <a:avLst/>
-            </a:prstTxWarp>
-            <a:noAutofit/>
-          </a:bodyPr>
-          <a:lstStyle/>
-          <a:p>
-            <a:pPr algn="ctr"/>
-            <a:endParaRPr lang="en-US"/>
-          </a:p>
-        </p:txBody>
-      </p:sp>
-      <p:sp>
-        <p:nvSpPr>
-          <p:cNvPr id="28" name="Freeform: Shape 27">
-            <a:extLst>
-              <a:ext uri="{FF2B5EF4-FFF2-40B4-BE49-F238E27FC236}">
-                <a16:creationId xmlns:a16="http://schemas.microsoft.com/office/drawing/2014/main" id="{83296DCF-CBB7-4351-9E7E-623649419AA7}"/>
-              </a:ext>
-              <a:ext uri="{C183D7F6-B498-43B3-948B-1728B52AA6E4}">
-                <adec:decorative xmlns:adec="http://schemas.microsoft.com/office/drawing/2017/decorative" val="1"/>
-              </a:ext>
-            </a:extLst>
-          </p:cNvPr>
-          <p:cNvSpPr>
-            <a:spLocks noGrp="1" noRot="1" noChangeAspect="1" noMove="1" noResize="1" noEditPoints="1" noAdjustHandles="1" noChangeArrowheads="1" noChangeShapeType="1" noTextEdit="1"/>
-          </p:cNvSpPr>
-          <p:nvPr>
-            <p:extLst>
-              <p:ext uri="{386F3935-93C4-4BCD-93E2-E3B085C9AB24}">
-                <p16:designElem xmlns:p16="http://schemas.microsoft.com/office/powerpoint/2015/main" val="1"/>
-              </p:ext>
-            </p:extLst>
-          </p:nvPr>
-        </p:nvSpPr>
-        <p:spPr>
-          <a:xfrm rot="2700000">
-            <a:off x="-594206" y="2826355"/>
-            <a:ext cx="3366189" cy="1853969"/>
-          </a:xfrm>
-          <a:custGeom>
-            <a:avLst/>
-            <a:gdLst>
-              <a:gd name="connsiteX0" fmla="*/ 201268 w 3366189"/>
-              <a:gd name="connsiteY0" fmla="*/ 543015 h 1853969"/>
-              <a:gd name="connsiteX1" fmla="*/ 1512221 w 3366189"/>
-              <a:gd name="connsiteY1" fmla="*/ 0 h 1853969"/>
-              <a:gd name="connsiteX2" fmla="*/ 3366189 w 3366189"/>
-              <a:gd name="connsiteY2" fmla="*/ 1853969 h 1853969"/>
-              <a:gd name="connsiteX3" fmla="*/ 2439204 w 3366189"/>
-              <a:gd name="connsiteY3" fmla="*/ 1853969 h 1853969"/>
-              <a:gd name="connsiteX4" fmla="*/ 1512221 w 3366189"/>
-              <a:gd name="connsiteY4" fmla="*/ 926985 h 1853969"/>
-              <a:gd name="connsiteX5" fmla="*/ 743552 w 3366189"/>
-              <a:gd name="connsiteY5" fmla="*/ 1335684 h 1853969"/>
-              <a:gd name="connsiteX6" fmla="*/ 676116 w 3366189"/>
-              <a:gd name="connsiteY6" fmla="*/ 1459924 h 1853969"/>
-              <a:gd name="connsiteX7" fmla="*/ 0 w 3366189"/>
-              <a:gd name="connsiteY7" fmla="*/ 783808 h 1853969"/>
-              <a:gd name="connsiteX8" fmla="*/ 81609 w 3366189"/>
-              <a:gd name="connsiteY8" fmla="*/ 674673 h 1853969"/>
-              <a:gd name="connsiteX9" fmla="*/ 201268 w 3366189"/>
-              <a:gd name="connsiteY9" fmla="*/ 543015 h 1853969"/>
-            </a:gdLst>
-            <a:ahLst/>
-            <a:cxnLst>
-              <a:cxn ang="0">
-                <a:pos x="connsiteX0" y="connsiteY0"/>
-              </a:cxn>
-              <a:cxn ang="0">
-                <a:pos x="connsiteX1" y="connsiteY1"/>
-              </a:cxn>
-              <a:cxn ang="0">
-                <a:pos x="connsiteX2" y="connsiteY2"/>
-              </a:cxn>
-              <a:cxn ang="0">
-                <a:pos x="connsiteX3" y="connsiteY3"/>
-              </a:cxn>
-              <a:cxn ang="0">
-                <a:pos x="connsiteX4" y="connsiteY4"/>
-              </a:cxn>
-              <a:cxn ang="0">
-                <a:pos x="connsiteX5" y="connsiteY5"/>
-              </a:cxn>
-              <a:cxn ang="0">
-                <a:pos x="connsiteX6" y="connsiteY6"/>
-              </a:cxn>
-              <a:cxn ang="0">
-                <a:pos x="connsiteX7" y="connsiteY7"/>
-              </a:cxn>
-              <a:cxn ang="0">
-                <a:pos x="connsiteX8" y="connsiteY8"/>
-              </a:cxn>
-              <a:cxn ang="0">
-                <a:pos x="connsiteX9" y="connsiteY9"/>
-              </a:cxn>
-            </a:cxnLst>
-            <a:rect l="l" t="t" r="r" b="b"/>
-            <a:pathLst>
-              <a:path w="3366189" h="1853969">
-                <a:moveTo>
-                  <a:pt x="201268" y="543015"/>
-                </a:moveTo>
-                <a:cubicBezTo>
-                  <a:pt x="536770" y="207513"/>
-                  <a:pt x="1000262" y="0"/>
-                  <a:pt x="1512221" y="0"/>
-                </a:cubicBezTo>
-                <a:cubicBezTo>
-                  <a:pt x="2536139" y="0"/>
-                  <a:pt x="3366189" y="830051"/>
-                  <a:pt x="3366189" y="1853969"/>
-                </a:cubicBezTo>
-                <a:lnTo>
-                  <a:pt x="2439204" y="1853969"/>
-                </a:lnTo>
-                <a:cubicBezTo>
-                  <a:pt x="2439204" y="1342010"/>
-                  <a:pt x="2024180" y="926985"/>
-                  <a:pt x="1512221" y="926985"/>
-                </a:cubicBezTo>
-                <a:cubicBezTo>
-                  <a:pt x="1192247" y="926985"/>
-                  <a:pt x="910138" y="1089104"/>
-                  <a:pt x="743552" y="1335684"/>
-                </a:cubicBezTo>
-                <a:lnTo>
-                  <a:pt x="676116" y="1459924"/>
-                </a:lnTo>
-                <a:lnTo>
-                  <a:pt x="0" y="783808"/>
-                </a:lnTo>
-                <a:lnTo>
-                  <a:pt x="81609" y="674673"/>
-                </a:lnTo>
-                <a:cubicBezTo>
-                  <a:pt x="119392" y="628891"/>
-                  <a:pt x="159330" y="584953"/>
-                  <a:pt x="201268" y="543015"/>
-                </a:cubicBezTo>
-                <a:close/>
-              </a:path>
-            </a:pathLst>
-          </a:custGeom>
-          <a:gradFill flip="none" rotWithShape="1">
-            <a:gsLst>
-              <a:gs pos="87000">
-                <a:schemeClr val="bg2"/>
-              </a:gs>
-              <a:gs pos="0">
-                <a:schemeClr val="bg2">
-                  <a:lumMod val="90000"/>
-                  <a:lumOff val="10000"/>
-                </a:schemeClr>
-              </a:gs>
-            </a:gsLst>
-            <a:lin ang="16200000" scaled="0"/>
-            <a:tileRect/>
-          </a:gradFill>
-          <a:ln>
-            <a:noFill/>
-          </a:ln>
-          <a:effectLst>
-            <a:innerShdw blurRad="406400" dist="190500" dir="1200000">
-              <a:schemeClr val="accent1">
-                <a:lumMod val="60000"/>
-                <a:lumOff val="40000"/>
-                <a:alpha val="40000"/>
-              </a:schemeClr>
-            </a:innerShdw>
-          </a:effectLst>
-        </p:spPr>
-        <p:style>
-          <a:lnRef idx="2">
-            <a:schemeClr val="accent1">
-              <a:shade val="50000"/>
-            </a:schemeClr>
-          </a:lnRef>
-          <a:fillRef idx="1">
-            <a:schemeClr val="accent1"/>
-          </a:fillRef>
-          <a:effectRef idx="0">
-            <a:schemeClr val="accent1"/>
-          </a:effectRef>
-          <a:fontRef idx="minor">
-            <a:schemeClr val="lt1"/>
-          </a:fontRef>
-        </p:style>
-        <p:txBody>
-          <a:bodyPr wrap="square" rtlCol="0" anchor="ctr">
-            <a:noAutofit/>
-          </a:bodyPr>
-          <a:lstStyle/>
-          <a:p>
-            <a:pPr algn="ctr"/>
-            <a:endParaRPr lang="en-US" dirty="0">
-              <a:solidFill>
-                <a:schemeClr val="tx1"/>
-              </a:solidFill>
-            </a:endParaRPr>
-          </a:p>
-        </p:txBody>
-      </p:sp>
-      <p:sp>
-        <p:nvSpPr>
-          <p:cNvPr id="30" name="Freeform: Shape 29">
-            <a:extLst>
-              <a:ext uri="{FF2B5EF4-FFF2-40B4-BE49-F238E27FC236}">
-                <a16:creationId xmlns:a16="http://schemas.microsoft.com/office/drawing/2014/main" id="{61AE2471-23B2-4B94-A613-E68609916662}"/>
-              </a:ext>
-              <a:ext uri="{C183D7F6-B498-43B3-948B-1728B52AA6E4}">
-                <adec:decorative xmlns:adec="http://schemas.microsoft.com/office/drawing/2017/decorative" val="1"/>
-              </a:ext>
-            </a:extLst>
-          </p:cNvPr>
-          <p:cNvSpPr>
-            <a:spLocks noGrp="1" noRot="1" noChangeAspect="1" noMove="1" noResize="1" noEditPoints="1" noAdjustHandles="1" noChangeArrowheads="1" noChangeShapeType="1" noTextEdit="1"/>
-          </p:cNvSpPr>
-          <p:nvPr>
-            <p:extLst>
-              <p:ext uri="{386F3935-93C4-4BCD-93E2-E3B085C9AB24}">
-                <p16:designElem xmlns:p16="http://schemas.microsoft.com/office/powerpoint/2015/main" val="1"/>
-              </p:ext>
-            </p:extLst>
-          </p:nvPr>
-        </p:nvSpPr>
-        <p:spPr>
-          <a:xfrm rot="2700000">
-            <a:off x="-620971" y="2691401"/>
-            <a:ext cx="3326036" cy="2226949"/>
-          </a:xfrm>
-          <a:custGeom>
-            <a:avLst/>
-            <a:gdLst>
-              <a:gd name="connsiteX0" fmla="*/ 322118 w 3326036"/>
-              <a:gd name="connsiteY0" fmla="*/ 508527 h 2226949"/>
-              <a:gd name="connsiteX1" fmla="*/ 1501413 w 3326036"/>
-              <a:gd name="connsiteY1" fmla="*/ 0 h 2226949"/>
-              <a:gd name="connsiteX2" fmla="*/ 3317715 w 3326036"/>
-              <a:gd name="connsiteY2" fmla="*/ 1778141 h 2226949"/>
-              <a:gd name="connsiteX3" fmla="*/ 3326036 w 3326036"/>
-              <a:gd name="connsiteY3" fmla="*/ 1843633 h 2226949"/>
-              <a:gd name="connsiteX4" fmla="*/ 2942720 w 3326036"/>
-              <a:gd name="connsiteY4" fmla="*/ 2226949 h 2226949"/>
-              <a:gd name="connsiteX5" fmla="*/ 2428396 w 3326036"/>
-              <a:gd name="connsiteY5" fmla="*/ 2226949 h 2226949"/>
-              <a:gd name="connsiteX6" fmla="*/ 1501413 w 3326036"/>
-              <a:gd name="connsiteY6" fmla="*/ 1113475 h 2226949"/>
-              <a:gd name="connsiteX7" fmla="*/ 732744 w 3326036"/>
-              <a:gd name="connsiteY7" fmla="*/ 1604395 h 2226949"/>
-              <a:gd name="connsiteX8" fmla="*/ 715116 w 3326036"/>
-              <a:gd name="connsiteY8" fmla="*/ 1639249 h 2226949"/>
-              <a:gd name="connsiteX9" fmla="*/ 0 w 3326036"/>
-              <a:gd name="connsiteY9" fmla="*/ 924133 h 2226949"/>
-              <a:gd name="connsiteX10" fmla="*/ 70802 w 3326036"/>
-              <a:gd name="connsiteY10" fmla="*/ 810403 h 2226949"/>
-              <a:gd name="connsiteX11" fmla="*/ 322118 w 3326036"/>
-              <a:gd name="connsiteY11" fmla="*/ 508527 h 2226949"/>
-            </a:gdLst>
-            <a:ahLst/>
-            <a:cxnLst>
-              <a:cxn ang="0">
-                <a:pos x="connsiteX0" y="connsiteY0"/>
-              </a:cxn>
-              <a:cxn ang="0">
-                <a:pos x="connsiteX1" y="connsiteY1"/>
-              </a:cxn>
-              <a:cxn ang="0">
-                <a:pos x="connsiteX2" y="connsiteY2"/>
-              </a:cxn>
-              <a:cxn ang="0">
-                <a:pos x="connsiteX3" y="connsiteY3"/>
-              </a:cxn>
-              <a:cxn ang="0">
-                <a:pos x="connsiteX4" y="connsiteY4"/>
-              </a:cxn>
-              <a:cxn ang="0">
-                <a:pos x="connsiteX5" y="connsiteY5"/>
-              </a:cxn>
-              <a:cxn ang="0">
-                <a:pos x="connsiteX6" y="connsiteY6"/>
-              </a:cxn>
-              <a:cxn ang="0">
-                <a:pos x="connsiteX7" y="connsiteY7"/>
-              </a:cxn>
-              <a:cxn ang="0">
-                <a:pos x="connsiteX8" y="connsiteY8"/>
-              </a:cxn>
-              <a:cxn ang="0">
-                <a:pos x="connsiteX9" y="connsiteY9"/>
-              </a:cxn>
-              <a:cxn ang="0">
-                <a:pos x="connsiteX10" y="connsiteY10"/>
-              </a:cxn>
-              <a:cxn ang="0">
-                <a:pos x="connsiteX11" y="connsiteY11"/>
-              </a:cxn>
-            </a:cxnLst>
-            <a:rect l="l" t="t" r="r" b="b"/>
-            <a:pathLst>
-              <a:path w="3326036" h="2226949">
-                <a:moveTo>
-                  <a:pt x="322118" y="508527"/>
-                </a:moveTo>
-                <a:cubicBezTo>
-                  <a:pt x="642593" y="190840"/>
-                  <a:pt x="1053449" y="0"/>
-                  <a:pt x="1501413" y="0"/>
-                </a:cubicBezTo>
-                <a:cubicBezTo>
-                  <a:pt x="2397341" y="0"/>
-                  <a:pt x="3144839" y="763359"/>
-                  <a:pt x="3317715" y="1778141"/>
-                </a:cubicBezTo>
-                <a:lnTo>
-                  <a:pt x="3326036" y="1843633"/>
-                </a:lnTo>
-                <a:lnTo>
-                  <a:pt x="2942720" y="2226949"/>
-                </a:lnTo>
-                <a:lnTo>
-                  <a:pt x="2428396" y="2226949"/>
-                </a:lnTo>
-                <a:cubicBezTo>
-                  <a:pt x="2428396" y="1611994"/>
-                  <a:pt x="2013372" y="1113475"/>
-                  <a:pt x="1501413" y="1113475"/>
-                </a:cubicBezTo>
-                <a:cubicBezTo>
-                  <a:pt x="1181439" y="1113475"/>
-                  <a:pt x="899329" y="1308209"/>
-                  <a:pt x="732744" y="1604395"/>
-                </a:cubicBezTo>
-                <a:lnTo>
-                  <a:pt x="715116" y="1639249"/>
-                </a:lnTo>
-                <a:lnTo>
-                  <a:pt x="0" y="924133"/>
-                </a:lnTo>
-                <a:lnTo>
-                  <a:pt x="70802" y="810403"/>
-                </a:lnTo>
-                <a:cubicBezTo>
-                  <a:pt x="146367" y="700418"/>
-                  <a:pt x="230553" y="599295"/>
-                  <a:pt x="322118" y="508527"/>
-                </a:cubicBezTo>
-                <a:close/>
-              </a:path>
-            </a:pathLst>
-          </a:custGeom>
-          <a:solidFill>
-            <a:schemeClr val="bg2">
-              <a:lumMod val="50000"/>
-              <a:lumOff val="50000"/>
-              <a:alpha val="60000"/>
-            </a:schemeClr>
-          </a:solidFill>
-          <a:ln>
-            <a:noFill/>
-          </a:ln>
-          <a:effectLst>
-            <a:softEdge rad="444500"/>
-          </a:effectLst>
-        </p:spPr>
-        <p:style>
-          <a:lnRef idx="2">
-            <a:schemeClr val="accent1">
-              <a:shade val="50000"/>
-            </a:schemeClr>
-          </a:lnRef>
-          <a:fillRef idx="1">
-            <a:schemeClr val="accent1"/>
-          </a:fillRef>
-          <a:effectRef idx="0">
-            <a:schemeClr val="accent1"/>
-          </a:effectRef>
-          <a:fontRef idx="minor">
-            <a:schemeClr val="lt1"/>
-          </a:fontRef>
-        </p:style>
-        <p:txBody>
-          <a:bodyPr rtlCol="0" anchor="ctr"/>
-          <a:lstStyle/>
-          <a:p>
-            <a:pPr algn="ctr"/>
-            <a:endParaRPr lang="en-US" dirty="0"/>
-          </a:p>
-        </p:txBody>
-      </p:sp>
-      <p:sp>
-        <p:nvSpPr>
-          <p:cNvPr id="32" name="Oval 31">
-            <a:extLst>
-              <a:ext uri="{FF2B5EF4-FFF2-40B4-BE49-F238E27FC236}">
-                <a16:creationId xmlns:a16="http://schemas.microsoft.com/office/drawing/2014/main" id="{DFB59F4D-13F5-4E73-B3D4-2CFDEC0C5652}"/>
-              </a:ext>
-              <a:ext uri="{C183D7F6-B498-43B3-948B-1728B52AA6E4}">
-                <adec:decorative xmlns:adec="http://schemas.microsoft.com/office/drawing/2017/decorative" val="1"/>
-              </a:ext>
-            </a:extLst>
-          </p:cNvPr>
-          <p:cNvSpPr>
-            <a:spLocks noGrp="1" noRot="1" noChangeAspect="1" noMove="1" noResize="1" noEditPoints="1" noAdjustHandles="1" noChangeArrowheads="1" noChangeShapeType="1" noTextEdit="1"/>
-          </p:cNvSpPr>
-          <p:nvPr>
-            <p:extLst>
-              <p:ext uri="{386F3935-93C4-4BCD-93E2-E3B085C9AB24}">
-                <p16:designElem xmlns:p16="http://schemas.microsoft.com/office/powerpoint/2015/main" val="1"/>
-              </p:ext>
-            </p:extLst>
-          </p:nvPr>
-        </p:nvSpPr>
-        <p:spPr>
-          <a:xfrm rot="8100000">
-            <a:off x="1183572" y="4805365"/>
-            <a:ext cx="214196" cy="933178"/>
-          </a:xfrm>
-          <a:prstGeom prst="ellipse">
-            <a:avLst/>
-          </a:prstGeom>
-          <a:solidFill>
-            <a:schemeClr val="bg2">
-              <a:lumMod val="90000"/>
-              <a:lumOff val="10000"/>
-            </a:schemeClr>
-          </a:solidFill>
-          <a:ln>
-            <a:noFill/>
-          </a:ln>
-          <a:effectLst>
-            <a:innerShdw blurRad="63500" dist="2540000">
-              <a:schemeClr val="accent1">
-                <a:lumMod val="60000"/>
-                <a:lumOff val="40000"/>
-                <a:alpha val="20000"/>
-              </a:schemeClr>
-            </a:innerShdw>
-          </a:effectLst>
-        </p:spPr>
-        <p:style>
-          <a:lnRef idx="2">
-            <a:schemeClr val="accent1">
-              <a:shade val="50000"/>
-            </a:schemeClr>
-          </a:lnRef>
-          <a:fillRef idx="1">
-            <a:schemeClr val="accent1"/>
-          </a:fillRef>
-          <a:effectRef idx="0">
-            <a:schemeClr val="accent1"/>
-          </a:effectRef>
-          <a:fontRef idx="minor">
-            <a:schemeClr val="lt1"/>
-          </a:fontRef>
-        </p:style>
-        <p:txBody>
-          <a:bodyPr rot="0" spcFirstLastPara="0" vertOverflow="overflow" horzOverflow="overflow" vert="horz" wrap="square" lIns="91440" tIns="45720" rIns="91440" bIns="45720" numCol="1" spcCol="0" rtlCol="0" fromWordArt="0" anchor="ctr" anchorCtr="0" forceAA="0" compatLnSpc="1">
-            <a:prstTxWarp prst="textNoShape">
-              <a:avLst/>
-            </a:prstTxWarp>
-            <a:noAutofit/>
-          </a:bodyPr>
-          <a:lstStyle/>
-          <a:p>
-            <a:pPr algn="ctr"/>
-            <a:endParaRPr lang="en-US"/>
-          </a:p>
-        </p:txBody>
-      </p:sp>
-    </p:spTree>
-    <p:extLst>
-      <p:ext uri="{BB962C8B-B14F-4D97-AF65-F5344CB8AC3E}">
-        <p14:creationId xmlns:p14="http://schemas.microsoft.com/office/powerpoint/2010/main" val="1733122014"/>
-      </p:ext>
-    </p:extLst>
-  </p:cSld>
-  <p:clrMapOvr>
-    <a:masterClrMapping/>
-  </p:clrMapOvr>
-</p:sld>
-</file>
-
-<file path=ppt/slides/slide20.xml><?xml version="1.0" encoding="utf-8"?>
+<file path=ppt/slides/slide19.xml><?xml version="1.0" encoding="utf-8"?>
 <p:sld xmlns:a="http://schemas.openxmlformats.org/drawingml/2006/main" xmlns:r="http://schemas.openxmlformats.org/officeDocument/2006/relationships" xmlns:p="http://schemas.openxmlformats.org/presentationml/2006/main">
   <p:cSld>
     <p:spTree>
@@ -30469,1189 +28184,7 @@
 </p:sld>
 </file>
 
-<file path=ppt/slides/slide21.xml><?xml version="1.0" encoding="utf-8"?>
-<p:sld xmlns:a="http://schemas.openxmlformats.org/drawingml/2006/main" xmlns:r="http://schemas.openxmlformats.org/officeDocument/2006/relationships" xmlns:p="http://schemas.openxmlformats.org/presentationml/2006/main">
-  <p:cSld>
-    <p:bg>
-      <p:bgPr>
-        <a:solidFill>
-          <a:schemeClr val="bg2"/>
-        </a:solidFill>
-        <a:effectLst/>
-      </p:bgPr>
-    </p:bg>
-    <p:spTree>
-      <p:nvGrpSpPr>
-        <p:cNvPr id="1" name=""/>
-        <p:cNvGrpSpPr/>
-        <p:nvPr/>
-      </p:nvGrpSpPr>
-      <p:grpSpPr>
-        <a:xfrm>
-          <a:off x="0" y="0"/>
-          <a:ext cx="0" cy="0"/>
-          <a:chOff x="0" y="0"/>
-          <a:chExt cx="0" cy="0"/>
-        </a:xfrm>
-      </p:grpSpPr>
-      <p:sp>
-        <p:nvSpPr>
-          <p:cNvPr id="30" name="Freeform: Shape 29">
-            <a:extLst>
-              <a:ext uri="{FF2B5EF4-FFF2-40B4-BE49-F238E27FC236}">
-                <a16:creationId xmlns:a16="http://schemas.microsoft.com/office/drawing/2014/main" id="{82184FF4-7029-4ED7-813A-192E60608764}"/>
-              </a:ext>
-              <a:ext uri="{C183D7F6-B498-43B3-948B-1728B52AA6E4}">
-                <adec:decorative xmlns:adec="http://schemas.microsoft.com/office/drawing/2017/decorative" val="1"/>
-              </a:ext>
-            </a:extLst>
-          </p:cNvPr>
-          <p:cNvSpPr>
-            <a:spLocks noGrp="1" noRot="1" noChangeAspect="1" noMove="1" noResize="1" noEditPoints="1" noAdjustHandles="1" noChangeArrowheads="1" noChangeShapeType="1" noTextEdit="1"/>
-          </p:cNvSpPr>
-          <p:nvPr>
-            <p:extLst>
-              <p:ext uri="{386F3935-93C4-4BCD-93E2-E3B085C9AB24}">
-                <p16:designElem xmlns:p16="http://schemas.microsoft.com/office/powerpoint/2015/main" val="1"/>
-              </p:ext>
-            </p:extLst>
-          </p:nvPr>
-        </p:nvSpPr>
-        <p:spPr>
-          <a:xfrm rot="2700000">
-            <a:off x="612445" y="481888"/>
-            <a:ext cx="1080000" cy="1262947"/>
-          </a:xfrm>
-          <a:custGeom>
-            <a:avLst/>
-            <a:gdLst/>
-            <a:ahLst/>
-            <a:cxnLst/>
-            <a:rect l="l" t="t" r="r" b="b"/>
-            <a:pathLst>
-              <a:path w="1080000" h="1262947">
-                <a:moveTo>
-                  <a:pt x="540000" y="0"/>
-                </a:moveTo>
-                <a:lnTo>
-                  <a:pt x="1064374" y="931034"/>
-                </a:lnTo>
-                <a:lnTo>
-                  <a:pt x="1069029" y="938533"/>
-                </a:lnTo>
-                <a:cubicBezTo>
-                  <a:pt x="1076223" y="956109"/>
-                  <a:pt x="1080000" y="974307"/>
-                  <a:pt x="1080000" y="992947"/>
-                </a:cubicBezTo>
-                <a:cubicBezTo>
-                  <a:pt x="1080000" y="1142064"/>
-                  <a:pt x="838234" y="1262947"/>
-                  <a:pt x="540000" y="1262947"/>
-                </a:cubicBezTo>
-                <a:cubicBezTo>
-                  <a:pt x="241766" y="1262947"/>
-                  <a:pt x="0" y="1142064"/>
-                  <a:pt x="0" y="992947"/>
-                </a:cubicBezTo>
-                <a:cubicBezTo>
-                  <a:pt x="0" y="974307"/>
-                  <a:pt x="3778" y="956109"/>
-                  <a:pt x="10971" y="938533"/>
-                </a:cubicBezTo>
-                <a:lnTo>
-                  <a:pt x="15626" y="931034"/>
-                </a:lnTo>
-                <a:lnTo>
-                  <a:pt x="540000" y="0"/>
-                </a:lnTo>
-                <a:close/>
-              </a:path>
-            </a:pathLst>
-          </a:custGeom>
-          <a:gradFill>
-            <a:gsLst>
-              <a:gs pos="60000">
-                <a:schemeClr val="bg2">
-                  <a:lumMod val="90000"/>
-                  <a:lumOff val="10000"/>
-                </a:schemeClr>
-              </a:gs>
-              <a:gs pos="30000">
-                <a:schemeClr val="bg2">
-                  <a:lumMod val="90000"/>
-                  <a:lumOff val="10000"/>
-                </a:schemeClr>
-              </a:gs>
-              <a:gs pos="40000">
-                <a:schemeClr val="bg2">
-                  <a:lumMod val="75000"/>
-                  <a:lumOff val="25000"/>
-                </a:schemeClr>
-              </a:gs>
-              <a:gs pos="100000">
-                <a:schemeClr val="bg2"/>
-              </a:gs>
-            </a:gsLst>
-            <a:lin ang="600000" scaled="0"/>
-          </a:gradFill>
-          <a:ln>
-            <a:noFill/>
-          </a:ln>
-          <a:effectLst>
-            <a:innerShdw blurRad="254000" dist="101600" dir="2700000">
-              <a:schemeClr val="accent1">
-                <a:lumMod val="60000"/>
-                <a:lumOff val="40000"/>
-                <a:alpha val="40000"/>
-              </a:schemeClr>
-            </a:innerShdw>
-          </a:effectLst>
-        </p:spPr>
-        <p:style>
-          <a:lnRef idx="2">
-            <a:schemeClr val="accent1">
-              <a:shade val="50000"/>
-            </a:schemeClr>
-          </a:lnRef>
-          <a:fillRef idx="1">
-            <a:schemeClr val="accent1"/>
-          </a:fillRef>
-          <a:effectRef idx="0">
-            <a:schemeClr val="accent1"/>
-          </a:effectRef>
-          <a:fontRef idx="minor">
-            <a:schemeClr val="lt1"/>
-          </a:fontRef>
-        </p:style>
-        <p:txBody>
-          <a:bodyPr rot="0" spcFirstLastPara="0" vertOverflow="overflow" horzOverflow="overflow" vert="horz" wrap="square" lIns="91440" tIns="45720" rIns="91440" bIns="45720" numCol="1" spcCol="0" rtlCol="0" fromWordArt="0" anchor="ctr" anchorCtr="0" forceAA="0" compatLnSpc="1">
-            <a:prstTxWarp prst="textNoShape">
-              <a:avLst/>
-            </a:prstTxWarp>
-            <a:noAutofit/>
-          </a:bodyPr>
-          <a:lstStyle/>
-          <a:p>
-            <a:pPr algn="ctr"/>
-            <a:endParaRPr lang="en-US"/>
-          </a:p>
-        </p:txBody>
-      </p:sp>
-      <p:sp>
-        <p:nvSpPr>
-          <p:cNvPr id="32" name="Oval 31">
-            <a:extLst>
-              <a:ext uri="{FF2B5EF4-FFF2-40B4-BE49-F238E27FC236}">
-                <a16:creationId xmlns:a16="http://schemas.microsoft.com/office/drawing/2014/main" id="{AAA7AB09-557C-41AD-9113-FF9F68FA1035}"/>
-              </a:ext>
-              <a:ext uri="{C183D7F6-B498-43B3-948B-1728B52AA6E4}">
-                <adec:decorative xmlns:adec="http://schemas.microsoft.com/office/drawing/2017/decorative" val="1"/>
-              </a:ext>
-            </a:extLst>
-          </p:cNvPr>
-          <p:cNvSpPr>
-            <a:spLocks noGrp="1" noRot="1" noChangeAspect="1" noMove="1" noResize="1" noEditPoints="1" noAdjustHandles="1" noChangeArrowheads="1" noChangeShapeType="1" noTextEdit="1"/>
-          </p:cNvSpPr>
-          <p:nvPr>
-            <p:extLst>
-              <p:ext uri="{386F3935-93C4-4BCD-93E2-E3B085C9AB24}">
-                <p16:designElem xmlns:p16="http://schemas.microsoft.com/office/powerpoint/2015/main" val="1"/>
-              </p:ext>
-            </p:extLst>
-          </p:nvPr>
-        </p:nvSpPr>
-        <p:spPr>
-          <a:xfrm rot="8100000">
-            <a:off x="626845" y="828962"/>
-            <a:ext cx="540000" cy="1080000"/>
-          </a:xfrm>
-          <a:prstGeom prst="ellipse">
-            <a:avLst/>
-          </a:prstGeom>
-          <a:gradFill>
-            <a:gsLst>
-              <a:gs pos="100000">
-                <a:schemeClr val="bg2">
-                  <a:lumMod val="90000"/>
-                  <a:lumOff val="10000"/>
-                </a:schemeClr>
-              </a:gs>
-              <a:gs pos="50000">
-                <a:schemeClr val="bg2">
-                  <a:lumMod val="95000"/>
-                  <a:lumOff val="5000"/>
-                </a:schemeClr>
-              </a:gs>
-            </a:gsLst>
-            <a:lin ang="5400000" scaled="0"/>
-          </a:gradFill>
-          <a:ln>
-            <a:noFill/>
-          </a:ln>
-          <a:effectLst>
-            <a:innerShdw blurRad="1270000" dist="2540000">
-              <a:schemeClr val="accent1">
-                <a:lumMod val="60000"/>
-                <a:lumOff val="40000"/>
-                <a:alpha val="0"/>
-              </a:schemeClr>
-            </a:innerShdw>
-          </a:effectLst>
-        </p:spPr>
-        <p:style>
-          <a:lnRef idx="2">
-            <a:schemeClr val="accent1">
-              <a:shade val="50000"/>
-            </a:schemeClr>
-          </a:lnRef>
-          <a:fillRef idx="1">
-            <a:schemeClr val="accent1"/>
-          </a:fillRef>
-          <a:effectRef idx="0">
-            <a:schemeClr val="accent1"/>
-          </a:effectRef>
-          <a:fontRef idx="minor">
-            <a:schemeClr val="lt1"/>
-          </a:fontRef>
-        </p:style>
-        <p:txBody>
-          <a:bodyPr rot="0" spcFirstLastPara="0" vertOverflow="overflow" horzOverflow="overflow" vert="horz" wrap="square" lIns="91440" tIns="45720" rIns="91440" bIns="45720" numCol="1" spcCol="0" rtlCol="0" fromWordArt="0" anchor="ctr" anchorCtr="0" forceAA="0" compatLnSpc="1">
-            <a:prstTxWarp prst="textNoShape">
-              <a:avLst/>
-            </a:prstTxWarp>
-            <a:noAutofit/>
-          </a:bodyPr>
-          <a:lstStyle/>
-          <a:p>
-            <a:pPr algn="ctr"/>
-            <a:endParaRPr lang="en-US"/>
-          </a:p>
-        </p:txBody>
-      </p:sp>
-      <p:sp>
-        <p:nvSpPr>
-          <p:cNvPr id="34" name="Oval 33">
-            <a:extLst>
-              <a:ext uri="{FF2B5EF4-FFF2-40B4-BE49-F238E27FC236}">
-                <a16:creationId xmlns:a16="http://schemas.microsoft.com/office/drawing/2014/main" id="{EF99ECAA-1F11-4937-BBA6-51935AB44C9D}"/>
-              </a:ext>
-              <a:ext uri="{C183D7F6-B498-43B3-948B-1728B52AA6E4}">
-                <adec:decorative xmlns:adec="http://schemas.microsoft.com/office/drawing/2017/decorative" val="1"/>
-              </a:ext>
-            </a:extLst>
-          </p:cNvPr>
-          <p:cNvSpPr>
-            <a:spLocks noGrp="1" noRot="1" noChangeAspect="1" noMove="1" noResize="1" noEditPoints="1" noAdjustHandles="1" noChangeArrowheads="1" noChangeShapeType="1" noTextEdit="1"/>
-          </p:cNvSpPr>
-          <p:nvPr>
-            <p:extLst>
-              <p:ext uri="{386F3935-93C4-4BCD-93E2-E3B085C9AB24}">
-                <p16:designElem xmlns:p16="http://schemas.microsoft.com/office/powerpoint/2015/main" val="1"/>
-              </p:ext>
-            </p:extLst>
-          </p:nvPr>
-        </p:nvSpPr>
-        <p:spPr>
-          <a:xfrm>
-            <a:off x="1800802" y="2472855"/>
-            <a:ext cx="360000" cy="360000"/>
-          </a:xfrm>
-          <a:prstGeom prst="ellipse">
-            <a:avLst/>
-          </a:prstGeom>
-          <a:gradFill flip="none" rotWithShape="1">
-            <a:gsLst>
-              <a:gs pos="100000">
-                <a:schemeClr val="bg2">
-                  <a:lumMod val="50000"/>
-                  <a:lumOff val="50000"/>
-                </a:schemeClr>
-              </a:gs>
-              <a:gs pos="60000">
-                <a:schemeClr val="bg2"/>
-              </a:gs>
-            </a:gsLst>
-            <a:path path="circle">
-              <a:fillToRect l="100000" b="100000"/>
-            </a:path>
-            <a:tileRect t="-100000" r="-100000"/>
-          </a:gradFill>
-          <a:ln>
-            <a:noFill/>
-          </a:ln>
-          <a:effectLst>
-            <a:innerShdw blurRad="127000" dist="63500" dir="2700000">
-              <a:schemeClr val="accent1">
-                <a:lumMod val="60000"/>
-                <a:lumOff val="40000"/>
-                <a:alpha val="20000"/>
-              </a:schemeClr>
-            </a:innerShdw>
-            <a:softEdge rad="0"/>
-          </a:effectLst>
-        </p:spPr>
-        <p:style>
-          <a:lnRef idx="2">
-            <a:schemeClr val="accent1">
-              <a:shade val="50000"/>
-            </a:schemeClr>
-          </a:lnRef>
-          <a:fillRef idx="1">
-            <a:schemeClr val="accent1"/>
-          </a:fillRef>
-          <a:effectRef idx="0">
-            <a:schemeClr val="accent1"/>
-          </a:effectRef>
-          <a:fontRef idx="minor">
-            <a:schemeClr val="lt1"/>
-          </a:fontRef>
-        </p:style>
-        <p:txBody>
-          <a:bodyPr rot="0" spcFirstLastPara="0" vertOverflow="overflow" horzOverflow="overflow" vert="horz" wrap="square" lIns="91440" tIns="45720" rIns="91440" bIns="45720" numCol="1" spcCol="0" rtlCol="0" fromWordArt="0" anchor="ctr" anchorCtr="0" forceAA="0" compatLnSpc="1">
-            <a:prstTxWarp prst="textNoShape">
-              <a:avLst/>
-            </a:prstTxWarp>
-            <a:noAutofit/>
-          </a:bodyPr>
-          <a:lstStyle/>
-          <a:p>
-            <a:pPr algn="ctr"/>
-            <a:endParaRPr lang="en-US"/>
-          </a:p>
-        </p:txBody>
-      </p:sp>
-      <p:grpSp>
-        <p:nvGrpSpPr>
-          <p:cNvPr id="36" name="Group 35">
-            <a:extLst>
-              <a:ext uri="{FF2B5EF4-FFF2-40B4-BE49-F238E27FC236}">
-                <a16:creationId xmlns:a16="http://schemas.microsoft.com/office/drawing/2014/main" id="{79DE9FAB-6BBA-4CFE-B67D-77B47F01ECA4}"/>
-              </a:ext>
-              <a:ext uri="{C183D7F6-B498-43B3-948B-1728B52AA6E4}">
-                <adec:decorative xmlns:adec="http://schemas.microsoft.com/office/drawing/2017/decorative" val="1"/>
-              </a:ext>
-            </a:extLst>
-          </p:cNvPr>
-          <p:cNvGrpSpPr>
-            <a:grpSpLocks noGrp="1" noUngrp="1" noRot="1" noChangeAspect="1" noMove="1" noResize="1"/>
-          </p:cNvGrpSpPr>
-          <p:nvPr>
-            <p:extLst>
-              <p:ext uri="{386F3935-93C4-4BCD-93E2-E3B085C9AB24}">
-                <p16:designElem xmlns:p16="http://schemas.microsoft.com/office/powerpoint/2015/main" val="1"/>
-              </p:ext>
-            </p:extLst>
-          </p:nvPr>
-        </p:nvGrpSpPr>
-        <p:grpSpPr>
-          <a:xfrm>
-            <a:off x="1329952" y="4524379"/>
-            <a:ext cx="1980001" cy="1363916"/>
-            <a:chOff x="4879602" y="3781429"/>
-            <a:chExt cx="1980001" cy="1363916"/>
-          </a:xfrm>
-        </p:grpSpPr>
-        <p:sp>
-          <p:nvSpPr>
-            <p:cNvPr id="37" name="Freeform: Shape 36">
-              <a:extLst>
-                <a:ext uri="{FF2B5EF4-FFF2-40B4-BE49-F238E27FC236}">
-                  <a16:creationId xmlns:a16="http://schemas.microsoft.com/office/drawing/2014/main" id="{79FAC916-D9BB-4794-81B4-7C47C67E850D}"/>
-                </a:ext>
-                <a:ext uri="{C183D7F6-B498-43B3-948B-1728B52AA6E4}">
-                  <adec:decorative xmlns:adec="http://schemas.microsoft.com/office/drawing/2017/decorative" val="1"/>
-                </a:ext>
-              </a:extLst>
-            </p:cNvPr>
-            <p:cNvSpPr>
-              <a:spLocks noChangeAspect="1"/>
-            </p:cNvSpPr>
-            <p:nvPr>
-              <p:extLst>
-                <p:ext uri="{386F3935-93C4-4BCD-93E2-E3B085C9AB24}">
-                  <p16:designElem xmlns:p16="http://schemas.microsoft.com/office/powerpoint/2015/main" val="1"/>
-                </p:ext>
-              </p:extLst>
-            </p:nvPr>
-          </p:nvSpPr>
-          <p:spPr>
-            <a:xfrm rot="18900000" flipV="1">
-              <a:off x="5005634" y="4191206"/>
-              <a:ext cx="1853969" cy="926985"/>
-            </a:xfrm>
-            <a:custGeom>
-              <a:avLst/>
-              <a:gdLst>
-                <a:gd name="connsiteX0" fmla="*/ 1329373 w 2658746"/>
-                <a:gd name="connsiteY0" fmla="*/ 0 h 1329373"/>
-                <a:gd name="connsiteX1" fmla="*/ 2658746 w 2658746"/>
-                <a:gd name="connsiteY1" fmla="*/ 1329373 h 1329373"/>
-                <a:gd name="connsiteX2" fmla="*/ 1994059 w 2658746"/>
-                <a:gd name="connsiteY2" fmla="*/ 1329373 h 1329373"/>
-                <a:gd name="connsiteX3" fmla="*/ 1329373 w 2658746"/>
-                <a:gd name="connsiteY3" fmla="*/ 664687 h 1329373"/>
-                <a:gd name="connsiteX4" fmla="*/ 664687 w 2658746"/>
-                <a:gd name="connsiteY4" fmla="*/ 1329373 h 1329373"/>
-                <a:gd name="connsiteX5" fmla="*/ 0 w 2658746"/>
-                <a:gd name="connsiteY5" fmla="*/ 1329373 h 1329373"/>
-                <a:gd name="connsiteX6" fmla="*/ 1329373 w 2658746"/>
-                <a:gd name="connsiteY6" fmla="*/ 0 h 1329373"/>
-              </a:gdLst>
-              <a:ahLst/>
-              <a:cxnLst>
-                <a:cxn ang="0">
-                  <a:pos x="connsiteX0" y="connsiteY0"/>
-                </a:cxn>
-                <a:cxn ang="0">
-                  <a:pos x="connsiteX1" y="connsiteY1"/>
-                </a:cxn>
-                <a:cxn ang="0">
-                  <a:pos x="connsiteX2" y="connsiteY2"/>
-                </a:cxn>
-                <a:cxn ang="0">
-                  <a:pos x="connsiteX3" y="connsiteY3"/>
-                </a:cxn>
-                <a:cxn ang="0">
-                  <a:pos x="connsiteX4" y="connsiteY4"/>
-                </a:cxn>
-                <a:cxn ang="0">
-                  <a:pos x="connsiteX5" y="connsiteY5"/>
-                </a:cxn>
-                <a:cxn ang="0">
-                  <a:pos x="connsiteX6" y="connsiteY6"/>
-                </a:cxn>
-              </a:cxnLst>
-              <a:rect l="l" t="t" r="r" b="b"/>
-              <a:pathLst>
-                <a:path w="2658746" h="1329373">
-                  <a:moveTo>
-                    <a:pt x="1329373" y="0"/>
-                  </a:moveTo>
-                  <a:cubicBezTo>
-                    <a:pt x="2063565" y="0"/>
-                    <a:pt x="2658746" y="595181"/>
-                    <a:pt x="2658746" y="1329373"/>
-                  </a:cubicBezTo>
-                  <a:lnTo>
-                    <a:pt x="1994059" y="1329373"/>
-                  </a:lnTo>
-                  <a:cubicBezTo>
-                    <a:pt x="1994059" y="962277"/>
-                    <a:pt x="1696469" y="664687"/>
-                    <a:pt x="1329373" y="664687"/>
-                  </a:cubicBezTo>
-                  <a:cubicBezTo>
-                    <a:pt x="962277" y="664687"/>
-                    <a:pt x="664687" y="962277"/>
-                    <a:pt x="664687" y="1329373"/>
-                  </a:cubicBezTo>
-                  <a:lnTo>
-                    <a:pt x="0" y="1329373"/>
-                  </a:lnTo>
-                  <a:cubicBezTo>
-                    <a:pt x="0" y="595181"/>
-                    <a:pt x="595181" y="0"/>
-                    <a:pt x="1329373" y="0"/>
-                  </a:cubicBezTo>
-                  <a:close/>
-                </a:path>
-              </a:pathLst>
-            </a:custGeom>
-            <a:solidFill>
-              <a:schemeClr val="bg2"/>
-            </a:solidFill>
-            <a:ln>
-              <a:noFill/>
-            </a:ln>
-            <a:effectLst>
-              <a:innerShdw blurRad="254000" dist="50800" dir="16200000">
-                <a:schemeClr val="accent1">
-                  <a:lumMod val="40000"/>
-                  <a:lumOff val="60000"/>
-                  <a:alpha val="40000"/>
-                </a:schemeClr>
-              </a:innerShdw>
-            </a:effectLst>
-          </p:spPr>
-          <p:style>
-            <a:lnRef idx="2">
-              <a:schemeClr val="accent1">
-                <a:shade val="50000"/>
-              </a:schemeClr>
-            </a:lnRef>
-            <a:fillRef idx="1">
-              <a:schemeClr val="accent1"/>
-            </a:fillRef>
-            <a:effectRef idx="0">
-              <a:schemeClr val="accent1"/>
-            </a:effectRef>
-            <a:fontRef idx="minor">
-              <a:schemeClr val="lt1"/>
-            </a:fontRef>
-          </p:style>
-          <p:txBody>
-            <a:bodyPr rtlCol="0" anchor="ctr"/>
-            <a:lstStyle/>
-            <a:p>
-              <a:pPr algn="ctr"/>
-              <a:endParaRPr lang="en-US"/>
-            </a:p>
-          </p:txBody>
-        </p:sp>
-        <p:sp>
-          <p:nvSpPr>
-            <p:cNvPr id="38" name="Freeform: Shape 37">
-              <a:extLst>
-                <a:ext uri="{FF2B5EF4-FFF2-40B4-BE49-F238E27FC236}">
-                  <a16:creationId xmlns:a16="http://schemas.microsoft.com/office/drawing/2014/main" id="{B5CA2231-7A65-4D16-8400-A210CC41DB73}"/>
-                </a:ext>
-                <a:ext uri="{C183D7F6-B498-43B3-948B-1728B52AA6E4}">
-                  <adec:decorative xmlns:adec="http://schemas.microsoft.com/office/drawing/2017/decorative" val="1"/>
-                </a:ext>
-              </a:extLst>
-            </p:cNvPr>
-            <p:cNvSpPr>
-              <a:spLocks noChangeAspect="1"/>
-            </p:cNvSpPr>
-            <p:nvPr>
-              <p:extLst>
-                <p:ext uri="{386F3935-93C4-4BCD-93E2-E3B085C9AB24}">
-                  <p16:designElem xmlns:p16="http://schemas.microsoft.com/office/powerpoint/2015/main" val="1"/>
-                </p:ext>
-              </p:extLst>
-            </p:nvPr>
-          </p:nvSpPr>
-          <p:spPr>
-            <a:xfrm rot="18900000" flipV="1">
-              <a:off x="4957101" y="4052255"/>
-              <a:ext cx="1853969" cy="1093090"/>
-            </a:xfrm>
-            <a:custGeom>
-              <a:avLst/>
-              <a:gdLst>
-                <a:gd name="connsiteX0" fmla="*/ 1329373 w 2658746"/>
-                <a:gd name="connsiteY0" fmla="*/ 0 h 1329373"/>
-                <a:gd name="connsiteX1" fmla="*/ 2658746 w 2658746"/>
-                <a:gd name="connsiteY1" fmla="*/ 1329373 h 1329373"/>
-                <a:gd name="connsiteX2" fmla="*/ 1994059 w 2658746"/>
-                <a:gd name="connsiteY2" fmla="*/ 1329373 h 1329373"/>
-                <a:gd name="connsiteX3" fmla="*/ 1329373 w 2658746"/>
-                <a:gd name="connsiteY3" fmla="*/ 664687 h 1329373"/>
-                <a:gd name="connsiteX4" fmla="*/ 664687 w 2658746"/>
-                <a:gd name="connsiteY4" fmla="*/ 1329373 h 1329373"/>
-                <a:gd name="connsiteX5" fmla="*/ 0 w 2658746"/>
-                <a:gd name="connsiteY5" fmla="*/ 1329373 h 1329373"/>
-                <a:gd name="connsiteX6" fmla="*/ 1329373 w 2658746"/>
-                <a:gd name="connsiteY6" fmla="*/ 0 h 1329373"/>
-              </a:gdLst>
-              <a:ahLst/>
-              <a:cxnLst>
-                <a:cxn ang="0">
-                  <a:pos x="connsiteX0" y="connsiteY0"/>
-                </a:cxn>
-                <a:cxn ang="0">
-                  <a:pos x="connsiteX1" y="connsiteY1"/>
-                </a:cxn>
-                <a:cxn ang="0">
-                  <a:pos x="connsiteX2" y="connsiteY2"/>
-                </a:cxn>
-                <a:cxn ang="0">
-                  <a:pos x="connsiteX3" y="connsiteY3"/>
-                </a:cxn>
-                <a:cxn ang="0">
-                  <a:pos x="connsiteX4" y="connsiteY4"/>
-                </a:cxn>
-                <a:cxn ang="0">
-                  <a:pos x="connsiteX5" y="connsiteY5"/>
-                </a:cxn>
-                <a:cxn ang="0">
-                  <a:pos x="connsiteX6" y="connsiteY6"/>
-                </a:cxn>
-              </a:cxnLst>
-              <a:rect l="l" t="t" r="r" b="b"/>
-              <a:pathLst>
-                <a:path w="2658746" h="1329373">
-                  <a:moveTo>
-                    <a:pt x="1329373" y="0"/>
-                  </a:moveTo>
-                  <a:cubicBezTo>
-                    <a:pt x="2063565" y="0"/>
-                    <a:pt x="2658746" y="595181"/>
-                    <a:pt x="2658746" y="1329373"/>
-                  </a:cubicBezTo>
-                  <a:lnTo>
-                    <a:pt x="1994059" y="1329373"/>
-                  </a:lnTo>
-                  <a:cubicBezTo>
-                    <a:pt x="1994059" y="962277"/>
-                    <a:pt x="1696469" y="664687"/>
-                    <a:pt x="1329373" y="664687"/>
-                  </a:cubicBezTo>
-                  <a:cubicBezTo>
-                    <a:pt x="962277" y="664687"/>
-                    <a:pt x="664687" y="962277"/>
-                    <a:pt x="664687" y="1329373"/>
-                  </a:cubicBezTo>
-                  <a:lnTo>
-                    <a:pt x="0" y="1329373"/>
-                  </a:lnTo>
-                  <a:cubicBezTo>
-                    <a:pt x="0" y="595181"/>
-                    <a:pt x="595181" y="0"/>
-                    <a:pt x="1329373" y="0"/>
-                  </a:cubicBezTo>
-                  <a:close/>
-                </a:path>
-              </a:pathLst>
-            </a:custGeom>
-            <a:solidFill>
-              <a:schemeClr val="bg2">
-                <a:lumMod val="50000"/>
-                <a:lumOff val="50000"/>
-                <a:alpha val="40000"/>
-              </a:schemeClr>
-            </a:solidFill>
-            <a:ln>
-              <a:noFill/>
-            </a:ln>
-            <a:effectLst>
-              <a:softEdge rad="190500"/>
-            </a:effectLst>
-          </p:spPr>
-          <p:style>
-            <a:lnRef idx="2">
-              <a:schemeClr val="accent1">
-                <a:shade val="50000"/>
-              </a:schemeClr>
-            </a:lnRef>
-            <a:fillRef idx="1">
-              <a:schemeClr val="accent1"/>
-            </a:fillRef>
-            <a:effectRef idx="0">
-              <a:schemeClr val="accent1"/>
-            </a:effectRef>
-            <a:fontRef idx="minor">
-              <a:schemeClr val="lt1"/>
-            </a:fontRef>
-          </p:style>
-          <p:txBody>
-            <a:bodyPr rtlCol="0" anchor="ctr"/>
-            <a:lstStyle/>
-            <a:p>
-              <a:pPr algn="ctr"/>
-              <a:endParaRPr lang="en-US">
-                <a:solidFill>
-                  <a:schemeClr val="tx1"/>
-                </a:solidFill>
-              </a:endParaRPr>
-            </a:p>
-          </p:txBody>
-        </p:sp>
-        <p:sp>
-          <p:nvSpPr>
-            <p:cNvPr id="39" name="Oval 38">
-              <a:extLst>
-                <a:ext uri="{FF2B5EF4-FFF2-40B4-BE49-F238E27FC236}">
-                  <a16:creationId xmlns:a16="http://schemas.microsoft.com/office/drawing/2014/main" id="{4B089C8C-B82B-4704-88E2-E857A5E21529}"/>
-                </a:ext>
-                <a:ext uri="{C183D7F6-B498-43B3-948B-1728B52AA6E4}">
-                  <adec:decorative xmlns:adec="http://schemas.microsoft.com/office/drawing/2017/decorative" val="1"/>
-                </a:ext>
-              </a:extLst>
-            </p:cNvPr>
-            <p:cNvSpPr/>
-            <p:nvPr>
-              <p:extLst>
-                <p:ext uri="{386F3935-93C4-4BCD-93E2-E3B085C9AB24}">
-                  <p16:designElem xmlns:p16="http://schemas.microsoft.com/office/powerpoint/2015/main" val="1"/>
-                </p:ext>
-              </p:extLst>
-            </p:nvPr>
-          </p:nvSpPr>
-          <p:spPr>
-            <a:xfrm rot="13500000" flipV="1">
-              <a:off x="6040374" y="3601683"/>
-              <a:ext cx="107098" cy="466589"/>
-            </a:xfrm>
-            <a:prstGeom prst="ellipse">
-              <a:avLst/>
-            </a:prstGeom>
-            <a:solidFill>
-              <a:schemeClr val="bg2">
-                <a:lumMod val="90000"/>
-                <a:lumOff val="10000"/>
-              </a:schemeClr>
-            </a:solidFill>
-            <a:ln>
-              <a:noFill/>
-            </a:ln>
-            <a:effectLst>
-              <a:innerShdw blurRad="63500" dist="2540000">
-                <a:schemeClr val="accent1">
-                  <a:lumMod val="60000"/>
-                  <a:lumOff val="40000"/>
-                  <a:alpha val="0"/>
-                </a:schemeClr>
-              </a:innerShdw>
-            </a:effectLst>
-          </p:spPr>
-          <p:style>
-            <a:lnRef idx="2">
-              <a:schemeClr val="accent1">
-                <a:shade val="50000"/>
-              </a:schemeClr>
-            </a:lnRef>
-            <a:fillRef idx="1">
-              <a:schemeClr val="accent1"/>
-            </a:fillRef>
-            <a:effectRef idx="0">
-              <a:schemeClr val="accent1"/>
-            </a:effectRef>
-            <a:fontRef idx="minor">
-              <a:schemeClr val="lt1"/>
-            </a:fontRef>
-          </p:style>
-          <p:txBody>
-            <a:bodyPr rot="0" spcFirstLastPara="0" vertOverflow="overflow" horzOverflow="overflow" vert="horz" wrap="square" lIns="91440" tIns="45720" rIns="91440" bIns="45720" numCol="1" spcCol="0" rtlCol="0" fromWordArt="0" anchor="ctr" anchorCtr="0" forceAA="0" compatLnSpc="1">
-              <a:prstTxWarp prst="textNoShape">
-                <a:avLst/>
-              </a:prstTxWarp>
-              <a:noAutofit/>
-            </a:bodyPr>
-            <a:lstStyle/>
-            <a:p>
-              <a:pPr algn="ctr"/>
-              <a:endParaRPr lang="en-US"/>
-            </a:p>
-          </p:txBody>
-        </p:sp>
-        <p:sp>
-          <p:nvSpPr>
-            <p:cNvPr id="40" name="Oval 39">
-              <a:extLst>
-                <a:ext uri="{FF2B5EF4-FFF2-40B4-BE49-F238E27FC236}">
-                  <a16:creationId xmlns:a16="http://schemas.microsoft.com/office/drawing/2014/main" id="{434B90C8-5B4D-456E-AD99-80EF748FDD72}"/>
-                </a:ext>
-                <a:ext uri="{C183D7F6-B498-43B3-948B-1728B52AA6E4}">
-                  <adec:decorative xmlns:adec="http://schemas.microsoft.com/office/drawing/2017/decorative" val="1"/>
-                </a:ext>
-              </a:extLst>
-            </p:cNvPr>
-            <p:cNvSpPr/>
-            <p:nvPr>
-              <p:extLst>
-                <p:ext uri="{386F3935-93C4-4BCD-93E2-E3B085C9AB24}">
-                  <p16:designElem xmlns:p16="http://schemas.microsoft.com/office/powerpoint/2015/main" val="1"/>
-                </p:ext>
-              </p:extLst>
-            </p:nvPr>
-          </p:nvSpPr>
-          <p:spPr>
-            <a:xfrm rot="13500000" flipV="1">
-              <a:off x="5059348" y="4582709"/>
-              <a:ext cx="107098" cy="466589"/>
-            </a:xfrm>
-            <a:prstGeom prst="ellipse">
-              <a:avLst/>
-            </a:prstGeom>
-            <a:solidFill>
-              <a:schemeClr val="bg2">
-                <a:lumMod val="90000"/>
-                <a:lumOff val="10000"/>
-              </a:schemeClr>
-            </a:solidFill>
-            <a:ln>
-              <a:noFill/>
-            </a:ln>
-            <a:effectLst>
-              <a:innerShdw blurRad="63500" dist="2540000">
-                <a:schemeClr val="accent1">
-                  <a:lumMod val="60000"/>
-                  <a:lumOff val="40000"/>
-                  <a:alpha val="0"/>
-                </a:schemeClr>
-              </a:innerShdw>
-            </a:effectLst>
-          </p:spPr>
-          <p:style>
-            <a:lnRef idx="2">
-              <a:schemeClr val="accent1">
-                <a:shade val="50000"/>
-              </a:schemeClr>
-            </a:lnRef>
-            <a:fillRef idx="1">
-              <a:schemeClr val="accent1"/>
-            </a:fillRef>
-            <a:effectRef idx="0">
-              <a:schemeClr val="accent1"/>
-            </a:effectRef>
-            <a:fontRef idx="minor">
-              <a:schemeClr val="lt1"/>
-            </a:fontRef>
-          </p:style>
-          <p:txBody>
-            <a:bodyPr rot="0" spcFirstLastPara="0" vertOverflow="overflow" horzOverflow="overflow" vert="horz" wrap="square" lIns="91440" tIns="45720" rIns="91440" bIns="45720" numCol="1" spcCol="0" rtlCol="0" fromWordArt="0" anchor="ctr" anchorCtr="0" forceAA="0" compatLnSpc="1">
-              <a:prstTxWarp prst="textNoShape">
-                <a:avLst/>
-              </a:prstTxWarp>
-              <a:noAutofit/>
-            </a:bodyPr>
-            <a:lstStyle/>
-            <a:p>
-              <a:pPr algn="ctr"/>
-              <a:endParaRPr lang="en-US"/>
-            </a:p>
-          </p:txBody>
-        </p:sp>
-      </p:grpSp>
-      <p:sp useBgFill="1">
-        <p:nvSpPr>
-          <p:cNvPr id="42" name="Rectangle 41">
-            <a:extLst>
-              <a:ext uri="{FF2B5EF4-FFF2-40B4-BE49-F238E27FC236}">
-                <a16:creationId xmlns:a16="http://schemas.microsoft.com/office/drawing/2014/main" id="{1DB043B4-68C6-45B9-82AC-A5800EADB8DB}"/>
-              </a:ext>
-              <a:ext uri="{C183D7F6-B498-43B3-948B-1728B52AA6E4}">
-                <adec:decorative xmlns:adec="http://schemas.microsoft.com/office/drawing/2017/decorative" val="1"/>
-              </a:ext>
-            </a:extLst>
-          </p:cNvPr>
-          <p:cNvSpPr>
-            <a:spLocks noGrp="1" noRot="1" noChangeAspect="1" noMove="1" noResize="1" noEditPoints="1" noAdjustHandles="1" noChangeArrowheads="1" noChangeShapeType="1" noTextEdit="1"/>
-          </p:cNvSpPr>
-          <p:nvPr>
-            <p:extLst>
-              <p:ext uri="{386F3935-93C4-4BCD-93E2-E3B085C9AB24}">
-                <p16:designElem xmlns:p16="http://schemas.microsoft.com/office/powerpoint/2015/main" val="1"/>
-              </p:ext>
-            </p:extLst>
-          </p:nvPr>
-        </p:nvSpPr>
-        <p:spPr>
-          <a:xfrm>
-            <a:off x="0" y="0"/>
-            <a:ext cx="12192000" cy="6858000"/>
-          </a:xfrm>
-          <a:prstGeom prst="rect">
-            <a:avLst/>
-          </a:prstGeom>
-          <a:ln w="12700" cap="flat" cmpd="sng" algn="ctr">
-            <a:noFill/>
-            <a:prstDash val="solid"/>
-            <a:miter lim="800000"/>
-          </a:ln>
-          <a:effectLst/>
-          <a:extLst>
-            <a:ext uri="{91240B29-F687-4F45-9708-019B960494DF}">
-              <a14:hiddenLine xmlns:a14="http://schemas.microsoft.com/office/drawing/2010/main" w="12700" cap="flat" cmpd="sng" algn="ctr">
-                <a:solidFill>
-                  <a:schemeClr val="accent1">
-                    <a:shade val="50000"/>
-                  </a:schemeClr>
-                </a:solidFill>
-                <a:prstDash val="solid"/>
-                <a:miter lim="800000"/>
-              </a14:hiddenLine>
-            </a:ext>
-          </a:extLst>
-        </p:spPr>
-        <p:style>
-          <a:lnRef idx="2">
-            <a:schemeClr val="accent1">
-              <a:shade val="50000"/>
-            </a:schemeClr>
-          </a:lnRef>
-          <a:fillRef idx="1">
-            <a:schemeClr val="accent1"/>
-          </a:fillRef>
-          <a:effectRef idx="0">
-            <a:schemeClr val="accent1"/>
-          </a:effectRef>
-          <a:fontRef idx="minor">
-            <a:schemeClr val="lt1"/>
-          </a:fontRef>
-        </p:style>
-        <p:txBody>
-          <a:bodyPr rtlCol="0" anchor="ctr"/>
-          <a:lstStyle/>
-          <a:p>
-            <a:pPr algn="ctr"/>
-            <a:endParaRPr lang="en-US"/>
-          </a:p>
-        </p:txBody>
-      </p:sp>
-      <p:pic>
-        <p:nvPicPr>
-          <p:cNvPr id="25" name="Picture Placeholder 24" descr="A close-up of a network">
-            <a:extLst>
-              <a:ext uri="{FF2B5EF4-FFF2-40B4-BE49-F238E27FC236}">
-                <a16:creationId xmlns:a16="http://schemas.microsoft.com/office/drawing/2014/main" id="{41A1C574-72C6-642F-E4D2-FF0C993AEF78}"/>
-              </a:ext>
-            </a:extLst>
-          </p:cNvPr>
-          <p:cNvPicPr>
-            <a:picLocks noGrp="1" noChangeAspect="1"/>
-          </p:cNvPicPr>
-          <p:nvPr>
-            <p:ph type="pic" sz="quarter" idx="13"/>
-          </p:nvPr>
-        </p:nvPicPr>
-        <p:blipFill>
-          <a:blip r:embed="rId3">
-            <a:extLst>
-              <a:ext uri="{28A0092B-C50C-407E-A947-70E740481C1C}">
-                <a14:useLocalDpi xmlns:a14="http://schemas.microsoft.com/office/drawing/2010/main" val="0"/>
-              </a:ext>
-            </a:extLst>
-          </a:blip>
-          <a:srcRect t="14568" r="1" b="30449"/>
-          <a:stretch/>
-        </p:blipFill>
-        <p:spPr>
-          <a:xfrm>
-            <a:off x="20" y="1"/>
-            <a:ext cx="12191980" cy="6858000"/>
-          </a:xfrm>
-          <a:custGeom>
-            <a:avLst/>
-            <a:gdLst/>
-            <a:ahLst/>
-            <a:cxnLst/>
-            <a:rect l="l" t="t" r="r" b="b"/>
-            <a:pathLst>
-              <a:path w="12192000" h="6858000">
-                <a:moveTo>
-                  <a:pt x="0" y="0"/>
-                </a:moveTo>
-                <a:lnTo>
-                  <a:pt x="12192000" y="0"/>
-                </a:lnTo>
-                <a:lnTo>
-                  <a:pt x="12192000" y="6858000"/>
-                </a:lnTo>
-                <a:lnTo>
-                  <a:pt x="0" y="6858000"/>
-                </a:lnTo>
-                <a:close/>
-              </a:path>
-            </a:pathLst>
-          </a:custGeom>
-        </p:spPr>
-      </p:pic>
-      <p:sp>
-        <p:nvSpPr>
-          <p:cNvPr id="44" name="Rectangle 43">
-            <a:extLst>
-              <a:ext uri="{FF2B5EF4-FFF2-40B4-BE49-F238E27FC236}">
-                <a16:creationId xmlns:a16="http://schemas.microsoft.com/office/drawing/2014/main" id="{AD4EA4DF-0E7C-4098-86F6-7D0ACAEFC0BF}"/>
-              </a:ext>
-              <a:ext uri="{C183D7F6-B498-43B3-948B-1728B52AA6E4}">
-                <adec:decorative xmlns:adec="http://schemas.microsoft.com/office/drawing/2017/decorative" val="1"/>
-              </a:ext>
-            </a:extLst>
-          </p:cNvPr>
-          <p:cNvSpPr>
-            <a:spLocks noGrp="1" noRot="1" noChangeAspect="1" noMove="1" noResize="1" noEditPoints="1" noAdjustHandles="1" noChangeArrowheads="1" noChangeShapeType="1" noTextEdit="1"/>
-          </p:cNvSpPr>
-          <p:nvPr>
-            <p:extLst>
-              <p:ext uri="{386F3935-93C4-4BCD-93E2-E3B085C9AB24}">
-                <p16:designElem xmlns:p16="http://schemas.microsoft.com/office/powerpoint/2015/main" val="1"/>
-              </p:ext>
-            </p:extLst>
-          </p:nvPr>
-        </p:nvSpPr>
-        <p:spPr>
-          <a:xfrm rot="10800000">
-            <a:off x="4332287" y="0"/>
-            <a:ext cx="7859713" cy="6857998"/>
-          </a:xfrm>
-          <a:prstGeom prst="rect">
-            <a:avLst/>
-          </a:prstGeom>
-          <a:gradFill flip="none" rotWithShape="1">
-            <a:gsLst>
-              <a:gs pos="50000">
-                <a:schemeClr val="bg2">
-                  <a:alpha val="60000"/>
-                </a:schemeClr>
-              </a:gs>
-              <a:gs pos="0">
-                <a:schemeClr val="bg2">
-                  <a:alpha val="0"/>
-                </a:schemeClr>
-              </a:gs>
-            </a:gsLst>
-            <a:lin ang="10800000" scaled="0"/>
-            <a:tileRect/>
-          </a:gradFill>
-          <a:ln>
-            <a:noFill/>
-          </a:ln>
-        </p:spPr>
-        <p:style>
-          <a:lnRef idx="2">
-            <a:schemeClr val="accent1">
-              <a:shade val="50000"/>
-            </a:schemeClr>
-          </a:lnRef>
-          <a:fillRef idx="1">
-            <a:schemeClr val="accent1"/>
-          </a:fillRef>
-          <a:effectRef idx="0">
-            <a:schemeClr val="accent1"/>
-          </a:effectRef>
-          <a:fontRef idx="minor">
-            <a:schemeClr val="lt1"/>
-          </a:fontRef>
-        </p:style>
-        <p:txBody>
-          <a:bodyPr rtlCol="0" anchor="ctr"/>
-          <a:lstStyle/>
-          <a:p>
-            <a:pPr algn="ctr"/>
-            <a:endParaRPr lang="en-US"/>
-          </a:p>
-        </p:txBody>
-      </p:sp>
-      <p:sp>
-        <p:nvSpPr>
-          <p:cNvPr id="2" name="Title 1">
-            <a:extLst>
-              <a:ext uri="{FF2B5EF4-FFF2-40B4-BE49-F238E27FC236}">
-                <a16:creationId xmlns:a16="http://schemas.microsoft.com/office/drawing/2014/main" id="{28BAC361-0D7A-DC05-86B5-6DD77D322F5B}"/>
-              </a:ext>
-            </a:extLst>
-          </p:cNvPr>
-          <p:cNvSpPr>
-            <a:spLocks noGrp="1"/>
-          </p:cNvSpPr>
-          <p:nvPr>
-            <p:ph type="title"/>
-          </p:nvPr>
-        </p:nvSpPr>
-        <p:spPr>
-          <a:xfrm>
-            <a:off x="8075613" y="549275"/>
-            <a:ext cx="3565524" cy="2887174"/>
-          </a:xfrm>
-        </p:spPr>
-        <p:txBody>
-          <a:bodyPr vert="horz" wrap="square" lIns="0" tIns="0" rIns="0" bIns="0" rtlCol="0" anchor="b" anchorCtr="0">
-            <a:normAutofit/>
-          </a:bodyPr>
-          <a:lstStyle/>
-          <a:p>
-            <a:pPr>
-              <a:lnSpc>
-                <a:spcPct val="100000"/>
-              </a:lnSpc>
-            </a:pPr>
-            <a:r>
-              <a:rPr lang="en-US" sz="4800" kern="1200">
-                <a:solidFill>
-                  <a:schemeClr val="tx1"/>
-                </a:solidFill>
-                <a:latin typeface="+mj-lt"/>
-                <a:ea typeface="+mj-ea"/>
-                <a:cs typeface="+mj-cs"/>
-              </a:rPr>
-              <a:t>That’s it!</a:t>
-            </a:r>
-          </a:p>
-        </p:txBody>
-      </p:sp>
-      <p:sp>
-        <p:nvSpPr>
-          <p:cNvPr id="46" name="Rectangle 45">
-            <a:extLst>
-              <a:ext uri="{FF2B5EF4-FFF2-40B4-BE49-F238E27FC236}">
-                <a16:creationId xmlns:a16="http://schemas.microsoft.com/office/drawing/2014/main" id="{FE05BC49-0F00-4C85-9AF5-A0CC5B39C8D2}"/>
-              </a:ext>
-              <a:ext uri="{C183D7F6-B498-43B3-948B-1728B52AA6E4}">
-                <adec:decorative xmlns:adec="http://schemas.microsoft.com/office/drawing/2017/decorative" val="1"/>
-              </a:ext>
-            </a:extLst>
-          </p:cNvPr>
-          <p:cNvSpPr>
-            <a:spLocks noGrp="1" noRot="1" noChangeAspect="1" noMove="1" noResize="1" noEditPoints="1" noAdjustHandles="1" noChangeArrowheads="1" noChangeShapeType="1" noTextEdit="1"/>
-          </p:cNvSpPr>
-          <p:nvPr>
-            <p:extLst>
-              <p:ext uri="{386F3935-93C4-4BCD-93E2-E3B085C9AB24}">
-                <p16:designElem xmlns:p16="http://schemas.microsoft.com/office/powerpoint/2015/main" val="1"/>
-              </p:ext>
-            </p:extLst>
-          </p:nvPr>
-        </p:nvSpPr>
-        <p:spPr>
-          <a:xfrm>
-            <a:off x="0" y="5773729"/>
-            <a:ext cx="12192000" cy="1084271"/>
-          </a:xfrm>
-          <a:prstGeom prst="rect">
-            <a:avLst/>
-          </a:prstGeom>
-          <a:gradFill flip="none" rotWithShape="1">
-            <a:gsLst>
-              <a:gs pos="90000">
-                <a:schemeClr val="bg2">
-                  <a:alpha val="60000"/>
-                </a:schemeClr>
-              </a:gs>
-              <a:gs pos="28000">
-                <a:schemeClr val="bg2">
-                  <a:alpha val="0"/>
-                </a:schemeClr>
-              </a:gs>
-            </a:gsLst>
-            <a:lin ang="5400000" scaled="0"/>
-            <a:tileRect/>
-          </a:gradFill>
-          <a:ln>
-            <a:noFill/>
-          </a:ln>
-        </p:spPr>
-        <p:style>
-          <a:lnRef idx="2">
-            <a:schemeClr val="accent1">
-              <a:shade val="50000"/>
-            </a:schemeClr>
-          </a:lnRef>
-          <a:fillRef idx="1">
-            <a:schemeClr val="accent1"/>
-          </a:fillRef>
-          <a:effectRef idx="0">
-            <a:schemeClr val="accent1"/>
-          </a:effectRef>
-          <a:fontRef idx="minor">
-            <a:schemeClr val="lt1"/>
-          </a:fontRef>
-        </p:style>
-        <p:txBody>
-          <a:bodyPr rtlCol="0" anchor="ctr"/>
-          <a:lstStyle/>
-          <a:p>
-            <a:pPr algn="ctr"/>
-            <a:endParaRPr lang="en-US"/>
-          </a:p>
-        </p:txBody>
-      </p:sp>
-    </p:spTree>
-    <p:extLst>
-      <p:ext uri="{BB962C8B-B14F-4D97-AF65-F5344CB8AC3E}">
-        <p14:creationId xmlns:p14="http://schemas.microsoft.com/office/powerpoint/2010/main" val="2547630249"/>
-      </p:ext>
-    </p:extLst>
-  </p:cSld>
-  <p:clrMapOvr>
-    <a:masterClrMapping/>
-  </p:clrMapOvr>
-</p:sld>
-</file>
-
-<file path=ppt/slides/slide3.xml><?xml version="1.0" encoding="utf-8"?>
+<file path=ppt/slides/slide2.xml><?xml version="1.0" encoding="utf-8"?>
 <p:sld xmlns:a="http://schemas.openxmlformats.org/drawingml/2006/main" xmlns:r="http://schemas.openxmlformats.org/officeDocument/2006/relationships" xmlns:p="http://schemas.openxmlformats.org/presentationml/2006/main">
   <p:cSld>
     <p:bg>
@@ -33281,7 +29814,1189 @@
 </p:sld>
 </file>
 
-<file path=ppt/slides/slide4.xml><?xml version="1.0" encoding="utf-8"?>
+<file path=ppt/slides/slide20.xml><?xml version="1.0" encoding="utf-8"?>
+<p:sld xmlns:a="http://schemas.openxmlformats.org/drawingml/2006/main" xmlns:r="http://schemas.openxmlformats.org/officeDocument/2006/relationships" xmlns:p="http://schemas.openxmlformats.org/presentationml/2006/main">
+  <p:cSld>
+    <p:bg>
+      <p:bgPr>
+        <a:solidFill>
+          <a:schemeClr val="bg2"/>
+        </a:solidFill>
+        <a:effectLst/>
+      </p:bgPr>
+    </p:bg>
+    <p:spTree>
+      <p:nvGrpSpPr>
+        <p:cNvPr id="1" name=""/>
+        <p:cNvGrpSpPr/>
+        <p:nvPr/>
+      </p:nvGrpSpPr>
+      <p:grpSpPr>
+        <a:xfrm>
+          <a:off x="0" y="0"/>
+          <a:ext cx="0" cy="0"/>
+          <a:chOff x="0" y="0"/>
+          <a:chExt cx="0" cy="0"/>
+        </a:xfrm>
+      </p:grpSpPr>
+      <p:sp>
+        <p:nvSpPr>
+          <p:cNvPr id="30" name="Freeform: Shape 29">
+            <a:extLst>
+              <a:ext uri="{FF2B5EF4-FFF2-40B4-BE49-F238E27FC236}">
+                <a16:creationId xmlns:a16="http://schemas.microsoft.com/office/drawing/2014/main" id="{82184FF4-7029-4ED7-813A-192E60608764}"/>
+              </a:ext>
+              <a:ext uri="{C183D7F6-B498-43B3-948B-1728B52AA6E4}">
+                <adec:decorative xmlns:adec="http://schemas.microsoft.com/office/drawing/2017/decorative" val="1"/>
+              </a:ext>
+            </a:extLst>
+          </p:cNvPr>
+          <p:cNvSpPr>
+            <a:spLocks noGrp="1" noRot="1" noChangeAspect="1" noMove="1" noResize="1" noEditPoints="1" noAdjustHandles="1" noChangeArrowheads="1" noChangeShapeType="1" noTextEdit="1"/>
+          </p:cNvSpPr>
+          <p:nvPr>
+            <p:extLst>
+              <p:ext uri="{386F3935-93C4-4BCD-93E2-E3B085C9AB24}">
+                <p16:designElem xmlns:p16="http://schemas.microsoft.com/office/powerpoint/2015/main" val="1"/>
+              </p:ext>
+            </p:extLst>
+          </p:nvPr>
+        </p:nvSpPr>
+        <p:spPr>
+          <a:xfrm rot="2700000">
+            <a:off x="612445" y="481888"/>
+            <a:ext cx="1080000" cy="1262947"/>
+          </a:xfrm>
+          <a:custGeom>
+            <a:avLst/>
+            <a:gdLst/>
+            <a:ahLst/>
+            <a:cxnLst/>
+            <a:rect l="l" t="t" r="r" b="b"/>
+            <a:pathLst>
+              <a:path w="1080000" h="1262947">
+                <a:moveTo>
+                  <a:pt x="540000" y="0"/>
+                </a:moveTo>
+                <a:lnTo>
+                  <a:pt x="1064374" y="931034"/>
+                </a:lnTo>
+                <a:lnTo>
+                  <a:pt x="1069029" y="938533"/>
+                </a:lnTo>
+                <a:cubicBezTo>
+                  <a:pt x="1076223" y="956109"/>
+                  <a:pt x="1080000" y="974307"/>
+                  <a:pt x="1080000" y="992947"/>
+                </a:cubicBezTo>
+                <a:cubicBezTo>
+                  <a:pt x="1080000" y="1142064"/>
+                  <a:pt x="838234" y="1262947"/>
+                  <a:pt x="540000" y="1262947"/>
+                </a:cubicBezTo>
+                <a:cubicBezTo>
+                  <a:pt x="241766" y="1262947"/>
+                  <a:pt x="0" y="1142064"/>
+                  <a:pt x="0" y="992947"/>
+                </a:cubicBezTo>
+                <a:cubicBezTo>
+                  <a:pt x="0" y="974307"/>
+                  <a:pt x="3778" y="956109"/>
+                  <a:pt x="10971" y="938533"/>
+                </a:cubicBezTo>
+                <a:lnTo>
+                  <a:pt x="15626" y="931034"/>
+                </a:lnTo>
+                <a:lnTo>
+                  <a:pt x="540000" y="0"/>
+                </a:lnTo>
+                <a:close/>
+              </a:path>
+            </a:pathLst>
+          </a:custGeom>
+          <a:gradFill>
+            <a:gsLst>
+              <a:gs pos="60000">
+                <a:schemeClr val="bg2">
+                  <a:lumMod val="90000"/>
+                  <a:lumOff val="10000"/>
+                </a:schemeClr>
+              </a:gs>
+              <a:gs pos="30000">
+                <a:schemeClr val="bg2">
+                  <a:lumMod val="90000"/>
+                  <a:lumOff val="10000"/>
+                </a:schemeClr>
+              </a:gs>
+              <a:gs pos="40000">
+                <a:schemeClr val="bg2">
+                  <a:lumMod val="75000"/>
+                  <a:lumOff val="25000"/>
+                </a:schemeClr>
+              </a:gs>
+              <a:gs pos="100000">
+                <a:schemeClr val="bg2"/>
+              </a:gs>
+            </a:gsLst>
+            <a:lin ang="600000" scaled="0"/>
+          </a:gradFill>
+          <a:ln>
+            <a:noFill/>
+          </a:ln>
+          <a:effectLst>
+            <a:innerShdw blurRad="254000" dist="101600" dir="2700000">
+              <a:schemeClr val="accent1">
+                <a:lumMod val="60000"/>
+                <a:lumOff val="40000"/>
+                <a:alpha val="40000"/>
+              </a:schemeClr>
+            </a:innerShdw>
+          </a:effectLst>
+        </p:spPr>
+        <p:style>
+          <a:lnRef idx="2">
+            <a:schemeClr val="accent1">
+              <a:shade val="50000"/>
+            </a:schemeClr>
+          </a:lnRef>
+          <a:fillRef idx="1">
+            <a:schemeClr val="accent1"/>
+          </a:fillRef>
+          <a:effectRef idx="0">
+            <a:schemeClr val="accent1"/>
+          </a:effectRef>
+          <a:fontRef idx="minor">
+            <a:schemeClr val="lt1"/>
+          </a:fontRef>
+        </p:style>
+        <p:txBody>
+          <a:bodyPr rot="0" spcFirstLastPara="0" vertOverflow="overflow" horzOverflow="overflow" vert="horz" wrap="square" lIns="91440" tIns="45720" rIns="91440" bIns="45720" numCol="1" spcCol="0" rtlCol="0" fromWordArt="0" anchor="ctr" anchorCtr="0" forceAA="0" compatLnSpc="1">
+            <a:prstTxWarp prst="textNoShape">
+              <a:avLst/>
+            </a:prstTxWarp>
+            <a:noAutofit/>
+          </a:bodyPr>
+          <a:lstStyle/>
+          <a:p>
+            <a:pPr algn="ctr"/>
+            <a:endParaRPr lang="en-US"/>
+          </a:p>
+        </p:txBody>
+      </p:sp>
+      <p:sp>
+        <p:nvSpPr>
+          <p:cNvPr id="32" name="Oval 31">
+            <a:extLst>
+              <a:ext uri="{FF2B5EF4-FFF2-40B4-BE49-F238E27FC236}">
+                <a16:creationId xmlns:a16="http://schemas.microsoft.com/office/drawing/2014/main" id="{AAA7AB09-557C-41AD-9113-FF9F68FA1035}"/>
+              </a:ext>
+              <a:ext uri="{C183D7F6-B498-43B3-948B-1728B52AA6E4}">
+                <adec:decorative xmlns:adec="http://schemas.microsoft.com/office/drawing/2017/decorative" val="1"/>
+              </a:ext>
+            </a:extLst>
+          </p:cNvPr>
+          <p:cNvSpPr>
+            <a:spLocks noGrp="1" noRot="1" noChangeAspect="1" noMove="1" noResize="1" noEditPoints="1" noAdjustHandles="1" noChangeArrowheads="1" noChangeShapeType="1" noTextEdit="1"/>
+          </p:cNvSpPr>
+          <p:nvPr>
+            <p:extLst>
+              <p:ext uri="{386F3935-93C4-4BCD-93E2-E3B085C9AB24}">
+                <p16:designElem xmlns:p16="http://schemas.microsoft.com/office/powerpoint/2015/main" val="1"/>
+              </p:ext>
+            </p:extLst>
+          </p:nvPr>
+        </p:nvSpPr>
+        <p:spPr>
+          <a:xfrm rot="8100000">
+            <a:off x="626845" y="828962"/>
+            <a:ext cx="540000" cy="1080000"/>
+          </a:xfrm>
+          <a:prstGeom prst="ellipse">
+            <a:avLst/>
+          </a:prstGeom>
+          <a:gradFill>
+            <a:gsLst>
+              <a:gs pos="100000">
+                <a:schemeClr val="bg2">
+                  <a:lumMod val="90000"/>
+                  <a:lumOff val="10000"/>
+                </a:schemeClr>
+              </a:gs>
+              <a:gs pos="50000">
+                <a:schemeClr val="bg2">
+                  <a:lumMod val="95000"/>
+                  <a:lumOff val="5000"/>
+                </a:schemeClr>
+              </a:gs>
+            </a:gsLst>
+            <a:lin ang="5400000" scaled="0"/>
+          </a:gradFill>
+          <a:ln>
+            <a:noFill/>
+          </a:ln>
+          <a:effectLst>
+            <a:innerShdw blurRad="1270000" dist="2540000">
+              <a:schemeClr val="accent1">
+                <a:lumMod val="60000"/>
+                <a:lumOff val="40000"/>
+                <a:alpha val="0"/>
+              </a:schemeClr>
+            </a:innerShdw>
+          </a:effectLst>
+        </p:spPr>
+        <p:style>
+          <a:lnRef idx="2">
+            <a:schemeClr val="accent1">
+              <a:shade val="50000"/>
+            </a:schemeClr>
+          </a:lnRef>
+          <a:fillRef idx="1">
+            <a:schemeClr val="accent1"/>
+          </a:fillRef>
+          <a:effectRef idx="0">
+            <a:schemeClr val="accent1"/>
+          </a:effectRef>
+          <a:fontRef idx="minor">
+            <a:schemeClr val="lt1"/>
+          </a:fontRef>
+        </p:style>
+        <p:txBody>
+          <a:bodyPr rot="0" spcFirstLastPara="0" vertOverflow="overflow" horzOverflow="overflow" vert="horz" wrap="square" lIns="91440" tIns="45720" rIns="91440" bIns="45720" numCol="1" spcCol="0" rtlCol="0" fromWordArt="0" anchor="ctr" anchorCtr="0" forceAA="0" compatLnSpc="1">
+            <a:prstTxWarp prst="textNoShape">
+              <a:avLst/>
+            </a:prstTxWarp>
+            <a:noAutofit/>
+          </a:bodyPr>
+          <a:lstStyle/>
+          <a:p>
+            <a:pPr algn="ctr"/>
+            <a:endParaRPr lang="en-US"/>
+          </a:p>
+        </p:txBody>
+      </p:sp>
+      <p:sp>
+        <p:nvSpPr>
+          <p:cNvPr id="34" name="Oval 33">
+            <a:extLst>
+              <a:ext uri="{FF2B5EF4-FFF2-40B4-BE49-F238E27FC236}">
+                <a16:creationId xmlns:a16="http://schemas.microsoft.com/office/drawing/2014/main" id="{EF99ECAA-1F11-4937-BBA6-51935AB44C9D}"/>
+              </a:ext>
+              <a:ext uri="{C183D7F6-B498-43B3-948B-1728B52AA6E4}">
+                <adec:decorative xmlns:adec="http://schemas.microsoft.com/office/drawing/2017/decorative" val="1"/>
+              </a:ext>
+            </a:extLst>
+          </p:cNvPr>
+          <p:cNvSpPr>
+            <a:spLocks noGrp="1" noRot="1" noChangeAspect="1" noMove="1" noResize="1" noEditPoints="1" noAdjustHandles="1" noChangeArrowheads="1" noChangeShapeType="1" noTextEdit="1"/>
+          </p:cNvSpPr>
+          <p:nvPr>
+            <p:extLst>
+              <p:ext uri="{386F3935-93C4-4BCD-93E2-E3B085C9AB24}">
+                <p16:designElem xmlns:p16="http://schemas.microsoft.com/office/powerpoint/2015/main" val="1"/>
+              </p:ext>
+            </p:extLst>
+          </p:nvPr>
+        </p:nvSpPr>
+        <p:spPr>
+          <a:xfrm>
+            <a:off x="1800802" y="2472855"/>
+            <a:ext cx="360000" cy="360000"/>
+          </a:xfrm>
+          <a:prstGeom prst="ellipse">
+            <a:avLst/>
+          </a:prstGeom>
+          <a:gradFill flip="none" rotWithShape="1">
+            <a:gsLst>
+              <a:gs pos="100000">
+                <a:schemeClr val="bg2">
+                  <a:lumMod val="50000"/>
+                  <a:lumOff val="50000"/>
+                </a:schemeClr>
+              </a:gs>
+              <a:gs pos="60000">
+                <a:schemeClr val="bg2"/>
+              </a:gs>
+            </a:gsLst>
+            <a:path path="circle">
+              <a:fillToRect l="100000" b="100000"/>
+            </a:path>
+            <a:tileRect t="-100000" r="-100000"/>
+          </a:gradFill>
+          <a:ln>
+            <a:noFill/>
+          </a:ln>
+          <a:effectLst>
+            <a:innerShdw blurRad="127000" dist="63500" dir="2700000">
+              <a:schemeClr val="accent1">
+                <a:lumMod val="60000"/>
+                <a:lumOff val="40000"/>
+                <a:alpha val="20000"/>
+              </a:schemeClr>
+            </a:innerShdw>
+            <a:softEdge rad="0"/>
+          </a:effectLst>
+        </p:spPr>
+        <p:style>
+          <a:lnRef idx="2">
+            <a:schemeClr val="accent1">
+              <a:shade val="50000"/>
+            </a:schemeClr>
+          </a:lnRef>
+          <a:fillRef idx="1">
+            <a:schemeClr val="accent1"/>
+          </a:fillRef>
+          <a:effectRef idx="0">
+            <a:schemeClr val="accent1"/>
+          </a:effectRef>
+          <a:fontRef idx="minor">
+            <a:schemeClr val="lt1"/>
+          </a:fontRef>
+        </p:style>
+        <p:txBody>
+          <a:bodyPr rot="0" spcFirstLastPara="0" vertOverflow="overflow" horzOverflow="overflow" vert="horz" wrap="square" lIns="91440" tIns="45720" rIns="91440" bIns="45720" numCol="1" spcCol="0" rtlCol="0" fromWordArt="0" anchor="ctr" anchorCtr="0" forceAA="0" compatLnSpc="1">
+            <a:prstTxWarp prst="textNoShape">
+              <a:avLst/>
+            </a:prstTxWarp>
+            <a:noAutofit/>
+          </a:bodyPr>
+          <a:lstStyle/>
+          <a:p>
+            <a:pPr algn="ctr"/>
+            <a:endParaRPr lang="en-US"/>
+          </a:p>
+        </p:txBody>
+      </p:sp>
+      <p:grpSp>
+        <p:nvGrpSpPr>
+          <p:cNvPr id="36" name="Group 35">
+            <a:extLst>
+              <a:ext uri="{FF2B5EF4-FFF2-40B4-BE49-F238E27FC236}">
+                <a16:creationId xmlns:a16="http://schemas.microsoft.com/office/drawing/2014/main" id="{79DE9FAB-6BBA-4CFE-B67D-77B47F01ECA4}"/>
+              </a:ext>
+              <a:ext uri="{C183D7F6-B498-43B3-948B-1728B52AA6E4}">
+                <adec:decorative xmlns:adec="http://schemas.microsoft.com/office/drawing/2017/decorative" val="1"/>
+              </a:ext>
+            </a:extLst>
+          </p:cNvPr>
+          <p:cNvGrpSpPr>
+            <a:grpSpLocks noGrp="1" noUngrp="1" noRot="1" noChangeAspect="1" noMove="1" noResize="1"/>
+          </p:cNvGrpSpPr>
+          <p:nvPr>
+            <p:extLst>
+              <p:ext uri="{386F3935-93C4-4BCD-93E2-E3B085C9AB24}">
+                <p16:designElem xmlns:p16="http://schemas.microsoft.com/office/powerpoint/2015/main" val="1"/>
+              </p:ext>
+            </p:extLst>
+          </p:nvPr>
+        </p:nvGrpSpPr>
+        <p:grpSpPr>
+          <a:xfrm>
+            <a:off x="1329952" y="4524379"/>
+            <a:ext cx="1980001" cy="1363916"/>
+            <a:chOff x="4879602" y="3781429"/>
+            <a:chExt cx="1980001" cy="1363916"/>
+          </a:xfrm>
+        </p:grpSpPr>
+        <p:sp>
+          <p:nvSpPr>
+            <p:cNvPr id="37" name="Freeform: Shape 36">
+              <a:extLst>
+                <a:ext uri="{FF2B5EF4-FFF2-40B4-BE49-F238E27FC236}">
+                  <a16:creationId xmlns:a16="http://schemas.microsoft.com/office/drawing/2014/main" id="{79FAC916-D9BB-4794-81B4-7C47C67E850D}"/>
+                </a:ext>
+                <a:ext uri="{C183D7F6-B498-43B3-948B-1728B52AA6E4}">
+                  <adec:decorative xmlns:adec="http://schemas.microsoft.com/office/drawing/2017/decorative" val="1"/>
+                </a:ext>
+              </a:extLst>
+            </p:cNvPr>
+            <p:cNvSpPr>
+              <a:spLocks noChangeAspect="1"/>
+            </p:cNvSpPr>
+            <p:nvPr>
+              <p:extLst>
+                <p:ext uri="{386F3935-93C4-4BCD-93E2-E3B085C9AB24}">
+                  <p16:designElem xmlns:p16="http://schemas.microsoft.com/office/powerpoint/2015/main" val="1"/>
+                </p:ext>
+              </p:extLst>
+            </p:nvPr>
+          </p:nvSpPr>
+          <p:spPr>
+            <a:xfrm rot="18900000" flipV="1">
+              <a:off x="5005634" y="4191206"/>
+              <a:ext cx="1853969" cy="926985"/>
+            </a:xfrm>
+            <a:custGeom>
+              <a:avLst/>
+              <a:gdLst>
+                <a:gd name="connsiteX0" fmla="*/ 1329373 w 2658746"/>
+                <a:gd name="connsiteY0" fmla="*/ 0 h 1329373"/>
+                <a:gd name="connsiteX1" fmla="*/ 2658746 w 2658746"/>
+                <a:gd name="connsiteY1" fmla="*/ 1329373 h 1329373"/>
+                <a:gd name="connsiteX2" fmla="*/ 1994059 w 2658746"/>
+                <a:gd name="connsiteY2" fmla="*/ 1329373 h 1329373"/>
+                <a:gd name="connsiteX3" fmla="*/ 1329373 w 2658746"/>
+                <a:gd name="connsiteY3" fmla="*/ 664687 h 1329373"/>
+                <a:gd name="connsiteX4" fmla="*/ 664687 w 2658746"/>
+                <a:gd name="connsiteY4" fmla="*/ 1329373 h 1329373"/>
+                <a:gd name="connsiteX5" fmla="*/ 0 w 2658746"/>
+                <a:gd name="connsiteY5" fmla="*/ 1329373 h 1329373"/>
+                <a:gd name="connsiteX6" fmla="*/ 1329373 w 2658746"/>
+                <a:gd name="connsiteY6" fmla="*/ 0 h 1329373"/>
+              </a:gdLst>
+              <a:ahLst/>
+              <a:cxnLst>
+                <a:cxn ang="0">
+                  <a:pos x="connsiteX0" y="connsiteY0"/>
+                </a:cxn>
+                <a:cxn ang="0">
+                  <a:pos x="connsiteX1" y="connsiteY1"/>
+                </a:cxn>
+                <a:cxn ang="0">
+                  <a:pos x="connsiteX2" y="connsiteY2"/>
+                </a:cxn>
+                <a:cxn ang="0">
+                  <a:pos x="connsiteX3" y="connsiteY3"/>
+                </a:cxn>
+                <a:cxn ang="0">
+                  <a:pos x="connsiteX4" y="connsiteY4"/>
+                </a:cxn>
+                <a:cxn ang="0">
+                  <a:pos x="connsiteX5" y="connsiteY5"/>
+                </a:cxn>
+                <a:cxn ang="0">
+                  <a:pos x="connsiteX6" y="connsiteY6"/>
+                </a:cxn>
+              </a:cxnLst>
+              <a:rect l="l" t="t" r="r" b="b"/>
+              <a:pathLst>
+                <a:path w="2658746" h="1329373">
+                  <a:moveTo>
+                    <a:pt x="1329373" y="0"/>
+                  </a:moveTo>
+                  <a:cubicBezTo>
+                    <a:pt x="2063565" y="0"/>
+                    <a:pt x="2658746" y="595181"/>
+                    <a:pt x="2658746" y="1329373"/>
+                  </a:cubicBezTo>
+                  <a:lnTo>
+                    <a:pt x="1994059" y="1329373"/>
+                  </a:lnTo>
+                  <a:cubicBezTo>
+                    <a:pt x="1994059" y="962277"/>
+                    <a:pt x="1696469" y="664687"/>
+                    <a:pt x="1329373" y="664687"/>
+                  </a:cubicBezTo>
+                  <a:cubicBezTo>
+                    <a:pt x="962277" y="664687"/>
+                    <a:pt x="664687" y="962277"/>
+                    <a:pt x="664687" y="1329373"/>
+                  </a:cubicBezTo>
+                  <a:lnTo>
+                    <a:pt x="0" y="1329373"/>
+                  </a:lnTo>
+                  <a:cubicBezTo>
+                    <a:pt x="0" y="595181"/>
+                    <a:pt x="595181" y="0"/>
+                    <a:pt x="1329373" y="0"/>
+                  </a:cubicBezTo>
+                  <a:close/>
+                </a:path>
+              </a:pathLst>
+            </a:custGeom>
+            <a:solidFill>
+              <a:schemeClr val="bg2"/>
+            </a:solidFill>
+            <a:ln>
+              <a:noFill/>
+            </a:ln>
+            <a:effectLst>
+              <a:innerShdw blurRad="254000" dist="50800" dir="16200000">
+                <a:schemeClr val="accent1">
+                  <a:lumMod val="40000"/>
+                  <a:lumOff val="60000"/>
+                  <a:alpha val="40000"/>
+                </a:schemeClr>
+              </a:innerShdw>
+            </a:effectLst>
+          </p:spPr>
+          <p:style>
+            <a:lnRef idx="2">
+              <a:schemeClr val="accent1">
+                <a:shade val="50000"/>
+              </a:schemeClr>
+            </a:lnRef>
+            <a:fillRef idx="1">
+              <a:schemeClr val="accent1"/>
+            </a:fillRef>
+            <a:effectRef idx="0">
+              <a:schemeClr val="accent1"/>
+            </a:effectRef>
+            <a:fontRef idx="minor">
+              <a:schemeClr val="lt1"/>
+            </a:fontRef>
+          </p:style>
+          <p:txBody>
+            <a:bodyPr rtlCol="0" anchor="ctr"/>
+            <a:lstStyle/>
+            <a:p>
+              <a:pPr algn="ctr"/>
+              <a:endParaRPr lang="en-US"/>
+            </a:p>
+          </p:txBody>
+        </p:sp>
+        <p:sp>
+          <p:nvSpPr>
+            <p:cNvPr id="38" name="Freeform: Shape 37">
+              <a:extLst>
+                <a:ext uri="{FF2B5EF4-FFF2-40B4-BE49-F238E27FC236}">
+                  <a16:creationId xmlns:a16="http://schemas.microsoft.com/office/drawing/2014/main" id="{B5CA2231-7A65-4D16-8400-A210CC41DB73}"/>
+                </a:ext>
+                <a:ext uri="{C183D7F6-B498-43B3-948B-1728B52AA6E4}">
+                  <adec:decorative xmlns:adec="http://schemas.microsoft.com/office/drawing/2017/decorative" val="1"/>
+                </a:ext>
+              </a:extLst>
+            </p:cNvPr>
+            <p:cNvSpPr>
+              <a:spLocks noChangeAspect="1"/>
+            </p:cNvSpPr>
+            <p:nvPr>
+              <p:extLst>
+                <p:ext uri="{386F3935-93C4-4BCD-93E2-E3B085C9AB24}">
+                  <p16:designElem xmlns:p16="http://schemas.microsoft.com/office/powerpoint/2015/main" val="1"/>
+                </p:ext>
+              </p:extLst>
+            </p:nvPr>
+          </p:nvSpPr>
+          <p:spPr>
+            <a:xfrm rot="18900000" flipV="1">
+              <a:off x="4957101" y="4052255"/>
+              <a:ext cx="1853969" cy="1093090"/>
+            </a:xfrm>
+            <a:custGeom>
+              <a:avLst/>
+              <a:gdLst>
+                <a:gd name="connsiteX0" fmla="*/ 1329373 w 2658746"/>
+                <a:gd name="connsiteY0" fmla="*/ 0 h 1329373"/>
+                <a:gd name="connsiteX1" fmla="*/ 2658746 w 2658746"/>
+                <a:gd name="connsiteY1" fmla="*/ 1329373 h 1329373"/>
+                <a:gd name="connsiteX2" fmla="*/ 1994059 w 2658746"/>
+                <a:gd name="connsiteY2" fmla="*/ 1329373 h 1329373"/>
+                <a:gd name="connsiteX3" fmla="*/ 1329373 w 2658746"/>
+                <a:gd name="connsiteY3" fmla="*/ 664687 h 1329373"/>
+                <a:gd name="connsiteX4" fmla="*/ 664687 w 2658746"/>
+                <a:gd name="connsiteY4" fmla="*/ 1329373 h 1329373"/>
+                <a:gd name="connsiteX5" fmla="*/ 0 w 2658746"/>
+                <a:gd name="connsiteY5" fmla="*/ 1329373 h 1329373"/>
+                <a:gd name="connsiteX6" fmla="*/ 1329373 w 2658746"/>
+                <a:gd name="connsiteY6" fmla="*/ 0 h 1329373"/>
+              </a:gdLst>
+              <a:ahLst/>
+              <a:cxnLst>
+                <a:cxn ang="0">
+                  <a:pos x="connsiteX0" y="connsiteY0"/>
+                </a:cxn>
+                <a:cxn ang="0">
+                  <a:pos x="connsiteX1" y="connsiteY1"/>
+                </a:cxn>
+                <a:cxn ang="0">
+                  <a:pos x="connsiteX2" y="connsiteY2"/>
+                </a:cxn>
+                <a:cxn ang="0">
+                  <a:pos x="connsiteX3" y="connsiteY3"/>
+                </a:cxn>
+                <a:cxn ang="0">
+                  <a:pos x="connsiteX4" y="connsiteY4"/>
+                </a:cxn>
+                <a:cxn ang="0">
+                  <a:pos x="connsiteX5" y="connsiteY5"/>
+                </a:cxn>
+                <a:cxn ang="0">
+                  <a:pos x="connsiteX6" y="connsiteY6"/>
+                </a:cxn>
+              </a:cxnLst>
+              <a:rect l="l" t="t" r="r" b="b"/>
+              <a:pathLst>
+                <a:path w="2658746" h="1329373">
+                  <a:moveTo>
+                    <a:pt x="1329373" y="0"/>
+                  </a:moveTo>
+                  <a:cubicBezTo>
+                    <a:pt x="2063565" y="0"/>
+                    <a:pt x="2658746" y="595181"/>
+                    <a:pt x="2658746" y="1329373"/>
+                  </a:cubicBezTo>
+                  <a:lnTo>
+                    <a:pt x="1994059" y="1329373"/>
+                  </a:lnTo>
+                  <a:cubicBezTo>
+                    <a:pt x="1994059" y="962277"/>
+                    <a:pt x="1696469" y="664687"/>
+                    <a:pt x="1329373" y="664687"/>
+                  </a:cubicBezTo>
+                  <a:cubicBezTo>
+                    <a:pt x="962277" y="664687"/>
+                    <a:pt x="664687" y="962277"/>
+                    <a:pt x="664687" y="1329373"/>
+                  </a:cubicBezTo>
+                  <a:lnTo>
+                    <a:pt x="0" y="1329373"/>
+                  </a:lnTo>
+                  <a:cubicBezTo>
+                    <a:pt x="0" y="595181"/>
+                    <a:pt x="595181" y="0"/>
+                    <a:pt x="1329373" y="0"/>
+                  </a:cubicBezTo>
+                  <a:close/>
+                </a:path>
+              </a:pathLst>
+            </a:custGeom>
+            <a:solidFill>
+              <a:schemeClr val="bg2">
+                <a:lumMod val="50000"/>
+                <a:lumOff val="50000"/>
+                <a:alpha val="40000"/>
+              </a:schemeClr>
+            </a:solidFill>
+            <a:ln>
+              <a:noFill/>
+            </a:ln>
+            <a:effectLst>
+              <a:softEdge rad="190500"/>
+            </a:effectLst>
+          </p:spPr>
+          <p:style>
+            <a:lnRef idx="2">
+              <a:schemeClr val="accent1">
+                <a:shade val="50000"/>
+              </a:schemeClr>
+            </a:lnRef>
+            <a:fillRef idx="1">
+              <a:schemeClr val="accent1"/>
+            </a:fillRef>
+            <a:effectRef idx="0">
+              <a:schemeClr val="accent1"/>
+            </a:effectRef>
+            <a:fontRef idx="minor">
+              <a:schemeClr val="lt1"/>
+            </a:fontRef>
+          </p:style>
+          <p:txBody>
+            <a:bodyPr rtlCol="0" anchor="ctr"/>
+            <a:lstStyle/>
+            <a:p>
+              <a:pPr algn="ctr"/>
+              <a:endParaRPr lang="en-US">
+                <a:solidFill>
+                  <a:schemeClr val="tx1"/>
+                </a:solidFill>
+              </a:endParaRPr>
+            </a:p>
+          </p:txBody>
+        </p:sp>
+        <p:sp>
+          <p:nvSpPr>
+            <p:cNvPr id="39" name="Oval 38">
+              <a:extLst>
+                <a:ext uri="{FF2B5EF4-FFF2-40B4-BE49-F238E27FC236}">
+                  <a16:creationId xmlns:a16="http://schemas.microsoft.com/office/drawing/2014/main" id="{4B089C8C-B82B-4704-88E2-E857A5E21529}"/>
+                </a:ext>
+                <a:ext uri="{C183D7F6-B498-43B3-948B-1728B52AA6E4}">
+                  <adec:decorative xmlns:adec="http://schemas.microsoft.com/office/drawing/2017/decorative" val="1"/>
+                </a:ext>
+              </a:extLst>
+            </p:cNvPr>
+            <p:cNvSpPr/>
+            <p:nvPr>
+              <p:extLst>
+                <p:ext uri="{386F3935-93C4-4BCD-93E2-E3B085C9AB24}">
+                  <p16:designElem xmlns:p16="http://schemas.microsoft.com/office/powerpoint/2015/main" val="1"/>
+                </p:ext>
+              </p:extLst>
+            </p:nvPr>
+          </p:nvSpPr>
+          <p:spPr>
+            <a:xfrm rot="13500000" flipV="1">
+              <a:off x="6040374" y="3601683"/>
+              <a:ext cx="107098" cy="466589"/>
+            </a:xfrm>
+            <a:prstGeom prst="ellipse">
+              <a:avLst/>
+            </a:prstGeom>
+            <a:solidFill>
+              <a:schemeClr val="bg2">
+                <a:lumMod val="90000"/>
+                <a:lumOff val="10000"/>
+              </a:schemeClr>
+            </a:solidFill>
+            <a:ln>
+              <a:noFill/>
+            </a:ln>
+            <a:effectLst>
+              <a:innerShdw blurRad="63500" dist="2540000">
+                <a:schemeClr val="accent1">
+                  <a:lumMod val="60000"/>
+                  <a:lumOff val="40000"/>
+                  <a:alpha val="0"/>
+                </a:schemeClr>
+              </a:innerShdw>
+            </a:effectLst>
+          </p:spPr>
+          <p:style>
+            <a:lnRef idx="2">
+              <a:schemeClr val="accent1">
+                <a:shade val="50000"/>
+              </a:schemeClr>
+            </a:lnRef>
+            <a:fillRef idx="1">
+              <a:schemeClr val="accent1"/>
+            </a:fillRef>
+            <a:effectRef idx="0">
+              <a:schemeClr val="accent1"/>
+            </a:effectRef>
+            <a:fontRef idx="minor">
+              <a:schemeClr val="lt1"/>
+            </a:fontRef>
+          </p:style>
+          <p:txBody>
+            <a:bodyPr rot="0" spcFirstLastPara="0" vertOverflow="overflow" horzOverflow="overflow" vert="horz" wrap="square" lIns="91440" tIns="45720" rIns="91440" bIns="45720" numCol="1" spcCol="0" rtlCol="0" fromWordArt="0" anchor="ctr" anchorCtr="0" forceAA="0" compatLnSpc="1">
+              <a:prstTxWarp prst="textNoShape">
+                <a:avLst/>
+              </a:prstTxWarp>
+              <a:noAutofit/>
+            </a:bodyPr>
+            <a:lstStyle/>
+            <a:p>
+              <a:pPr algn="ctr"/>
+              <a:endParaRPr lang="en-US"/>
+            </a:p>
+          </p:txBody>
+        </p:sp>
+        <p:sp>
+          <p:nvSpPr>
+            <p:cNvPr id="40" name="Oval 39">
+              <a:extLst>
+                <a:ext uri="{FF2B5EF4-FFF2-40B4-BE49-F238E27FC236}">
+                  <a16:creationId xmlns:a16="http://schemas.microsoft.com/office/drawing/2014/main" id="{434B90C8-5B4D-456E-AD99-80EF748FDD72}"/>
+                </a:ext>
+                <a:ext uri="{C183D7F6-B498-43B3-948B-1728B52AA6E4}">
+                  <adec:decorative xmlns:adec="http://schemas.microsoft.com/office/drawing/2017/decorative" val="1"/>
+                </a:ext>
+              </a:extLst>
+            </p:cNvPr>
+            <p:cNvSpPr/>
+            <p:nvPr>
+              <p:extLst>
+                <p:ext uri="{386F3935-93C4-4BCD-93E2-E3B085C9AB24}">
+                  <p16:designElem xmlns:p16="http://schemas.microsoft.com/office/powerpoint/2015/main" val="1"/>
+                </p:ext>
+              </p:extLst>
+            </p:nvPr>
+          </p:nvSpPr>
+          <p:spPr>
+            <a:xfrm rot="13500000" flipV="1">
+              <a:off x="5059348" y="4582709"/>
+              <a:ext cx="107098" cy="466589"/>
+            </a:xfrm>
+            <a:prstGeom prst="ellipse">
+              <a:avLst/>
+            </a:prstGeom>
+            <a:solidFill>
+              <a:schemeClr val="bg2">
+                <a:lumMod val="90000"/>
+                <a:lumOff val="10000"/>
+              </a:schemeClr>
+            </a:solidFill>
+            <a:ln>
+              <a:noFill/>
+            </a:ln>
+            <a:effectLst>
+              <a:innerShdw blurRad="63500" dist="2540000">
+                <a:schemeClr val="accent1">
+                  <a:lumMod val="60000"/>
+                  <a:lumOff val="40000"/>
+                  <a:alpha val="0"/>
+                </a:schemeClr>
+              </a:innerShdw>
+            </a:effectLst>
+          </p:spPr>
+          <p:style>
+            <a:lnRef idx="2">
+              <a:schemeClr val="accent1">
+                <a:shade val="50000"/>
+              </a:schemeClr>
+            </a:lnRef>
+            <a:fillRef idx="1">
+              <a:schemeClr val="accent1"/>
+            </a:fillRef>
+            <a:effectRef idx="0">
+              <a:schemeClr val="accent1"/>
+            </a:effectRef>
+            <a:fontRef idx="minor">
+              <a:schemeClr val="lt1"/>
+            </a:fontRef>
+          </p:style>
+          <p:txBody>
+            <a:bodyPr rot="0" spcFirstLastPara="0" vertOverflow="overflow" horzOverflow="overflow" vert="horz" wrap="square" lIns="91440" tIns="45720" rIns="91440" bIns="45720" numCol="1" spcCol="0" rtlCol="0" fromWordArt="0" anchor="ctr" anchorCtr="0" forceAA="0" compatLnSpc="1">
+              <a:prstTxWarp prst="textNoShape">
+                <a:avLst/>
+              </a:prstTxWarp>
+              <a:noAutofit/>
+            </a:bodyPr>
+            <a:lstStyle/>
+            <a:p>
+              <a:pPr algn="ctr"/>
+              <a:endParaRPr lang="en-US"/>
+            </a:p>
+          </p:txBody>
+        </p:sp>
+      </p:grpSp>
+      <p:sp useBgFill="1">
+        <p:nvSpPr>
+          <p:cNvPr id="42" name="Rectangle 41">
+            <a:extLst>
+              <a:ext uri="{FF2B5EF4-FFF2-40B4-BE49-F238E27FC236}">
+                <a16:creationId xmlns:a16="http://schemas.microsoft.com/office/drawing/2014/main" id="{1DB043B4-68C6-45B9-82AC-A5800EADB8DB}"/>
+              </a:ext>
+              <a:ext uri="{C183D7F6-B498-43B3-948B-1728B52AA6E4}">
+                <adec:decorative xmlns:adec="http://schemas.microsoft.com/office/drawing/2017/decorative" val="1"/>
+              </a:ext>
+            </a:extLst>
+          </p:cNvPr>
+          <p:cNvSpPr>
+            <a:spLocks noGrp="1" noRot="1" noChangeAspect="1" noMove="1" noResize="1" noEditPoints="1" noAdjustHandles="1" noChangeArrowheads="1" noChangeShapeType="1" noTextEdit="1"/>
+          </p:cNvSpPr>
+          <p:nvPr>
+            <p:extLst>
+              <p:ext uri="{386F3935-93C4-4BCD-93E2-E3B085C9AB24}">
+                <p16:designElem xmlns:p16="http://schemas.microsoft.com/office/powerpoint/2015/main" val="1"/>
+              </p:ext>
+            </p:extLst>
+          </p:nvPr>
+        </p:nvSpPr>
+        <p:spPr>
+          <a:xfrm>
+            <a:off x="0" y="0"/>
+            <a:ext cx="12192000" cy="6858000"/>
+          </a:xfrm>
+          <a:prstGeom prst="rect">
+            <a:avLst/>
+          </a:prstGeom>
+          <a:ln w="12700" cap="flat" cmpd="sng" algn="ctr">
+            <a:noFill/>
+            <a:prstDash val="solid"/>
+            <a:miter lim="800000"/>
+          </a:ln>
+          <a:effectLst/>
+          <a:extLst>
+            <a:ext uri="{91240B29-F687-4F45-9708-019B960494DF}">
+              <a14:hiddenLine xmlns:a14="http://schemas.microsoft.com/office/drawing/2010/main" w="12700" cap="flat" cmpd="sng" algn="ctr">
+                <a:solidFill>
+                  <a:schemeClr val="accent1">
+                    <a:shade val="50000"/>
+                  </a:schemeClr>
+                </a:solidFill>
+                <a:prstDash val="solid"/>
+                <a:miter lim="800000"/>
+              </a14:hiddenLine>
+            </a:ext>
+          </a:extLst>
+        </p:spPr>
+        <p:style>
+          <a:lnRef idx="2">
+            <a:schemeClr val="accent1">
+              <a:shade val="50000"/>
+            </a:schemeClr>
+          </a:lnRef>
+          <a:fillRef idx="1">
+            <a:schemeClr val="accent1"/>
+          </a:fillRef>
+          <a:effectRef idx="0">
+            <a:schemeClr val="accent1"/>
+          </a:effectRef>
+          <a:fontRef idx="minor">
+            <a:schemeClr val="lt1"/>
+          </a:fontRef>
+        </p:style>
+        <p:txBody>
+          <a:bodyPr rtlCol="0" anchor="ctr"/>
+          <a:lstStyle/>
+          <a:p>
+            <a:pPr algn="ctr"/>
+            <a:endParaRPr lang="en-US"/>
+          </a:p>
+        </p:txBody>
+      </p:sp>
+      <p:pic>
+        <p:nvPicPr>
+          <p:cNvPr id="25" name="Picture Placeholder 24" descr="A close-up of a network">
+            <a:extLst>
+              <a:ext uri="{FF2B5EF4-FFF2-40B4-BE49-F238E27FC236}">
+                <a16:creationId xmlns:a16="http://schemas.microsoft.com/office/drawing/2014/main" id="{41A1C574-72C6-642F-E4D2-FF0C993AEF78}"/>
+              </a:ext>
+            </a:extLst>
+          </p:cNvPr>
+          <p:cNvPicPr>
+            <a:picLocks noGrp="1" noChangeAspect="1"/>
+          </p:cNvPicPr>
+          <p:nvPr>
+            <p:ph type="pic" sz="quarter" idx="13"/>
+          </p:nvPr>
+        </p:nvPicPr>
+        <p:blipFill>
+          <a:blip r:embed="rId3">
+            <a:extLst>
+              <a:ext uri="{28A0092B-C50C-407E-A947-70E740481C1C}">
+                <a14:useLocalDpi xmlns:a14="http://schemas.microsoft.com/office/drawing/2010/main" val="0"/>
+              </a:ext>
+            </a:extLst>
+          </a:blip>
+          <a:srcRect t="14568" r="1" b="30449"/>
+          <a:stretch/>
+        </p:blipFill>
+        <p:spPr>
+          <a:xfrm>
+            <a:off x="20" y="1"/>
+            <a:ext cx="12191980" cy="6858000"/>
+          </a:xfrm>
+          <a:custGeom>
+            <a:avLst/>
+            <a:gdLst/>
+            <a:ahLst/>
+            <a:cxnLst/>
+            <a:rect l="l" t="t" r="r" b="b"/>
+            <a:pathLst>
+              <a:path w="12192000" h="6858000">
+                <a:moveTo>
+                  <a:pt x="0" y="0"/>
+                </a:moveTo>
+                <a:lnTo>
+                  <a:pt x="12192000" y="0"/>
+                </a:lnTo>
+                <a:lnTo>
+                  <a:pt x="12192000" y="6858000"/>
+                </a:lnTo>
+                <a:lnTo>
+                  <a:pt x="0" y="6858000"/>
+                </a:lnTo>
+                <a:close/>
+              </a:path>
+            </a:pathLst>
+          </a:custGeom>
+        </p:spPr>
+      </p:pic>
+      <p:sp>
+        <p:nvSpPr>
+          <p:cNvPr id="44" name="Rectangle 43">
+            <a:extLst>
+              <a:ext uri="{FF2B5EF4-FFF2-40B4-BE49-F238E27FC236}">
+                <a16:creationId xmlns:a16="http://schemas.microsoft.com/office/drawing/2014/main" id="{AD4EA4DF-0E7C-4098-86F6-7D0ACAEFC0BF}"/>
+              </a:ext>
+              <a:ext uri="{C183D7F6-B498-43B3-948B-1728B52AA6E4}">
+                <adec:decorative xmlns:adec="http://schemas.microsoft.com/office/drawing/2017/decorative" val="1"/>
+              </a:ext>
+            </a:extLst>
+          </p:cNvPr>
+          <p:cNvSpPr>
+            <a:spLocks noGrp="1" noRot="1" noChangeAspect="1" noMove="1" noResize="1" noEditPoints="1" noAdjustHandles="1" noChangeArrowheads="1" noChangeShapeType="1" noTextEdit="1"/>
+          </p:cNvSpPr>
+          <p:nvPr>
+            <p:extLst>
+              <p:ext uri="{386F3935-93C4-4BCD-93E2-E3B085C9AB24}">
+                <p16:designElem xmlns:p16="http://schemas.microsoft.com/office/powerpoint/2015/main" val="1"/>
+              </p:ext>
+            </p:extLst>
+          </p:nvPr>
+        </p:nvSpPr>
+        <p:spPr>
+          <a:xfrm rot="10800000">
+            <a:off x="4332287" y="0"/>
+            <a:ext cx="7859713" cy="6857998"/>
+          </a:xfrm>
+          <a:prstGeom prst="rect">
+            <a:avLst/>
+          </a:prstGeom>
+          <a:gradFill flip="none" rotWithShape="1">
+            <a:gsLst>
+              <a:gs pos="50000">
+                <a:schemeClr val="bg2">
+                  <a:alpha val="60000"/>
+                </a:schemeClr>
+              </a:gs>
+              <a:gs pos="0">
+                <a:schemeClr val="bg2">
+                  <a:alpha val="0"/>
+                </a:schemeClr>
+              </a:gs>
+            </a:gsLst>
+            <a:lin ang="10800000" scaled="0"/>
+            <a:tileRect/>
+          </a:gradFill>
+          <a:ln>
+            <a:noFill/>
+          </a:ln>
+        </p:spPr>
+        <p:style>
+          <a:lnRef idx="2">
+            <a:schemeClr val="accent1">
+              <a:shade val="50000"/>
+            </a:schemeClr>
+          </a:lnRef>
+          <a:fillRef idx="1">
+            <a:schemeClr val="accent1"/>
+          </a:fillRef>
+          <a:effectRef idx="0">
+            <a:schemeClr val="accent1"/>
+          </a:effectRef>
+          <a:fontRef idx="minor">
+            <a:schemeClr val="lt1"/>
+          </a:fontRef>
+        </p:style>
+        <p:txBody>
+          <a:bodyPr rtlCol="0" anchor="ctr"/>
+          <a:lstStyle/>
+          <a:p>
+            <a:pPr algn="ctr"/>
+            <a:endParaRPr lang="en-US"/>
+          </a:p>
+        </p:txBody>
+      </p:sp>
+      <p:sp>
+        <p:nvSpPr>
+          <p:cNvPr id="2" name="Title 1">
+            <a:extLst>
+              <a:ext uri="{FF2B5EF4-FFF2-40B4-BE49-F238E27FC236}">
+                <a16:creationId xmlns:a16="http://schemas.microsoft.com/office/drawing/2014/main" id="{28BAC361-0D7A-DC05-86B5-6DD77D322F5B}"/>
+              </a:ext>
+            </a:extLst>
+          </p:cNvPr>
+          <p:cNvSpPr>
+            <a:spLocks noGrp="1"/>
+          </p:cNvSpPr>
+          <p:nvPr>
+            <p:ph type="title"/>
+          </p:nvPr>
+        </p:nvSpPr>
+        <p:spPr>
+          <a:xfrm>
+            <a:off x="8075613" y="549275"/>
+            <a:ext cx="3565524" cy="2887174"/>
+          </a:xfrm>
+        </p:spPr>
+        <p:txBody>
+          <a:bodyPr vert="horz" wrap="square" lIns="0" tIns="0" rIns="0" bIns="0" rtlCol="0" anchor="b" anchorCtr="0">
+            <a:normAutofit/>
+          </a:bodyPr>
+          <a:lstStyle/>
+          <a:p>
+            <a:pPr>
+              <a:lnSpc>
+                <a:spcPct val="100000"/>
+              </a:lnSpc>
+            </a:pPr>
+            <a:r>
+              <a:rPr lang="en-US" sz="4800" kern="1200">
+                <a:solidFill>
+                  <a:schemeClr val="tx1"/>
+                </a:solidFill>
+                <a:latin typeface="+mj-lt"/>
+                <a:ea typeface="+mj-ea"/>
+                <a:cs typeface="+mj-cs"/>
+              </a:rPr>
+              <a:t>That’s it!</a:t>
+            </a:r>
+          </a:p>
+        </p:txBody>
+      </p:sp>
+      <p:sp>
+        <p:nvSpPr>
+          <p:cNvPr id="46" name="Rectangle 45">
+            <a:extLst>
+              <a:ext uri="{FF2B5EF4-FFF2-40B4-BE49-F238E27FC236}">
+                <a16:creationId xmlns:a16="http://schemas.microsoft.com/office/drawing/2014/main" id="{FE05BC49-0F00-4C85-9AF5-A0CC5B39C8D2}"/>
+              </a:ext>
+              <a:ext uri="{C183D7F6-B498-43B3-948B-1728B52AA6E4}">
+                <adec:decorative xmlns:adec="http://schemas.microsoft.com/office/drawing/2017/decorative" val="1"/>
+              </a:ext>
+            </a:extLst>
+          </p:cNvPr>
+          <p:cNvSpPr>
+            <a:spLocks noGrp="1" noRot="1" noChangeAspect="1" noMove="1" noResize="1" noEditPoints="1" noAdjustHandles="1" noChangeArrowheads="1" noChangeShapeType="1" noTextEdit="1"/>
+          </p:cNvSpPr>
+          <p:nvPr>
+            <p:extLst>
+              <p:ext uri="{386F3935-93C4-4BCD-93E2-E3B085C9AB24}">
+                <p16:designElem xmlns:p16="http://schemas.microsoft.com/office/powerpoint/2015/main" val="1"/>
+              </p:ext>
+            </p:extLst>
+          </p:nvPr>
+        </p:nvSpPr>
+        <p:spPr>
+          <a:xfrm>
+            <a:off x="0" y="5773729"/>
+            <a:ext cx="12192000" cy="1084271"/>
+          </a:xfrm>
+          <a:prstGeom prst="rect">
+            <a:avLst/>
+          </a:prstGeom>
+          <a:gradFill flip="none" rotWithShape="1">
+            <a:gsLst>
+              <a:gs pos="90000">
+                <a:schemeClr val="bg2">
+                  <a:alpha val="60000"/>
+                </a:schemeClr>
+              </a:gs>
+              <a:gs pos="28000">
+                <a:schemeClr val="bg2">
+                  <a:alpha val="0"/>
+                </a:schemeClr>
+              </a:gs>
+            </a:gsLst>
+            <a:lin ang="5400000" scaled="0"/>
+            <a:tileRect/>
+          </a:gradFill>
+          <a:ln>
+            <a:noFill/>
+          </a:ln>
+        </p:spPr>
+        <p:style>
+          <a:lnRef idx="2">
+            <a:schemeClr val="accent1">
+              <a:shade val="50000"/>
+            </a:schemeClr>
+          </a:lnRef>
+          <a:fillRef idx="1">
+            <a:schemeClr val="accent1"/>
+          </a:fillRef>
+          <a:effectRef idx="0">
+            <a:schemeClr val="accent1"/>
+          </a:effectRef>
+          <a:fontRef idx="minor">
+            <a:schemeClr val="lt1"/>
+          </a:fontRef>
+        </p:style>
+        <p:txBody>
+          <a:bodyPr rtlCol="0" anchor="ctr"/>
+          <a:lstStyle/>
+          <a:p>
+            <a:pPr algn="ctr"/>
+            <a:endParaRPr lang="en-US"/>
+          </a:p>
+        </p:txBody>
+      </p:sp>
+    </p:spTree>
+    <p:extLst>
+      <p:ext uri="{BB962C8B-B14F-4D97-AF65-F5344CB8AC3E}">
+        <p14:creationId xmlns:p14="http://schemas.microsoft.com/office/powerpoint/2010/main" val="2547630249"/>
+      </p:ext>
+    </p:extLst>
+  </p:cSld>
+  <p:clrMapOvr>
+    <a:masterClrMapping/>
+  </p:clrMapOvr>
+</p:sld>
+</file>
+
+<file path=ppt/slides/slide3.xml><?xml version="1.0" encoding="utf-8"?>
 <p:sld xmlns:a="http://schemas.openxmlformats.org/drawingml/2006/main" xmlns:r="http://schemas.openxmlformats.org/officeDocument/2006/relationships" xmlns:p="http://schemas.openxmlformats.org/presentationml/2006/main">
   <p:cSld>
     <p:spTree>
@@ -33489,7 +31204,7 @@
 </p:sld>
 </file>
 
-<file path=ppt/slides/slide5.xml><?xml version="1.0" encoding="utf-8"?>
+<file path=ppt/slides/slide4.xml><?xml version="1.0" encoding="utf-8"?>
 <p:sld xmlns:a="http://schemas.openxmlformats.org/drawingml/2006/main" xmlns:r="http://schemas.openxmlformats.org/officeDocument/2006/relationships" xmlns:p="http://schemas.openxmlformats.org/presentationml/2006/main">
   <p:cSld>
     <p:spTree>
@@ -33604,7 +31319,7 @@
 </p:sld>
 </file>
 
-<file path=ppt/slides/slide6.xml><?xml version="1.0" encoding="utf-8"?>
+<file path=ppt/slides/slide5.xml><?xml version="1.0" encoding="utf-8"?>
 <p:sld xmlns:a="http://schemas.openxmlformats.org/drawingml/2006/main" xmlns:r="http://schemas.openxmlformats.org/officeDocument/2006/relationships" xmlns:p="http://schemas.openxmlformats.org/presentationml/2006/main" show="0">
   <p:cSld>
     <p:spTree>
@@ -34170,7 +31885,7 @@
 </p:sld>
 </file>
 
-<file path=ppt/slides/slide7.xml><?xml version="1.0" encoding="utf-8"?>
+<file path=ppt/slides/slide6.xml><?xml version="1.0" encoding="utf-8"?>
 <p:sld xmlns:a="http://schemas.openxmlformats.org/drawingml/2006/main" xmlns:r="http://schemas.openxmlformats.org/officeDocument/2006/relationships" xmlns:p="http://schemas.openxmlformats.org/presentationml/2006/main">
   <p:cSld>
     <p:spTree>
@@ -35972,7 +33687,7 @@
 </p:sld>
 </file>
 
-<file path=ppt/slides/slide8.xml><?xml version="1.0" encoding="utf-8"?>
+<file path=ppt/slides/slide7.xml><?xml version="1.0" encoding="utf-8"?>
 <p:sld xmlns:a="http://schemas.openxmlformats.org/drawingml/2006/main" xmlns:r="http://schemas.openxmlformats.org/officeDocument/2006/relationships" xmlns:p="http://schemas.openxmlformats.org/presentationml/2006/main" show="0">
   <p:cSld>
     <p:spTree>
@@ -36414,7 +34129,7 @@
 </p:sld>
 </file>
 
-<file path=ppt/slides/slide9.xml><?xml version="1.0" encoding="utf-8"?>
+<file path=ppt/slides/slide8.xml><?xml version="1.0" encoding="utf-8"?>
 <p:sld xmlns:a="http://schemas.openxmlformats.org/drawingml/2006/main" xmlns:r="http://schemas.openxmlformats.org/officeDocument/2006/relationships" xmlns:p="http://schemas.openxmlformats.org/presentationml/2006/main">
   <p:cSld>
     <p:spTree>
@@ -37235,6 +34950,1186 @@
       </p:par>
     </p:tnLst>
   </p:timing>
+</p:sld>
+</file>
+
+<file path=ppt/slides/slide9.xml><?xml version="1.0" encoding="utf-8"?>
+<p:sld xmlns:a="http://schemas.openxmlformats.org/drawingml/2006/main" xmlns:r="http://schemas.openxmlformats.org/officeDocument/2006/relationships" xmlns:p="http://schemas.openxmlformats.org/presentationml/2006/main">
+  <p:cSld>
+    <p:bg>
+      <p:bgPr>
+        <a:solidFill>
+          <a:schemeClr val="bg2"/>
+        </a:solidFill>
+        <a:effectLst/>
+      </p:bgPr>
+    </p:bg>
+    <p:spTree>
+      <p:nvGrpSpPr>
+        <p:cNvPr id="1" name=""/>
+        <p:cNvGrpSpPr/>
+        <p:nvPr/>
+      </p:nvGrpSpPr>
+      <p:grpSpPr>
+        <a:xfrm>
+          <a:off x="0" y="0"/>
+          <a:ext cx="0" cy="0"/>
+          <a:chOff x="0" y="0"/>
+          <a:chExt cx="0" cy="0"/>
+        </a:xfrm>
+      </p:grpSpPr>
+      <p:sp>
+        <p:nvSpPr>
+          <p:cNvPr id="67" name="Freeform: Shape 66">
+            <a:extLst>
+              <a:ext uri="{FF2B5EF4-FFF2-40B4-BE49-F238E27FC236}">
+                <a16:creationId xmlns:a16="http://schemas.microsoft.com/office/drawing/2014/main" id="{82184FF4-7029-4ED7-813A-192E60608764}"/>
+              </a:ext>
+              <a:ext uri="{C183D7F6-B498-43B3-948B-1728B52AA6E4}">
+                <adec:decorative xmlns:adec="http://schemas.microsoft.com/office/drawing/2017/decorative" val="1"/>
+              </a:ext>
+            </a:extLst>
+          </p:cNvPr>
+          <p:cNvSpPr>
+            <a:spLocks noGrp="1" noRot="1" noChangeAspect="1" noMove="1" noResize="1" noEditPoints="1" noAdjustHandles="1" noChangeArrowheads="1" noChangeShapeType="1" noTextEdit="1"/>
+          </p:cNvSpPr>
+          <p:nvPr>
+            <p:extLst>
+              <p:ext uri="{386F3935-93C4-4BCD-93E2-E3B085C9AB24}">
+                <p16:designElem xmlns:p16="http://schemas.microsoft.com/office/powerpoint/2015/main" val="1"/>
+              </p:ext>
+            </p:extLst>
+          </p:nvPr>
+        </p:nvSpPr>
+        <p:spPr>
+          <a:xfrm rot="2700000">
+            <a:off x="612445" y="481888"/>
+            <a:ext cx="1080000" cy="1262947"/>
+          </a:xfrm>
+          <a:custGeom>
+            <a:avLst/>
+            <a:gdLst/>
+            <a:ahLst/>
+            <a:cxnLst/>
+            <a:rect l="l" t="t" r="r" b="b"/>
+            <a:pathLst>
+              <a:path w="1080000" h="1262947">
+                <a:moveTo>
+                  <a:pt x="540000" y="0"/>
+                </a:moveTo>
+                <a:lnTo>
+                  <a:pt x="1064374" y="931034"/>
+                </a:lnTo>
+                <a:lnTo>
+                  <a:pt x="1069029" y="938533"/>
+                </a:lnTo>
+                <a:cubicBezTo>
+                  <a:pt x="1076223" y="956109"/>
+                  <a:pt x="1080000" y="974307"/>
+                  <a:pt x="1080000" y="992947"/>
+                </a:cubicBezTo>
+                <a:cubicBezTo>
+                  <a:pt x="1080000" y="1142064"/>
+                  <a:pt x="838234" y="1262947"/>
+                  <a:pt x="540000" y="1262947"/>
+                </a:cubicBezTo>
+                <a:cubicBezTo>
+                  <a:pt x="241766" y="1262947"/>
+                  <a:pt x="0" y="1142064"/>
+                  <a:pt x="0" y="992947"/>
+                </a:cubicBezTo>
+                <a:cubicBezTo>
+                  <a:pt x="0" y="974307"/>
+                  <a:pt x="3778" y="956109"/>
+                  <a:pt x="10971" y="938533"/>
+                </a:cubicBezTo>
+                <a:lnTo>
+                  <a:pt x="15626" y="931034"/>
+                </a:lnTo>
+                <a:lnTo>
+                  <a:pt x="540000" y="0"/>
+                </a:lnTo>
+                <a:close/>
+              </a:path>
+            </a:pathLst>
+          </a:custGeom>
+          <a:gradFill>
+            <a:gsLst>
+              <a:gs pos="60000">
+                <a:schemeClr val="bg2">
+                  <a:lumMod val="90000"/>
+                  <a:lumOff val="10000"/>
+                </a:schemeClr>
+              </a:gs>
+              <a:gs pos="30000">
+                <a:schemeClr val="bg2">
+                  <a:lumMod val="90000"/>
+                  <a:lumOff val="10000"/>
+                </a:schemeClr>
+              </a:gs>
+              <a:gs pos="40000">
+                <a:schemeClr val="bg2">
+                  <a:lumMod val="75000"/>
+                  <a:lumOff val="25000"/>
+                </a:schemeClr>
+              </a:gs>
+              <a:gs pos="100000">
+                <a:schemeClr val="bg2"/>
+              </a:gs>
+            </a:gsLst>
+            <a:lin ang="600000" scaled="0"/>
+          </a:gradFill>
+          <a:ln>
+            <a:noFill/>
+          </a:ln>
+          <a:effectLst>
+            <a:innerShdw blurRad="254000" dist="101600" dir="2700000">
+              <a:schemeClr val="accent1">
+                <a:lumMod val="60000"/>
+                <a:lumOff val="40000"/>
+                <a:alpha val="40000"/>
+              </a:schemeClr>
+            </a:innerShdw>
+          </a:effectLst>
+        </p:spPr>
+        <p:style>
+          <a:lnRef idx="2">
+            <a:schemeClr val="accent1">
+              <a:shade val="50000"/>
+            </a:schemeClr>
+          </a:lnRef>
+          <a:fillRef idx="1">
+            <a:schemeClr val="accent1"/>
+          </a:fillRef>
+          <a:effectRef idx="0">
+            <a:schemeClr val="accent1"/>
+          </a:effectRef>
+          <a:fontRef idx="minor">
+            <a:schemeClr val="lt1"/>
+          </a:fontRef>
+        </p:style>
+        <p:txBody>
+          <a:bodyPr rot="0" spcFirstLastPara="0" vertOverflow="overflow" horzOverflow="overflow" vert="horz" wrap="square" lIns="91440" tIns="45720" rIns="91440" bIns="45720" numCol="1" spcCol="0" rtlCol="0" fromWordArt="0" anchor="ctr" anchorCtr="0" forceAA="0" compatLnSpc="1">
+            <a:prstTxWarp prst="textNoShape">
+              <a:avLst/>
+            </a:prstTxWarp>
+            <a:noAutofit/>
+          </a:bodyPr>
+          <a:lstStyle/>
+          <a:p>
+            <a:pPr algn="ctr"/>
+            <a:endParaRPr lang="en-US"/>
+          </a:p>
+        </p:txBody>
+      </p:sp>
+      <p:sp>
+        <p:nvSpPr>
+          <p:cNvPr id="69" name="Oval 68">
+            <a:extLst>
+              <a:ext uri="{FF2B5EF4-FFF2-40B4-BE49-F238E27FC236}">
+                <a16:creationId xmlns:a16="http://schemas.microsoft.com/office/drawing/2014/main" id="{AAA7AB09-557C-41AD-9113-FF9F68FA1035}"/>
+              </a:ext>
+              <a:ext uri="{C183D7F6-B498-43B3-948B-1728B52AA6E4}">
+                <adec:decorative xmlns:adec="http://schemas.microsoft.com/office/drawing/2017/decorative" val="1"/>
+              </a:ext>
+            </a:extLst>
+          </p:cNvPr>
+          <p:cNvSpPr>
+            <a:spLocks noGrp="1" noRot="1" noChangeAspect="1" noMove="1" noResize="1" noEditPoints="1" noAdjustHandles="1" noChangeArrowheads="1" noChangeShapeType="1" noTextEdit="1"/>
+          </p:cNvSpPr>
+          <p:nvPr>
+            <p:extLst>
+              <p:ext uri="{386F3935-93C4-4BCD-93E2-E3B085C9AB24}">
+                <p16:designElem xmlns:p16="http://schemas.microsoft.com/office/powerpoint/2015/main" val="1"/>
+              </p:ext>
+            </p:extLst>
+          </p:nvPr>
+        </p:nvSpPr>
+        <p:spPr>
+          <a:xfrm rot="8100000">
+            <a:off x="626845" y="828962"/>
+            <a:ext cx="540000" cy="1080000"/>
+          </a:xfrm>
+          <a:prstGeom prst="ellipse">
+            <a:avLst/>
+          </a:prstGeom>
+          <a:gradFill>
+            <a:gsLst>
+              <a:gs pos="100000">
+                <a:schemeClr val="bg2">
+                  <a:lumMod val="90000"/>
+                  <a:lumOff val="10000"/>
+                </a:schemeClr>
+              </a:gs>
+              <a:gs pos="50000">
+                <a:schemeClr val="bg2">
+                  <a:lumMod val="95000"/>
+                  <a:lumOff val="5000"/>
+                </a:schemeClr>
+              </a:gs>
+            </a:gsLst>
+            <a:lin ang="5400000" scaled="0"/>
+          </a:gradFill>
+          <a:ln>
+            <a:noFill/>
+          </a:ln>
+          <a:effectLst>
+            <a:innerShdw blurRad="1270000" dist="2540000">
+              <a:schemeClr val="accent1">
+                <a:lumMod val="60000"/>
+                <a:lumOff val="40000"/>
+                <a:alpha val="0"/>
+              </a:schemeClr>
+            </a:innerShdw>
+          </a:effectLst>
+        </p:spPr>
+        <p:style>
+          <a:lnRef idx="2">
+            <a:schemeClr val="accent1">
+              <a:shade val="50000"/>
+            </a:schemeClr>
+          </a:lnRef>
+          <a:fillRef idx="1">
+            <a:schemeClr val="accent1"/>
+          </a:fillRef>
+          <a:effectRef idx="0">
+            <a:schemeClr val="accent1"/>
+          </a:effectRef>
+          <a:fontRef idx="minor">
+            <a:schemeClr val="lt1"/>
+          </a:fontRef>
+        </p:style>
+        <p:txBody>
+          <a:bodyPr rot="0" spcFirstLastPara="0" vertOverflow="overflow" horzOverflow="overflow" vert="horz" wrap="square" lIns="91440" tIns="45720" rIns="91440" bIns="45720" numCol="1" spcCol="0" rtlCol="0" fromWordArt="0" anchor="ctr" anchorCtr="0" forceAA="0" compatLnSpc="1">
+            <a:prstTxWarp prst="textNoShape">
+              <a:avLst/>
+            </a:prstTxWarp>
+            <a:noAutofit/>
+          </a:bodyPr>
+          <a:lstStyle/>
+          <a:p>
+            <a:pPr algn="ctr"/>
+            <a:endParaRPr lang="en-US"/>
+          </a:p>
+        </p:txBody>
+      </p:sp>
+      <p:sp>
+        <p:nvSpPr>
+          <p:cNvPr id="71" name="Oval 70">
+            <a:extLst>
+              <a:ext uri="{FF2B5EF4-FFF2-40B4-BE49-F238E27FC236}">
+                <a16:creationId xmlns:a16="http://schemas.microsoft.com/office/drawing/2014/main" id="{EF99ECAA-1F11-4937-BBA6-51935AB44C9D}"/>
+              </a:ext>
+              <a:ext uri="{C183D7F6-B498-43B3-948B-1728B52AA6E4}">
+                <adec:decorative xmlns:adec="http://schemas.microsoft.com/office/drawing/2017/decorative" val="1"/>
+              </a:ext>
+            </a:extLst>
+          </p:cNvPr>
+          <p:cNvSpPr>
+            <a:spLocks noGrp="1" noRot="1" noChangeAspect="1" noMove="1" noResize="1" noEditPoints="1" noAdjustHandles="1" noChangeArrowheads="1" noChangeShapeType="1" noTextEdit="1"/>
+          </p:cNvSpPr>
+          <p:nvPr>
+            <p:extLst>
+              <p:ext uri="{386F3935-93C4-4BCD-93E2-E3B085C9AB24}">
+                <p16:designElem xmlns:p16="http://schemas.microsoft.com/office/powerpoint/2015/main" val="1"/>
+              </p:ext>
+            </p:extLst>
+          </p:nvPr>
+        </p:nvSpPr>
+        <p:spPr>
+          <a:xfrm>
+            <a:off x="1800802" y="2472855"/>
+            <a:ext cx="360000" cy="360000"/>
+          </a:xfrm>
+          <a:prstGeom prst="ellipse">
+            <a:avLst/>
+          </a:prstGeom>
+          <a:gradFill flip="none" rotWithShape="1">
+            <a:gsLst>
+              <a:gs pos="100000">
+                <a:schemeClr val="bg2">
+                  <a:lumMod val="50000"/>
+                  <a:lumOff val="50000"/>
+                </a:schemeClr>
+              </a:gs>
+              <a:gs pos="60000">
+                <a:schemeClr val="bg2"/>
+              </a:gs>
+            </a:gsLst>
+            <a:path path="circle">
+              <a:fillToRect l="100000" b="100000"/>
+            </a:path>
+            <a:tileRect t="-100000" r="-100000"/>
+          </a:gradFill>
+          <a:ln>
+            <a:noFill/>
+          </a:ln>
+          <a:effectLst>
+            <a:innerShdw blurRad="127000" dist="63500" dir="2700000">
+              <a:schemeClr val="accent1">
+                <a:lumMod val="60000"/>
+                <a:lumOff val="40000"/>
+                <a:alpha val="20000"/>
+              </a:schemeClr>
+            </a:innerShdw>
+            <a:softEdge rad="0"/>
+          </a:effectLst>
+        </p:spPr>
+        <p:style>
+          <a:lnRef idx="2">
+            <a:schemeClr val="accent1">
+              <a:shade val="50000"/>
+            </a:schemeClr>
+          </a:lnRef>
+          <a:fillRef idx="1">
+            <a:schemeClr val="accent1"/>
+          </a:fillRef>
+          <a:effectRef idx="0">
+            <a:schemeClr val="accent1"/>
+          </a:effectRef>
+          <a:fontRef idx="minor">
+            <a:schemeClr val="lt1"/>
+          </a:fontRef>
+        </p:style>
+        <p:txBody>
+          <a:bodyPr rot="0" spcFirstLastPara="0" vertOverflow="overflow" horzOverflow="overflow" vert="horz" wrap="square" lIns="91440" tIns="45720" rIns="91440" bIns="45720" numCol="1" spcCol="0" rtlCol="0" fromWordArt="0" anchor="ctr" anchorCtr="0" forceAA="0" compatLnSpc="1">
+            <a:prstTxWarp prst="textNoShape">
+              <a:avLst/>
+            </a:prstTxWarp>
+            <a:noAutofit/>
+          </a:bodyPr>
+          <a:lstStyle/>
+          <a:p>
+            <a:pPr algn="ctr"/>
+            <a:endParaRPr lang="en-US"/>
+          </a:p>
+        </p:txBody>
+      </p:sp>
+      <p:grpSp>
+        <p:nvGrpSpPr>
+          <p:cNvPr id="73" name="Group 72">
+            <a:extLst>
+              <a:ext uri="{FF2B5EF4-FFF2-40B4-BE49-F238E27FC236}">
+                <a16:creationId xmlns:a16="http://schemas.microsoft.com/office/drawing/2014/main" id="{79DE9FAB-6BBA-4CFE-B67D-77B47F01ECA4}"/>
+              </a:ext>
+              <a:ext uri="{C183D7F6-B498-43B3-948B-1728B52AA6E4}">
+                <adec:decorative xmlns:adec="http://schemas.microsoft.com/office/drawing/2017/decorative" val="1"/>
+              </a:ext>
+            </a:extLst>
+          </p:cNvPr>
+          <p:cNvGrpSpPr>
+            <a:grpSpLocks noGrp="1" noUngrp="1" noRot="1" noChangeAspect="1" noMove="1" noResize="1"/>
+          </p:cNvGrpSpPr>
+          <p:nvPr>
+            <p:extLst>
+              <p:ext uri="{386F3935-93C4-4BCD-93E2-E3B085C9AB24}">
+                <p16:designElem xmlns:p16="http://schemas.microsoft.com/office/powerpoint/2015/main" val="1"/>
+              </p:ext>
+            </p:extLst>
+          </p:nvPr>
+        </p:nvGrpSpPr>
+        <p:grpSpPr>
+          <a:xfrm>
+            <a:off x="1329952" y="4524379"/>
+            <a:ext cx="1980001" cy="1363916"/>
+            <a:chOff x="4879602" y="3781429"/>
+            <a:chExt cx="1980001" cy="1363916"/>
+          </a:xfrm>
+        </p:grpSpPr>
+        <p:sp>
+          <p:nvSpPr>
+            <p:cNvPr id="74" name="Freeform: Shape 73">
+              <a:extLst>
+                <a:ext uri="{FF2B5EF4-FFF2-40B4-BE49-F238E27FC236}">
+                  <a16:creationId xmlns:a16="http://schemas.microsoft.com/office/drawing/2014/main" id="{79FAC916-D9BB-4794-81B4-7C47C67E850D}"/>
+                </a:ext>
+                <a:ext uri="{C183D7F6-B498-43B3-948B-1728B52AA6E4}">
+                  <adec:decorative xmlns:adec="http://schemas.microsoft.com/office/drawing/2017/decorative" val="1"/>
+                </a:ext>
+              </a:extLst>
+            </p:cNvPr>
+            <p:cNvSpPr>
+              <a:spLocks noChangeAspect="1"/>
+            </p:cNvSpPr>
+            <p:nvPr>
+              <p:extLst>
+                <p:ext uri="{386F3935-93C4-4BCD-93E2-E3B085C9AB24}">
+                  <p16:designElem xmlns:p16="http://schemas.microsoft.com/office/powerpoint/2015/main" val="1"/>
+                </p:ext>
+              </p:extLst>
+            </p:nvPr>
+          </p:nvSpPr>
+          <p:spPr>
+            <a:xfrm rot="18900000" flipV="1">
+              <a:off x="5005634" y="4191206"/>
+              <a:ext cx="1853969" cy="926985"/>
+            </a:xfrm>
+            <a:custGeom>
+              <a:avLst/>
+              <a:gdLst>
+                <a:gd name="connsiteX0" fmla="*/ 1329373 w 2658746"/>
+                <a:gd name="connsiteY0" fmla="*/ 0 h 1329373"/>
+                <a:gd name="connsiteX1" fmla="*/ 2658746 w 2658746"/>
+                <a:gd name="connsiteY1" fmla="*/ 1329373 h 1329373"/>
+                <a:gd name="connsiteX2" fmla="*/ 1994059 w 2658746"/>
+                <a:gd name="connsiteY2" fmla="*/ 1329373 h 1329373"/>
+                <a:gd name="connsiteX3" fmla="*/ 1329373 w 2658746"/>
+                <a:gd name="connsiteY3" fmla="*/ 664687 h 1329373"/>
+                <a:gd name="connsiteX4" fmla="*/ 664687 w 2658746"/>
+                <a:gd name="connsiteY4" fmla="*/ 1329373 h 1329373"/>
+                <a:gd name="connsiteX5" fmla="*/ 0 w 2658746"/>
+                <a:gd name="connsiteY5" fmla="*/ 1329373 h 1329373"/>
+                <a:gd name="connsiteX6" fmla="*/ 1329373 w 2658746"/>
+                <a:gd name="connsiteY6" fmla="*/ 0 h 1329373"/>
+              </a:gdLst>
+              <a:ahLst/>
+              <a:cxnLst>
+                <a:cxn ang="0">
+                  <a:pos x="connsiteX0" y="connsiteY0"/>
+                </a:cxn>
+                <a:cxn ang="0">
+                  <a:pos x="connsiteX1" y="connsiteY1"/>
+                </a:cxn>
+                <a:cxn ang="0">
+                  <a:pos x="connsiteX2" y="connsiteY2"/>
+                </a:cxn>
+                <a:cxn ang="0">
+                  <a:pos x="connsiteX3" y="connsiteY3"/>
+                </a:cxn>
+                <a:cxn ang="0">
+                  <a:pos x="connsiteX4" y="connsiteY4"/>
+                </a:cxn>
+                <a:cxn ang="0">
+                  <a:pos x="connsiteX5" y="connsiteY5"/>
+                </a:cxn>
+                <a:cxn ang="0">
+                  <a:pos x="connsiteX6" y="connsiteY6"/>
+                </a:cxn>
+              </a:cxnLst>
+              <a:rect l="l" t="t" r="r" b="b"/>
+              <a:pathLst>
+                <a:path w="2658746" h="1329373">
+                  <a:moveTo>
+                    <a:pt x="1329373" y="0"/>
+                  </a:moveTo>
+                  <a:cubicBezTo>
+                    <a:pt x="2063565" y="0"/>
+                    <a:pt x="2658746" y="595181"/>
+                    <a:pt x="2658746" y="1329373"/>
+                  </a:cubicBezTo>
+                  <a:lnTo>
+                    <a:pt x="1994059" y="1329373"/>
+                  </a:lnTo>
+                  <a:cubicBezTo>
+                    <a:pt x="1994059" y="962277"/>
+                    <a:pt x="1696469" y="664687"/>
+                    <a:pt x="1329373" y="664687"/>
+                  </a:cubicBezTo>
+                  <a:cubicBezTo>
+                    <a:pt x="962277" y="664687"/>
+                    <a:pt x="664687" y="962277"/>
+                    <a:pt x="664687" y="1329373"/>
+                  </a:cubicBezTo>
+                  <a:lnTo>
+                    <a:pt x="0" y="1329373"/>
+                  </a:lnTo>
+                  <a:cubicBezTo>
+                    <a:pt x="0" y="595181"/>
+                    <a:pt x="595181" y="0"/>
+                    <a:pt x="1329373" y="0"/>
+                  </a:cubicBezTo>
+                  <a:close/>
+                </a:path>
+              </a:pathLst>
+            </a:custGeom>
+            <a:solidFill>
+              <a:schemeClr val="bg2"/>
+            </a:solidFill>
+            <a:ln>
+              <a:noFill/>
+            </a:ln>
+            <a:effectLst>
+              <a:innerShdw blurRad="254000" dist="50800" dir="16200000">
+                <a:schemeClr val="accent1">
+                  <a:lumMod val="40000"/>
+                  <a:lumOff val="60000"/>
+                  <a:alpha val="40000"/>
+                </a:schemeClr>
+              </a:innerShdw>
+            </a:effectLst>
+          </p:spPr>
+          <p:style>
+            <a:lnRef idx="2">
+              <a:schemeClr val="accent1">
+                <a:shade val="50000"/>
+              </a:schemeClr>
+            </a:lnRef>
+            <a:fillRef idx="1">
+              <a:schemeClr val="accent1"/>
+            </a:fillRef>
+            <a:effectRef idx="0">
+              <a:schemeClr val="accent1"/>
+            </a:effectRef>
+            <a:fontRef idx="minor">
+              <a:schemeClr val="lt1"/>
+            </a:fontRef>
+          </p:style>
+          <p:txBody>
+            <a:bodyPr rtlCol="0" anchor="ctr"/>
+            <a:lstStyle/>
+            <a:p>
+              <a:pPr algn="ctr"/>
+              <a:endParaRPr lang="en-US"/>
+            </a:p>
+          </p:txBody>
+        </p:sp>
+        <p:sp>
+          <p:nvSpPr>
+            <p:cNvPr id="75" name="Freeform: Shape 74">
+              <a:extLst>
+                <a:ext uri="{FF2B5EF4-FFF2-40B4-BE49-F238E27FC236}">
+                  <a16:creationId xmlns:a16="http://schemas.microsoft.com/office/drawing/2014/main" id="{B5CA2231-7A65-4D16-8400-A210CC41DB73}"/>
+                </a:ext>
+                <a:ext uri="{C183D7F6-B498-43B3-948B-1728B52AA6E4}">
+                  <adec:decorative xmlns:adec="http://schemas.microsoft.com/office/drawing/2017/decorative" val="1"/>
+                </a:ext>
+              </a:extLst>
+            </p:cNvPr>
+            <p:cNvSpPr>
+              <a:spLocks noChangeAspect="1"/>
+            </p:cNvSpPr>
+            <p:nvPr>
+              <p:extLst>
+                <p:ext uri="{386F3935-93C4-4BCD-93E2-E3B085C9AB24}">
+                  <p16:designElem xmlns:p16="http://schemas.microsoft.com/office/powerpoint/2015/main" val="1"/>
+                </p:ext>
+              </p:extLst>
+            </p:nvPr>
+          </p:nvSpPr>
+          <p:spPr>
+            <a:xfrm rot="18900000" flipV="1">
+              <a:off x="4957101" y="4052255"/>
+              <a:ext cx="1853969" cy="1093090"/>
+            </a:xfrm>
+            <a:custGeom>
+              <a:avLst/>
+              <a:gdLst>
+                <a:gd name="connsiteX0" fmla="*/ 1329373 w 2658746"/>
+                <a:gd name="connsiteY0" fmla="*/ 0 h 1329373"/>
+                <a:gd name="connsiteX1" fmla="*/ 2658746 w 2658746"/>
+                <a:gd name="connsiteY1" fmla="*/ 1329373 h 1329373"/>
+                <a:gd name="connsiteX2" fmla="*/ 1994059 w 2658746"/>
+                <a:gd name="connsiteY2" fmla="*/ 1329373 h 1329373"/>
+                <a:gd name="connsiteX3" fmla="*/ 1329373 w 2658746"/>
+                <a:gd name="connsiteY3" fmla="*/ 664687 h 1329373"/>
+                <a:gd name="connsiteX4" fmla="*/ 664687 w 2658746"/>
+                <a:gd name="connsiteY4" fmla="*/ 1329373 h 1329373"/>
+                <a:gd name="connsiteX5" fmla="*/ 0 w 2658746"/>
+                <a:gd name="connsiteY5" fmla="*/ 1329373 h 1329373"/>
+                <a:gd name="connsiteX6" fmla="*/ 1329373 w 2658746"/>
+                <a:gd name="connsiteY6" fmla="*/ 0 h 1329373"/>
+              </a:gdLst>
+              <a:ahLst/>
+              <a:cxnLst>
+                <a:cxn ang="0">
+                  <a:pos x="connsiteX0" y="connsiteY0"/>
+                </a:cxn>
+                <a:cxn ang="0">
+                  <a:pos x="connsiteX1" y="connsiteY1"/>
+                </a:cxn>
+                <a:cxn ang="0">
+                  <a:pos x="connsiteX2" y="connsiteY2"/>
+                </a:cxn>
+                <a:cxn ang="0">
+                  <a:pos x="connsiteX3" y="connsiteY3"/>
+                </a:cxn>
+                <a:cxn ang="0">
+                  <a:pos x="connsiteX4" y="connsiteY4"/>
+                </a:cxn>
+                <a:cxn ang="0">
+                  <a:pos x="connsiteX5" y="connsiteY5"/>
+                </a:cxn>
+                <a:cxn ang="0">
+                  <a:pos x="connsiteX6" y="connsiteY6"/>
+                </a:cxn>
+              </a:cxnLst>
+              <a:rect l="l" t="t" r="r" b="b"/>
+              <a:pathLst>
+                <a:path w="2658746" h="1329373">
+                  <a:moveTo>
+                    <a:pt x="1329373" y="0"/>
+                  </a:moveTo>
+                  <a:cubicBezTo>
+                    <a:pt x="2063565" y="0"/>
+                    <a:pt x="2658746" y="595181"/>
+                    <a:pt x="2658746" y="1329373"/>
+                  </a:cubicBezTo>
+                  <a:lnTo>
+                    <a:pt x="1994059" y="1329373"/>
+                  </a:lnTo>
+                  <a:cubicBezTo>
+                    <a:pt x="1994059" y="962277"/>
+                    <a:pt x="1696469" y="664687"/>
+                    <a:pt x="1329373" y="664687"/>
+                  </a:cubicBezTo>
+                  <a:cubicBezTo>
+                    <a:pt x="962277" y="664687"/>
+                    <a:pt x="664687" y="962277"/>
+                    <a:pt x="664687" y="1329373"/>
+                  </a:cubicBezTo>
+                  <a:lnTo>
+                    <a:pt x="0" y="1329373"/>
+                  </a:lnTo>
+                  <a:cubicBezTo>
+                    <a:pt x="0" y="595181"/>
+                    <a:pt x="595181" y="0"/>
+                    <a:pt x="1329373" y="0"/>
+                  </a:cubicBezTo>
+                  <a:close/>
+                </a:path>
+              </a:pathLst>
+            </a:custGeom>
+            <a:solidFill>
+              <a:schemeClr val="bg2">
+                <a:lumMod val="50000"/>
+                <a:lumOff val="50000"/>
+                <a:alpha val="40000"/>
+              </a:schemeClr>
+            </a:solidFill>
+            <a:ln>
+              <a:noFill/>
+            </a:ln>
+            <a:effectLst>
+              <a:softEdge rad="190500"/>
+            </a:effectLst>
+          </p:spPr>
+          <p:style>
+            <a:lnRef idx="2">
+              <a:schemeClr val="accent1">
+                <a:shade val="50000"/>
+              </a:schemeClr>
+            </a:lnRef>
+            <a:fillRef idx="1">
+              <a:schemeClr val="accent1"/>
+            </a:fillRef>
+            <a:effectRef idx="0">
+              <a:schemeClr val="accent1"/>
+            </a:effectRef>
+            <a:fontRef idx="minor">
+              <a:schemeClr val="lt1"/>
+            </a:fontRef>
+          </p:style>
+          <p:txBody>
+            <a:bodyPr rtlCol="0" anchor="ctr"/>
+            <a:lstStyle/>
+            <a:p>
+              <a:pPr algn="ctr"/>
+              <a:endParaRPr lang="en-US">
+                <a:solidFill>
+                  <a:schemeClr val="tx1"/>
+                </a:solidFill>
+              </a:endParaRPr>
+            </a:p>
+          </p:txBody>
+        </p:sp>
+        <p:sp>
+          <p:nvSpPr>
+            <p:cNvPr id="76" name="Oval 75">
+              <a:extLst>
+                <a:ext uri="{FF2B5EF4-FFF2-40B4-BE49-F238E27FC236}">
+                  <a16:creationId xmlns:a16="http://schemas.microsoft.com/office/drawing/2014/main" id="{4B089C8C-B82B-4704-88E2-E857A5E21529}"/>
+                </a:ext>
+                <a:ext uri="{C183D7F6-B498-43B3-948B-1728B52AA6E4}">
+                  <adec:decorative xmlns:adec="http://schemas.microsoft.com/office/drawing/2017/decorative" val="1"/>
+                </a:ext>
+              </a:extLst>
+            </p:cNvPr>
+            <p:cNvSpPr/>
+            <p:nvPr>
+              <p:extLst>
+                <p:ext uri="{386F3935-93C4-4BCD-93E2-E3B085C9AB24}">
+                  <p16:designElem xmlns:p16="http://schemas.microsoft.com/office/powerpoint/2015/main" val="1"/>
+                </p:ext>
+              </p:extLst>
+            </p:nvPr>
+          </p:nvSpPr>
+          <p:spPr>
+            <a:xfrm rot="13500000" flipV="1">
+              <a:off x="6040374" y="3601683"/>
+              <a:ext cx="107098" cy="466589"/>
+            </a:xfrm>
+            <a:prstGeom prst="ellipse">
+              <a:avLst/>
+            </a:prstGeom>
+            <a:solidFill>
+              <a:schemeClr val="bg2">
+                <a:lumMod val="90000"/>
+                <a:lumOff val="10000"/>
+              </a:schemeClr>
+            </a:solidFill>
+            <a:ln>
+              <a:noFill/>
+            </a:ln>
+            <a:effectLst>
+              <a:innerShdw blurRad="63500" dist="2540000">
+                <a:schemeClr val="accent1">
+                  <a:lumMod val="60000"/>
+                  <a:lumOff val="40000"/>
+                  <a:alpha val="0"/>
+                </a:schemeClr>
+              </a:innerShdw>
+            </a:effectLst>
+          </p:spPr>
+          <p:style>
+            <a:lnRef idx="2">
+              <a:schemeClr val="accent1">
+                <a:shade val="50000"/>
+              </a:schemeClr>
+            </a:lnRef>
+            <a:fillRef idx="1">
+              <a:schemeClr val="accent1"/>
+            </a:fillRef>
+            <a:effectRef idx="0">
+              <a:schemeClr val="accent1"/>
+            </a:effectRef>
+            <a:fontRef idx="minor">
+              <a:schemeClr val="lt1"/>
+            </a:fontRef>
+          </p:style>
+          <p:txBody>
+            <a:bodyPr rot="0" spcFirstLastPara="0" vertOverflow="overflow" horzOverflow="overflow" vert="horz" wrap="square" lIns="91440" tIns="45720" rIns="91440" bIns="45720" numCol="1" spcCol="0" rtlCol="0" fromWordArt="0" anchor="ctr" anchorCtr="0" forceAA="0" compatLnSpc="1">
+              <a:prstTxWarp prst="textNoShape">
+                <a:avLst/>
+              </a:prstTxWarp>
+              <a:noAutofit/>
+            </a:bodyPr>
+            <a:lstStyle/>
+            <a:p>
+              <a:pPr algn="ctr"/>
+              <a:endParaRPr lang="en-US"/>
+            </a:p>
+          </p:txBody>
+        </p:sp>
+        <p:sp>
+          <p:nvSpPr>
+            <p:cNvPr id="77" name="Oval 76">
+              <a:extLst>
+                <a:ext uri="{FF2B5EF4-FFF2-40B4-BE49-F238E27FC236}">
+                  <a16:creationId xmlns:a16="http://schemas.microsoft.com/office/drawing/2014/main" id="{434B90C8-5B4D-456E-AD99-80EF748FDD72}"/>
+                </a:ext>
+                <a:ext uri="{C183D7F6-B498-43B3-948B-1728B52AA6E4}">
+                  <adec:decorative xmlns:adec="http://schemas.microsoft.com/office/drawing/2017/decorative" val="1"/>
+                </a:ext>
+              </a:extLst>
+            </p:cNvPr>
+            <p:cNvSpPr/>
+            <p:nvPr>
+              <p:extLst>
+                <p:ext uri="{386F3935-93C4-4BCD-93E2-E3B085C9AB24}">
+                  <p16:designElem xmlns:p16="http://schemas.microsoft.com/office/powerpoint/2015/main" val="1"/>
+                </p:ext>
+              </p:extLst>
+            </p:nvPr>
+          </p:nvSpPr>
+          <p:spPr>
+            <a:xfrm rot="13500000" flipV="1">
+              <a:off x="5059348" y="4582709"/>
+              <a:ext cx="107098" cy="466589"/>
+            </a:xfrm>
+            <a:prstGeom prst="ellipse">
+              <a:avLst/>
+            </a:prstGeom>
+            <a:solidFill>
+              <a:schemeClr val="bg2">
+                <a:lumMod val="90000"/>
+                <a:lumOff val="10000"/>
+              </a:schemeClr>
+            </a:solidFill>
+            <a:ln>
+              <a:noFill/>
+            </a:ln>
+            <a:effectLst>
+              <a:innerShdw blurRad="63500" dist="2540000">
+                <a:schemeClr val="accent1">
+                  <a:lumMod val="60000"/>
+                  <a:lumOff val="40000"/>
+                  <a:alpha val="0"/>
+                </a:schemeClr>
+              </a:innerShdw>
+            </a:effectLst>
+          </p:spPr>
+          <p:style>
+            <a:lnRef idx="2">
+              <a:schemeClr val="accent1">
+                <a:shade val="50000"/>
+              </a:schemeClr>
+            </a:lnRef>
+            <a:fillRef idx="1">
+              <a:schemeClr val="accent1"/>
+            </a:fillRef>
+            <a:effectRef idx="0">
+              <a:schemeClr val="accent1"/>
+            </a:effectRef>
+            <a:fontRef idx="minor">
+              <a:schemeClr val="lt1"/>
+            </a:fontRef>
+          </p:style>
+          <p:txBody>
+            <a:bodyPr rot="0" spcFirstLastPara="0" vertOverflow="overflow" horzOverflow="overflow" vert="horz" wrap="square" lIns="91440" tIns="45720" rIns="91440" bIns="45720" numCol="1" spcCol="0" rtlCol="0" fromWordArt="0" anchor="ctr" anchorCtr="0" forceAA="0" compatLnSpc="1">
+              <a:prstTxWarp prst="textNoShape">
+                <a:avLst/>
+              </a:prstTxWarp>
+              <a:noAutofit/>
+            </a:bodyPr>
+            <a:lstStyle/>
+            <a:p>
+              <a:pPr algn="ctr"/>
+              <a:endParaRPr lang="en-US"/>
+            </a:p>
+          </p:txBody>
+        </p:sp>
+      </p:grpSp>
+      <p:sp useBgFill="1">
+        <p:nvSpPr>
+          <p:cNvPr id="79" name="Rectangle 78">
+            <a:extLst>
+              <a:ext uri="{FF2B5EF4-FFF2-40B4-BE49-F238E27FC236}">
+                <a16:creationId xmlns:a16="http://schemas.microsoft.com/office/drawing/2014/main" id="{1DB043B4-68C6-45B9-82AC-A5800EADB8DB}"/>
+              </a:ext>
+              <a:ext uri="{C183D7F6-B498-43B3-948B-1728B52AA6E4}">
+                <adec:decorative xmlns:adec="http://schemas.microsoft.com/office/drawing/2017/decorative" val="1"/>
+              </a:ext>
+            </a:extLst>
+          </p:cNvPr>
+          <p:cNvSpPr>
+            <a:spLocks noGrp="1" noRot="1" noChangeAspect="1" noMove="1" noResize="1" noEditPoints="1" noAdjustHandles="1" noChangeArrowheads="1" noChangeShapeType="1" noTextEdit="1"/>
+          </p:cNvSpPr>
+          <p:nvPr>
+            <p:extLst>
+              <p:ext uri="{386F3935-93C4-4BCD-93E2-E3B085C9AB24}">
+                <p16:designElem xmlns:p16="http://schemas.microsoft.com/office/powerpoint/2015/main" val="1"/>
+              </p:ext>
+            </p:extLst>
+          </p:nvPr>
+        </p:nvSpPr>
+        <p:spPr>
+          <a:xfrm>
+            <a:off x="0" y="0"/>
+            <a:ext cx="12192000" cy="6858000"/>
+          </a:xfrm>
+          <a:prstGeom prst="rect">
+            <a:avLst/>
+          </a:prstGeom>
+          <a:ln w="12700" cap="flat" cmpd="sng" algn="ctr">
+            <a:noFill/>
+            <a:prstDash val="solid"/>
+            <a:miter lim="800000"/>
+          </a:ln>
+          <a:effectLst/>
+          <a:extLst>
+            <a:ext uri="{91240B29-F687-4F45-9708-019B960494DF}">
+              <a14:hiddenLine xmlns:a14="http://schemas.microsoft.com/office/drawing/2010/main" w="12700" cap="flat" cmpd="sng" algn="ctr">
+                <a:solidFill>
+                  <a:schemeClr val="accent1">
+                    <a:shade val="50000"/>
+                  </a:schemeClr>
+                </a:solidFill>
+                <a:prstDash val="solid"/>
+                <a:miter lim="800000"/>
+              </a14:hiddenLine>
+            </a:ext>
+          </a:extLst>
+        </p:spPr>
+        <p:style>
+          <a:lnRef idx="2">
+            <a:schemeClr val="accent1">
+              <a:shade val="50000"/>
+            </a:schemeClr>
+          </a:lnRef>
+          <a:fillRef idx="1">
+            <a:schemeClr val="accent1"/>
+          </a:fillRef>
+          <a:effectRef idx="0">
+            <a:schemeClr val="accent1"/>
+          </a:effectRef>
+          <a:fontRef idx="minor">
+            <a:schemeClr val="lt1"/>
+          </a:fontRef>
+        </p:style>
+        <p:txBody>
+          <a:bodyPr rtlCol="0" anchor="ctr"/>
+          <a:lstStyle/>
+          <a:p>
+            <a:pPr algn="ctr"/>
+            <a:endParaRPr lang="en-US"/>
+          </a:p>
+        </p:txBody>
+      </p:sp>
+      <p:pic>
+        <p:nvPicPr>
+          <p:cNvPr id="3" name="Picture 2" descr="Digital abstract blue color wave particles flow">
+            <a:extLst>
+              <a:ext uri="{FF2B5EF4-FFF2-40B4-BE49-F238E27FC236}">
+                <a16:creationId xmlns:a16="http://schemas.microsoft.com/office/drawing/2014/main" id="{872E0E1A-E1FD-B3AA-EA4A-3BD5A227DDDE}"/>
+              </a:ext>
+            </a:extLst>
+          </p:cNvPr>
+          <p:cNvPicPr>
+            <a:picLocks noChangeAspect="1"/>
+          </p:cNvPicPr>
+          <p:nvPr/>
+        </p:nvPicPr>
+        <p:blipFill>
+          <a:blip r:embed="rId3">
+            <a:extLst>
+              <a:ext uri="{28A0092B-C50C-407E-A947-70E740481C1C}">
+                <a14:useLocalDpi xmlns:a14="http://schemas.microsoft.com/office/drawing/2010/main" val="0"/>
+              </a:ext>
+            </a:extLst>
+          </a:blip>
+          <a:srcRect/>
+          <a:stretch/>
+        </p:blipFill>
+        <p:spPr>
+          <a:xfrm>
+            <a:off x="20" y="1"/>
+            <a:ext cx="12191980" cy="6858000"/>
+          </a:xfrm>
+          <a:custGeom>
+            <a:avLst/>
+            <a:gdLst/>
+            <a:ahLst/>
+            <a:cxnLst/>
+            <a:rect l="l" t="t" r="r" b="b"/>
+            <a:pathLst>
+              <a:path w="12192000" h="6858000">
+                <a:moveTo>
+                  <a:pt x="0" y="0"/>
+                </a:moveTo>
+                <a:lnTo>
+                  <a:pt x="12192000" y="0"/>
+                </a:lnTo>
+                <a:lnTo>
+                  <a:pt x="12192000" y="6858000"/>
+                </a:lnTo>
+                <a:lnTo>
+                  <a:pt x="0" y="6858000"/>
+                </a:lnTo>
+                <a:close/>
+              </a:path>
+            </a:pathLst>
+          </a:custGeom>
+        </p:spPr>
+      </p:pic>
+      <p:sp>
+        <p:nvSpPr>
+          <p:cNvPr id="81" name="Rectangle 80">
+            <a:extLst>
+              <a:ext uri="{FF2B5EF4-FFF2-40B4-BE49-F238E27FC236}">
+                <a16:creationId xmlns:a16="http://schemas.microsoft.com/office/drawing/2014/main" id="{3C64A91D-E535-4C24-A0E3-96A3810E3FDC}"/>
+              </a:ext>
+              <a:ext uri="{C183D7F6-B498-43B3-948B-1728B52AA6E4}">
+                <adec:decorative xmlns:adec="http://schemas.microsoft.com/office/drawing/2017/decorative" val="1"/>
+              </a:ext>
+            </a:extLst>
+          </p:cNvPr>
+          <p:cNvSpPr>
+            <a:spLocks noGrp="1" noRot="1" noChangeAspect="1" noMove="1" noResize="1" noEditPoints="1" noAdjustHandles="1" noChangeArrowheads="1" noChangeShapeType="1" noTextEdit="1"/>
+          </p:cNvSpPr>
+          <p:nvPr>
+            <p:extLst>
+              <p:ext uri="{386F3935-93C4-4BCD-93E2-E3B085C9AB24}">
+                <p16:designElem xmlns:p16="http://schemas.microsoft.com/office/powerpoint/2015/main" val="1"/>
+              </p:ext>
+            </p:extLst>
+          </p:nvPr>
+        </p:nvSpPr>
+        <p:spPr>
+          <a:xfrm>
+            <a:off x="0" y="5773729"/>
+            <a:ext cx="12192000" cy="1084271"/>
+          </a:xfrm>
+          <a:prstGeom prst="rect">
+            <a:avLst/>
+          </a:prstGeom>
+          <a:gradFill flip="none" rotWithShape="1">
+            <a:gsLst>
+              <a:gs pos="90000">
+                <a:schemeClr val="bg2">
+                  <a:alpha val="60000"/>
+                </a:schemeClr>
+              </a:gs>
+              <a:gs pos="28000">
+                <a:schemeClr val="bg2">
+                  <a:alpha val="0"/>
+                </a:schemeClr>
+              </a:gs>
+            </a:gsLst>
+            <a:lin ang="5400000" scaled="0"/>
+            <a:tileRect/>
+          </a:gradFill>
+          <a:ln>
+            <a:noFill/>
+          </a:ln>
+        </p:spPr>
+        <p:style>
+          <a:lnRef idx="2">
+            <a:schemeClr val="accent1">
+              <a:shade val="50000"/>
+            </a:schemeClr>
+          </a:lnRef>
+          <a:fillRef idx="1">
+            <a:schemeClr val="accent1"/>
+          </a:fillRef>
+          <a:effectRef idx="0">
+            <a:schemeClr val="accent1"/>
+          </a:effectRef>
+          <a:fontRef idx="minor">
+            <a:schemeClr val="lt1"/>
+          </a:fontRef>
+        </p:style>
+        <p:txBody>
+          <a:bodyPr rtlCol="0" anchor="ctr"/>
+          <a:lstStyle/>
+          <a:p>
+            <a:pPr algn="ctr"/>
+            <a:endParaRPr lang="en-US"/>
+          </a:p>
+        </p:txBody>
+      </p:sp>
+      <p:sp>
+        <p:nvSpPr>
+          <p:cNvPr id="83" name="Rectangle 82">
+            <a:extLst>
+              <a:ext uri="{FF2B5EF4-FFF2-40B4-BE49-F238E27FC236}">
+                <a16:creationId xmlns:a16="http://schemas.microsoft.com/office/drawing/2014/main" id="{26FC4867-BA3E-4F8E-AB23-684F34DF3D31}"/>
+              </a:ext>
+              <a:ext uri="{C183D7F6-B498-43B3-948B-1728B52AA6E4}">
+                <adec:decorative xmlns:adec="http://schemas.microsoft.com/office/drawing/2017/decorative" val="1"/>
+              </a:ext>
+            </a:extLst>
+          </p:cNvPr>
+          <p:cNvSpPr>
+            <a:spLocks noGrp="1" noRot="1" noChangeAspect="1" noMove="1" noResize="1" noEditPoints="1" noAdjustHandles="1" noChangeArrowheads="1" noChangeShapeType="1" noTextEdit="1"/>
+          </p:cNvSpPr>
+          <p:nvPr>
+            <p:extLst>
+              <p:ext uri="{386F3935-93C4-4BCD-93E2-E3B085C9AB24}">
+                <p16:designElem xmlns:p16="http://schemas.microsoft.com/office/powerpoint/2015/main" val="1"/>
+              </p:ext>
+            </p:extLst>
+          </p:nvPr>
+        </p:nvSpPr>
+        <p:spPr>
+          <a:xfrm rot="10800000">
+            <a:off x="0" y="-3"/>
+            <a:ext cx="9000000" cy="6857998"/>
+          </a:xfrm>
+          <a:prstGeom prst="rect">
+            <a:avLst/>
+          </a:prstGeom>
+          <a:gradFill flip="none" rotWithShape="1">
+            <a:gsLst>
+              <a:gs pos="50000">
+                <a:schemeClr val="bg2">
+                  <a:alpha val="60000"/>
+                </a:schemeClr>
+              </a:gs>
+              <a:gs pos="0">
+                <a:schemeClr val="bg2">
+                  <a:alpha val="0"/>
+                </a:schemeClr>
+              </a:gs>
+            </a:gsLst>
+            <a:lin ang="0" scaled="0"/>
+            <a:tileRect/>
+          </a:gradFill>
+          <a:ln>
+            <a:noFill/>
+          </a:ln>
+        </p:spPr>
+        <p:style>
+          <a:lnRef idx="2">
+            <a:schemeClr val="accent1">
+              <a:shade val="50000"/>
+            </a:schemeClr>
+          </a:lnRef>
+          <a:fillRef idx="1">
+            <a:schemeClr val="accent1"/>
+          </a:fillRef>
+          <a:effectRef idx="0">
+            <a:schemeClr val="accent1"/>
+          </a:effectRef>
+          <a:fontRef idx="minor">
+            <a:schemeClr val="lt1"/>
+          </a:fontRef>
+        </p:style>
+        <p:txBody>
+          <a:bodyPr rtlCol="0" anchor="ctr"/>
+          <a:lstStyle/>
+          <a:p>
+            <a:pPr algn="ctr"/>
+            <a:endParaRPr lang="en-US"/>
+          </a:p>
+        </p:txBody>
+      </p:sp>
+      <p:sp>
+        <p:nvSpPr>
+          <p:cNvPr id="7" name="Title 6">
+            <a:extLst>
+              <a:ext uri="{FF2B5EF4-FFF2-40B4-BE49-F238E27FC236}">
+                <a16:creationId xmlns:a16="http://schemas.microsoft.com/office/drawing/2014/main" id="{8A84D4AF-8D29-5A55-F3F8-1E928E3B08FF}"/>
+              </a:ext>
+            </a:extLst>
+          </p:cNvPr>
+          <p:cNvSpPr>
+            <a:spLocks noGrp="1"/>
+          </p:cNvSpPr>
+          <p:nvPr>
+            <p:ph type="ctrTitle"/>
+          </p:nvPr>
+        </p:nvSpPr>
+        <p:spPr>
+          <a:xfrm>
+            <a:off x="550863" y="549275"/>
+            <a:ext cx="5437187" cy="2986234"/>
+          </a:xfrm>
+        </p:spPr>
+        <p:txBody>
+          <a:bodyPr vert="horz" wrap="square" lIns="0" tIns="0" rIns="0" bIns="0" rtlCol="0" anchor="b" anchorCtr="0">
+            <a:normAutofit/>
+          </a:bodyPr>
+          <a:lstStyle/>
+          <a:p>
+            <a:pPr algn="l">
+              <a:lnSpc>
+                <a:spcPct val="100000"/>
+              </a:lnSpc>
+            </a:pPr>
+            <a:r>
+              <a:rPr lang="en-US" sz="6400" kern="1200">
+                <a:solidFill>
+                  <a:schemeClr val="tx1"/>
+                </a:solidFill>
+                <a:latin typeface="+mj-lt"/>
+                <a:ea typeface="+mj-ea"/>
+                <a:cs typeface="+mj-cs"/>
+              </a:rPr>
+              <a:t>Event Sourcing</a:t>
+            </a:r>
+          </a:p>
+        </p:txBody>
+      </p:sp>
+    </p:spTree>
+    <p:extLst>
+      <p:ext uri="{BB962C8B-B14F-4D97-AF65-F5344CB8AC3E}">
+        <p14:creationId xmlns:p14="http://schemas.microsoft.com/office/powerpoint/2010/main" val="473794441"/>
+      </p:ext>
+    </p:extLst>
+  </p:cSld>
+  <p:clrMapOvr>
+    <a:masterClrMapping/>
+  </p:clrMapOvr>
 </p:sld>
 </file>
 
